--- a/docs/songs_2025-12-31.pptx
+++ b/docs/songs_2025-12-31.pptx
@@ -5,7 +5,7 @@
     <p:sldMasterId id="2147483648" r:id="rId1"/>
   </p:sldMasterIdLst>
   <p:notesMasterIdLst>
-    <p:notesMasterId r:id="rId74"/>
+    <p:notesMasterId r:id="rId59"/>
   </p:notesMasterIdLst>
   <p:sldIdLst>
     <p:sldId id="950" r:id="rId2"/>
@@ -33,53 +33,38 @@
     <p:sldId id="1455" r:id="rId24"/>
     <p:sldId id="1457" r:id="rId25"/>
     <p:sldId id="1456" r:id="rId26"/>
-    <p:sldId id="1423" r:id="rId27"/>
-    <p:sldId id="1424" r:id="rId28"/>
-    <p:sldId id="1425" r:id="rId29"/>
-    <p:sldId id="1426" r:id="rId30"/>
-    <p:sldId id="706" r:id="rId31"/>
-    <p:sldId id="707" r:id="rId32"/>
-    <p:sldId id="708" r:id="rId33"/>
-    <p:sldId id="1458" r:id="rId34"/>
-    <p:sldId id="1430" r:id="rId35"/>
-    <p:sldId id="1459" r:id="rId36"/>
-    <p:sldId id="1460" r:id="rId37"/>
-    <p:sldId id="1461" r:id="rId38"/>
-    <p:sldId id="1462" r:id="rId39"/>
-    <p:sldId id="1463" r:id="rId40"/>
-    <p:sldId id="1464" r:id="rId41"/>
-    <p:sldId id="1468" r:id="rId42"/>
-    <p:sldId id="656" r:id="rId43"/>
-    <p:sldId id="657" r:id="rId44"/>
-    <p:sldId id="1227" r:id="rId45"/>
-    <p:sldId id="661" r:id="rId46"/>
-    <p:sldId id="658" r:id="rId47"/>
-    <p:sldId id="1228" r:id="rId48"/>
-    <p:sldId id="659" r:id="rId49"/>
-    <p:sldId id="660" r:id="rId50"/>
-    <p:sldId id="713" r:id="rId51"/>
-    <p:sldId id="1229" r:id="rId52"/>
-    <p:sldId id="1230" r:id="rId53"/>
-    <p:sldId id="1226" r:id="rId54"/>
-    <p:sldId id="645" r:id="rId55"/>
-    <p:sldId id="644" r:id="rId56"/>
-    <p:sldId id="1469" r:id="rId57"/>
-    <p:sldId id="518" r:id="rId58"/>
-    <p:sldId id="520" r:id="rId59"/>
-    <p:sldId id="521" r:id="rId60"/>
-    <p:sldId id="522" r:id="rId61"/>
-    <p:sldId id="523" r:id="rId62"/>
-    <p:sldId id="525" r:id="rId63"/>
-    <p:sldId id="526" r:id="rId64"/>
-    <p:sldId id="532" r:id="rId65"/>
-    <p:sldId id="527" r:id="rId66"/>
-    <p:sldId id="528" r:id="rId67"/>
-    <p:sldId id="529" r:id="rId68"/>
-    <p:sldId id="530" r:id="rId69"/>
-    <p:sldId id="531" r:id="rId70"/>
-    <p:sldId id="1465" r:id="rId71"/>
-    <p:sldId id="1466" r:id="rId72"/>
-    <p:sldId id="1467" r:id="rId73"/>
+    <p:sldId id="1469" r:id="rId27"/>
+    <p:sldId id="1423" r:id="rId28"/>
+    <p:sldId id="1424" r:id="rId29"/>
+    <p:sldId id="1425" r:id="rId30"/>
+    <p:sldId id="1426" r:id="rId31"/>
+    <p:sldId id="706" r:id="rId32"/>
+    <p:sldId id="707" r:id="rId33"/>
+    <p:sldId id="708" r:id="rId34"/>
+    <p:sldId id="1458" r:id="rId35"/>
+    <p:sldId id="1430" r:id="rId36"/>
+    <p:sldId id="1459" r:id="rId37"/>
+    <p:sldId id="1460" r:id="rId38"/>
+    <p:sldId id="1461" r:id="rId39"/>
+    <p:sldId id="1462" r:id="rId40"/>
+    <p:sldId id="1463" r:id="rId41"/>
+    <p:sldId id="1464" r:id="rId42"/>
+    <p:sldId id="1468" r:id="rId43"/>
+    <p:sldId id="518" r:id="rId44"/>
+    <p:sldId id="520" r:id="rId45"/>
+    <p:sldId id="521" r:id="rId46"/>
+    <p:sldId id="522" r:id="rId47"/>
+    <p:sldId id="523" r:id="rId48"/>
+    <p:sldId id="525" r:id="rId49"/>
+    <p:sldId id="526" r:id="rId50"/>
+    <p:sldId id="532" r:id="rId51"/>
+    <p:sldId id="527" r:id="rId52"/>
+    <p:sldId id="528" r:id="rId53"/>
+    <p:sldId id="529" r:id="rId54"/>
+    <p:sldId id="530" r:id="rId55"/>
+    <p:sldId id="1465" r:id="rId56"/>
+    <p:sldId id="1467" r:id="rId57"/>
+    <p:sldId id="531" r:id="rId58"/>
   </p:sldIdLst>
   <p:sldSz cx="9144000" cy="6858000" type="screen4x3"/>
   <p:notesSz cx="6858000" cy="9144000"/>
@@ -208,6 +193,7 @@
             <p14:sldId id="1455"/>
             <p14:sldId id="1457"/>
             <p14:sldId id="1456"/>
+            <p14:sldId id="1469"/>
             <p14:sldId id="1423"/>
             <p14:sldId id="1424"/>
             <p14:sldId id="1425"/>
@@ -224,21 +210,6 @@
             <p14:sldId id="1463"/>
             <p14:sldId id="1464"/>
             <p14:sldId id="1468"/>
-            <p14:sldId id="656"/>
-            <p14:sldId id="657"/>
-            <p14:sldId id="1227"/>
-            <p14:sldId id="661"/>
-            <p14:sldId id="658"/>
-            <p14:sldId id="1228"/>
-            <p14:sldId id="659"/>
-            <p14:sldId id="660"/>
-            <p14:sldId id="713"/>
-            <p14:sldId id="1229"/>
-            <p14:sldId id="1230"/>
-            <p14:sldId id="1226"/>
-            <p14:sldId id="645"/>
-            <p14:sldId id="644"/>
-            <p14:sldId id="1469"/>
             <p14:sldId id="518"/>
             <p14:sldId id="520"/>
             <p14:sldId id="521"/>
@@ -251,10 +222,9 @@
             <p14:sldId id="528"/>
             <p14:sldId id="529"/>
             <p14:sldId id="530"/>
+            <p14:sldId id="1465"/>
+            <p14:sldId id="1467"/>
             <p14:sldId id="531"/>
-            <p14:sldId id="1465"/>
-            <p14:sldId id="1466"/>
-            <p14:sldId id="1467"/>
           </p14:sldIdLst>
         </p14:section>
         <p14:section name="Main Service" id="{4FE2647C-705B-495A-AADF-8CE4EFF28E49}">
@@ -362,7 +332,7 @@
           <a:p>
             <a:fld id="{C57EAEFC-A9C7-464E-BE3F-33D4DD72E122}" type="datetimeFigureOut">
               <a:rPr lang="en-GB" smtClean="0"/>
-              <a:t>21/12/2025</a:t>
+              <a:t>26/12/2025</a:t>
             </a:fld>
             <a:endParaRPr lang="en-GB"/>
           </a:p>
@@ -1146,7 +1116,7 @@
             <a:fld id="{26EA1CF3-4A15-4CBF-9A5A-6A56C368BE71}" type="datetimeFigureOut">
               <a:rPr lang="en-GB" smtClean="0"/>
               <a:pPr/>
-              <a:t>21/12/2025</a:t>
+              <a:t>26/12/2025</a:t>
             </a:fld>
             <a:endParaRPr lang="en-GB"/>
           </a:p>
@@ -1311,7 +1281,7 @@
             <a:fld id="{26EA1CF3-4A15-4CBF-9A5A-6A56C368BE71}" type="datetimeFigureOut">
               <a:rPr lang="en-GB" smtClean="0"/>
               <a:pPr/>
-              <a:t>21/12/2025</a:t>
+              <a:t>26/12/2025</a:t>
             </a:fld>
             <a:endParaRPr lang="en-GB"/>
           </a:p>
@@ -1486,7 +1456,7 @@
             <a:fld id="{26EA1CF3-4A15-4CBF-9A5A-6A56C368BE71}" type="datetimeFigureOut">
               <a:rPr lang="en-GB" smtClean="0"/>
               <a:pPr/>
-              <a:t>21/12/2025</a:t>
+              <a:t>26/12/2025</a:t>
             </a:fld>
             <a:endParaRPr lang="en-GB"/>
           </a:p>
@@ -1653,7 +1623,7 @@
             <a:fld id="{26EA1CF3-4A15-4CBF-9A5A-6A56C368BE71}" type="datetimeFigureOut">
               <a:rPr lang="en-GB" smtClean="0"/>
               <a:pPr/>
-              <a:t>21/12/2025</a:t>
+              <a:t>26/12/2025</a:t>
             </a:fld>
             <a:endParaRPr lang="en-GB"/>
           </a:p>
@@ -1895,7 +1865,7 @@
             <a:fld id="{26EA1CF3-4A15-4CBF-9A5A-6A56C368BE71}" type="datetimeFigureOut">
               <a:rPr lang="en-GB" smtClean="0"/>
               <a:pPr/>
-              <a:t>21/12/2025</a:t>
+              <a:t>26/12/2025</a:t>
             </a:fld>
             <a:endParaRPr lang="en-GB"/>
           </a:p>
@@ -2177,7 +2147,7 @@
             <a:fld id="{26EA1CF3-4A15-4CBF-9A5A-6A56C368BE71}" type="datetimeFigureOut">
               <a:rPr lang="en-GB" smtClean="0"/>
               <a:pPr/>
-              <a:t>21/12/2025</a:t>
+              <a:t>26/12/2025</a:t>
             </a:fld>
             <a:endParaRPr lang="en-GB"/>
           </a:p>
@@ -2593,7 +2563,7 @@
             <a:fld id="{26EA1CF3-4A15-4CBF-9A5A-6A56C368BE71}" type="datetimeFigureOut">
               <a:rPr lang="en-GB" smtClean="0"/>
               <a:pPr/>
-              <a:t>21/12/2025</a:t>
+              <a:t>26/12/2025</a:t>
             </a:fld>
             <a:endParaRPr lang="en-GB"/>
           </a:p>
@@ -2707,7 +2677,7 @@
             <a:fld id="{26EA1CF3-4A15-4CBF-9A5A-6A56C368BE71}" type="datetimeFigureOut">
               <a:rPr lang="en-GB" smtClean="0"/>
               <a:pPr/>
-              <a:t>21/12/2025</a:t>
+              <a:t>26/12/2025</a:t>
             </a:fld>
             <a:endParaRPr lang="en-GB"/>
           </a:p>
@@ -2799,7 +2769,7 @@
             <a:fld id="{26EA1CF3-4A15-4CBF-9A5A-6A56C368BE71}" type="datetimeFigureOut">
               <a:rPr lang="en-GB" smtClean="0"/>
               <a:pPr/>
-              <a:t>21/12/2025</a:t>
+              <a:t>26/12/2025</a:t>
             </a:fld>
             <a:endParaRPr lang="en-GB"/>
           </a:p>
@@ -3071,7 +3041,7 @@
             <a:fld id="{26EA1CF3-4A15-4CBF-9A5A-6A56C368BE71}" type="datetimeFigureOut">
               <a:rPr lang="en-GB" smtClean="0"/>
               <a:pPr/>
-              <a:t>21/12/2025</a:t>
+              <a:t>26/12/2025</a:t>
             </a:fld>
             <a:endParaRPr lang="en-GB"/>
           </a:p>
@@ -3323,7 +3293,7 @@
             <a:fld id="{26EA1CF3-4A15-4CBF-9A5A-6A56C368BE71}" type="datetimeFigureOut">
               <a:rPr lang="en-GB" smtClean="0"/>
               <a:pPr/>
-              <a:t>21/12/2025</a:t>
+              <a:t>26/12/2025</a:t>
             </a:fld>
             <a:endParaRPr lang="en-GB"/>
           </a:p>
@@ -3532,7 +3502,7 @@
             <a:fld id="{26EA1CF3-4A15-4CBF-9A5A-6A56C368BE71}" type="datetimeFigureOut">
               <a:rPr lang="en-GB" smtClean="0"/>
               <a:pPr/>
-              <a:t>21/12/2025</a:t>
+              <a:t>26/12/2025</a:t>
             </a:fld>
             <a:endParaRPr lang="en-GB"/>
           </a:p>
@@ -7503,7 +7473,13 @@
   <p:cSld>
     <p:spTree>
       <p:nvGrpSpPr>
-        <p:cNvPr id="1" name=""/>
+        <p:cNvPr id="1" name="">
+          <a:extLst>
+            <a:ext uri="{FF2B5EF4-FFF2-40B4-BE49-F238E27FC236}">
+              <a16:creationId xmlns:a16="http://schemas.microsoft.com/office/drawing/2014/main" id="{C235F966-5C90-4102-E838-A1039768BA2A}"/>
+            </a:ext>
+          </a:extLst>
+        </p:cNvPr>
         <p:cNvGrpSpPr/>
         <p:nvPr/>
       </p:nvGrpSpPr>
@@ -7515,128 +7491,10 @@
           <a:chExt cx="0" cy="0"/>
         </a:xfrm>
       </p:grpSpPr>
-      <p:sp>
-        <p:nvSpPr>
-          <p:cNvPr id="3" name="Subtitle 2"/>
-          <p:cNvSpPr>
-            <a:spLocks noGrp="1"/>
-          </p:cNvSpPr>
-          <p:nvPr>
-            <p:ph type="subTitle" idx="1"/>
-          </p:nvPr>
-        </p:nvSpPr>
-        <p:spPr>
-          <a:xfrm>
-            <a:off x="323528" y="188640"/>
-            <a:ext cx="8640960" cy="6480720"/>
-          </a:xfrm>
-        </p:spPr>
-        <p:txBody>
-          <a:bodyPr>
-            <a:noAutofit/>
-          </a:bodyPr>
-          <a:lstStyle/>
-          <a:p>
-            <a:endParaRPr lang="en-GB" sz="5400" dirty="0">
-              <a:solidFill>
-                <a:schemeClr val="bg1"/>
-              </a:solidFill>
-            </a:endParaRPr>
-          </a:p>
-          <a:p>
-            <a:r>
-              <a:rPr lang="en-GB" sz="6600" dirty="0">
-                <a:solidFill>
-                  <a:srgbClr val="00A3E0"/>
-                </a:solidFill>
-                <a:latin typeface="akagi_probook"/>
-              </a:rPr>
-              <a:t>Yes And Amen</a:t>
-            </a:r>
-          </a:p>
-          <a:p>
-            <a:br>
-              <a:rPr lang="en-GB" sz="1200" dirty="0">
-                <a:solidFill>
-                  <a:schemeClr val="bg1"/>
-                </a:solidFill>
-              </a:rPr>
-            </a:br>
-            <a:r>
-              <a:rPr lang="en-GB" sz="1200" dirty="0">
-                <a:solidFill>
-                  <a:schemeClr val="bg1"/>
-                </a:solidFill>
-              </a:rPr>
-              <a:t>CCLI Song # 7048885</a:t>
-            </a:r>
-          </a:p>
-          <a:p>
-            <a:r>
-              <a:rPr lang="en-GB" sz="1200" dirty="0">
-                <a:solidFill>
-                  <a:schemeClr val="bg1"/>
-                </a:solidFill>
-              </a:rPr>
-              <a:t>Chris McClarney | Nate Moore | Tony Brown</a:t>
-            </a:r>
-          </a:p>
-          <a:p>
-            <a:r>
-              <a:rPr lang="en-GB" sz="1200" dirty="0">
-                <a:solidFill>
-                  <a:schemeClr val="bg1"/>
-                </a:solidFill>
-              </a:rPr>
-              <a:t>© 2016 Thankyou Music Ltd; Bethel Worship Publishing; Mouth Of The River Music; Songs Of Simply Hymns Music; Tony Brown Music Designee</a:t>
-            </a:r>
-          </a:p>
-          <a:p>
-            <a:r>
-              <a:rPr lang="en-GB" sz="1200" dirty="0">
-                <a:solidFill>
-                  <a:schemeClr val="bg1"/>
-                </a:solidFill>
-              </a:rPr>
-              <a:t>For use solely with the </a:t>
-            </a:r>
-            <a:r>
-              <a:rPr lang="en-GB" sz="1200" dirty="0" err="1">
-                <a:solidFill>
-                  <a:schemeClr val="bg1"/>
-                </a:solidFill>
-              </a:rPr>
-              <a:t>SongSelect</a:t>
-            </a:r>
-            <a:r>
-              <a:rPr lang="en-GB" sz="1200" dirty="0">
-                <a:solidFill>
-                  <a:schemeClr val="bg1"/>
-                </a:solidFill>
-              </a:rPr>
-              <a:t>® Terms of Use. All rights reserved. www.ccli.com</a:t>
-            </a:r>
-          </a:p>
-          <a:p>
-            <a:endParaRPr lang="en-GB" sz="1200" dirty="0">
-              <a:solidFill>
-                <a:schemeClr val="bg1"/>
-              </a:solidFill>
-            </a:endParaRPr>
-          </a:p>
-          <a:p>
-            <a:endParaRPr lang="en-GB" sz="1200" dirty="0">
-              <a:solidFill>
-                <a:schemeClr val="bg1"/>
-              </a:solidFill>
-            </a:endParaRPr>
-          </a:p>
-        </p:txBody>
-      </p:sp>
     </p:spTree>
     <p:extLst>
       <p:ext uri="{BB962C8B-B14F-4D97-AF65-F5344CB8AC3E}">
-        <p14:creationId xmlns:p14="http://schemas.microsoft.com/office/powerpoint/2010/main" val="3660983005"/>
+        <p14:creationId xmlns:p14="http://schemas.microsoft.com/office/powerpoint/2010/main" val="1220456073"/>
       </p:ext>
     </p:extLst>
   </p:cSld>
@@ -7675,6 +7533,154 @@
         </p:nvSpPr>
         <p:spPr>
           <a:xfrm>
+            <a:off x="323528" y="188640"/>
+            <a:ext cx="8640960" cy="6480720"/>
+          </a:xfrm>
+        </p:spPr>
+        <p:txBody>
+          <a:bodyPr>
+            <a:noAutofit/>
+          </a:bodyPr>
+          <a:lstStyle/>
+          <a:p>
+            <a:endParaRPr lang="en-GB" sz="5400" dirty="0">
+              <a:solidFill>
+                <a:schemeClr val="bg1"/>
+              </a:solidFill>
+            </a:endParaRPr>
+          </a:p>
+          <a:p>
+            <a:r>
+              <a:rPr lang="en-GB" sz="6600" dirty="0">
+                <a:solidFill>
+                  <a:srgbClr val="00A3E0"/>
+                </a:solidFill>
+                <a:latin typeface="akagi_probook"/>
+              </a:rPr>
+              <a:t>Yes And Amen</a:t>
+            </a:r>
+          </a:p>
+          <a:p>
+            <a:br>
+              <a:rPr lang="en-GB" sz="1200" dirty="0">
+                <a:solidFill>
+                  <a:schemeClr val="bg1"/>
+                </a:solidFill>
+              </a:rPr>
+            </a:br>
+            <a:r>
+              <a:rPr lang="en-GB" sz="1200" dirty="0">
+                <a:solidFill>
+                  <a:schemeClr val="bg1"/>
+                </a:solidFill>
+              </a:rPr>
+              <a:t>CCLI Song # 7048885</a:t>
+            </a:r>
+          </a:p>
+          <a:p>
+            <a:r>
+              <a:rPr lang="en-GB" sz="1200" dirty="0">
+                <a:solidFill>
+                  <a:schemeClr val="bg1"/>
+                </a:solidFill>
+              </a:rPr>
+              <a:t>Chris McClarney | Nate Moore | Tony Brown</a:t>
+            </a:r>
+          </a:p>
+          <a:p>
+            <a:r>
+              <a:rPr lang="en-GB" sz="1200" dirty="0">
+                <a:solidFill>
+                  <a:schemeClr val="bg1"/>
+                </a:solidFill>
+              </a:rPr>
+              <a:t>© 2016 Thankyou Music Ltd; Bethel Worship Publishing; Mouth Of The River Music; Songs Of Simply Hymns Music; Tony Brown Music Designee</a:t>
+            </a:r>
+          </a:p>
+          <a:p>
+            <a:r>
+              <a:rPr lang="en-GB" sz="1200" dirty="0">
+                <a:solidFill>
+                  <a:schemeClr val="bg1"/>
+                </a:solidFill>
+              </a:rPr>
+              <a:t>For use solely with the </a:t>
+            </a:r>
+            <a:r>
+              <a:rPr lang="en-GB" sz="1200" dirty="0" err="1">
+                <a:solidFill>
+                  <a:schemeClr val="bg1"/>
+                </a:solidFill>
+              </a:rPr>
+              <a:t>SongSelect</a:t>
+            </a:r>
+            <a:r>
+              <a:rPr lang="en-GB" sz="1200" dirty="0">
+                <a:solidFill>
+                  <a:schemeClr val="bg1"/>
+                </a:solidFill>
+              </a:rPr>
+              <a:t>® Terms of Use. All rights reserved. www.ccli.com</a:t>
+            </a:r>
+          </a:p>
+          <a:p>
+            <a:endParaRPr lang="en-GB" sz="1200" dirty="0">
+              <a:solidFill>
+                <a:schemeClr val="bg1"/>
+              </a:solidFill>
+            </a:endParaRPr>
+          </a:p>
+          <a:p>
+            <a:endParaRPr lang="en-GB" sz="1200" dirty="0">
+              <a:solidFill>
+                <a:schemeClr val="bg1"/>
+              </a:solidFill>
+            </a:endParaRPr>
+          </a:p>
+        </p:txBody>
+      </p:sp>
+    </p:spTree>
+    <p:extLst>
+      <p:ext uri="{BB962C8B-B14F-4D97-AF65-F5344CB8AC3E}">
+        <p14:creationId xmlns:p14="http://schemas.microsoft.com/office/powerpoint/2010/main" val="3660983005"/>
+      </p:ext>
+    </p:extLst>
+  </p:cSld>
+  <p:clrMapOvr>
+    <a:masterClrMapping/>
+  </p:clrMapOvr>
+</p:sld>
+</file>
+
+<file path=ppt/slides/slide28.xml><?xml version="1.0" encoding="utf-8"?>
+<p:sld xmlns:a="http://schemas.openxmlformats.org/drawingml/2006/main" xmlns:r="http://schemas.openxmlformats.org/officeDocument/2006/relationships" xmlns:p="http://schemas.openxmlformats.org/presentationml/2006/main">
+  <p:cSld>
+    <p:spTree>
+      <p:nvGrpSpPr>
+        <p:cNvPr id="1" name=""/>
+        <p:cNvGrpSpPr/>
+        <p:nvPr/>
+      </p:nvGrpSpPr>
+      <p:grpSpPr>
+        <a:xfrm>
+          <a:off x="0" y="0"/>
+          <a:ext cx="0" cy="0"/>
+          <a:chOff x="0" y="0"/>
+          <a:chExt cx="0" cy="0"/>
+        </a:xfrm>
+      </p:grpSpPr>
+      <p:sp>
+        <p:nvSpPr>
+          <p:cNvPr id="3" name="Subtitle 2"/>
+          <p:cNvSpPr>
+            <a:spLocks noGrp="1"/>
+          </p:cNvSpPr>
+          <p:nvPr>
+            <p:ph type="subTitle" idx="1"/>
+          </p:nvPr>
+        </p:nvSpPr>
+        <p:spPr>
+          <a:xfrm>
             <a:off x="323528" y="836712"/>
             <a:ext cx="8640960" cy="6480720"/>
           </a:xfrm>
@@ -7782,7 +7788,7 @@
 </p:sld>
 </file>
 
-<file path=ppt/slides/slide28.xml><?xml version="1.0" encoding="utf-8"?>
+<file path=ppt/slides/slide29.xml><?xml version="1.0" encoding="utf-8"?>
 <p:sld xmlns:a="http://schemas.openxmlformats.org/drawingml/2006/main" xmlns:r="http://schemas.openxmlformats.org/officeDocument/2006/relationships" xmlns:p="http://schemas.openxmlformats.org/presentationml/2006/main">
   <p:cSld>
     <p:spTree>
@@ -7927,176 +7933,6 @@
     <p:extLst>
       <p:ext uri="{BB962C8B-B14F-4D97-AF65-F5344CB8AC3E}">
         <p14:creationId xmlns:p14="http://schemas.microsoft.com/office/powerpoint/2010/main" val="3255782134"/>
-      </p:ext>
-    </p:extLst>
-  </p:cSld>
-  <p:clrMapOvr>
-    <a:masterClrMapping/>
-  </p:clrMapOvr>
-</p:sld>
-</file>
-
-<file path=ppt/slides/slide29.xml><?xml version="1.0" encoding="utf-8"?>
-<p:sld xmlns:a="http://schemas.openxmlformats.org/drawingml/2006/main" xmlns:r="http://schemas.openxmlformats.org/officeDocument/2006/relationships" xmlns:p="http://schemas.openxmlformats.org/presentationml/2006/main">
-  <p:cSld>
-    <p:spTree>
-      <p:nvGrpSpPr>
-        <p:cNvPr id="1" name="">
-          <a:extLst>
-            <a:ext uri="{FF2B5EF4-FFF2-40B4-BE49-F238E27FC236}">
-              <a16:creationId xmlns:a16="http://schemas.microsoft.com/office/drawing/2014/main" id="{609A72A0-A2CD-D6DA-914F-8013F5692B50}"/>
-            </a:ext>
-          </a:extLst>
-        </p:cNvPr>
-        <p:cNvGrpSpPr/>
-        <p:nvPr/>
-      </p:nvGrpSpPr>
-      <p:grpSpPr>
-        <a:xfrm>
-          <a:off x="0" y="0"/>
-          <a:ext cx="0" cy="0"/>
-          <a:chOff x="0" y="0"/>
-          <a:chExt cx="0" cy="0"/>
-        </a:xfrm>
-      </p:grpSpPr>
-      <p:sp>
-        <p:nvSpPr>
-          <p:cNvPr id="3" name="Subtitle 2">
-            <a:extLst>
-              <a:ext uri="{FF2B5EF4-FFF2-40B4-BE49-F238E27FC236}">
-                <a16:creationId xmlns:a16="http://schemas.microsoft.com/office/drawing/2014/main" id="{5621DB4A-42E9-FB0F-F6D0-79332A1C2C96}"/>
-              </a:ext>
-            </a:extLst>
-          </p:cNvPr>
-          <p:cNvSpPr>
-            <a:spLocks noGrp="1"/>
-          </p:cNvSpPr>
-          <p:nvPr>
-            <p:ph type="subTitle" idx="1"/>
-          </p:nvPr>
-        </p:nvSpPr>
-        <p:spPr>
-          <a:xfrm>
-            <a:off x="323528" y="836712"/>
-            <a:ext cx="8640960" cy="6480720"/>
-          </a:xfrm>
-        </p:spPr>
-        <p:txBody>
-          <a:bodyPr>
-            <a:noAutofit/>
-          </a:bodyPr>
-          <a:lstStyle/>
-          <a:p>
-            <a:r>
-              <a:rPr lang="en-GB" sz="3600" dirty="0">
-                <a:solidFill>
-                  <a:schemeClr val="bg1"/>
-                </a:solidFill>
-              </a:rPr>
-              <a:t>Beautiful Saviour, You have brought me near</a:t>
-            </a:r>
-          </a:p>
-          <a:p>
-            <a:r>
-              <a:rPr lang="en-GB" sz="3600" dirty="0">
-                <a:solidFill>
-                  <a:schemeClr val="bg1"/>
-                </a:solidFill>
-              </a:rPr>
-              <a:t>You pulled me from the ashes</a:t>
-            </a:r>
-          </a:p>
-          <a:p>
-            <a:r>
-              <a:rPr lang="en-GB" sz="3600" dirty="0">
-                <a:solidFill>
-                  <a:schemeClr val="bg1"/>
-                </a:solidFill>
-              </a:rPr>
-              <a:t>You have broken </a:t>
-            </a:r>
-            <a:r>
-              <a:rPr lang="en-GB" sz="3600" dirty="0" err="1">
-                <a:solidFill>
-                  <a:schemeClr val="bg1"/>
-                </a:solidFill>
-              </a:rPr>
-              <a:t>ev'ry</a:t>
-            </a:r>
-            <a:r>
-              <a:rPr lang="en-GB" sz="3600" dirty="0">
-                <a:solidFill>
-                  <a:schemeClr val="bg1"/>
-                </a:solidFill>
-              </a:rPr>
-              <a:t> curse</a:t>
-            </a:r>
-          </a:p>
-          <a:p>
-            <a:r>
-              <a:rPr lang="en-GB" sz="3600" dirty="0">
-                <a:solidFill>
-                  <a:schemeClr val="bg1"/>
-                </a:solidFill>
-              </a:rPr>
-              <a:t>Blessed Redeemer You have set this captive free</a:t>
-            </a:r>
-          </a:p>
-          <a:p>
-            <a:r>
-              <a:rPr lang="en-GB" sz="3600" dirty="0">
-                <a:solidFill>
-                  <a:schemeClr val="bg1"/>
-                </a:solidFill>
-              </a:rPr>
-              <a:t>Lord I can't help but sing</a:t>
-            </a:r>
-          </a:p>
-        </p:txBody>
-      </p:sp>
-      <p:sp>
-        <p:nvSpPr>
-          <p:cNvPr id="4" name="TextBox 3">
-            <a:extLst>
-              <a:ext uri="{FF2B5EF4-FFF2-40B4-BE49-F238E27FC236}">
-                <a16:creationId xmlns:a16="http://schemas.microsoft.com/office/drawing/2014/main" id="{0507AD81-1058-4AC2-98C3-77A4529543E0}"/>
-              </a:ext>
-            </a:extLst>
-          </p:cNvPr>
-          <p:cNvSpPr txBox="1"/>
-          <p:nvPr/>
-        </p:nvSpPr>
-        <p:spPr>
-          <a:xfrm>
-            <a:off x="8529729" y="0"/>
-            <a:ext cx="628698" cy="461665"/>
-          </a:xfrm>
-          <a:prstGeom prst="rect">
-            <a:avLst/>
-          </a:prstGeom>
-          <a:noFill/>
-        </p:spPr>
-        <p:txBody>
-          <a:bodyPr wrap="none" rtlCol="0">
-            <a:spAutoFit/>
-          </a:bodyPr>
-          <a:lstStyle/>
-          <a:p>
-            <a:r>
-              <a:rPr lang="en-GB" sz="2400" b="1" dirty="0">
-                <a:solidFill>
-                  <a:schemeClr val="bg1"/>
-                </a:solidFill>
-              </a:rPr>
-              <a:t>3/8</a:t>
-            </a:r>
-          </a:p>
-        </p:txBody>
-      </p:sp>
-    </p:spTree>
-    <p:extLst>
-      <p:ext uri="{BB962C8B-B14F-4D97-AF65-F5344CB8AC3E}">
-        <p14:creationId xmlns:p14="http://schemas.microsoft.com/office/powerpoint/2010/main" val="3087643756"/>
       </p:ext>
     </p:extLst>
   </p:cSld>
@@ -8328,6 +8164,176 @@
         <p:cNvPr id="1" name="">
           <a:extLst>
             <a:ext uri="{FF2B5EF4-FFF2-40B4-BE49-F238E27FC236}">
+              <a16:creationId xmlns:a16="http://schemas.microsoft.com/office/drawing/2014/main" id="{609A72A0-A2CD-D6DA-914F-8013F5692B50}"/>
+            </a:ext>
+          </a:extLst>
+        </p:cNvPr>
+        <p:cNvGrpSpPr/>
+        <p:nvPr/>
+      </p:nvGrpSpPr>
+      <p:grpSpPr>
+        <a:xfrm>
+          <a:off x="0" y="0"/>
+          <a:ext cx="0" cy="0"/>
+          <a:chOff x="0" y="0"/>
+          <a:chExt cx="0" cy="0"/>
+        </a:xfrm>
+      </p:grpSpPr>
+      <p:sp>
+        <p:nvSpPr>
+          <p:cNvPr id="3" name="Subtitle 2">
+            <a:extLst>
+              <a:ext uri="{FF2B5EF4-FFF2-40B4-BE49-F238E27FC236}">
+                <a16:creationId xmlns:a16="http://schemas.microsoft.com/office/drawing/2014/main" id="{5621DB4A-42E9-FB0F-F6D0-79332A1C2C96}"/>
+              </a:ext>
+            </a:extLst>
+          </p:cNvPr>
+          <p:cNvSpPr>
+            <a:spLocks noGrp="1"/>
+          </p:cNvSpPr>
+          <p:nvPr>
+            <p:ph type="subTitle" idx="1"/>
+          </p:nvPr>
+        </p:nvSpPr>
+        <p:spPr>
+          <a:xfrm>
+            <a:off x="323528" y="836712"/>
+            <a:ext cx="8640960" cy="6480720"/>
+          </a:xfrm>
+        </p:spPr>
+        <p:txBody>
+          <a:bodyPr>
+            <a:noAutofit/>
+          </a:bodyPr>
+          <a:lstStyle/>
+          <a:p>
+            <a:r>
+              <a:rPr lang="en-GB" sz="3600" dirty="0">
+                <a:solidFill>
+                  <a:schemeClr val="bg1"/>
+                </a:solidFill>
+              </a:rPr>
+              <a:t>Beautiful Saviour, You have brought me near</a:t>
+            </a:r>
+          </a:p>
+          <a:p>
+            <a:r>
+              <a:rPr lang="en-GB" sz="3600" dirty="0">
+                <a:solidFill>
+                  <a:schemeClr val="bg1"/>
+                </a:solidFill>
+              </a:rPr>
+              <a:t>You pulled me from the ashes</a:t>
+            </a:r>
+          </a:p>
+          <a:p>
+            <a:r>
+              <a:rPr lang="en-GB" sz="3600" dirty="0">
+                <a:solidFill>
+                  <a:schemeClr val="bg1"/>
+                </a:solidFill>
+              </a:rPr>
+              <a:t>You have broken </a:t>
+            </a:r>
+            <a:r>
+              <a:rPr lang="en-GB" sz="3600" dirty="0" err="1">
+                <a:solidFill>
+                  <a:schemeClr val="bg1"/>
+                </a:solidFill>
+              </a:rPr>
+              <a:t>ev'ry</a:t>
+            </a:r>
+            <a:r>
+              <a:rPr lang="en-GB" sz="3600" dirty="0">
+                <a:solidFill>
+                  <a:schemeClr val="bg1"/>
+                </a:solidFill>
+              </a:rPr>
+              <a:t> curse</a:t>
+            </a:r>
+          </a:p>
+          <a:p>
+            <a:r>
+              <a:rPr lang="en-GB" sz="3600" dirty="0">
+                <a:solidFill>
+                  <a:schemeClr val="bg1"/>
+                </a:solidFill>
+              </a:rPr>
+              <a:t>Blessed Redeemer You have set this captive free</a:t>
+            </a:r>
+          </a:p>
+          <a:p>
+            <a:r>
+              <a:rPr lang="en-GB" sz="3600" dirty="0">
+                <a:solidFill>
+                  <a:schemeClr val="bg1"/>
+                </a:solidFill>
+              </a:rPr>
+              <a:t>Lord I can't help but sing</a:t>
+            </a:r>
+          </a:p>
+        </p:txBody>
+      </p:sp>
+      <p:sp>
+        <p:nvSpPr>
+          <p:cNvPr id="4" name="TextBox 3">
+            <a:extLst>
+              <a:ext uri="{FF2B5EF4-FFF2-40B4-BE49-F238E27FC236}">
+                <a16:creationId xmlns:a16="http://schemas.microsoft.com/office/drawing/2014/main" id="{0507AD81-1058-4AC2-98C3-77A4529543E0}"/>
+              </a:ext>
+            </a:extLst>
+          </p:cNvPr>
+          <p:cNvSpPr txBox="1"/>
+          <p:nvPr/>
+        </p:nvSpPr>
+        <p:spPr>
+          <a:xfrm>
+            <a:off x="8529729" y="0"/>
+            <a:ext cx="628698" cy="461665"/>
+          </a:xfrm>
+          <a:prstGeom prst="rect">
+            <a:avLst/>
+          </a:prstGeom>
+          <a:noFill/>
+        </p:spPr>
+        <p:txBody>
+          <a:bodyPr wrap="none" rtlCol="0">
+            <a:spAutoFit/>
+          </a:bodyPr>
+          <a:lstStyle/>
+          <a:p>
+            <a:r>
+              <a:rPr lang="en-GB" sz="2400" b="1" dirty="0">
+                <a:solidFill>
+                  <a:schemeClr val="bg1"/>
+                </a:solidFill>
+              </a:rPr>
+              <a:t>3/8</a:t>
+            </a:r>
+          </a:p>
+        </p:txBody>
+      </p:sp>
+    </p:spTree>
+    <p:extLst>
+      <p:ext uri="{BB962C8B-B14F-4D97-AF65-F5344CB8AC3E}">
+        <p14:creationId xmlns:p14="http://schemas.microsoft.com/office/powerpoint/2010/main" val="3087643756"/>
+      </p:ext>
+    </p:extLst>
+  </p:cSld>
+  <p:clrMapOvr>
+    <a:masterClrMapping/>
+  </p:clrMapOvr>
+</p:sld>
+</file>
+
+<file path=ppt/slides/slide31.xml><?xml version="1.0" encoding="utf-8"?>
+<p:sld xmlns:a="http://schemas.openxmlformats.org/drawingml/2006/main" xmlns:r="http://schemas.openxmlformats.org/officeDocument/2006/relationships" xmlns:p="http://schemas.openxmlformats.org/presentationml/2006/main">
+  <p:cSld>
+    <p:spTree>
+      <p:nvGrpSpPr>
+        <p:cNvPr id="1" name="">
+          <a:extLst>
+            <a:ext uri="{FF2B5EF4-FFF2-40B4-BE49-F238E27FC236}">
               <a16:creationId xmlns:a16="http://schemas.microsoft.com/office/drawing/2014/main" id="{1A102137-2F21-6C01-E4AD-CD85B16EA31C}"/>
             </a:ext>
           </a:extLst>
@@ -8474,7 +8480,7 @@
 </p:sld>
 </file>
 
-<file path=ppt/slides/slide31.xml><?xml version="1.0" encoding="utf-8"?>
+<file path=ppt/slides/slide32.xml><?xml version="1.0" encoding="utf-8"?>
 <p:sld xmlns:a="http://schemas.openxmlformats.org/drawingml/2006/main" xmlns:r="http://schemas.openxmlformats.org/officeDocument/2006/relationships" xmlns:p="http://schemas.openxmlformats.org/presentationml/2006/main">
   <p:cSld>
     <p:spTree>
@@ -8608,7 +8614,7 @@
 </p:sld>
 </file>
 
-<file path=ppt/slides/slide32.xml><?xml version="1.0" encoding="utf-8"?>
+<file path=ppt/slides/slide33.xml><?xml version="1.0" encoding="utf-8"?>
 <p:sld xmlns:a="http://schemas.openxmlformats.org/drawingml/2006/main" xmlns:r="http://schemas.openxmlformats.org/officeDocument/2006/relationships" xmlns:p="http://schemas.openxmlformats.org/presentationml/2006/main">
   <p:cSld>
     <p:spTree>
@@ -8762,7 +8768,7 @@
 </p:sld>
 </file>
 
-<file path=ppt/slides/slide33.xml><?xml version="1.0" encoding="utf-8"?>
+<file path=ppt/slides/slide34.xml><?xml version="1.0" encoding="utf-8"?>
 <p:sld xmlns:a="http://schemas.openxmlformats.org/drawingml/2006/main" xmlns:r="http://schemas.openxmlformats.org/officeDocument/2006/relationships" xmlns:p="http://schemas.openxmlformats.org/presentationml/2006/main">
   <p:cSld>
     <p:spTree>
@@ -8916,7 +8922,7 @@
 </p:sld>
 </file>
 
-<file path=ppt/slides/slide34.xml><?xml version="1.0" encoding="utf-8"?>
+<file path=ppt/slides/slide35.xml><?xml version="1.0" encoding="utf-8"?>
 <p:sld xmlns:a="http://schemas.openxmlformats.org/drawingml/2006/main" xmlns:r="http://schemas.openxmlformats.org/officeDocument/2006/relationships" xmlns:p="http://schemas.openxmlformats.org/presentationml/2006/main">
   <p:cSld>
     <p:spTree>
@@ -9070,7 +9076,7 @@
 </p:sld>
 </file>
 
-<file path=ppt/slides/slide35.xml><?xml version="1.0" encoding="utf-8"?>
+<file path=ppt/slides/slide36.xml><?xml version="1.0" encoding="utf-8"?>
 <p:sld xmlns:a="http://schemas.openxmlformats.org/drawingml/2006/main" xmlns:r="http://schemas.openxmlformats.org/officeDocument/2006/relationships" xmlns:p="http://schemas.openxmlformats.org/presentationml/2006/main">
   <p:cSld>
     <p:spTree>
@@ -9214,7 +9220,7 @@
 </p:sld>
 </file>
 
-<file path=ppt/slides/slide36.xml><?xml version="1.0" encoding="utf-8"?>
+<file path=ppt/slides/slide37.xml><?xml version="1.0" encoding="utf-8"?>
 <p:sld xmlns:a="http://schemas.openxmlformats.org/drawingml/2006/main" xmlns:r="http://schemas.openxmlformats.org/officeDocument/2006/relationships" xmlns:p="http://schemas.openxmlformats.org/presentationml/2006/main">
   <p:cSld>
     <p:spTree>
@@ -9358,7 +9364,7 @@
 </p:sld>
 </file>
 
-<file path=ppt/slides/slide37.xml><?xml version="1.0" encoding="utf-8"?>
+<file path=ppt/slides/slide38.xml><?xml version="1.0" encoding="utf-8"?>
 <p:sld xmlns:a="http://schemas.openxmlformats.org/drawingml/2006/main" xmlns:r="http://schemas.openxmlformats.org/officeDocument/2006/relationships" xmlns:p="http://schemas.openxmlformats.org/presentationml/2006/main">
   <p:cSld>
     <p:spTree>
@@ -9518,7 +9524,7 @@
 </p:sld>
 </file>
 
-<file path=ppt/slides/slide38.xml><?xml version="1.0" encoding="utf-8"?>
+<file path=ppt/slides/slide39.xml><?xml version="1.0" encoding="utf-8"?>
 <p:sld xmlns:a="http://schemas.openxmlformats.org/drawingml/2006/main" xmlns:r="http://schemas.openxmlformats.org/officeDocument/2006/relationships" xmlns:p="http://schemas.openxmlformats.org/presentationml/2006/main">
   <p:cSld>
     <p:spTree>
@@ -9688,150 +9694,6 @@
     <p:extLst>
       <p:ext uri="{BB962C8B-B14F-4D97-AF65-F5344CB8AC3E}">
         <p14:creationId xmlns:p14="http://schemas.microsoft.com/office/powerpoint/2010/main" val="3190937964"/>
-      </p:ext>
-    </p:extLst>
-  </p:cSld>
-  <p:clrMapOvr>
-    <a:masterClrMapping/>
-  </p:clrMapOvr>
-</p:sld>
-</file>
-
-<file path=ppt/slides/slide39.xml><?xml version="1.0" encoding="utf-8"?>
-<p:sld xmlns:a="http://schemas.openxmlformats.org/drawingml/2006/main" xmlns:r="http://schemas.openxmlformats.org/officeDocument/2006/relationships" xmlns:p="http://schemas.openxmlformats.org/presentationml/2006/main">
-  <p:cSld>
-    <p:spTree>
-      <p:nvGrpSpPr>
-        <p:cNvPr id="1" name="">
-          <a:extLst>
-            <a:ext uri="{FF2B5EF4-FFF2-40B4-BE49-F238E27FC236}">
-              <a16:creationId xmlns:a16="http://schemas.microsoft.com/office/drawing/2014/main" id="{F16750AD-7CEE-59A1-0EB0-8DE0AD5174E6}"/>
-            </a:ext>
-          </a:extLst>
-        </p:cNvPr>
-        <p:cNvGrpSpPr/>
-        <p:nvPr/>
-      </p:nvGrpSpPr>
-      <p:grpSpPr>
-        <a:xfrm>
-          <a:off x="0" y="0"/>
-          <a:ext cx="0" cy="0"/>
-          <a:chOff x="0" y="0"/>
-          <a:chExt cx="0" cy="0"/>
-        </a:xfrm>
-      </p:grpSpPr>
-      <p:sp>
-        <p:nvSpPr>
-          <p:cNvPr id="3" name="Subtitle 2">
-            <a:extLst>
-              <a:ext uri="{FF2B5EF4-FFF2-40B4-BE49-F238E27FC236}">
-                <a16:creationId xmlns:a16="http://schemas.microsoft.com/office/drawing/2014/main" id="{4FF509A7-119E-C55B-8F57-AB7A39A23D7F}"/>
-              </a:ext>
-            </a:extLst>
-          </p:cNvPr>
-          <p:cNvSpPr>
-            <a:spLocks noGrp="1"/>
-          </p:cNvSpPr>
-          <p:nvPr>
-            <p:ph type="subTitle" idx="1"/>
-          </p:nvPr>
-        </p:nvSpPr>
-        <p:spPr>
-          <a:xfrm>
-            <a:off x="203118" y="692696"/>
-            <a:ext cx="8640960" cy="6480720"/>
-          </a:xfrm>
-        </p:spPr>
-        <p:txBody>
-          <a:bodyPr>
-            <a:noAutofit/>
-          </a:bodyPr>
-          <a:lstStyle/>
-          <a:p>
-            <a:r>
-              <a:rPr lang="en-GB" sz="3600" dirty="0">
-                <a:solidFill>
-                  <a:schemeClr val="bg1"/>
-                </a:solidFill>
-              </a:rPr>
-              <a:t>Come on and praise the Lord with me</a:t>
-            </a:r>
-          </a:p>
-          <a:p>
-            <a:r>
-              <a:rPr lang="en-GB" sz="3600" dirty="0">
-                <a:solidFill>
-                  <a:schemeClr val="bg1"/>
-                </a:solidFill>
-              </a:rPr>
-              <a:t>Sing if you love His name</a:t>
-            </a:r>
-          </a:p>
-          <a:p>
-            <a:r>
-              <a:rPr lang="en-GB" sz="3600" dirty="0">
-                <a:solidFill>
-                  <a:schemeClr val="bg1"/>
-                </a:solidFill>
-              </a:rPr>
-              <a:t>Come on and lift your voice with me</a:t>
-            </a:r>
-          </a:p>
-          <a:p>
-            <a:r>
-              <a:rPr lang="en-GB" sz="3600" dirty="0">
-                <a:solidFill>
-                  <a:schemeClr val="bg1"/>
-                </a:solidFill>
-              </a:rPr>
-              <a:t>He’s worthy of all our praise</a:t>
-            </a:r>
-          </a:p>
-        </p:txBody>
-      </p:sp>
-      <p:sp>
-        <p:nvSpPr>
-          <p:cNvPr id="4" name="TextBox 3">
-            <a:extLst>
-              <a:ext uri="{FF2B5EF4-FFF2-40B4-BE49-F238E27FC236}">
-                <a16:creationId xmlns:a16="http://schemas.microsoft.com/office/drawing/2014/main" id="{4B962C56-5CB3-0CDD-257D-EE027C825571}"/>
-              </a:ext>
-            </a:extLst>
-          </p:cNvPr>
-          <p:cNvSpPr txBox="1"/>
-          <p:nvPr/>
-        </p:nvSpPr>
-        <p:spPr>
-          <a:xfrm>
-            <a:off x="8316416" y="-14818"/>
-            <a:ext cx="628698" cy="461665"/>
-          </a:xfrm>
-          <a:prstGeom prst="rect">
-            <a:avLst/>
-          </a:prstGeom>
-          <a:noFill/>
-        </p:spPr>
-        <p:txBody>
-          <a:bodyPr wrap="none" rtlCol="0">
-            <a:spAutoFit/>
-          </a:bodyPr>
-          <a:lstStyle/>
-          <a:p>
-            <a:r>
-              <a:rPr lang="en-GB" sz="2400" b="1" dirty="0">
-                <a:solidFill>
-                  <a:schemeClr val="bg1"/>
-                </a:solidFill>
-              </a:rPr>
-              <a:t>5/6</a:t>
-            </a:r>
-          </a:p>
-        </p:txBody>
-      </p:sp>
-    </p:spTree>
-    <p:extLst>
-      <p:ext uri="{BB962C8B-B14F-4D97-AF65-F5344CB8AC3E}">
-        <p14:creationId xmlns:p14="http://schemas.microsoft.com/office/powerpoint/2010/main" val="416306510"/>
       </p:ext>
     </p:extLst>
   </p:cSld>
@@ -9975,6 +9837,150 @@
         <p:cNvPr id="1" name="">
           <a:extLst>
             <a:ext uri="{FF2B5EF4-FFF2-40B4-BE49-F238E27FC236}">
+              <a16:creationId xmlns:a16="http://schemas.microsoft.com/office/drawing/2014/main" id="{F16750AD-7CEE-59A1-0EB0-8DE0AD5174E6}"/>
+            </a:ext>
+          </a:extLst>
+        </p:cNvPr>
+        <p:cNvGrpSpPr/>
+        <p:nvPr/>
+      </p:nvGrpSpPr>
+      <p:grpSpPr>
+        <a:xfrm>
+          <a:off x="0" y="0"/>
+          <a:ext cx="0" cy="0"/>
+          <a:chOff x="0" y="0"/>
+          <a:chExt cx="0" cy="0"/>
+        </a:xfrm>
+      </p:grpSpPr>
+      <p:sp>
+        <p:nvSpPr>
+          <p:cNvPr id="3" name="Subtitle 2">
+            <a:extLst>
+              <a:ext uri="{FF2B5EF4-FFF2-40B4-BE49-F238E27FC236}">
+                <a16:creationId xmlns:a16="http://schemas.microsoft.com/office/drawing/2014/main" id="{4FF509A7-119E-C55B-8F57-AB7A39A23D7F}"/>
+              </a:ext>
+            </a:extLst>
+          </p:cNvPr>
+          <p:cNvSpPr>
+            <a:spLocks noGrp="1"/>
+          </p:cNvSpPr>
+          <p:nvPr>
+            <p:ph type="subTitle" idx="1"/>
+          </p:nvPr>
+        </p:nvSpPr>
+        <p:spPr>
+          <a:xfrm>
+            <a:off x="203118" y="692696"/>
+            <a:ext cx="8640960" cy="6480720"/>
+          </a:xfrm>
+        </p:spPr>
+        <p:txBody>
+          <a:bodyPr>
+            <a:noAutofit/>
+          </a:bodyPr>
+          <a:lstStyle/>
+          <a:p>
+            <a:r>
+              <a:rPr lang="en-GB" sz="3600" dirty="0">
+                <a:solidFill>
+                  <a:schemeClr val="bg1"/>
+                </a:solidFill>
+              </a:rPr>
+              <a:t>Come on and praise the Lord with me</a:t>
+            </a:r>
+          </a:p>
+          <a:p>
+            <a:r>
+              <a:rPr lang="en-GB" sz="3600" dirty="0">
+                <a:solidFill>
+                  <a:schemeClr val="bg1"/>
+                </a:solidFill>
+              </a:rPr>
+              <a:t>Sing if you love His name</a:t>
+            </a:r>
+          </a:p>
+          <a:p>
+            <a:r>
+              <a:rPr lang="en-GB" sz="3600" dirty="0">
+                <a:solidFill>
+                  <a:schemeClr val="bg1"/>
+                </a:solidFill>
+              </a:rPr>
+              <a:t>Come on and lift your voice with me</a:t>
+            </a:r>
+          </a:p>
+          <a:p>
+            <a:r>
+              <a:rPr lang="en-GB" sz="3600" dirty="0">
+                <a:solidFill>
+                  <a:schemeClr val="bg1"/>
+                </a:solidFill>
+              </a:rPr>
+              <a:t>He’s worthy of all our praise</a:t>
+            </a:r>
+          </a:p>
+        </p:txBody>
+      </p:sp>
+      <p:sp>
+        <p:nvSpPr>
+          <p:cNvPr id="4" name="TextBox 3">
+            <a:extLst>
+              <a:ext uri="{FF2B5EF4-FFF2-40B4-BE49-F238E27FC236}">
+                <a16:creationId xmlns:a16="http://schemas.microsoft.com/office/drawing/2014/main" id="{4B962C56-5CB3-0CDD-257D-EE027C825571}"/>
+              </a:ext>
+            </a:extLst>
+          </p:cNvPr>
+          <p:cNvSpPr txBox="1"/>
+          <p:nvPr/>
+        </p:nvSpPr>
+        <p:spPr>
+          <a:xfrm>
+            <a:off x="8316416" y="-14818"/>
+            <a:ext cx="628698" cy="461665"/>
+          </a:xfrm>
+          <a:prstGeom prst="rect">
+            <a:avLst/>
+          </a:prstGeom>
+          <a:noFill/>
+        </p:spPr>
+        <p:txBody>
+          <a:bodyPr wrap="none" rtlCol="0">
+            <a:spAutoFit/>
+          </a:bodyPr>
+          <a:lstStyle/>
+          <a:p>
+            <a:r>
+              <a:rPr lang="en-GB" sz="2400" b="1" dirty="0">
+                <a:solidFill>
+                  <a:schemeClr val="bg1"/>
+                </a:solidFill>
+              </a:rPr>
+              <a:t>5/6</a:t>
+            </a:r>
+          </a:p>
+        </p:txBody>
+      </p:sp>
+    </p:spTree>
+    <p:extLst>
+      <p:ext uri="{BB962C8B-B14F-4D97-AF65-F5344CB8AC3E}">
+        <p14:creationId xmlns:p14="http://schemas.microsoft.com/office/powerpoint/2010/main" val="416306510"/>
+      </p:ext>
+    </p:extLst>
+  </p:cSld>
+  <p:clrMapOvr>
+    <a:masterClrMapping/>
+  </p:clrMapOvr>
+</p:sld>
+</file>
+
+<file path=ppt/slides/slide41.xml><?xml version="1.0" encoding="utf-8"?>
+<p:sld xmlns:a="http://schemas.openxmlformats.org/drawingml/2006/main" xmlns:r="http://schemas.openxmlformats.org/officeDocument/2006/relationships" xmlns:p="http://schemas.openxmlformats.org/presentationml/2006/main">
+  <p:cSld>
+    <p:spTree>
+      <p:nvGrpSpPr>
+        <p:cNvPr id="1" name="">
+          <a:extLst>
+            <a:ext uri="{FF2B5EF4-FFF2-40B4-BE49-F238E27FC236}">
               <a16:creationId xmlns:a16="http://schemas.microsoft.com/office/drawing/2014/main" id="{A836C53B-89CB-7F86-910D-C415B9216E53}"/>
             </a:ext>
           </a:extLst>
@@ -10145,7 +10151,7 @@
 </p:sld>
 </file>
 
-<file path=ppt/slides/slide41.xml><?xml version="1.0" encoding="utf-8"?>
+<file path=ppt/slides/slide42.xml><?xml version="1.0" encoding="utf-8"?>
 <p:sld xmlns:a="http://schemas.openxmlformats.org/drawingml/2006/main" xmlns:r="http://schemas.openxmlformats.org/officeDocument/2006/relationships" xmlns:p="http://schemas.openxmlformats.org/presentationml/2006/main">
   <p:cSld>
     <p:spTree>
@@ -10175,241 +10181,6 @@
 </p:sld>
 </file>
 
-<file path=ppt/slides/slide42.xml><?xml version="1.0" encoding="utf-8"?>
-<p:sld xmlns:a="http://schemas.openxmlformats.org/drawingml/2006/main" xmlns:r="http://schemas.openxmlformats.org/officeDocument/2006/relationships" xmlns:p="http://schemas.openxmlformats.org/presentationml/2006/main">
-  <p:cSld>
-    <p:spTree>
-      <p:nvGrpSpPr>
-        <p:cNvPr id="1" name=""/>
-        <p:cNvGrpSpPr/>
-        <p:nvPr/>
-      </p:nvGrpSpPr>
-      <p:grpSpPr>
-        <a:xfrm>
-          <a:off x="0" y="0"/>
-          <a:ext cx="0" cy="0"/>
-          <a:chOff x="0" y="0"/>
-          <a:chExt cx="0" cy="0"/>
-        </a:xfrm>
-      </p:grpSpPr>
-      <p:sp>
-        <p:nvSpPr>
-          <p:cNvPr id="3" name="Subtitle 2"/>
-          <p:cNvSpPr>
-            <a:spLocks noGrp="1"/>
-          </p:cNvSpPr>
-          <p:nvPr>
-            <p:ph type="subTitle" idx="1"/>
-          </p:nvPr>
-        </p:nvSpPr>
-        <p:spPr>
-          <a:xfrm>
-            <a:off x="323528" y="188640"/>
-            <a:ext cx="8640960" cy="6480720"/>
-          </a:xfrm>
-        </p:spPr>
-        <p:txBody>
-          <a:bodyPr>
-            <a:noAutofit/>
-          </a:bodyPr>
-          <a:lstStyle/>
-          <a:p>
-            <a:endParaRPr lang="en-GB" sz="5400" dirty="0">
-              <a:solidFill>
-                <a:schemeClr val="bg1"/>
-              </a:solidFill>
-            </a:endParaRPr>
-          </a:p>
-          <a:p>
-            <a:r>
-              <a:rPr lang="en-GB" sz="6600" b="0" i="0" dirty="0">
-                <a:solidFill>
-                  <a:srgbClr val="00A3E0"/>
-                </a:solidFill>
-                <a:effectLst/>
-                <a:latin typeface="akagi_probook"/>
-              </a:rPr>
-              <a:t>Firm Foundation </a:t>
-            </a:r>
-            <a:br>
-              <a:rPr lang="en-GB" sz="6600" b="0" i="0" dirty="0">
-                <a:solidFill>
-                  <a:srgbClr val="00A3E0"/>
-                </a:solidFill>
-                <a:effectLst/>
-                <a:latin typeface="akagi_probook"/>
-              </a:rPr>
-            </a:br>
-            <a:r>
-              <a:rPr lang="en-GB" sz="6600" b="0" i="0" dirty="0">
-                <a:solidFill>
-                  <a:srgbClr val="00A3E0"/>
-                </a:solidFill>
-                <a:effectLst/>
-                <a:latin typeface="akagi_probook"/>
-              </a:rPr>
-              <a:t>(He Won't)</a:t>
-            </a:r>
-          </a:p>
-          <a:p>
-            <a:br>
-              <a:rPr lang="en-GB" sz="1200" dirty="0">
-                <a:solidFill>
-                  <a:schemeClr val="bg1"/>
-                </a:solidFill>
-              </a:rPr>
-            </a:br>
-            <a:r>
-              <a:rPr lang="en-GB" sz="1200" dirty="0">
-                <a:solidFill>
-                  <a:schemeClr val="bg1"/>
-                </a:solidFill>
-              </a:rPr>
-              <a:t>CCLI Song # 7188203</a:t>
-            </a:r>
-          </a:p>
-          <a:p>
-            <a:endParaRPr lang="en-GB" sz="1200" dirty="0">
-              <a:solidFill>
-                <a:schemeClr val="bg1"/>
-              </a:solidFill>
-            </a:endParaRPr>
-          </a:p>
-          <a:p>
-            <a:r>
-              <a:rPr lang="en-GB" sz="1200" dirty="0">
-                <a:solidFill>
-                  <a:schemeClr val="bg1"/>
-                </a:solidFill>
-              </a:rPr>
-              <a:t>Austin Davis | Chandler Moore | Cody Carnes</a:t>
-            </a:r>
-          </a:p>
-          <a:p>
-            <a:endParaRPr lang="en-GB" sz="1200" dirty="0">
-              <a:solidFill>
-                <a:schemeClr val="bg1"/>
-              </a:solidFill>
-            </a:endParaRPr>
-          </a:p>
-          <a:p>
-            <a:r>
-              <a:rPr lang="en-GB" sz="1200" dirty="0">
-                <a:solidFill>
-                  <a:schemeClr val="bg1"/>
-                </a:solidFill>
-              </a:rPr>
-              <a:t>© 2021 For Humans Publishing (Admin by Essential Music Publishing)</a:t>
-            </a:r>
-          </a:p>
-          <a:p>
-            <a:r>
-              <a:rPr lang="en-GB" sz="1200" dirty="0">
-                <a:solidFill>
-                  <a:schemeClr val="bg1"/>
-                </a:solidFill>
-              </a:rPr>
-              <a:t>Maverick City Publishing (Admin by Essential Music Publishing)</a:t>
-            </a:r>
-          </a:p>
-          <a:p>
-            <a:r>
-              <a:rPr lang="en-GB" sz="1200" dirty="0">
-                <a:solidFill>
-                  <a:schemeClr val="bg1"/>
-                </a:solidFill>
-              </a:rPr>
-              <a:t>Capitol CMG Paragon (Admin. by Capitol CMG Publishing)</a:t>
-            </a:r>
-          </a:p>
-          <a:p>
-            <a:r>
-              <a:rPr lang="en-GB" sz="1200" dirty="0">
-                <a:solidFill>
-                  <a:schemeClr val="bg1"/>
-                </a:solidFill>
-              </a:rPr>
-              <a:t>TBCO Publishing (Admin. by Capitol CMG Publishing)</a:t>
-            </a:r>
-          </a:p>
-          <a:p>
-            <a:r>
-              <a:rPr lang="en-GB" sz="1200" dirty="0">
-                <a:solidFill>
-                  <a:schemeClr val="bg1"/>
-                </a:solidFill>
-              </a:rPr>
-              <a:t>Writer's Roof Publishing (Admin. by Capitol CMG Publishing)</a:t>
-            </a:r>
-          </a:p>
-          <a:p>
-            <a:r>
-              <a:rPr lang="en-GB" sz="1200" dirty="0">
-                <a:solidFill>
-                  <a:schemeClr val="bg1"/>
-                </a:solidFill>
-              </a:rPr>
-              <a:t>A.L.K.D. Music (Admin. by Watershed Music Group (Admin. by Capitol CMG Publishing))</a:t>
-            </a:r>
-          </a:p>
-          <a:p>
-            <a:r>
-              <a:rPr lang="en-GB" sz="1200" dirty="0">
-                <a:solidFill>
-                  <a:schemeClr val="bg1"/>
-                </a:solidFill>
-              </a:rPr>
-              <a:t>For use solely with the </a:t>
-            </a:r>
-            <a:r>
-              <a:rPr lang="en-GB" sz="1200" dirty="0" err="1">
-                <a:solidFill>
-                  <a:schemeClr val="bg1"/>
-                </a:solidFill>
-              </a:rPr>
-              <a:t>SongSelect</a:t>
-            </a:r>
-            <a:r>
-              <a:rPr lang="en-GB" sz="1200" dirty="0">
-                <a:solidFill>
-                  <a:schemeClr val="bg1"/>
-                </a:solidFill>
-              </a:rPr>
-              <a:t>® Terms of Use. All rights reserved. www.ccli.com</a:t>
-            </a:r>
-          </a:p>
-          <a:p>
-            <a:endParaRPr lang="en-GB" sz="1200" dirty="0">
-              <a:solidFill>
-                <a:schemeClr val="bg1"/>
-              </a:solidFill>
-            </a:endParaRPr>
-          </a:p>
-          <a:p>
-            <a:r>
-              <a:rPr lang="en-GB" sz="1200" dirty="0">
-                <a:solidFill>
-                  <a:schemeClr val="bg1"/>
-                </a:solidFill>
-              </a:rPr>
-              <a:t>CCLI Licence No. 33265</a:t>
-            </a:r>
-          </a:p>
-        </p:txBody>
-      </p:sp>
-    </p:spTree>
-    <p:extLst>
-      <p:ext uri="{BB962C8B-B14F-4D97-AF65-F5344CB8AC3E}">
-        <p14:creationId xmlns:p14="http://schemas.microsoft.com/office/powerpoint/2010/main" val="1141057996"/>
-      </p:ext>
-    </p:extLst>
-  </p:cSld>
-  <p:clrMapOvr>
-    <a:masterClrMapping/>
-  </p:clrMapOvr>
-</p:sld>
-</file>
-
 <file path=ppt/slides/slide43.xml><?xml version="1.0" encoding="utf-8"?>
 <p:sld xmlns:a="http://schemas.openxmlformats.org/drawingml/2006/main" xmlns:r="http://schemas.openxmlformats.org/officeDocument/2006/relationships" xmlns:p="http://schemas.openxmlformats.org/presentationml/2006/main">
   <p:cSld>
@@ -10439,7 +10210,7 @@
         </p:nvSpPr>
         <p:spPr>
           <a:xfrm>
-            <a:off x="251520" y="692696"/>
+            <a:off x="323528" y="188640"/>
             <a:ext cx="8640960" cy="6480720"/>
           </a:xfrm>
         </p:spPr>
@@ -10449,76 +10220,228 @@
           </a:bodyPr>
           <a:lstStyle/>
           <a:p>
-            <a:r>
-              <a:rPr lang="en-GB" sz="3600" dirty="0">
-                <a:solidFill>
-                  <a:schemeClr val="bg1"/>
-                </a:solidFill>
-              </a:rPr>
-              <a:t>Christ is my firm foundation</a:t>
-            </a:r>
-          </a:p>
-          <a:p>
-            <a:r>
-              <a:rPr lang="en-GB" sz="3600" dirty="0">
-                <a:solidFill>
-                  <a:schemeClr val="bg1"/>
-                </a:solidFill>
-              </a:rPr>
-              <a:t>The rock on which I stand</a:t>
-            </a:r>
-          </a:p>
-          <a:p>
-            <a:r>
-              <a:rPr lang="en-GB" sz="3600" dirty="0">
-                <a:solidFill>
-                  <a:schemeClr val="bg1"/>
-                </a:solidFill>
-              </a:rPr>
-              <a:t>When everything around me is shaken</a:t>
-            </a:r>
-          </a:p>
-          <a:p>
-            <a:r>
-              <a:rPr lang="en-GB" sz="3600" dirty="0">
-                <a:solidFill>
-                  <a:schemeClr val="bg1"/>
-                </a:solidFill>
-              </a:rPr>
-              <a:t>I've never been more glad</a:t>
-            </a:r>
-          </a:p>
-        </p:txBody>
-      </p:sp>
-      <p:sp>
-        <p:nvSpPr>
-          <p:cNvPr id="4" name="TextBox 3"/>
-          <p:cNvSpPr txBox="1"/>
-          <p:nvPr/>
-        </p:nvSpPr>
-        <p:spPr>
-          <a:xfrm>
-            <a:off x="8388424" y="0"/>
-            <a:ext cx="784189" cy="461665"/>
-          </a:xfrm>
-          <a:prstGeom prst="rect">
-            <a:avLst/>
-          </a:prstGeom>
-          <a:noFill/>
-        </p:spPr>
-        <p:txBody>
-          <a:bodyPr wrap="none" rtlCol="0">
-            <a:spAutoFit/>
-          </a:bodyPr>
-          <a:lstStyle/>
-          <a:p>
-            <a:r>
-              <a:rPr lang="en-GB" sz="2400" b="1" dirty="0">
-                <a:solidFill>
-                  <a:schemeClr val="bg1"/>
-                </a:solidFill>
-              </a:rPr>
-              <a:t>1/11</a:t>
+            <a:endParaRPr lang="en-GB" sz="5400" dirty="0">
+              <a:solidFill>
+                <a:schemeClr val="bg1"/>
+              </a:solidFill>
+            </a:endParaRPr>
+          </a:p>
+          <a:p>
+            <a:r>
+              <a:rPr lang="en-GB" sz="4400" b="0" i="0" dirty="0">
+                <a:solidFill>
+                  <a:srgbClr val="00A3E0"/>
+                </a:solidFill>
+                <a:effectLst/>
+                <a:latin typeface="akagi_probook"/>
+              </a:rPr>
+              <a:t>Praise</a:t>
+            </a:r>
+          </a:p>
+          <a:p>
+            <a:br>
+              <a:rPr lang="en-GB" sz="1200" dirty="0">
+                <a:solidFill>
+                  <a:schemeClr val="bg1"/>
+                </a:solidFill>
+              </a:rPr>
+            </a:br>
+            <a:r>
+              <a:rPr lang="en-GB" sz="1200" dirty="0">
+                <a:solidFill>
+                  <a:schemeClr val="bg1"/>
+                </a:solidFill>
+              </a:rPr>
+              <a:t>CCLI Song # 7213077</a:t>
+            </a:r>
+          </a:p>
+          <a:p>
+            <a:endParaRPr lang="en-GB" sz="1200" dirty="0">
+              <a:solidFill>
+                <a:schemeClr val="bg1"/>
+              </a:solidFill>
+            </a:endParaRPr>
+          </a:p>
+          <a:p>
+            <a:r>
+              <a:rPr lang="en-GB" sz="1200" dirty="0">
+                <a:solidFill>
+                  <a:schemeClr val="bg1"/>
+                </a:solidFill>
+              </a:rPr>
+              <a:t>© Brandon Lake </a:t>
+            </a:r>
+            <a:r>
+              <a:rPr lang="en-GB" sz="1200" dirty="0" err="1">
+                <a:solidFill>
+                  <a:schemeClr val="bg1"/>
+                </a:solidFill>
+              </a:rPr>
+              <a:t>MusicFor</a:t>
+            </a:r>
+            <a:r>
+              <a:rPr lang="en-GB" sz="1200" dirty="0">
+                <a:solidFill>
+                  <a:schemeClr val="bg1"/>
+                </a:solidFill>
+              </a:rPr>
+              <a:t> Humans </a:t>
+            </a:r>
+            <a:r>
+              <a:rPr lang="en-GB" sz="1200" dirty="0" err="1">
+                <a:solidFill>
+                  <a:schemeClr val="bg1"/>
+                </a:solidFill>
+              </a:rPr>
+              <a:t>PublishingMaverick</a:t>
+            </a:r>
+            <a:r>
+              <a:rPr lang="en-GB" sz="1200" dirty="0">
+                <a:solidFill>
+                  <a:schemeClr val="bg1"/>
+                </a:solidFill>
+              </a:rPr>
+              <a:t> City </a:t>
+            </a:r>
+            <a:r>
+              <a:rPr lang="en-GB" sz="1200" dirty="0" err="1">
+                <a:solidFill>
+                  <a:schemeClr val="bg1"/>
+                </a:solidFill>
+              </a:rPr>
+              <a:t>PublishingCapitol</a:t>
+            </a:r>
+            <a:r>
+              <a:rPr lang="en-GB" sz="1200" dirty="0">
+                <a:solidFill>
+                  <a:schemeClr val="bg1"/>
+                </a:solidFill>
+              </a:rPr>
+              <a:t> CMG </a:t>
+            </a:r>
+            <a:r>
+              <a:rPr lang="en-GB" sz="1200" dirty="0" err="1">
+                <a:solidFill>
+                  <a:schemeClr val="bg1"/>
+                </a:solidFill>
+              </a:rPr>
+              <a:t>GenesisCapitol</a:t>
+            </a:r>
+            <a:r>
+              <a:rPr lang="en-GB" sz="1200" dirty="0">
+                <a:solidFill>
+                  <a:schemeClr val="bg1"/>
+                </a:solidFill>
+              </a:rPr>
+              <a:t> CMG </a:t>
+            </a:r>
+            <a:r>
+              <a:rPr lang="en-GB" sz="1200" dirty="0" err="1">
+                <a:solidFill>
+                  <a:schemeClr val="bg1"/>
+                </a:solidFill>
+              </a:rPr>
+              <a:t>ParagonHousefires</a:t>
+            </a:r>
+            <a:r>
+              <a:rPr lang="en-GB" sz="1200" dirty="0">
+                <a:solidFill>
+                  <a:schemeClr val="bg1"/>
+                </a:solidFill>
+              </a:rPr>
+              <a:t> </a:t>
+            </a:r>
+            <a:r>
+              <a:rPr lang="en-GB" sz="1200" dirty="0" err="1">
+                <a:solidFill>
+                  <a:schemeClr val="bg1"/>
+                </a:solidFill>
+              </a:rPr>
+              <a:t>SoundsWriter's</a:t>
+            </a:r>
+            <a:r>
+              <a:rPr lang="en-GB" sz="1200" dirty="0">
+                <a:solidFill>
+                  <a:schemeClr val="bg1"/>
+                </a:solidFill>
+              </a:rPr>
+              <a:t> Roof </a:t>
+            </a:r>
+            <a:r>
+              <a:rPr lang="en-GB" sz="1200" dirty="0" err="1">
+                <a:solidFill>
+                  <a:schemeClr val="bg1"/>
+                </a:solidFill>
+              </a:rPr>
+              <a:t>PublishingMusic</a:t>
+            </a:r>
+            <a:r>
+              <a:rPr lang="en-GB" sz="1200" dirty="0">
+                <a:solidFill>
+                  <a:schemeClr val="bg1"/>
+                </a:solidFill>
+              </a:rPr>
+              <a:t> by Elevation Worship Publishing</a:t>
+            </a:r>
+          </a:p>
+          <a:p>
+            <a:r>
+              <a:rPr lang="en-GB" sz="1200" dirty="0">
+                <a:solidFill>
+                  <a:schemeClr val="bg1"/>
+                </a:solidFill>
+              </a:rPr>
+              <a:t>For use solely with the </a:t>
+            </a:r>
+            <a:r>
+              <a:rPr lang="en-GB" sz="1200" dirty="0" err="1">
+                <a:solidFill>
+                  <a:schemeClr val="bg1"/>
+                </a:solidFill>
+              </a:rPr>
+              <a:t>SongSelect</a:t>
+            </a:r>
+            <a:r>
+              <a:rPr lang="en-GB" sz="1200" dirty="0">
+                <a:solidFill>
+                  <a:schemeClr val="bg1"/>
+                </a:solidFill>
+              </a:rPr>
+              <a:t>® Terms of Use. All rights reserved. www.ccli.com</a:t>
+            </a:r>
+          </a:p>
+          <a:p>
+            <a:endParaRPr lang="en-GB" sz="1200" dirty="0">
+              <a:solidFill>
+                <a:schemeClr val="bg1"/>
+              </a:solidFill>
+            </a:endParaRPr>
+          </a:p>
+          <a:p>
+            <a:r>
+              <a:rPr lang="en-GB" sz="1200" dirty="0">
+                <a:solidFill>
+                  <a:schemeClr val="bg1"/>
+                </a:solidFill>
+              </a:rPr>
+              <a:t>Note: Reproduction of this sheet music requires a CCLI Music Reproduction Licence. Please report all copies.</a:t>
+            </a:r>
+          </a:p>
+          <a:p>
+            <a:endParaRPr lang="en-GB" sz="1200" dirty="0">
+              <a:solidFill>
+                <a:schemeClr val="bg1"/>
+              </a:solidFill>
+            </a:endParaRPr>
+          </a:p>
+          <a:p>
+            <a:r>
+              <a:rPr lang="en-GB" sz="1200" dirty="0">
+                <a:solidFill>
+                  <a:schemeClr val="bg1"/>
+                </a:solidFill>
+              </a:rPr>
+              <a:t>CCLI Licence No. 33265</a:t>
             </a:r>
           </a:p>
         </p:txBody>
@@ -10526,7 +10449,7 @@
     </p:spTree>
     <p:extLst>
       <p:ext uri="{BB962C8B-B14F-4D97-AF65-F5344CB8AC3E}">
-        <p14:creationId xmlns:p14="http://schemas.microsoft.com/office/powerpoint/2010/main" val="3477359480"/>
+        <p14:creationId xmlns:p14="http://schemas.microsoft.com/office/powerpoint/2010/main" val="537226675"/>
       </p:ext>
     </p:extLst>
   </p:cSld>
@@ -10541,13 +10464,7 @@
   <p:cSld>
     <p:spTree>
       <p:nvGrpSpPr>
-        <p:cNvPr id="1" name="">
-          <a:extLst>
-            <a:ext uri="{FF2B5EF4-FFF2-40B4-BE49-F238E27FC236}">
-              <a16:creationId xmlns:a16="http://schemas.microsoft.com/office/drawing/2014/main" id="{98F719FA-A440-CBC2-9F6F-00E8586602B8}"/>
-            </a:ext>
-          </a:extLst>
-        </p:cNvPr>
+        <p:cNvPr id="1" name=""/>
         <p:cNvGrpSpPr/>
         <p:nvPr/>
       </p:nvGrpSpPr>
@@ -10561,13 +10478,7 @@
       </p:grpSpPr>
       <p:sp>
         <p:nvSpPr>
-          <p:cNvPr id="3" name="Subtitle 2">
-            <a:extLst>
-              <a:ext uri="{FF2B5EF4-FFF2-40B4-BE49-F238E27FC236}">
-                <a16:creationId xmlns:a16="http://schemas.microsoft.com/office/drawing/2014/main" id="{60EBF4FF-D73F-0368-0A47-8DD10FB69641}"/>
-              </a:ext>
-            </a:extLst>
-          </p:cNvPr>
+          <p:cNvPr id="3" name="Subtitle 2"/>
           <p:cNvSpPr>
             <a:spLocks noGrp="1"/>
           </p:cNvSpPr>
@@ -10577,7 +10488,7 @@
         </p:nvSpPr>
         <p:spPr>
           <a:xfrm>
-            <a:off x="251520" y="692696"/>
+            <a:off x="251520" y="764704"/>
             <a:ext cx="8640960" cy="6480720"/>
           </a:xfrm>
         </p:spPr>
@@ -10593,64 +10504,40 @@
                   <a:schemeClr val="bg1"/>
                 </a:solidFill>
               </a:rPr>
-              <a:t>That I put my faith in Jesus</a:t>
-            </a:r>
-          </a:p>
-          <a:p>
-            <a:r>
-              <a:rPr lang="en-GB" sz="3600" dirty="0" err="1">
-                <a:solidFill>
-                  <a:schemeClr val="bg1"/>
-                </a:solidFill>
-              </a:rPr>
-              <a:t>'Cause</a:t>
-            </a:r>
-            <a:r>
-              <a:rPr lang="en-GB" sz="3600" dirty="0">
-                <a:solidFill>
-                  <a:schemeClr val="bg1"/>
-                </a:solidFill>
-              </a:rPr>
-              <a:t> He's never let me down</a:t>
-            </a:r>
-          </a:p>
-          <a:p>
-            <a:r>
-              <a:rPr lang="en-GB" sz="3600" dirty="0">
-                <a:solidFill>
-                  <a:schemeClr val="bg1"/>
-                </a:solidFill>
-              </a:rPr>
-              <a:t>He's faithful through generations</a:t>
-            </a:r>
-          </a:p>
-          <a:p>
-            <a:r>
-              <a:rPr lang="en-GB" sz="3600" dirty="0">
-                <a:solidFill>
-                  <a:schemeClr val="bg1"/>
-                </a:solidFill>
-              </a:rPr>
-              <a:t>So why would He fail now</a:t>
-            </a:r>
-          </a:p>
-        </p:txBody>
-      </p:sp>
-      <p:sp>
-        <p:nvSpPr>
-          <p:cNvPr id="4" name="TextBox 3">
-            <a:extLst>
-              <a:ext uri="{FF2B5EF4-FFF2-40B4-BE49-F238E27FC236}">
-                <a16:creationId xmlns:a16="http://schemas.microsoft.com/office/drawing/2014/main" id="{D96B425B-D41C-24DD-3A5F-EBB18770A7BC}"/>
-              </a:ext>
-            </a:extLst>
-          </p:cNvPr>
+              <a:t>Let everything that has breath</a:t>
+            </a:r>
+          </a:p>
+          <a:p>
+            <a:r>
+              <a:rPr lang="en-GB" sz="3600" dirty="0">
+                <a:solidFill>
+                  <a:schemeClr val="bg1"/>
+                </a:solidFill>
+              </a:rPr>
+              <a:t>Praise the Lord</a:t>
+            </a:r>
+          </a:p>
+          <a:p>
+            <a:r>
+              <a:rPr lang="en-GB" sz="3600" dirty="0">
+                <a:solidFill>
+                  <a:schemeClr val="bg1"/>
+                </a:solidFill>
+              </a:rPr>
+              <a:t>Praise the Lord</a:t>
+            </a:r>
+          </a:p>
+        </p:txBody>
+      </p:sp>
+      <p:sp>
+        <p:nvSpPr>
+          <p:cNvPr id="4" name="TextBox 3"/>
           <p:cNvSpPr txBox="1"/>
           <p:nvPr/>
         </p:nvSpPr>
         <p:spPr>
           <a:xfrm>
-            <a:off x="8460432" y="0"/>
+            <a:off x="8316416" y="0"/>
             <a:ext cx="784189" cy="461665"/>
           </a:xfrm>
           <a:prstGeom prst="rect">
@@ -10670,7 +10557,7 @@
                   <a:schemeClr val="bg1"/>
                 </a:solidFill>
               </a:rPr>
-              <a:t>2/11</a:t>
+              <a:t>1/12</a:t>
             </a:r>
           </a:p>
         </p:txBody>
@@ -10678,7 +10565,7 @@
     </p:spTree>
     <p:extLst>
       <p:ext uri="{BB962C8B-B14F-4D97-AF65-F5344CB8AC3E}">
-        <p14:creationId xmlns:p14="http://schemas.microsoft.com/office/powerpoint/2010/main" val="537133440"/>
+        <p14:creationId xmlns:p14="http://schemas.microsoft.com/office/powerpoint/2010/main" val="3756528879"/>
       </p:ext>
     </p:extLst>
   </p:cSld>
@@ -10717,7 +10604,7 @@
         </p:nvSpPr>
         <p:spPr>
           <a:xfrm>
-            <a:off x="323528" y="692696"/>
+            <a:off x="251520" y="764704"/>
             <a:ext cx="8640960" cy="6480720"/>
           </a:xfrm>
         </p:spPr>
@@ -10728,30 +10615,43 @@
           <a:lstStyle/>
           <a:p>
             <a:r>
-              <a:rPr lang="en-GB" sz="4000" dirty="0">
-                <a:solidFill>
-                  <a:schemeClr val="bg1"/>
-                </a:solidFill>
-              </a:rPr>
-              <a:t>He won’t</a:t>
-            </a:r>
-          </a:p>
-          <a:p>
-            <a:r>
-              <a:rPr lang="en-GB" sz="4000" dirty="0">
-                <a:solidFill>
-                  <a:schemeClr val="bg1"/>
-                </a:solidFill>
-              </a:rPr>
-              <a:t>He won't</a:t>
-            </a:r>
-          </a:p>
-          <a:p>
-            <a:endParaRPr lang="en-GB" sz="4000" dirty="0">
-              <a:solidFill>
-                <a:schemeClr val="bg1"/>
-              </a:solidFill>
-            </a:endParaRPr>
+              <a:rPr lang="en-GB" sz="3600" dirty="0">
+                <a:solidFill>
+                  <a:schemeClr val="bg1"/>
+                </a:solidFill>
+              </a:rPr>
+              <a:t>I’ll praise in the valley</a:t>
+            </a:r>
+          </a:p>
+          <a:p>
+            <a:r>
+              <a:rPr lang="en-GB" sz="3600" dirty="0">
+                <a:solidFill>
+                  <a:schemeClr val="bg1"/>
+                </a:solidFill>
+              </a:rPr>
+              <a:t>Praise on the mountain</a:t>
+            </a:r>
+          </a:p>
+          <a:p>
+            <a:r>
+              <a:rPr lang="en-GB" sz="3600" dirty="0">
+                <a:solidFill>
+                  <a:schemeClr val="bg1"/>
+                </a:solidFill>
+              </a:rPr>
+              <a:t>I’ll praise when I’m sure</a:t>
+            </a:r>
+          </a:p>
+          <a:p>
+            <a:r>
+              <a:rPr lang="en-GB" sz="3600" dirty="0">
+                <a:solidFill>
+                  <a:schemeClr val="bg1"/>
+                </a:solidFill>
+              </a:rPr>
+              <a:t>Praise when I’m doubting</a:t>
+            </a:r>
           </a:p>
         </p:txBody>
       </p:sp>
@@ -10763,7 +10663,7 @@
         </p:nvSpPr>
         <p:spPr>
           <a:xfrm>
-            <a:off x="8335790" y="0"/>
+            <a:off x="8316416" y="0"/>
             <a:ext cx="784189" cy="461665"/>
           </a:xfrm>
           <a:prstGeom prst="rect">
@@ -10783,7 +10683,7 @@
                   <a:schemeClr val="bg1"/>
                 </a:solidFill>
               </a:rPr>
-              <a:t>3/11</a:t>
+              <a:t>2/12</a:t>
             </a:r>
           </a:p>
         </p:txBody>
@@ -10791,7 +10691,7 @@
     </p:spTree>
     <p:extLst>
       <p:ext uri="{BB962C8B-B14F-4D97-AF65-F5344CB8AC3E}">
-        <p14:creationId xmlns:p14="http://schemas.microsoft.com/office/powerpoint/2010/main" val="2793727316"/>
+        <p14:creationId xmlns:p14="http://schemas.microsoft.com/office/powerpoint/2010/main" val="2400361792"/>
       </p:ext>
     </p:extLst>
   </p:cSld>
@@ -10830,7 +10730,7 @@
         </p:nvSpPr>
         <p:spPr>
           <a:xfrm>
-            <a:off x="251520" y="692696"/>
+            <a:off x="251520" y="764704"/>
             <a:ext cx="8640960" cy="6480720"/>
           </a:xfrm>
         </p:spPr>
@@ -10846,37 +10746,45 @@
                   <a:schemeClr val="bg1"/>
                 </a:solidFill>
               </a:rPr>
-              <a:t>I've still got joy in chaos</a:t>
-            </a:r>
-          </a:p>
-          <a:p>
-            <a:r>
-              <a:rPr lang="en-GB" sz="3600" dirty="0">
-                <a:solidFill>
-                  <a:schemeClr val="bg1"/>
-                </a:solidFill>
-              </a:rPr>
-              <a:t>I've got peace that makes no sense</a:t>
-            </a:r>
-          </a:p>
-          <a:p>
-            <a:r>
-              <a:rPr lang="en-GB" sz="3600" dirty="0">
-                <a:solidFill>
-                  <a:schemeClr val="bg1"/>
-                </a:solidFill>
-              </a:rPr>
-              <a:t>So I won't be going under</a:t>
-            </a:r>
-          </a:p>
-          <a:p>
-            <a:r>
-              <a:rPr lang="en-GB" sz="3600" dirty="0">
-                <a:solidFill>
-                  <a:schemeClr val="bg1"/>
-                </a:solidFill>
-              </a:rPr>
-              <a:t>I'm not held by my own strength</a:t>
+              <a:t>I’ll praise when outnumbered</a:t>
+            </a:r>
+          </a:p>
+          <a:p>
+            <a:r>
+              <a:rPr lang="en-GB" sz="3600" dirty="0">
+                <a:solidFill>
+                  <a:schemeClr val="bg1"/>
+                </a:solidFill>
+              </a:rPr>
+              <a:t>Praise when surrounded</a:t>
+            </a:r>
+          </a:p>
+          <a:p>
+            <a:r>
+              <a:rPr lang="en-GB" sz="3600" dirty="0" err="1">
+                <a:solidFill>
+                  <a:schemeClr val="bg1"/>
+                </a:solidFill>
+              </a:rPr>
+              <a:t>'Cause</a:t>
+            </a:r>
+            <a:r>
+              <a:rPr lang="en-GB" sz="3600" dirty="0">
+                <a:solidFill>
+                  <a:schemeClr val="bg1"/>
+                </a:solidFill>
+              </a:rPr>
+              <a:t> praise is the water</a:t>
+            </a:r>
+          </a:p>
+          <a:p>
+            <a:r>
+              <a:rPr lang="en-GB" sz="3600" dirty="0">
+                <a:solidFill>
+                  <a:schemeClr val="bg1"/>
+                </a:solidFill>
+              </a:rPr>
+              <a:t>My enemies drown in</a:t>
             </a:r>
           </a:p>
         </p:txBody>
@@ -10889,7 +10797,7 @@
         </p:nvSpPr>
         <p:spPr>
           <a:xfrm>
-            <a:off x="8388424" y="0"/>
+            <a:off x="8316416" y="0"/>
             <a:ext cx="784189" cy="461665"/>
           </a:xfrm>
           <a:prstGeom prst="rect">
@@ -10909,7 +10817,7 @@
                   <a:schemeClr val="bg1"/>
                 </a:solidFill>
               </a:rPr>
-              <a:t>4/11</a:t>
+              <a:t>3/12</a:t>
             </a:r>
           </a:p>
         </p:txBody>
@@ -10917,7 +10825,7 @@
     </p:spTree>
     <p:extLst>
       <p:ext uri="{BB962C8B-B14F-4D97-AF65-F5344CB8AC3E}">
-        <p14:creationId xmlns:p14="http://schemas.microsoft.com/office/powerpoint/2010/main" val="1975335226"/>
+        <p14:creationId xmlns:p14="http://schemas.microsoft.com/office/powerpoint/2010/main" val="2674701609"/>
       </p:ext>
     </p:extLst>
   </p:cSld>
@@ -10932,13 +10840,7 @@
   <p:cSld>
     <p:spTree>
       <p:nvGrpSpPr>
-        <p:cNvPr id="1" name="">
-          <a:extLst>
-            <a:ext uri="{FF2B5EF4-FFF2-40B4-BE49-F238E27FC236}">
-              <a16:creationId xmlns:a16="http://schemas.microsoft.com/office/drawing/2014/main" id="{61BB7801-58DA-2574-9CF4-2707124027EF}"/>
-            </a:ext>
-          </a:extLst>
-        </p:cNvPr>
+        <p:cNvPr id="1" name=""/>
         <p:cNvGrpSpPr/>
         <p:nvPr/>
       </p:nvGrpSpPr>
@@ -10952,13 +10854,7 @@
       </p:grpSpPr>
       <p:sp>
         <p:nvSpPr>
-          <p:cNvPr id="3" name="Subtitle 2">
-            <a:extLst>
-              <a:ext uri="{FF2B5EF4-FFF2-40B4-BE49-F238E27FC236}">
-                <a16:creationId xmlns:a16="http://schemas.microsoft.com/office/drawing/2014/main" id="{AE02BABF-8956-7384-68EA-DF1D63497C7E}"/>
-              </a:ext>
-            </a:extLst>
-          </p:cNvPr>
+          <p:cNvPr id="3" name="Subtitle 2"/>
           <p:cNvSpPr>
             <a:spLocks noGrp="1"/>
           </p:cNvSpPr>
@@ -10968,7 +10864,7 @@
         </p:nvSpPr>
         <p:spPr>
           <a:xfrm>
-            <a:off x="251520" y="692696"/>
+            <a:off x="251520" y="764704"/>
             <a:ext cx="8640960" cy="6480720"/>
           </a:xfrm>
         </p:spPr>
@@ -10979,69 +10875,74 @@
           <a:lstStyle/>
           <a:p>
             <a:r>
-              <a:rPr lang="en-GB" sz="3600" dirty="0" err="1">
-                <a:solidFill>
-                  <a:schemeClr val="bg1"/>
-                </a:solidFill>
-              </a:rPr>
-              <a:t>'Cause</a:t>
-            </a:r>
-            <a:r>
-              <a:rPr lang="en-GB" sz="3600" dirty="0">
-                <a:solidFill>
-                  <a:schemeClr val="bg1"/>
-                </a:solidFill>
-              </a:rPr>
-              <a:t> I've built my life on Jesus</a:t>
-            </a:r>
-          </a:p>
-          <a:p>
-            <a:r>
-              <a:rPr lang="en-GB" sz="3600" dirty="0">
-                <a:solidFill>
-                  <a:schemeClr val="bg1"/>
-                </a:solidFill>
-              </a:rPr>
-              <a:t>He's never let me down</a:t>
-            </a:r>
-          </a:p>
-          <a:p>
-            <a:r>
-              <a:rPr lang="en-GB" sz="3600" dirty="0">
-                <a:solidFill>
-                  <a:schemeClr val="bg1"/>
-                </a:solidFill>
-              </a:rPr>
-              <a:t>He's faithful in every season</a:t>
-            </a:r>
-          </a:p>
-          <a:p>
-            <a:r>
-              <a:rPr lang="en-GB" sz="3600" dirty="0">
-                <a:solidFill>
-                  <a:schemeClr val="bg1"/>
-                </a:solidFill>
-              </a:rPr>
-              <a:t>So why would He fail now</a:t>
-            </a:r>
-          </a:p>
-        </p:txBody>
-      </p:sp>
-      <p:sp>
-        <p:nvSpPr>
-          <p:cNvPr id="4" name="TextBox 3">
-            <a:extLst>
-              <a:ext uri="{FF2B5EF4-FFF2-40B4-BE49-F238E27FC236}">
-                <a16:creationId xmlns:a16="http://schemas.microsoft.com/office/drawing/2014/main" id="{011D67F3-9193-41CE-932D-DB11C54E4C22}"/>
-              </a:ext>
-            </a:extLst>
-          </p:cNvPr>
+              <a:rPr lang="en-GB" sz="3600" dirty="0">
+                <a:solidFill>
+                  <a:schemeClr val="bg1"/>
+                </a:solidFill>
+              </a:rPr>
+              <a:t>As long as I’m breathing</a:t>
+            </a:r>
+          </a:p>
+          <a:p>
+            <a:r>
+              <a:rPr lang="en-GB" sz="3600" dirty="0">
+                <a:solidFill>
+                  <a:schemeClr val="bg1"/>
+                </a:solidFill>
+              </a:rPr>
+              <a:t>I’ve got a reason to</a:t>
+            </a:r>
+            <a:br>
+              <a:rPr lang="en-GB" sz="3600" dirty="0">
+                <a:solidFill>
+                  <a:schemeClr val="bg1"/>
+                </a:solidFill>
+              </a:rPr>
+            </a:br>
+            <a:br>
+              <a:rPr lang="en-GB" sz="3600" dirty="0">
+                <a:solidFill>
+                  <a:schemeClr val="bg1"/>
+                </a:solidFill>
+              </a:rPr>
+            </a:br>
+            <a:r>
+              <a:rPr lang="en-GB" sz="3600" dirty="0">
+                <a:solidFill>
+                  <a:schemeClr val="bg1"/>
+                </a:solidFill>
+              </a:rPr>
+              <a:t>Praise the Lord oh my soul</a:t>
+            </a:r>
+          </a:p>
+          <a:p>
+            <a:r>
+              <a:rPr lang="en-GB" sz="3600" dirty="0">
+                <a:solidFill>
+                  <a:schemeClr val="bg1"/>
+                </a:solidFill>
+              </a:rPr>
+              <a:t>Praise the Lord oh my soul</a:t>
+            </a:r>
+          </a:p>
+          <a:p>
+            <a:endParaRPr lang="en-GB" sz="3600" dirty="0">
+              <a:solidFill>
+                <a:schemeClr val="bg1"/>
+              </a:solidFill>
+            </a:endParaRPr>
+          </a:p>
+        </p:txBody>
+      </p:sp>
+      <p:sp>
+        <p:nvSpPr>
+          <p:cNvPr id="4" name="TextBox 3"/>
           <p:cNvSpPr txBox="1"/>
           <p:nvPr/>
         </p:nvSpPr>
         <p:spPr>
           <a:xfrm>
-            <a:off x="8291033" y="-14941"/>
+            <a:off x="8316416" y="0"/>
             <a:ext cx="784189" cy="461665"/>
           </a:xfrm>
           <a:prstGeom prst="rect">
@@ -11061,7 +10962,7 @@
                   <a:schemeClr val="bg1"/>
                 </a:solidFill>
               </a:rPr>
-              <a:t>5/11</a:t>
+              <a:t>4/12</a:t>
             </a:r>
           </a:p>
         </p:txBody>
@@ -11069,7 +10970,7 @@
     </p:spTree>
     <p:extLst>
       <p:ext uri="{BB962C8B-B14F-4D97-AF65-F5344CB8AC3E}">
-        <p14:creationId xmlns:p14="http://schemas.microsoft.com/office/powerpoint/2010/main" val="1354491588"/>
+        <p14:creationId xmlns:p14="http://schemas.microsoft.com/office/powerpoint/2010/main" val="2636516413"/>
       </p:ext>
     </p:extLst>
   </p:cSld>
@@ -11119,47 +11020,58 @@
           <a:lstStyle/>
           <a:p>
             <a:r>
-              <a:rPr lang="en-GB" sz="4000" dirty="0">
-                <a:solidFill>
-                  <a:schemeClr val="bg1"/>
-                </a:solidFill>
-              </a:rPr>
-              <a:t>He won’t</a:t>
-            </a:r>
-            <a:br>
-              <a:rPr lang="en-GB" sz="4000" dirty="0">
-                <a:solidFill>
-                  <a:schemeClr val="bg1"/>
-                </a:solidFill>
-              </a:rPr>
-            </a:br>
-            <a:r>
-              <a:rPr lang="en-GB" sz="4000" dirty="0">
-                <a:solidFill>
-                  <a:schemeClr val="bg1"/>
-                </a:solidFill>
-              </a:rPr>
-              <a:t>He won't</a:t>
-            </a:r>
-          </a:p>
-          <a:p>
-            <a:r>
-              <a:rPr lang="en-GB" sz="4000" dirty="0">
-                <a:solidFill>
-                  <a:schemeClr val="bg1"/>
-                </a:solidFill>
-              </a:rPr>
-              <a:t>He won't fail</a:t>
-            </a:r>
-          </a:p>
-          <a:p>
-            <a:r>
-              <a:rPr lang="en-GB" sz="4000" dirty="0">
-                <a:solidFill>
-                  <a:schemeClr val="bg1"/>
-                </a:solidFill>
-              </a:rPr>
-              <a:t>He won't fail</a:t>
+              <a:rPr lang="en-GB" sz="3600" dirty="0">
+                <a:solidFill>
+                  <a:schemeClr val="bg1"/>
+                </a:solidFill>
+              </a:rPr>
+              <a:t>I’ll praise when I feel it</a:t>
+            </a:r>
+          </a:p>
+          <a:p>
+            <a:r>
+              <a:rPr lang="en-GB" sz="3600" dirty="0">
+                <a:solidFill>
+                  <a:schemeClr val="bg1"/>
+                </a:solidFill>
+              </a:rPr>
+              <a:t>And I’ll praise when I don’t</a:t>
+            </a:r>
+          </a:p>
+          <a:p>
+            <a:r>
+              <a:rPr lang="en-GB" sz="3600" dirty="0">
+                <a:solidFill>
+                  <a:schemeClr val="bg1"/>
+                </a:solidFill>
+              </a:rPr>
+              <a:t>I’ll praise </a:t>
+            </a:r>
+            <a:r>
+              <a:rPr lang="en-GB" sz="3600" dirty="0" err="1">
+                <a:solidFill>
+                  <a:schemeClr val="bg1"/>
+                </a:solidFill>
+              </a:rPr>
+              <a:t>'cause</a:t>
+            </a:r>
+            <a:r>
+              <a:rPr lang="en-GB" sz="3600" dirty="0">
+                <a:solidFill>
+                  <a:schemeClr val="bg1"/>
+                </a:solidFill>
+              </a:rPr>
+              <a:t> I know</a:t>
+            </a:r>
+          </a:p>
+          <a:p>
+            <a:r>
+              <a:rPr lang="en-GB" sz="3600" dirty="0">
+                <a:solidFill>
+                  <a:schemeClr val="bg1"/>
+                </a:solidFill>
+              </a:rPr>
+              <a:t>You’re still in control</a:t>
             </a:r>
           </a:p>
         </p:txBody>
@@ -11172,7 +11084,7 @@
         </p:nvSpPr>
         <p:spPr>
           <a:xfrm>
-            <a:off x="8388424" y="0"/>
+            <a:off x="8316416" y="0"/>
             <a:ext cx="784189" cy="461665"/>
           </a:xfrm>
           <a:prstGeom prst="rect">
@@ -11192,7 +11104,7 @@
                   <a:schemeClr val="bg1"/>
                 </a:solidFill>
               </a:rPr>
-              <a:t>6/11</a:t>
+              <a:t>5/12</a:t>
             </a:r>
           </a:p>
         </p:txBody>
@@ -11200,7 +11112,7 @@
     </p:spTree>
     <p:extLst>
       <p:ext uri="{BB962C8B-B14F-4D97-AF65-F5344CB8AC3E}">
-        <p14:creationId xmlns:p14="http://schemas.microsoft.com/office/powerpoint/2010/main" val="2414663546"/>
+        <p14:creationId xmlns:p14="http://schemas.microsoft.com/office/powerpoint/2010/main" val="3127160738"/>
       </p:ext>
     </p:extLst>
   </p:cSld>
@@ -11239,7 +11151,7 @@
         </p:nvSpPr>
         <p:spPr>
           <a:xfrm>
-            <a:off x="323528" y="764704"/>
+            <a:off x="251520" y="764704"/>
             <a:ext cx="8640960" cy="6480720"/>
           </a:xfrm>
         </p:spPr>
@@ -11250,42 +11162,50 @@
           <a:lstStyle/>
           <a:p>
             <a:r>
-              <a:rPr lang="en-GB" sz="4000" dirty="0">
-                <a:solidFill>
-                  <a:schemeClr val="bg1"/>
-                </a:solidFill>
-              </a:rPr>
-              <a:t>Rain came and wind blew</a:t>
-            </a:r>
-          </a:p>
-          <a:p>
-            <a:r>
-              <a:rPr lang="en-GB" sz="4000" dirty="0">
-                <a:solidFill>
-                  <a:schemeClr val="bg1"/>
-                </a:solidFill>
-              </a:rPr>
-              <a:t>My house was built on You</a:t>
-            </a:r>
-          </a:p>
-          <a:p>
-            <a:r>
-              <a:rPr lang="en-GB" sz="4000" dirty="0">
-                <a:solidFill>
-                  <a:schemeClr val="bg1"/>
-                </a:solidFill>
-              </a:rPr>
-              <a:t>I'm safe with You</a:t>
-            </a:r>
-          </a:p>
-          <a:p>
-            <a:r>
-              <a:rPr lang="en-GB" sz="4000" dirty="0">
-                <a:solidFill>
-                  <a:schemeClr val="bg1"/>
-                </a:solidFill>
-              </a:rPr>
-              <a:t>I'm going to make it through</a:t>
+              <a:rPr lang="en-GB" sz="3600" dirty="0" err="1">
+                <a:solidFill>
+                  <a:schemeClr val="bg1"/>
+                </a:solidFill>
+              </a:rPr>
+              <a:t>'Cause</a:t>
+            </a:r>
+            <a:r>
+              <a:rPr lang="en-GB" sz="3600" dirty="0">
+                <a:solidFill>
+                  <a:schemeClr val="bg1"/>
+                </a:solidFill>
+              </a:rPr>
+              <a:t> my praise is a weapon</a:t>
+            </a:r>
+          </a:p>
+          <a:p>
+            <a:r>
+              <a:rPr lang="en-GB" sz="3600" dirty="0">
+                <a:solidFill>
+                  <a:schemeClr val="bg1"/>
+                </a:solidFill>
+              </a:rPr>
+              <a:t>It’s more than a sound</a:t>
+            </a:r>
+          </a:p>
+          <a:p>
+            <a:r>
+              <a:rPr lang="en-GB" sz="3600" dirty="0">
+                <a:solidFill>
+                  <a:schemeClr val="bg1"/>
+                </a:solidFill>
+              </a:rPr>
+              <a:t>My praise is the shout</a:t>
+            </a:r>
+          </a:p>
+          <a:p>
+            <a:r>
+              <a:rPr lang="en-GB" sz="3600" dirty="0">
+                <a:solidFill>
+                  <a:schemeClr val="bg1"/>
+                </a:solidFill>
+              </a:rPr>
+              <a:t>That brings Jericho down</a:t>
             </a:r>
           </a:p>
         </p:txBody>
@@ -11298,7 +11218,7 @@
         </p:nvSpPr>
         <p:spPr>
           <a:xfrm>
-            <a:off x="8320530" y="-14941"/>
+            <a:off x="8316416" y="0"/>
             <a:ext cx="784189" cy="461665"/>
           </a:xfrm>
           <a:prstGeom prst="rect">
@@ -11318,7 +11238,7 @@
                   <a:schemeClr val="bg1"/>
                 </a:solidFill>
               </a:rPr>
-              <a:t>7/11</a:t>
+              <a:t>6/12</a:t>
             </a:r>
           </a:p>
         </p:txBody>
@@ -11326,7 +11246,7 @@
     </p:spTree>
     <p:extLst>
       <p:ext uri="{BB962C8B-B14F-4D97-AF65-F5344CB8AC3E}">
-        <p14:creationId xmlns:p14="http://schemas.microsoft.com/office/powerpoint/2010/main" val="3141125249"/>
+        <p14:creationId xmlns:p14="http://schemas.microsoft.com/office/powerpoint/2010/main" val="895037293"/>
       </p:ext>
     </p:extLst>
   </p:cSld>
@@ -11520,59 +11440,62 @@
           <a:lstStyle/>
           <a:p>
             <a:r>
-              <a:rPr lang="en-GB" sz="4000" dirty="0">
-                <a:solidFill>
-                  <a:schemeClr val="bg1"/>
-                </a:solidFill>
-              </a:rPr>
-              <a:t>I'm going to make it through</a:t>
-            </a:r>
-          </a:p>
-          <a:p>
-            <a:r>
-              <a:rPr lang="en-GB" sz="4000" dirty="0" err="1">
-                <a:solidFill>
-                  <a:schemeClr val="bg1"/>
-                </a:solidFill>
-              </a:rPr>
-              <a:t>‘Cause</a:t>
-            </a:r>
-            <a:r>
-              <a:rPr lang="en-GB" sz="4000" dirty="0">
-                <a:solidFill>
-                  <a:schemeClr val="bg1"/>
-                </a:solidFill>
-              </a:rPr>
-              <a:t> I’m standing strong on You</a:t>
-            </a:r>
-          </a:p>
-          <a:p>
-            <a:r>
-              <a:rPr lang="en-GB" sz="4000" dirty="0">
-                <a:solidFill>
-                  <a:schemeClr val="bg1"/>
-                </a:solidFill>
-              </a:rPr>
-              <a:t>I’m going to make it through</a:t>
-            </a:r>
-          </a:p>
-          <a:p>
-            <a:r>
-              <a:rPr lang="en-GB" sz="4000" dirty="0" err="1">
-                <a:solidFill>
-                  <a:schemeClr val="bg1"/>
-                </a:solidFill>
-              </a:rPr>
-              <a:t>‘Cause</a:t>
-            </a:r>
-            <a:r>
-              <a:rPr lang="en-GB" sz="4000" dirty="0">
-                <a:solidFill>
-                  <a:schemeClr val="bg1"/>
-                </a:solidFill>
-              </a:rPr>
-              <a:t> my house is built on You</a:t>
-            </a:r>
+              <a:rPr lang="en-GB" sz="3600" dirty="0">
+                <a:solidFill>
+                  <a:schemeClr val="bg1"/>
+                </a:solidFill>
+              </a:rPr>
+              <a:t>As long as I’m breathing</a:t>
+            </a:r>
+          </a:p>
+          <a:p>
+            <a:r>
+              <a:rPr lang="en-GB" sz="3600" dirty="0">
+                <a:solidFill>
+                  <a:schemeClr val="bg1"/>
+                </a:solidFill>
+              </a:rPr>
+              <a:t>I’ve got a reason to</a:t>
+            </a:r>
+            <a:br>
+              <a:rPr lang="en-GB" sz="3600" dirty="0">
+                <a:solidFill>
+                  <a:schemeClr val="bg1"/>
+                </a:solidFill>
+              </a:rPr>
+            </a:br>
+            <a:br>
+              <a:rPr lang="en-GB" sz="3600" dirty="0">
+                <a:solidFill>
+                  <a:schemeClr val="bg1"/>
+                </a:solidFill>
+              </a:rPr>
+            </a:br>
+            <a:r>
+              <a:rPr lang="en-GB" sz="3600" dirty="0">
+                <a:solidFill>
+                  <a:schemeClr val="bg1"/>
+                </a:solidFill>
+              </a:rPr>
+              <a:t>Praise the Lord oh my soul</a:t>
+            </a:r>
+          </a:p>
+          <a:p>
+            <a:r>
+              <a:rPr lang="en-GB" sz="3600" dirty="0">
+                <a:solidFill>
+                  <a:schemeClr val="bg1"/>
+                </a:solidFill>
+              </a:rPr>
+              <a:t>Praise the Lord oh my soul</a:t>
+            </a:r>
+          </a:p>
+          <a:p>
+            <a:endParaRPr lang="en-GB" sz="3600" dirty="0">
+              <a:solidFill>
+                <a:schemeClr val="bg1"/>
+              </a:solidFill>
+            </a:endParaRPr>
           </a:p>
         </p:txBody>
       </p:sp>
@@ -11584,7 +11507,7 @@
         </p:nvSpPr>
         <p:spPr>
           <a:xfrm>
-            <a:off x="8370580" y="-14941"/>
+            <a:off x="8316416" y="0"/>
             <a:ext cx="784189" cy="461665"/>
           </a:xfrm>
           <a:prstGeom prst="rect">
@@ -11604,7 +11527,7 @@
                   <a:schemeClr val="bg1"/>
                 </a:solidFill>
               </a:rPr>
-              <a:t>8/11</a:t>
+              <a:t>7/12</a:t>
             </a:r>
           </a:p>
         </p:txBody>
@@ -11612,7 +11535,7 @@
     </p:spTree>
     <p:extLst>
       <p:ext uri="{BB962C8B-B14F-4D97-AF65-F5344CB8AC3E}">
-        <p14:creationId xmlns:p14="http://schemas.microsoft.com/office/powerpoint/2010/main" val="990000169"/>
+        <p14:creationId xmlns:p14="http://schemas.microsoft.com/office/powerpoint/2010/main" val="3400580476"/>
       </p:ext>
     </p:extLst>
   </p:cSld>
@@ -11627,13 +11550,7 @@
   <p:cSld>
     <p:spTree>
       <p:nvGrpSpPr>
-        <p:cNvPr id="1" name="">
-          <a:extLst>
-            <a:ext uri="{FF2B5EF4-FFF2-40B4-BE49-F238E27FC236}">
-              <a16:creationId xmlns:a16="http://schemas.microsoft.com/office/drawing/2014/main" id="{D81B5E67-6926-CEAC-7572-0D53D015A3DB}"/>
-            </a:ext>
-          </a:extLst>
-        </p:cNvPr>
+        <p:cNvPr id="1" name=""/>
         <p:cNvGrpSpPr/>
         <p:nvPr/>
       </p:nvGrpSpPr>
@@ -11647,13 +11564,7 @@
       </p:grpSpPr>
       <p:sp>
         <p:nvSpPr>
-          <p:cNvPr id="3" name="Subtitle 2">
-            <a:extLst>
-              <a:ext uri="{FF2B5EF4-FFF2-40B4-BE49-F238E27FC236}">
-                <a16:creationId xmlns:a16="http://schemas.microsoft.com/office/drawing/2014/main" id="{F42058C9-6E33-F044-1327-1618FB68E114}"/>
-              </a:ext>
-            </a:extLst>
-          </p:cNvPr>
+          <p:cNvPr id="3" name="Subtitle 2"/>
           <p:cNvSpPr>
             <a:spLocks noGrp="1"/>
           </p:cNvSpPr>
@@ -11663,7 +11574,7 @@
         </p:nvSpPr>
         <p:spPr>
           <a:xfrm>
-            <a:off x="251520" y="692696"/>
+            <a:off x="251520" y="764704"/>
             <a:ext cx="8640960" cy="6480720"/>
           </a:xfrm>
         </p:spPr>
@@ -11679,56 +11590,50 @@
                   <a:schemeClr val="bg1"/>
                 </a:solidFill>
               </a:rPr>
-              <a:t>Christ is my firm foundation</a:t>
-            </a:r>
-          </a:p>
-          <a:p>
-            <a:r>
-              <a:rPr lang="en-GB" sz="3600" dirty="0">
-                <a:solidFill>
-                  <a:schemeClr val="bg1"/>
-                </a:solidFill>
-              </a:rPr>
-              <a:t>The rock on which I stand</a:t>
-            </a:r>
-          </a:p>
-          <a:p>
-            <a:r>
-              <a:rPr lang="en-GB" sz="3600" dirty="0">
-                <a:solidFill>
-                  <a:schemeClr val="bg1"/>
-                </a:solidFill>
-              </a:rPr>
-              <a:t>When everything around me is shaken</a:t>
-            </a:r>
-          </a:p>
-          <a:p>
-            <a:r>
-              <a:rPr lang="en-GB" sz="3600" dirty="0">
-                <a:solidFill>
-                  <a:schemeClr val="bg1"/>
-                </a:solidFill>
-              </a:rPr>
-              <a:t>I've never been more glad</a:t>
-            </a:r>
-          </a:p>
-        </p:txBody>
-      </p:sp>
-      <p:sp>
-        <p:nvSpPr>
-          <p:cNvPr id="4" name="TextBox 3">
-            <a:extLst>
-              <a:ext uri="{FF2B5EF4-FFF2-40B4-BE49-F238E27FC236}">
-                <a16:creationId xmlns:a16="http://schemas.microsoft.com/office/drawing/2014/main" id="{824497D1-58AE-5694-624B-8A8A306E6F08}"/>
-              </a:ext>
-            </a:extLst>
-          </p:cNvPr>
+              <a:t>I won’t be quiet</a:t>
+            </a:r>
+          </a:p>
+          <a:p>
+            <a:r>
+              <a:rPr lang="en-GB" sz="3600" dirty="0">
+                <a:solidFill>
+                  <a:schemeClr val="bg1"/>
+                </a:solidFill>
+              </a:rPr>
+              <a:t>My God is alive</a:t>
+            </a:r>
+          </a:p>
+          <a:p>
+            <a:r>
+              <a:rPr lang="en-GB" sz="3600" dirty="0">
+                <a:solidFill>
+                  <a:schemeClr val="bg1"/>
+                </a:solidFill>
+              </a:rPr>
+              <a:t>How could I keep it inside</a:t>
+            </a:r>
+          </a:p>
+          <a:p>
+            <a:r>
+              <a:rPr lang="en-GB" sz="3600" dirty="0">
+                <a:solidFill>
+                  <a:schemeClr val="bg1"/>
+                </a:solidFill>
+              </a:rPr>
+              <a:t>Praise the Lord oh my soul</a:t>
+            </a:r>
+          </a:p>
+        </p:txBody>
+      </p:sp>
+      <p:sp>
+        <p:nvSpPr>
+          <p:cNvPr id="4" name="TextBox 3"/>
           <p:cNvSpPr txBox="1"/>
           <p:nvPr/>
         </p:nvSpPr>
         <p:spPr>
           <a:xfrm>
-            <a:off x="8388424" y="0"/>
+            <a:off x="8316416" y="0"/>
             <a:ext cx="784189" cy="461665"/>
           </a:xfrm>
           <a:prstGeom prst="rect">
@@ -11748,7 +11653,7 @@
                   <a:schemeClr val="bg1"/>
                 </a:solidFill>
               </a:rPr>
-              <a:t>9/11</a:t>
+              <a:t>8/12</a:t>
             </a:r>
           </a:p>
         </p:txBody>
@@ -11756,7 +11661,7 @@
     </p:spTree>
     <p:extLst>
       <p:ext uri="{BB962C8B-B14F-4D97-AF65-F5344CB8AC3E}">
-        <p14:creationId xmlns:p14="http://schemas.microsoft.com/office/powerpoint/2010/main" val="3021276324"/>
+        <p14:creationId xmlns:p14="http://schemas.microsoft.com/office/powerpoint/2010/main" val="4196909741"/>
       </p:ext>
     </p:extLst>
   </p:cSld>
@@ -11771,13 +11676,7 @@
   <p:cSld>
     <p:spTree>
       <p:nvGrpSpPr>
-        <p:cNvPr id="1" name="">
-          <a:extLst>
-            <a:ext uri="{FF2B5EF4-FFF2-40B4-BE49-F238E27FC236}">
-              <a16:creationId xmlns:a16="http://schemas.microsoft.com/office/drawing/2014/main" id="{23D83FB5-F53D-DF2E-57E4-B4DAE07619F9}"/>
-            </a:ext>
-          </a:extLst>
-        </p:cNvPr>
+        <p:cNvPr id="1" name=""/>
         <p:cNvGrpSpPr/>
         <p:nvPr/>
       </p:nvGrpSpPr>
@@ -11791,13 +11690,7 @@
       </p:grpSpPr>
       <p:sp>
         <p:nvSpPr>
-          <p:cNvPr id="3" name="Subtitle 2">
-            <a:extLst>
-              <a:ext uri="{FF2B5EF4-FFF2-40B4-BE49-F238E27FC236}">
-                <a16:creationId xmlns:a16="http://schemas.microsoft.com/office/drawing/2014/main" id="{8F72EC77-6804-341F-B94C-B88071B777EB}"/>
-              </a:ext>
-            </a:extLst>
-          </p:cNvPr>
+          <p:cNvPr id="3" name="Subtitle 2"/>
           <p:cNvSpPr>
             <a:spLocks noGrp="1"/>
           </p:cNvSpPr>
@@ -11807,7 +11700,7 @@
         </p:nvSpPr>
         <p:spPr>
           <a:xfrm>
-            <a:off x="251520" y="692696"/>
+            <a:off x="251520" y="764704"/>
             <a:ext cx="8640960" cy="6480720"/>
           </a:xfrm>
         </p:spPr>
@@ -11823,65 +11716,179 @@
                   <a:schemeClr val="bg1"/>
                 </a:solidFill>
               </a:rPr>
-              <a:t>That I put my faith in Jesus</a:t>
-            </a:r>
-          </a:p>
-          <a:p>
+              <a:t>I’ll praise </a:t>
+            </a:r>
             <a:r>
               <a:rPr lang="en-GB" sz="3600" dirty="0" err="1">
                 <a:solidFill>
                   <a:schemeClr val="bg1"/>
                 </a:solidFill>
               </a:rPr>
-              <a:t>'Cause</a:t>
-            </a:r>
-            <a:r>
-              <a:rPr lang="en-GB" sz="3600" dirty="0">
-                <a:solidFill>
-                  <a:schemeClr val="bg1"/>
-                </a:solidFill>
-              </a:rPr>
-              <a:t> He's never let me down</a:t>
-            </a:r>
-          </a:p>
-          <a:p>
-            <a:r>
-              <a:rPr lang="en-GB" sz="3600" dirty="0">
-                <a:solidFill>
-                  <a:schemeClr val="bg1"/>
-                </a:solidFill>
-              </a:rPr>
-              <a:t>He's faithful through generations</a:t>
-            </a:r>
-          </a:p>
-          <a:p>
-            <a:r>
-              <a:rPr lang="en-GB" sz="3600" dirty="0">
-                <a:solidFill>
-                  <a:schemeClr val="bg1"/>
-                </a:solidFill>
-              </a:rPr>
-              <a:t>So why would He fail now</a:t>
-            </a:r>
-          </a:p>
-        </p:txBody>
-      </p:sp>
-      <p:sp>
-        <p:nvSpPr>
-          <p:cNvPr id="4" name="TextBox 3">
-            <a:extLst>
-              <a:ext uri="{FF2B5EF4-FFF2-40B4-BE49-F238E27FC236}">
-                <a16:creationId xmlns:a16="http://schemas.microsoft.com/office/drawing/2014/main" id="{0B7AF634-1276-6116-F372-5CEF9DC00B46}"/>
-              </a:ext>
-            </a:extLst>
-          </p:cNvPr>
+              <a:t>'cause</a:t>
+            </a:r>
+            <a:r>
+              <a:rPr lang="en-GB" sz="3600" dirty="0">
+                <a:solidFill>
+                  <a:schemeClr val="bg1"/>
+                </a:solidFill>
+              </a:rPr>
+              <a:t> You’re sovereign</a:t>
+            </a:r>
+          </a:p>
+          <a:p>
+            <a:r>
+              <a:rPr lang="en-GB" sz="3600" dirty="0">
+                <a:solidFill>
+                  <a:schemeClr val="bg1"/>
+                </a:solidFill>
+              </a:rPr>
+              <a:t>Praise </a:t>
+            </a:r>
+            <a:r>
+              <a:rPr lang="en-GB" sz="3600" dirty="0" err="1">
+                <a:solidFill>
+                  <a:schemeClr val="bg1"/>
+                </a:solidFill>
+              </a:rPr>
+              <a:t>'cause</a:t>
+            </a:r>
+            <a:r>
+              <a:rPr lang="en-GB" sz="3600" dirty="0">
+                <a:solidFill>
+                  <a:schemeClr val="bg1"/>
+                </a:solidFill>
+              </a:rPr>
+              <a:t> You reign</a:t>
+            </a:r>
+          </a:p>
+          <a:p>
+            <a:r>
+              <a:rPr lang="en-GB" sz="3600" dirty="0">
+                <a:solidFill>
+                  <a:schemeClr val="bg1"/>
+                </a:solidFill>
+              </a:rPr>
+              <a:t>Praise </a:t>
+            </a:r>
+            <a:r>
+              <a:rPr lang="en-GB" sz="3600" dirty="0" err="1">
+                <a:solidFill>
+                  <a:schemeClr val="bg1"/>
+                </a:solidFill>
+              </a:rPr>
+              <a:t>'cause</a:t>
+            </a:r>
+            <a:r>
+              <a:rPr lang="en-GB" sz="3600" dirty="0">
+                <a:solidFill>
+                  <a:schemeClr val="bg1"/>
+                </a:solidFill>
+              </a:rPr>
+              <a:t> You rose and defeated the grave</a:t>
+            </a:r>
+            <a:br>
+              <a:rPr lang="en-GB" sz="3600" dirty="0">
+                <a:solidFill>
+                  <a:schemeClr val="bg1"/>
+                </a:solidFill>
+              </a:rPr>
+            </a:br>
+            <a:endParaRPr lang="en-GB" sz="3600" dirty="0">
+              <a:solidFill>
+                <a:schemeClr val="bg1"/>
+              </a:solidFill>
+            </a:endParaRPr>
+          </a:p>
+          <a:p>
+            <a:r>
+              <a:rPr lang="en-GB" sz="3600" dirty="0">
+                <a:solidFill>
+                  <a:schemeClr val="bg1"/>
+                </a:solidFill>
+              </a:rPr>
+              <a:t>I’ll praise </a:t>
+            </a:r>
+            <a:r>
+              <a:rPr lang="en-GB" sz="3600" dirty="0" err="1">
+                <a:solidFill>
+                  <a:schemeClr val="bg1"/>
+                </a:solidFill>
+              </a:rPr>
+              <a:t>'cause</a:t>
+            </a:r>
+            <a:r>
+              <a:rPr lang="en-GB" sz="3600" dirty="0">
+                <a:solidFill>
+                  <a:schemeClr val="bg1"/>
+                </a:solidFill>
+              </a:rPr>
+              <a:t> You’re faithful</a:t>
+            </a:r>
+          </a:p>
+          <a:p>
+            <a:r>
+              <a:rPr lang="en-GB" sz="3600" dirty="0">
+                <a:solidFill>
+                  <a:schemeClr val="bg1"/>
+                </a:solidFill>
+              </a:rPr>
+              <a:t>Praise </a:t>
+            </a:r>
+            <a:r>
+              <a:rPr lang="en-GB" sz="3600" dirty="0" err="1">
+                <a:solidFill>
+                  <a:schemeClr val="bg1"/>
+                </a:solidFill>
+              </a:rPr>
+              <a:t>'cause</a:t>
+            </a:r>
+            <a:r>
+              <a:rPr lang="en-GB" sz="3600" dirty="0">
+                <a:solidFill>
+                  <a:schemeClr val="bg1"/>
+                </a:solidFill>
+              </a:rPr>
+              <a:t> You’re true</a:t>
+            </a:r>
+          </a:p>
+          <a:p>
+            <a:r>
+              <a:rPr lang="en-GB" sz="3600" dirty="0">
+                <a:solidFill>
+                  <a:schemeClr val="bg1"/>
+                </a:solidFill>
+              </a:rPr>
+              <a:t>Praise </a:t>
+            </a:r>
+            <a:r>
+              <a:rPr lang="en-GB" sz="3600" dirty="0" err="1">
+                <a:solidFill>
+                  <a:schemeClr val="bg1"/>
+                </a:solidFill>
+              </a:rPr>
+              <a:t>'cause</a:t>
+            </a:r>
+            <a:r>
+              <a:rPr lang="en-GB" sz="3600" dirty="0">
+                <a:solidFill>
+                  <a:schemeClr val="bg1"/>
+                </a:solidFill>
+              </a:rPr>
+              <a:t> there’s nobody greater than You</a:t>
+            </a:r>
+          </a:p>
+        </p:txBody>
+      </p:sp>
+      <p:sp>
+        <p:nvSpPr>
+          <p:cNvPr id="4" name="TextBox 3"/>
           <p:cNvSpPr txBox="1"/>
           <p:nvPr/>
         </p:nvSpPr>
         <p:spPr>
           <a:xfrm>
-            <a:off x="8192527" y="0"/>
-            <a:ext cx="939681" cy="461665"/>
+            <a:off x="8316416" y="0"/>
+            <a:ext cx="784189" cy="461665"/>
           </a:xfrm>
           <a:prstGeom prst="rect">
             <a:avLst/>
@@ -11900,7 +11907,7 @@
                   <a:schemeClr val="bg1"/>
                 </a:solidFill>
               </a:rPr>
-              <a:t>10/11</a:t>
+              <a:t>9/12</a:t>
             </a:r>
           </a:p>
         </p:txBody>
@@ -11908,7 +11915,7 @@
     </p:spTree>
     <p:extLst>
       <p:ext uri="{BB962C8B-B14F-4D97-AF65-F5344CB8AC3E}">
-        <p14:creationId xmlns:p14="http://schemas.microsoft.com/office/powerpoint/2010/main" val="358036408"/>
+        <p14:creationId xmlns:p14="http://schemas.microsoft.com/office/powerpoint/2010/main" val="1242579235"/>
       </p:ext>
     </p:extLst>
   </p:cSld>
@@ -11923,13 +11930,7 @@
   <p:cSld>
     <p:spTree>
       <p:nvGrpSpPr>
-        <p:cNvPr id="1" name="">
-          <a:extLst>
-            <a:ext uri="{FF2B5EF4-FFF2-40B4-BE49-F238E27FC236}">
-              <a16:creationId xmlns:a16="http://schemas.microsoft.com/office/drawing/2014/main" id="{2E588CCC-7FED-7C25-A215-83C40781EAA9}"/>
-            </a:ext>
-          </a:extLst>
-        </p:cNvPr>
+        <p:cNvPr id="1" name=""/>
         <p:cNvGrpSpPr/>
         <p:nvPr/>
       </p:nvGrpSpPr>
@@ -11943,13 +11944,7 @@
       </p:grpSpPr>
       <p:sp>
         <p:nvSpPr>
-          <p:cNvPr id="3" name="Subtitle 2">
-            <a:extLst>
-              <a:ext uri="{FF2B5EF4-FFF2-40B4-BE49-F238E27FC236}">
-                <a16:creationId xmlns:a16="http://schemas.microsoft.com/office/drawing/2014/main" id="{A41FF4CD-96A9-B1D4-E6A2-4BFBC7F6493C}"/>
-              </a:ext>
-            </a:extLst>
-          </p:cNvPr>
+          <p:cNvPr id="3" name="Subtitle 2"/>
           <p:cNvSpPr>
             <a:spLocks noGrp="1"/>
           </p:cNvSpPr>
@@ -11970,66 +11965,85 @@
           <a:lstStyle/>
           <a:p>
             <a:r>
-              <a:rPr lang="en-GB" sz="4000" dirty="0">
-                <a:solidFill>
-                  <a:schemeClr val="bg1"/>
-                </a:solidFill>
-              </a:rPr>
-              <a:t>He won’t</a:t>
-            </a:r>
-            <a:br>
-              <a:rPr lang="en-GB" sz="4000" dirty="0">
-                <a:solidFill>
-                  <a:schemeClr val="bg1"/>
-                </a:solidFill>
-              </a:rPr>
-            </a:br>
-            <a:r>
-              <a:rPr lang="en-GB" sz="4000" dirty="0">
-                <a:solidFill>
-                  <a:schemeClr val="bg1"/>
-                </a:solidFill>
-              </a:rPr>
-              <a:t>He won't</a:t>
-            </a:r>
-          </a:p>
-          <a:p>
-            <a:r>
-              <a:rPr lang="en-GB" sz="4000" dirty="0">
-                <a:solidFill>
-                  <a:schemeClr val="bg1"/>
-                </a:solidFill>
-              </a:rPr>
-              <a:t>He won't fail</a:t>
-            </a:r>
-          </a:p>
-          <a:p>
-            <a:r>
-              <a:rPr lang="en-GB" sz="4000" dirty="0">
-                <a:solidFill>
-                  <a:schemeClr val="bg1"/>
-                </a:solidFill>
-              </a:rPr>
-              <a:t>He won't fail</a:t>
-            </a:r>
-          </a:p>
-        </p:txBody>
-      </p:sp>
-      <p:sp>
-        <p:nvSpPr>
-          <p:cNvPr id="4" name="TextBox 3">
-            <a:extLst>
-              <a:ext uri="{FF2B5EF4-FFF2-40B4-BE49-F238E27FC236}">
-                <a16:creationId xmlns:a16="http://schemas.microsoft.com/office/drawing/2014/main" id="{B5B0DBD3-C0EC-08D9-DB95-5A20347BD8A6}"/>
-              </a:ext>
-            </a:extLst>
-          </p:cNvPr>
+              <a:rPr lang="en-GB" sz="3600" dirty="0">
+                <a:solidFill>
+                  <a:schemeClr val="bg1"/>
+                </a:solidFill>
+              </a:rPr>
+              <a:t>Praise the Lord oh my soul</a:t>
+            </a:r>
+          </a:p>
+          <a:p>
+            <a:r>
+              <a:rPr lang="en-GB" sz="3600" dirty="0">
+                <a:solidFill>
+                  <a:schemeClr val="bg1"/>
+                </a:solidFill>
+              </a:rPr>
+              <a:t>Praise the Lord oh my soul</a:t>
+            </a:r>
+          </a:p>
+          <a:p>
+            <a:r>
+              <a:rPr lang="en-GB" sz="3600" dirty="0">
+                <a:solidFill>
+                  <a:schemeClr val="bg1"/>
+                </a:solidFill>
+              </a:rPr>
+              <a:t>Praise the Lord oh my soul</a:t>
+            </a:r>
+          </a:p>
+          <a:p>
+            <a:r>
+              <a:rPr lang="en-GB" sz="3600" dirty="0">
+                <a:solidFill>
+                  <a:schemeClr val="bg1"/>
+                </a:solidFill>
+              </a:rPr>
+              <a:t>Praise the Lord oh my soul</a:t>
+            </a:r>
+          </a:p>
+          <a:p>
+            <a:r>
+              <a:rPr lang="en-GB" sz="3600" dirty="0">
+                <a:solidFill>
+                  <a:schemeClr val="bg1"/>
+                </a:solidFill>
+              </a:rPr>
+              <a:t>I won’t be quiet</a:t>
+            </a:r>
+          </a:p>
+          <a:p>
+            <a:r>
+              <a:rPr lang="en-GB" sz="3600" dirty="0">
+                <a:solidFill>
+                  <a:schemeClr val="bg1"/>
+                </a:solidFill>
+              </a:rPr>
+              <a:t>My God is alive</a:t>
+            </a:r>
+          </a:p>
+          <a:p>
+            <a:r>
+              <a:rPr lang="en-GB" sz="3600" dirty="0">
+                <a:solidFill>
+                  <a:schemeClr val="bg1"/>
+                </a:solidFill>
+              </a:rPr>
+              <a:t>How could I keep it inside</a:t>
+            </a:r>
+          </a:p>
+        </p:txBody>
+      </p:sp>
+      <p:sp>
+        <p:nvSpPr>
+          <p:cNvPr id="4" name="TextBox 3"/>
           <p:cNvSpPr txBox="1"/>
           <p:nvPr/>
         </p:nvSpPr>
         <p:spPr>
           <a:xfrm>
-            <a:off x="8316416" y="0"/>
+            <a:off x="8236995" y="0"/>
             <a:ext cx="939681" cy="461665"/>
           </a:xfrm>
           <a:prstGeom prst="rect">
@@ -12049,7 +12063,7 @@
                   <a:schemeClr val="bg1"/>
                 </a:solidFill>
               </a:rPr>
-              <a:t>11/11</a:t>
+              <a:t>10/12</a:t>
             </a:r>
           </a:p>
         </p:txBody>
@@ -12057,7 +12071,7 @@
     </p:spTree>
     <p:extLst>
       <p:ext uri="{BB962C8B-B14F-4D97-AF65-F5344CB8AC3E}">
-        <p14:creationId xmlns:p14="http://schemas.microsoft.com/office/powerpoint/2010/main" val="3832469856"/>
+        <p14:creationId xmlns:p14="http://schemas.microsoft.com/office/powerpoint/2010/main" val="3328611506"/>
       </p:ext>
     </p:extLst>
   </p:cSld>
@@ -12112,37 +12126,67 @@
                   <a:schemeClr val="bg1"/>
                 </a:solidFill>
               </a:rPr>
-              <a:t>And all the earth will shout Your praise</a:t>
-            </a:r>
-          </a:p>
-          <a:p>
-            <a:r>
-              <a:rPr lang="en-GB" sz="3600" dirty="0">
-                <a:solidFill>
-                  <a:schemeClr val="bg1"/>
-                </a:solidFill>
-              </a:rPr>
-              <a:t>Our hearts will cry these bones will sing</a:t>
-            </a:r>
-          </a:p>
-          <a:p>
-            <a:r>
-              <a:rPr lang="en-GB" sz="3600" dirty="0">
-                <a:solidFill>
-                  <a:schemeClr val="bg1"/>
-                </a:solidFill>
-              </a:rPr>
-              <a:t>Great are You Lord</a:t>
-            </a:r>
-          </a:p>
-          <a:p>
-            <a:r>
-              <a:rPr lang="en-GB" sz="3600" dirty="0">
-                <a:solidFill>
-                  <a:schemeClr val="bg1"/>
-                </a:solidFill>
-              </a:rPr>
-              <a:t>(REPEAT)</a:t>
+              <a:t>I won’t be quiet</a:t>
+            </a:r>
+          </a:p>
+          <a:p>
+            <a:r>
+              <a:rPr lang="en-GB" sz="3600" dirty="0">
+                <a:solidFill>
+                  <a:schemeClr val="bg1"/>
+                </a:solidFill>
+              </a:rPr>
+              <a:t>My God is alive</a:t>
+            </a:r>
+          </a:p>
+          <a:p>
+            <a:r>
+              <a:rPr lang="en-GB" sz="3600" dirty="0">
+                <a:solidFill>
+                  <a:schemeClr val="bg1"/>
+                </a:solidFill>
+              </a:rPr>
+              <a:t>How could I keep it inside</a:t>
+            </a:r>
+          </a:p>
+          <a:p>
+            <a:r>
+              <a:rPr lang="en-GB" sz="3600" dirty="0">
+                <a:solidFill>
+                  <a:schemeClr val="bg1"/>
+                </a:solidFill>
+              </a:rPr>
+              <a:t>I won’t be quiet</a:t>
+            </a:r>
+          </a:p>
+          <a:p>
+            <a:r>
+              <a:rPr lang="en-GB" sz="3600" dirty="0">
+                <a:solidFill>
+                  <a:schemeClr val="bg1"/>
+                </a:solidFill>
+              </a:rPr>
+              <a:t>My God is alive</a:t>
+            </a:r>
+          </a:p>
+          <a:p>
+            <a:r>
+              <a:rPr lang="en-GB" sz="3600" dirty="0">
+                <a:solidFill>
+                  <a:schemeClr val="bg1"/>
+                </a:solidFill>
+              </a:rPr>
+              <a:t>How could I keep it inside</a:t>
+            </a:r>
+          </a:p>
+          <a:p>
+            <a:r>
+              <a:rPr lang="en-GB" sz="3600" dirty="0">
+                <a:solidFill>
+                  <a:schemeClr val="bg1"/>
+                </a:solidFill>
+              </a:rPr>
+              <a:t>Praise the Lord oh my soul</a:t>
             </a:r>
           </a:p>
         </p:txBody>
@@ -12155,8 +12199,8 @@
         </p:nvSpPr>
         <p:spPr>
           <a:xfrm>
-            <a:off x="8529729" y="0"/>
-            <a:ext cx="628698" cy="461665"/>
+            <a:off x="8135391" y="0"/>
+            <a:ext cx="1008609" cy="461665"/>
           </a:xfrm>
           <a:prstGeom prst="rect">
             <a:avLst/>
@@ -12175,7 +12219,7 @@
                   <a:schemeClr val="bg1"/>
                 </a:solidFill>
               </a:rPr>
-              <a:t>1/2</a:t>
+              <a:t>1 1/12</a:t>
             </a:r>
           </a:p>
         </p:txBody>
@@ -12183,7 +12227,7 @@
     </p:spTree>
     <p:extLst>
       <p:ext uri="{BB962C8B-B14F-4D97-AF65-F5344CB8AC3E}">
-        <p14:creationId xmlns:p14="http://schemas.microsoft.com/office/powerpoint/2010/main" val="528418024"/>
+        <p14:creationId xmlns:p14="http://schemas.microsoft.com/office/powerpoint/2010/main" val="1752219728"/>
       </p:ext>
     </p:extLst>
   </p:cSld>
@@ -12198,7 +12242,13 @@
   <p:cSld>
     <p:spTree>
       <p:nvGrpSpPr>
-        <p:cNvPr id="1" name=""/>
+        <p:cNvPr id="1" name="">
+          <a:extLst>
+            <a:ext uri="{FF2B5EF4-FFF2-40B4-BE49-F238E27FC236}">
+              <a16:creationId xmlns:a16="http://schemas.microsoft.com/office/drawing/2014/main" id="{E817E5BD-2125-1602-8408-6B7C49A7F5D3}"/>
+            </a:ext>
+          </a:extLst>
+        </p:cNvPr>
         <p:cNvGrpSpPr/>
         <p:nvPr/>
       </p:nvGrpSpPr>
@@ -12212,7 +12262,13 @@
       </p:grpSpPr>
       <p:sp>
         <p:nvSpPr>
-          <p:cNvPr id="3" name="Subtitle 2"/>
+          <p:cNvPr id="3" name="Subtitle 2">
+            <a:extLst>
+              <a:ext uri="{FF2B5EF4-FFF2-40B4-BE49-F238E27FC236}">
+                <a16:creationId xmlns:a16="http://schemas.microsoft.com/office/drawing/2014/main" id="{04E3E246-0DAD-2C25-CFA4-502E18F8B9AF}"/>
+              </a:ext>
+            </a:extLst>
+          </p:cNvPr>
           <p:cNvSpPr>
             <a:spLocks noGrp="1"/>
           </p:cNvSpPr>
@@ -12222,7 +12278,7 @@
         </p:nvSpPr>
         <p:spPr>
           <a:xfrm>
-            <a:off x="251520" y="692696"/>
+            <a:off x="203118" y="692696"/>
             <a:ext cx="8640960" cy="6480720"/>
           </a:xfrm>
         </p:spPr>
@@ -12238,60 +12294,103 @@
                   <a:schemeClr val="bg1"/>
                 </a:solidFill>
               </a:rPr>
-              <a:t>It's Your breath in our lungs</a:t>
-            </a:r>
-          </a:p>
-          <a:p>
-            <a:r>
-              <a:rPr lang="en-GB" sz="3600" dirty="0">
-                <a:solidFill>
-                  <a:schemeClr val="bg1"/>
-                </a:solidFill>
-              </a:rPr>
-              <a:t>So we pour out our praise</a:t>
-            </a:r>
-          </a:p>
-          <a:p>
-            <a:r>
-              <a:rPr lang="en-GB" sz="3600" dirty="0">
-                <a:solidFill>
-                  <a:schemeClr val="bg1"/>
-                </a:solidFill>
-              </a:rPr>
-              <a:t>We pour out our praise</a:t>
-            </a:r>
-          </a:p>
-          <a:p>
-            <a:r>
-              <a:rPr lang="en-GB" sz="3600" dirty="0">
-                <a:solidFill>
-                  <a:schemeClr val="bg1"/>
-                </a:solidFill>
-              </a:rPr>
-              <a:t>It's Your breath in our lungs</a:t>
-            </a:r>
-          </a:p>
-          <a:p>
-            <a:r>
-              <a:rPr lang="en-GB" sz="3600" dirty="0">
-                <a:solidFill>
-                  <a:schemeClr val="bg1"/>
-                </a:solidFill>
-              </a:rPr>
-              <a:t>So we pour out our praise to You only</a:t>
-            </a:r>
-          </a:p>
-        </p:txBody>
-      </p:sp>
-      <p:sp>
-        <p:nvSpPr>
-          <p:cNvPr id="4" name="TextBox 3"/>
+              <a:t>You picked me up You turned me around</a:t>
+            </a:r>
+          </a:p>
+          <a:p>
+            <a:r>
+              <a:rPr lang="en-GB" sz="3600" dirty="0">
+                <a:solidFill>
+                  <a:schemeClr val="bg1"/>
+                </a:solidFill>
+              </a:rPr>
+              <a:t>And placed my feet on solid ground</a:t>
+            </a:r>
+          </a:p>
+          <a:p>
+            <a:r>
+              <a:rPr lang="en-GB" sz="3600" dirty="0">
+                <a:solidFill>
+                  <a:schemeClr val="bg1"/>
+                </a:solidFill>
+              </a:rPr>
+              <a:t>I thank the Master I thank the Savior</a:t>
+            </a:r>
+          </a:p>
+          <a:p>
+            <a:r>
+              <a:rPr lang="en-GB" sz="3600" dirty="0">
+                <a:solidFill>
+                  <a:schemeClr val="bg1"/>
+                </a:solidFill>
+              </a:rPr>
+              <a:t>Because You healed my heart </a:t>
+            </a:r>
+            <a:br>
+              <a:rPr lang="en-GB" sz="3600" dirty="0">
+                <a:solidFill>
+                  <a:schemeClr val="bg1"/>
+                </a:solidFill>
+              </a:rPr>
+            </a:br>
+            <a:r>
+              <a:rPr lang="en-GB" sz="3600" dirty="0">
+                <a:solidFill>
+                  <a:schemeClr val="bg1"/>
+                </a:solidFill>
+              </a:rPr>
+              <a:t>You changed my name</a:t>
+            </a:r>
+          </a:p>
+          <a:p>
+            <a:r>
+              <a:rPr lang="en-GB" sz="3600" dirty="0">
+                <a:solidFill>
+                  <a:schemeClr val="bg1"/>
+                </a:solidFill>
+              </a:rPr>
+              <a:t>Forever free I'm not the same</a:t>
+            </a:r>
+          </a:p>
+          <a:p>
+            <a:r>
+              <a:rPr lang="en-GB" sz="3600" dirty="0">
+                <a:solidFill>
+                  <a:schemeClr val="bg1"/>
+                </a:solidFill>
+              </a:rPr>
+              <a:t>I thank the Master I thank the Savior </a:t>
+            </a:r>
+            <a:br>
+              <a:rPr lang="en-GB" sz="3600" dirty="0">
+                <a:solidFill>
+                  <a:schemeClr val="bg1"/>
+                </a:solidFill>
+              </a:rPr>
+            </a:br>
+            <a:endParaRPr lang="en-GB" sz="3600" dirty="0">
+              <a:solidFill>
+                <a:schemeClr val="bg1"/>
+              </a:solidFill>
+            </a:endParaRPr>
+          </a:p>
+        </p:txBody>
+      </p:sp>
+      <p:sp>
+        <p:nvSpPr>
+          <p:cNvPr id="4" name="TextBox 3">
+            <a:extLst>
+              <a:ext uri="{FF2B5EF4-FFF2-40B4-BE49-F238E27FC236}">
+                <a16:creationId xmlns:a16="http://schemas.microsoft.com/office/drawing/2014/main" id="{0E5447DD-4F98-9272-756F-80E83EFECD35}"/>
+              </a:ext>
+            </a:extLst>
+          </p:cNvPr>
           <p:cNvSpPr txBox="1"/>
           <p:nvPr/>
         </p:nvSpPr>
         <p:spPr>
           <a:xfrm>
-            <a:off x="8529729" y="0"/>
+            <a:off x="8388424" y="0"/>
             <a:ext cx="628698" cy="461665"/>
           </a:xfrm>
           <a:prstGeom prst="rect">
@@ -12311,7 +12410,7 @@
                   <a:schemeClr val="bg1"/>
                 </a:solidFill>
               </a:rPr>
-              <a:t>2/2</a:t>
+              <a:t>1/2</a:t>
             </a:r>
           </a:p>
         </p:txBody>
@@ -12319,7 +12418,7 @@
     </p:spTree>
     <p:extLst>
       <p:ext uri="{BB962C8B-B14F-4D97-AF65-F5344CB8AC3E}">
-        <p14:creationId xmlns:p14="http://schemas.microsoft.com/office/powerpoint/2010/main" val="3694851975"/>
+        <p14:creationId xmlns:p14="http://schemas.microsoft.com/office/powerpoint/2010/main" val="935952192"/>
       </p:ext>
     </p:extLst>
   </p:cSld>
@@ -12337,7 +12436,7 @@
         <p:cNvPr id="1" name="">
           <a:extLst>
             <a:ext uri="{FF2B5EF4-FFF2-40B4-BE49-F238E27FC236}">
-              <a16:creationId xmlns:a16="http://schemas.microsoft.com/office/drawing/2014/main" id="{352937FB-1D82-14C1-6AF8-F5CB45442E28}"/>
+              <a16:creationId xmlns:a16="http://schemas.microsoft.com/office/drawing/2014/main" id="{B230C18D-98C9-AEDA-F90F-C4266ADC1BF6}"/>
             </a:ext>
           </a:extLst>
         </p:cNvPr>
@@ -12352,10 +12451,177 @@
           <a:chExt cx="0" cy="0"/>
         </a:xfrm>
       </p:grpSpPr>
+      <p:sp>
+        <p:nvSpPr>
+          <p:cNvPr id="3" name="Subtitle 2">
+            <a:extLst>
+              <a:ext uri="{FF2B5EF4-FFF2-40B4-BE49-F238E27FC236}">
+                <a16:creationId xmlns:a16="http://schemas.microsoft.com/office/drawing/2014/main" id="{32AE24CE-6ADE-B2DE-EAAD-DCD1859E96D9}"/>
+              </a:ext>
+            </a:extLst>
+          </p:cNvPr>
+          <p:cNvSpPr>
+            <a:spLocks noGrp="1"/>
+          </p:cNvSpPr>
+          <p:nvPr>
+            <p:ph type="subTitle" idx="1"/>
+          </p:nvPr>
+        </p:nvSpPr>
+        <p:spPr>
+          <a:xfrm>
+            <a:off x="203118" y="692696"/>
+            <a:ext cx="8640960" cy="6480720"/>
+          </a:xfrm>
+        </p:spPr>
+        <p:txBody>
+          <a:bodyPr>
+            <a:noAutofit/>
+          </a:bodyPr>
+          <a:lstStyle/>
+          <a:p>
+            <a:r>
+              <a:rPr lang="en-GB" sz="3600" dirty="0">
+                <a:solidFill>
+                  <a:schemeClr val="bg1"/>
+                </a:solidFill>
+              </a:rPr>
+              <a:t>You picked me up You turned me around</a:t>
+            </a:r>
+          </a:p>
+          <a:p>
+            <a:r>
+              <a:rPr lang="en-GB" sz="3600" dirty="0">
+                <a:solidFill>
+                  <a:schemeClr val="bg1"/>
+                </a:solidFill>
+              </a:rPr>
+              <a:t>And placed my feet on solid ground</a:t>
+            </a:r>
+          </a:p>
+          <a:p>
+            <a:r>
+              <a:rPr lang="en-GB" sz="3600" dirty="0">
+                <a:solidFill>
+                  <a:schemeClr val="bg1"/>
+                </a:solidFill>
+              </a:rPr>
+              <a:t>I thank the Master I thank the Savior</a:t>
+            </a:r>
+          </a:p>
+          <a:p>
+            <a:r>
+              <a:rPr lang="en-GB" sz="3600" dirty="0">
+                <a:solidFill>
+                  <a:schemeClr val="bg1"/>
+                </a:solidFill>
+              </a:rPr>
+              <a:t>Because You healed my heart </a:t>
+            </a:r>
+          </a:p>
+          <a:p>
+            <a:r>
+              <a:rPr lang="en-GB" sz="3600" dirty="0">
+                <a:solidFill>
+                  <a:schemeClr val="bg1"/>
+                </a:solidFill>
+              </a:rPr>
+              <a:t>You changed my name</a:t>
+            </a:r>
+          </a:p>
+          <a:p>
+            <a:r>
+              <a:rPr lang="en-GB" sz="3600" dirty="0">
+                <a:solidFill>
+                  <a:schemeClr val="bg1"/>
+                </a:solidFill>
+              </a:rPr>
+              <a:t>Forever free I'm not the same</a:t>
+            </a:r>
+          </a:p>
+          <a:p>
+            <a:r>
+              <a:rPr lang="en-GB" sz="3600" dirty="0">
+                <a:solidFill>
+                  <a:schemeClr val="bg1"/>
+                </a:solidFill>
+              </a:rPr>
+              <a:t>I thank the Master I thank the Savior </a:t>
+            </a:r>
+            <a:br>
+              <a:rPr lang="en-GB" sz="3600" dirty="0">
+                <a:solidFill>
+                  <a:schemeClr val="bg1"/>
+                </a:solidFill>
+              </a:rPr>
+            </a:br>
+            <a:r>
+              <a:rPr lang="en-GB" sz="3600" dirty="0">
+                <a:solidFill>
+                  <a:schemeClr val="bg1"/>
+                </a:solidFill>
+              </a:rPr>
+              <a:t>I thank God</a:t>
+            </a:r>
+          </a:p>
+          <a:p>
+            <a:endParaRPr lang="en-GB" sz="3600" dirty="0">
+              <a:solidFill>
+                <a:schemeClr val="bg1"/>
+              </a:solidFill>
+            </a:endParaRPr>
+          </a:p>
+          <a:p>
+            <a:endParaRPr lang="en-GB" sz="3600" dirty="0">
+              <a:solidFill>
+                <a:schemeClr val="bg1"/>
+              </a:solidFill>
+            </a:endParaRPr>
+          </a:p>
+        </p:txBody>
+      </p:sp>
+      <p:sp>
+        <p:nvSpPr>
+          <p:cNvPr id="4" name="TextBox 3">
+            <a:extLst>
+              <a:ext uri="{FF2B5EF4-FFF2-40B4-BE49-F238E27FC236}">
+                <a16:creationId xmlns:a16="http://schemas.microsoft.com/office/drawing/2014/main" id="{E0FD1BAD-6226-C339-2A9E-473F9BE02B66}"/>
+              </a:ext>
+            </a:extLst>
+          </p:cNvPr>
+          <p:cNvSpPr txBox="1"/>
+          <p:nvPr/>
+        </p:nvSpPr>
+        <p:spPr>
+          <a:xfrm>
+            <a:off x="8388424" y="-3388"/>
+            <a:ext cx="628698" cy="461665"/>
+          </a:xfrm>
+          <a:prstGeom prst="rect">
+            <a:avLst/>
+          </a:prstGeom>
+          <a:noFill/>
+        </p:spPr>
+        <p:txBody>
+          <a:bodyPr wrap="none" rtlCol="0">
+            <a:spAutoFit/>
+          </a:bodyPr>
+          <a:lstStyle/>
+          <a:p>
+            <a:r>
+              <a:rPr lang="en-GB" sz="2400" b="1" dirty="0">
+                <a:solidFill>
+                  <a:schemeClr val="bg1"/>
+                </a:solidFill>
+              </a:rPr>
+              <a:t>2/2</a:t>
+            </a:r>
+          </a:p>
+        </p:txBody>
+      </p:sp>
     </p:spTree>
     <p:extLst>
       <p:ext uri="{BB962C8B-B14F-4D97-AF65-F5344CB8AC3E}">
-        <p14:creationId xmlns:p14="http://schemas.microsoft.com/office/powerpoint/2010/main" val="2619767475"/>
+        <p14:creationId xmlns:p14="http://schemas.microsoft.com/office/powerpoint/2010/main" val="3530889827"/>
       </p:ext>
     </p:extLst>
   </p:cSld>
@@ -12394,284 +12660,6 @@
         </p:nvSpPr>
         <p:spPr>
           <a:xfrm>
-            <a:off x="323528" y="188640"/>
-            <a:ext cx="8640960" cy="6480720"/>
-          </a:xfrm>
-        </p:spPr>
-        <p:txBody>
-          <a:bodyPr>
-            <a:noAutofit/>
-          </a:bodyPr>
-          <a:lstStyle/>
-          <a:p>
-            <a:endParaRPr lang="en-GB" sz="5400" dirty="0">
-              <a:solidFill>
-                <a:schemeClr val="bg1"/>
-              </a:solidFill>
-            </a:endParaRPr>
-          </a:p>
-          <a:p>
-            <a:r>
-              <a:rPr lang="en-GB" sz="4400" b="0" i="0" dirty="0">
-                <a:solidFill>
-                  <a:srgbClr val="00A3E0"/>
-                </a:solidFill>
-                <a:effectLst/>
-                <a:latin typeface="akagi_probook"/>
-              </a:rPr>
-              <a:t>Praise</a:t>
-            </a:r>
-          </a:p>
-          <a:p>
-            <a:br>
-              <a:rPr lang="en-GB" sz="1200" dirty="0">
-                <a:solidFill>
-                  <a:schemeClr val="bg1"/>
-                </a:solidFill>
-              </a:rPr>
-            </a:br>
-            <a:r>
-              <a:rPr lang="en-GB" sz="1200" dirty="0">
-                <a:solidFill>
-                  <a:schemeClr val="bg1"/>
-                </a:solidFill>
-              </a:rPr>
-              <a:t>CCLI Song # 7213077</a:t>
-            </a:r>
-          </a:p>
-          <a:p>
-            <a:endParaRPr lang="en-GB" sz="1200" dirty="0">
-              <a:solidFill>
-                <a:schemeClr val="bg1"/>
-              </a:solidFill>
-            </a:endParaRPr>
-          </a:p>
-          <a:p>
-            <a:r>
-              <a:rPr lang="en-GB" sz="1200" dirty="0">
-                <a:solidFill>
-                  <a:schemeClr val="bg1"/>
-                </a:solidFill>
-              </a:rPr>
-              <a:t>© Brandon Lake </a:t>
-            </a:r>
-            <a:r>
-              <a:rPr lang="en-GB" sz="1200" dirty="0" err="1">
-                <a:solidFill>
-                  <a:schemeClr val="bg1"/>
-                </a:solidFill>
-              </a:rPr>
-              <a:t>MusicFor</a:t>
-            </a:r>
-            <a:r>
-              <a:rPr lang="en-GB" sz="1200" dirty="0">
-                <a:solidFill>
-                  <a:schemeClr val="bg1"/>
-                </a:solidFill>
-              </a:rPr>
-              <a:t> Humans </a:t>
-            </a:r>
-            <a:r>
-              <a:rPr lang="en-GB" sz="1200" dirty="0" err="1">
-                <a:solidFill>
-                  <a:schemeClr val="bg1"/>
-                </a:solidFill>
-              </a:rPr>
-              <a:t>PublishingMaverick</a:t>
-            </a:r>
-            <a:r>
-              <a:rPr lang="en-GB" sz="1200" dirty="0">
-                <a:solidFill>
-                  <a:schemeClr val="bg1"/>
-                </a:solidFill>
-              </a:rPr>
-              <a:t> City </a:t>
-            </a:r>
-            <a:r>
-              <a:rPr lang="en-GB" sz="1200" dirty="0" err="1">
-                <a:solidFill>
-                  <a:schemeClr val="bg1"/>
-                </a:solidFill>
-              </a:rPr>
-              <a:t>PublishingCapitol</a:t>
-            </a:r>
-            <a:r>
-              <a:rPr lang="en-GB" sz="1200" dirty="0">
-                <a:solidFill>
-                  <a:schemeClr val="bg1"/>
-                </a:solidFill>
-              </a:rPr>
-              <a:t> CMG </a:t>
-            </a:r>
-            <a:r>
-              <a:rPr lang="en-GB" sz="1200" dirty="0" err="1">
-                <a:solidFill>
-                  <a:schemeClr val="bg1"/>
-                </a:solidFill>
-              </a:rPr>
-              <a:t>GenesisCapitol</a:t>
-            </a:r>
-            <a:r>
-              <a:rPr lang="en-GB" sz="1200" dirty="0">
-                <a:solidFill>
-                  <a:schemeClr val="bg1"/>
-                </a:solidFill>
-              </a:rPr>
-              <a:t> CMG </a:t>
-            </a:r>
-            <a:r>
-              <a:rPr lang="en-GB" sz="1200" dirty="0" err="1">
-                <a:solidFill>
-                  <a:schemeClr val="bg1"/>
-                </a:solidFill>
-              </a:rPr>
-              <a:t>ParagonHousefires</a:t>
-            </a:r>
-            <a:r>
-              <a:rPr lang="en-GB" sz="1200" dirty="0">
-                <a:solidFill>
-                  <a:schemeClr val="bg1"/>
-                </a:solidFill>
-              </a:rPr>
-              <a:t> </a:t>
-            </a:r>
-            <a:r>
-              <a:rPr lang="en-GB" sz="1200" dirty="0" err="1">
-                <a:solidFill>
-                  <a:schemeClr val="bg1"/>
-                </a:solidFill>
-              </a:rPr>
-              <a:t>SoundsWriter's</a:t>
-            </a:r>
-            <a:r>
-              <a:rPr lang="en-GB" sz="1200" dirty="0">
-                <a:solidFill>
-                  <a:schemeClr val="bg1"/>
-                </a:solidFill>
-              </a:rPr>
-              <a:t> Roof </a:t>
-            </a:r>
-            <a:r>
-              <a:rPr lang="en-GB" sz="1200" dirty="0" err="1">
-                <a:solidFill>
-                  <a:schemeClr val="bg1"/>
-                </a:solidFill>
-              </a:rPr>
-              <a:t>PublishingMusic</a:t>
-            </a:r>
-            <a:r>
-              <a:rPr lang="en-GB" sz="1200" dirty="0">
-                <a:solidFill>
-                  <a:schemeClr val="bg1"/>
-                </a:solidFill>
-              </a:rPr>
-              <a:t> by Elevation Worship Publishing</a:t>
-            </a:r>
-          </a:p>
-          <a:p>
-            <a:r>
-              <a:rPr lang="en-GB" sz="1200" dirty="0">
-                <a:solidFill>
-                  <a:schemeClr val="bg1"/>
-                </a:solidFill>
-              </a:rPr>
-              <a:t>For use solely with the </a:t>
-            </a:r>
-            <a:r>
-              <a:rPr lang="en-GB" sz="1200" dirty="0" err="1">
-                <a:solidFill>
-                  <a:schemeClr val="bg1"/>
-                </a:solidFill>
-              </a:rPr>
-              <a:t>SongSelect</a:t>
-            </a:r>
-            <a:r>
-              <a:rPr lang="en-GB" sz="1200" dirty="0">
-                <a:solidFill>
-                  <a:schemeClr val="bg1"/>
-                </a:solidFill>
-              </a:rPr>
-              <a:t>® Terms of Use. All rights reserved. www.ccli.com</a:t>
-            </a:r>
-          </a:p>
-          <a:p>
-            <a:endParaRPr lang="en-GB" sz="1200" dirty="0">
-              <a:solidFill>
-                <a:schemeClr val="bg1"/>
-              </a:solidFill>
-            </a:endParaRPr>
-          </a:p>
-          <a:p>
-            <a:r>
-              <a:rPr lang="en-GB" sz="1200" dirty="0">
-                <a:solidFill>
-                  <a:schemeClr val="bg1"/>
-                </a:solidFill>
-              </a:rPr>
-              <a:t>Note: Reproduction of this sheet music requires a CCLI Music Reproduction Licence. Please report all copies.</a:t>
-            </a:r>
-          </a:p>
-          <a:p>
-            <a:endParaRPr lang="en-GB" sz="1200" dirty="0">
-              <a:solidFill>
-                <a:schemeClr val="bg1"/>
-              </a:solidFill>
-            </a:endParaRPr>
-          </a:p>
-          <a:p>
-            <a:r>
-              <a:rPr lang="en-GB" sz="1200" dirty="0">
-                <a:solidFill>
-                  <a:schemeClr val="bg1"/>
-                </a:solidFill>
-              </a:rPr>
-              <a:t>CCLI Licence No. 33265</a:t>
-            </a:r>
-          </a:p>
-        </p:txBody>
-      </p:sp>
-    </p:spTree>
-    <p:extLst>
-      <p:ext uri="{BB962C8B-B14F-4D97-AF65-F5344CB8AC3E}">
-        <p14:creationId xmlns:p14="http://schemas.microsoft.com/office/powerpoint/2010/main" val="537226675"/>
-      </p:ext>
-    </p:extLst>
-  </p:cSld>
-  <p:clrMapOvr>
-    <a:masterClrMapping/>
-  </p:clrMapOvr>
-</p:sld>
-</file>
-
-<file path=ppt/slides/slide58.xml><?xml version="1.0" encoding="utf-8"?>
-<p:sld xmlns:a="http://schemas.openxmlformats.org/drawingml/2006/main" xmlns:r="http://schemas.openxmlformats.org/officeDocument/2006/relationships" xmlns:p="http://schemas.openxmlformats.org/presentationml/2006/main">
-  <p:cSld>
-    <p:spTree>
-      <p:nvGrpSpPr>
-        <p:cNvPr id="1" name=""/>
-        <p:cNvGrpSpPr/>
-        <p:nvPr/>
-      </p:nvGrpSpPr>
-      <p:grpSpPr>
-        <a:xfrm>
-          <a:off x="0" y="0"/>
-          <a:ext cx="0" cy="0"/>
-          <a:chOff x="0" y="0"/>
-          <a:chExt cx="0" cy="0"/>
-        </a:xfrm>
-      </p:grpSpPr>
-      <p:sp>
-        <p:nvSpPr>
-          <p:cNvPr id="3" name="Subtitle 2"/>
-          <p:cNvSpPr>
-            <a:spLocks noGrp="1"/>
-          </p:cNvSpPr>
-          <p:nvPr>
-            <p:ph type="subTitle" idx="1"/>
-          </p:nvPr>
-        </p:nvSpPr>
-        <p:spPr>
-          <a:xfrm>
             <a:off x="251520" y="764704"/>
             <a:ext cx="8640960" cy="6480720"/>
           </a:xfrm>
@@ -12721,8 +12709,8 @@
         </p:nvSpPr>
         <p:spPr>
           <a:xfrm>
-            <a:off x="8316416" y="0"/>
-            <a:ext cx="784189" cy="461665"/>
+            <a:off x="8244408" y="0"/>
+            <a:ext cx="939681" cy="461665"/>
           </a:xfrm>
           <a:prstGeom prst="rect">
             <a:avLst/>
@@ -12741,7 +12729,7 @@
                   <a:schemeClr val="bg1"/>
                 </a:solidFill>
               </a:rPr>
-              <a:t>1/12</a:t>
+              <a:t>12/12</a:t>
             </a:r>
           </a:p>
         </p:txBody>
@@ -12749,133 +12737,7 @@
     </p:spTree>
     <p:extLst>
       <p:ext uri="{BB962C8B-B14F-4D97-AF65-F5344CB8AC3E}">
-        <p14:creationId xmlns:p14="http://schemas.microsoft.com/office/powerpoint/2010/main" val="3756528879"/>
-      </p:ext>
-    </p:extLst>
-  </p:cSld>
-  <p:clrMapOvr>
-    <a:masterClrMapping/>
-  </p:clrMapOvr>
-</p:sld>
-</file>
-
-<file path=ppt/slides/slide59.xml><?xml version="1.0" encoding="utf-8"?>
-<p:sld xmlns:a="http://schemas.openxmlformats.org/drawingml/2006/main" xmlns:r="http://schemas.openxmlformats.org/officeDocument/2006/relationships" xmlns:p="http://schemas.openxmlformats.org/presentationml/2006/main">
-  <p:cSld>
-    <p:spTree>
-      <p:nvGrpSpPr>
-        <p:cNvPr id="1" name=""/>
-        <p:cNvGrpSpPr/>
-        <p:nvPr/>
-      </p:nvGrpSpPr>
-      <p:grpSpPr>
-        <a:xfrm>
-          <a:off x="0" y="0"/>
-          <a:ext cx="0" cy="0"/>
-          <a:chOff x="0" y="0"/>
-          <a:chExt cx="0" cy="0"/>
-        </a:xfrm>
-      </p:grpSpPr>
-      <p:sp>
-        <p:nvSpPr>
-          <p:cNvPr id="3" name="Subtitle 2"/>
-          <p:cNvSpPr>
-            <a:spLocks noGrp="1"/>
-          </p:cNvSpPr>
-          <p:nvPr>
-            <p:ph type="subTitle" idx="1"/>
-          </p:nvPr>
-        </p:nvSpPr>
-        <p:spPr>
-          <a:xfrm>
-            <a:off x="251520" y="764704"/>
-            <a:ext cx="8640960" cy="6480720"/>
-          </a:xfrm>
-        </p:spPr>
-        <p:txBody>
-          <a:bodyPr>
-            <a:noAutofit/>
-          </a:bodyPr>
-          <a:lstStyle/>
-          <a:p>
-            <a:r>
-              <a:rPr lang="en-GB" sz="3600" dirty="0">
-                <a:solidFill>
-                  <a:schemeClr val="bg1"/>
-                </a:solidFill>
-              </a:rPr>
-              <a:t>I’ll praise in the valley</a:t>
-            </a:r>
-          </a:p>
-          <a:p>
-            <a:r>
-              <a:rPr lang="en-GB" sz="3600" dirty="0">
-                <a:solidFill>
-                  <a:schemeClr val="bg1"/>
-                </a:solidFill>
-              </a:rPr>
-              <a:t>Praise on the mountain</a:t>
-            </a:r>
-          </a:p>
-          <a:p>
-            <a:r>
-              <a:rPr lang="en-GB" sz="3600" dirty="0">
-                <a:solidFill>
-                  <a:schemeClr val="bg1"/>
-                </a:solidFill>
-              </a:rPr>
-              <a:t>I’ll praise when I’m sure</a:t>
-            </a:r>
-          </a:p>
-          <a:p>
-            <a:r>
-              <a:rPr lang="en-GB" sz="3600" dirty="0">
-                <a:solidFill>
-                  <a:schemeClr val="bg1"/>
-                </a:solidFill>
-              </a:rPr>
-              <a:t>Praise when I’m doubting</a:t>
-            </a:r>
-          </a:p>
-        </p:txBody>
-      </p:sp>
-      <p:sp>
-        <p:nvSpPr>
-          <p:cNvPr id="4" name="TextBox 3"/>
-          <p:cNvSpPr txBox="1"/>
-          <p:nvPr/>
-        </p:nvSpPr>
-        <p:spPr>
-          <a:xfrm>
-            <a:off x="8316416" y="0"/>
-            <a:ext cx="784189" cy="461665"/>
-          </a:xfrm>
-          <a:prstGeom prst="rect">
-            <a:avLst/>
-          </a:prstGeom>
-          <a:noFill/>
-        </p:spPr>
-        <p:txBody>
-          <a:bodyPr wrap="none" rtlCol="0">
-            <a:spAutoFit/>
-          </a:bodyPr>
-          <a:lstStyle/>
-          <a:p>
-            <a:r>
-              <a:rPr lang="en-GB" sz="2400" b="1" dirty="0">
-                <a:solidFill>
-                  <a:schemeClr val="bg1"/>
-                </a:solidFill>
-              </a:rPr>
-              <a:t>2/12</a:t>
-            </a:r>
-          </a:p>
-        </p:txBody>
-      </p:sp>
-    </p:spTree>
-    <p:extLst>
-      <p:ext uri="{BB962C8B-B14F-4D97-AF65-F5344CB8AC3E}">
-        <p14:creationId xmlns:p14="http://schemas.microsoft.com/office/powerpoint/2010/main" val="2400361792"/>
+        <p14:creationId xmlns:p14="http://schemas.microsoft.com/office/powerpoint/2010/main" val="3105220879"/>
       </p:ext>
     </p:extLst>
   </p:cSld>
@@ -13059,1514 +12921,6 @@
 </p:sld>
 </file>
 
-<file path=ppt/slides/slide60.xml><?xml version="1.0" encoding="utf-8"?>
-<p:sld xmlns:a="http://schemas.openxmlformats.org/drawingml/2006/main" xmlns:r="http://schemas.openxmlformats.org/officeDocument/2006/relationships" xmlns:p="http://schemas.openxmlformats.org/presentationml/2006/main">
-  <p:cSld>
-    <p:spTree>
-      <p:nvGrpSpPr>
-        <p:cNvPr id="1" name=""/>
-        <p:cNvGrpSpPr/>
-        <p:nvPr/>
-      </p:nvGrpSpPr>
-      <p:grpSpPr>
-        <a:xfrm>
-          <a:off x="0" y="0"/>
-          <a:ext cx="0" cy="0"/>
-          <a:chOff x="0" y="0"/>
-          <a:chExt cx="0" cy="0"/>
-        </a:xfrm>
-      </p:grpSpPr>
-      <p:sp>
-        <p:nvSpPr>
-          <p:cNvPr id="3" name="Subtitle 2"/>
-          <p:cNvSpPr>
-            <a:spLocks noGrp="1"/>
-          </p:cNvSpPr>
-          <p:nvPr>
-            <p:ph type="subTitle" idx="1"/>
-          </p:nvPr>
-        </p:nvSpPr>
-        <p:spPr>
-          <a:xfrm>
-            <a:off x="251520" y="764704"/>
-            <a:ext cx="8640960" cy="6480720"/>
-          </a:xfrm>
-        </p:spPr>
-        <p:txBody>
-          <a:bodyPr>
-            <a:noAutofit/>
-          </a:bodyPr>
-          <a:lstStyle/>
-          <a:p>
-            <a:r>
-              <a:rPr lang="en-GB" sz="3600" dirty="0">
-                <a:solidFill>
-                  <a:schemeClr val="bg1"/>
-                </a:solidFill>
-              </a:rPr>
-              <a:t>I’ll praise when outnumbered</a:t>
-            </a:r>
-          </a:p>
-          <a:p>
-            <a:r>
-              <a:rPr lang="en-GB" sz="3600" dirty="0">
-                <a:solidFill>
-                  <a:schemeClr val="bg1"/>
-                </a:solidFill>
-              </a:rPr>
-              <a:t>Praise when surrounded</a:t>
-            </a:r>
-          </a:p>
-          <a:p>
-            <a:r>
-              <a:rPr lang="en-GB" sz="3600" dirty="0" err="1">
-                <a:solidFill>
-                  <a:schemeClr val="bg1"/>
-                </a:solidFill>
-              </a:rPr>
-              <a:t>'Cause</a:t>
-            </a:r>
-            <a:r>
-              <a:rPr lang="en-GB" sz="3600" dirty="0">
-                <a:solidFill>
-                  <a:schemeClr val="bg1"/>
-                </a:solidFill>
-              </a:rPr>
-              <a:t> praise is the water</a:t>
-            </a:r>
-          </a:p>
-          <a:p>
-            <a:r>
-              <a:rPr lang="en-GB" sz="3600" dirty="0">
-                <a:solidFill>
-                  <a:schemeClr val="bg1"/>
-                </a:solidFill>
-              </a:rPr>
-              <a:t>My enemies drown in</a:t>
-            </a:r>
-          </a:p>
-        </p:txBody>
-      </p:sp>
-      <p:sp>
-        <p:nvSpPr>
-          <p:cNvPr id="4" name="TextBox 3"/>
-          <p:cNvSpPr txBox="1"/>
-          <p:nvPr/>
-        </p:nvSpPr>
-        <p:spPr>
-          <a:xfrm>
-            <a:off x="8316416" y="0"/>
-            <a:ext cx="784189" cy="461665"/>
-          </a:xfrm>
-          <a:prstGeom prst="rect">
-            <a:avLst/>
-          </a:prstGeom>
-          <a:noFill/>
-        </p:spPr>
-        <p:txBody>
-          <a:bodyPr wrap="none" rtlCol="0">
-            <a:spAutoFit/>
-          </a:bodyPr>
-          <a:lstStyle/>
-          <a:p>
-            <a:r>
-              <a:rPr lang="en-GB" sz="2400" b="1" dirty="0">
-                <a:solidFill>
-                  <a:schemeClr val="bg1"/>
-                </a:solidFill>
-              </a:rPr>
-              <a:t>3/12</a:t>
-            </a:r>
-          </a:p>
-        </p:txBody>
-      </p:sp>
-    </p:spTree>
-    <p:extLst>
-      <p:ext uri="{BB962C8B-B14F-4D97-AF65-F5344CB8AC3E}">
-        <p14:creationId xmlns:p14="http://schemas.microsoft.com/office/powerpoint/2010/main" val="2674701609"/>
-      </p:ext>
-    </p:extLst>
-  </p:cSld>
-  <p:clrMapOvr>
-    <a:masterClrMapping/>
-  </p:clrMapOvr>
-</p:sld>
-</file>
-
-<file path=ppt/slides/slide61.xml><?xml version="1.0" encoding="utf-8"?>
-<p:sld xmlns:a="http://schemas.openxmlformats.org/drawingml/2006/main" xmlns:r="http://schemas.openxmlformats.org/officeDocument/2006/relationships" xmlns:p="http://schemas.openxmlformats.org/presentationml/2006/main">
-  <p:cSld>
-    <p:spTree>
-      <p:nvGrpSpPr>
-        <p:cNvPr id="1" name=""/>
-        <p:cNvGrpSpPr/>
-        <p:nvPr/>
-      </p:nvGrpSpPr>
-      <p:grpSpPr>
-        <a:xfrm>
-          <a:off x="0" y="0"/>
-          <a:ext cx="0" cy="0"/>
-          <a:chOff x="0" y="0"/>
-          <a:chExt cx="0" cy="0"/>
-        </a:xfrm>
-      </p:grpSpPr>
-      <p:sp>
-        <p:nvSpPr>
-          <p:cNvPr id="3" name="Subtitle 2"/>
-          <p:cNvSpPr>
-            <a:spLocks noGrp="1"/>
-          </p:cNvSpPr>
-          <p:nvPr>
-            <p:ph type="subTitle" idx="1"/>
-          </p:nvPr>
-        </p:nvSpPr>
-        <p:spPr>
-          <a:xfrm>
-            <a:off x="251520" y="764704"/>
-            <a:ext cx="8640960" cy="6480720"/>
-          </a:xfrm>
-        </p:spPr>
-        <p:txBody>
-          <a:bodyPr>
-            <a:noAutofit/>
-          </a:bodyPr>
-          <a:lstStyle/>
-          <a:p>
-            <a:r>
-              <a:rPr lang="en-GB" sz="3600" dirty="0">
-                <a:solidFill>
-                  <a:schemeClr val="bg1"/>
-                </a:solidFill>
-              </a:rPr>
-              <a:t>As long as I’m breathing</a:t>
-            </a:r>
-          </a:p>
-          <a:p>
-            <a:r>
-              <a:rPr lang="en-GB" sz="3600" dirty="0">
-                <a:solidFill>
-                  <a:schemeClr val="bg1"/>
-                </a:solidFill>
-              </a:rPr>
-              <a:t>I’ve got a reason to</a:t>
-            </a:r>
-            <a:br>
-              <a:rPr lang="en-GB" sz="3600" dirty="0">
-                <a:solidFill>
-                  <a:schemeClr val="bg1"/>
-                </a:solidFill>
-              </a:rPr>
-            </a:br>
-            <a:br>
-              <a:rPr lang="en-GB" sz="3600" dirty="0">
-                <a:solidFill>
-                  <a:schemeClr val="bg1"/>
-                </a:solidFill>
-              </a:rPr>
-            </a:br>
-            <a:r>
-              <a:rPr lang="en-GB" sz="3600" dirty="0">
-                <a:solidFill>
-                  <a:schemeClr val="bg1"/>
-                </a:solidFill>
-              </a:rPr>
-              <a:t>Praise the Lord oh my soul</a:t>
-            </a:r>
-          </a:p>
-          <a:p>
-            <a:r>
-              <a:rPr lang="en-GB" sz="3600" dirty="0">
-                <a:solidFill>
-                  <a:schemeClr val="bg1"/>
-                </a:solidFill>
-              </a:rPr>
-              <a:t>Praise the Lord oh my soul</a:t>
-            </a:r>
-          </a:p>
-          <a:p>
-            <a:endParaRPr lang="en-GB" sz="3600" dirty="0">
-              <a:solidFill>
-                <a:schemeClr val="bg1"/>
-              </a:solidFill>
-            </a:endParaRPr>
-          </a:p>
-        </p:txBody>
-      </p:sp>
-      <p:sp>
-        <p:nvSpPr>
-          <p:cNvPr id="4" name="TextBox 3"/>
-          <p:cNvSpPr txBox="1"/>
-          <p:nvPr/>
-        </p:nvSpPr>
-        <p:spPr>
-          <a:xfrm>
-            <a:off x="8316416" y="0"/>
-            <a:ext cx="784189" cy="461665"/>
-          </a:xfrm>
-          <a:prstGeom prst="rect">
-            <a:avLst/>
-          </a:prstGeom>
-          <a:noFill/>
-        </p:spPr>
-        <p:txBody>
-          <a:bodyPr wrap="none" rtlCol="0">
-            <a:spAutoFit/>
-          </a:bodyPr>
-          <a:lstStyle/>
-          <a:p>
-            <a:r>
-              <a:rPr lang="en-GB" sz="2400" b="1" dirty="0">
-                <a:solidFill>
-                  <a:schemeClr val="bg1"/>
-                </a:solidFill>
-              </a:rPr>
-              <a:t>4/12</a:t>
-            </a:r>
-          </a:p>
-        </p:txBody>
-      </p:sp>
-    </p:spTree>
-    <p:extLst>
-      <p:ext uri="{BB962C8B-B14F-4D97-AF65-F5344CB8AC3E}">
-        <p14:creationId xmlns:p14="http://schemas.microsoft.com/office/powerpoint/2010/main" val="2636516413"/>
-      </p:ext>
-    </p:extLst>
-  </p:cSld>
-  <p:clrMapOvr>
-    <a:masterClrMapping/>
-  </p:clrMapOvr>
-</p:sld>
-</file>
-
-<file path=ppt/slides/slide62.xml><?xml version="1.0" encoding="utf-8"?>
-<p:sld xmlns:a="http://schemas.openxmlformats.org/drawingml/2006/main" xmlns:r="http://schemas.openxmlformats.org/officeDocument/2006/relationships" xmlns:p="http://schemas.openxmlformats.org/presentationml/2006/main">
-  <p:cSld>
-    <p:spTree>
-      <p:nvGrpSpPr>
-        <p:cNvPr id="1" name=""/>
-        <p:cNvGrpSpPr/>
-        <p:nvPr/>
-      </p:nvGrpSpPr>
-      <p:grpSpPr>
-        <a:xfrm>
-          <a:off x="0" y="0"/>
-          <a:ext cx="0" cy="0"/>
-          <a:chOff x="0" y="0"/>
-          <a:chExt cx="0" cy="0"/>
-        </a:xfrm>
-      </p:grpSpPr>
-      <p:sp>
-        <p:nvSpPr>
-          <p:cNvPr id="3" name="Subtitle 2"/>
-          <p:cNvSpPr>
-            <a:spLocks noGrp="1"/>
-          </p:cNvSpPr>
-          <p:nvPr>
-            <p:ph type="subTitle" idx="1"/>
-          </p:nvPr>
-        </p:nvSpPr>
-        <p:spPr>
-          <a:xfrm>
-            <a:off x="251520" y="764704"/>
-            <a:ext cx="8640960" cy="6480720"/>
-          </a:xfrm>
-        </p:spPr>
-        <p:txBody>
-          <a:bodyPr>
-            <a:noAutofit/>
-          </a:bodyPr>
-          <a:lstStyle/>
-          <a:p>
-            <a:r>
-              <a:rPr lang="en-GB" sz="3600" dirty="0">
-                <a:solidFill>
-                  <a:schemeClr val="bg1"/>
-                </a:solidFill>
-              </a:rPr>
-              <a:t>I’ll praise when I feel it</a:t>
-            </a:r>
-          </a:p>
-          <a:p>
-            <a:r>
-              <a:rPr lang="en-GB" sz="3600" dirty="0">
-                <a:solidFill>
-                  <a:schemeClr val="bg1"/>
-                </a:solidFill>
-              </a:rPr>
-              <a:t>And I’ll praise when I don’t</a:t>
-            </a:r>
-          </a:p>
-          <a:p>
-            <a:r>
-              <a:rPr lang="en-GB" sz="3600" dirty="0">
-                <a:solidFill>
-                  <a:schemeClr val="bg1"/>
-                </a:solidFill>
-              </a:rPr>
-              <a:t>I’ll praise </a:t>
-            </a:r>
-            <a:r>
-              <a:rPr lang="en-GB" sz="3600" dirty="0" err="1">
-                <a:solidFill>
-                  <a:schemeClr val="bg1"/>
-                </a:solidFill>
-              </a:rPr>
-              <a:t>'cause</a:t>
-            </a:r>
-            <a:r>
-              <a:rPr lang="en-GB" sz="3600" dirty="0">
-                <a:solidFill>
-                  <a:schemeClr val="bg1"/>
-                </a:solidFill>
-              </a:rPr>
-              <a:t> I know</a:t>
-            </a:r>
-          </a:p>
-          <a:p>
-            <a:r>
-              <a:rPr lang="en-GB" sz="3600" dirty="0">
-                <a:solidFill>
-                  <a:schemeClr val="bg1"/>
-                </a:solidFill>
-              </a:rPr>
-              <a:t>You’re still in control</a:t>
-            </a:r>
-          </a:p>
-        </p:txBody>
-      </p:sp>
-      <p:sp>
-        <p:nvSpPr>
-          <p:cNvPr id="4" name="TextBox 3"/>
-          <p:cNvSpPr txBox="1"/>
-          <p:nvPr/>
-        </p:nvSpPr>
-        <p:spPr>
-          <a:xfrm>
-            <a:off x="8316416" y="0"/>
-            <a:ext cx="784189" cy="461665"/>
-          </a:xfrm>
-          <a:prstGeom prst="rect">
-            <a:avLst/>
-          </a:prstGeom>
-          <a:noFill/>
-        </p:spPr>
-        <p:txBody>
-          <a:bodyPr wrap="none" rtlCol="0">
-            <a:spAutoFit/>
-          </a:bodyPr>
-          <a:lstStyle/>
-          <a:p>
-            <a:r>
-              <a:rPr lang="en-GB" sz="2400" b="1" dirty="0">
-                <a:solidFill>
-                  <a:schemeClr val="bg1"/>
-                </a:solidFill>
-              </a:rPr>
-              <a:t>5/12</a:t>
-            </a:r>
-          </a:p>
-        </p:txBody>
-      </p:sp>
-    </p:spTree>
-    <p:extLst>
-      <p:ext uri="{BB962C8B-B14F-4D97-AF65-F5344CB8AC3E}">
-        <p14:creationId xmlns:p14="http://schemas.microsoft.com/office/powerpoint/2010/main" val="3127160738"/>
-      </p:ext>
-    </p:extLst>
-  </p:cSld>
-  <p:clrMapOvr>
-    <a:masterClrMapping/>
-  </p:clrMapOvr>
-</p:sld>
-</file>
-
-<file path=ppt/slides/slide63.xml><?xml version="1.0" encoding="utf-8"?>
-<p:sld xmlns:a="http://schemas.openxmlformats.org/drawingml/2006/main" xmlns:r="http://schemas.openxmlformats.org/officeDocument/2006/relationships" xmlns:p="http://schemas.openxmlformats.org/presentationml/2006/main">
-  <p:cSld>
-    <p:spTree>
-      <p:nvGrpSpPr>
-        <p:cNvPr id="1" name=""/>
-        <p:cNvGrpSpPr/>
-        <p:nvPr/>
-      </p:nvGrpSpPr>
-      <p:grpSpPr>
-        <a:xfrm>
-          <a:off x="0" y="0"/>
-          <a:ext cx="0" cy="0"/>
-          <a:chOff x="0" y="0"/>
-          <a:chExt cx="0" cy="0"/>
-        </a:xfrm>
-      </p:grpSpPr>
-      <p:sp>
-        <p:nvSpPr>
-          <p:cNvPr id="3" name="Subtitle 2"/>
-          <p:cNvSpPr>
-            <a:spLocks noGrp="1"/>
-          </p:cNvSpPr>
-          <p:nvPr>
-            <p:ph type="subTitle" idx="1"/>
-          </p:nvPr>
-        </p:nvSpPr>
-        <p:spPr>
-          <a:xfrm>
-            <a:off x="251520" y="764704"/>
-            <a:ext cx="8640960" cy="6480720"/>
-          </a:xfrm>
-        </p:spPr>
-        <p:txBody>
-          <a:bodyPr>
-            <a:noAutofit/>
-          </a:bodyPr>
-          <a:lstStyle/>
-          <a:p>
-            <a:r>
-              <a:rPr lang="en-GB" sz="3600" dirty="0" err="1">
-                <a:solidFill>
-                  <a:schemeClr val="bg1"/>
-                </a:solidFill>
-              </a:rPr>
-              <a:t>'Cause</a:t>
-            </a:r>
-            <a:r>
-              <a:rPr lang="en-GB" sz="3600" dirty="0">
-                <a:solidFill>
-                  <a:schemeClr val="bg1"/>
-                </a:solidFill>
-              </a:rPr>
-              <a:t> my praise is a weapon</a:t>
-            </a:r>
-          </a:p>
-          <a:p>
-            <a:r>
-              <a:rPr lang="en-GB" sz="3600" dirty="0">
-                <a:solidFill>
-                  <a:schemeClr val="bg1"/>
-                </a:solidFill>
-              </a:rPr>
-              <a:t>It’s more than a sound</a:t>
-            </a:r>
-          </a:p>
-          <a:p>
-            <a:r>
-              <a:rPr lang="en-GB" sz="3600" dirty="0">
-                <a:solidFill>
-                  <a:schemeClr val="bg1"/>
-                </a:solidFill>
-              </a:rPr>
-              <a:t>My praise is the shout</a:t>
-            </a:r>
-          </a:p>
-          <a:p>
-            <a:r>
-              <a:rPr lang="en-GB" sz="3600" dirty="0">
-                <a:solidFill>
-                  <a:schemeClr val="bg1"/>
-                </a:solidFill>
-              </a:rPr>
-              <a:t>That brings Jericho down</a:t>
-            </a:r>
-          </a:p>
-        </p:txBody>
-      </p:sp>
-      <p:sp>
-        <p:nvSpPr>
-          <p:cNvPr id="4" name="TextBox 3"/>
-          <p:cNvSpPr txBox="1"/>
-          <p:nvPr/>
-        </p:nvSpPr>
-        <p:spPr>
-          <a:xfrm>
-            <a:off x="8316416" y="0"/>
-            <a:ext cx="784189" cy="461665"/>
-          </a:xfrm>
-          <a:prstGeom prst="rect">
-            <a:avLst/>
-          </a:prstGeom>
-          <a:noFill/>
-        </p:spPr>
-        <p:txBody>
-          <a:bodyPr wrap="none" rtlCol="0">
-            <a:spAutoFit/>
-          </a:bodyPr>
-          <a:lstStyle/>
-          <a:p>
-            <a:r>
-              <a:rPr lang="en-GB" sz="2400" b="1" dirty="0">
-                <a:solidFill>
-                  <a:schemeClr val="bg1"/>
-                </a:solidFill>
-              </a:rPr>
-              <a:t>6/12</a:t>
-            </a:r>
-          </a:p>
-        </p:txBody>
-      </p:sp>
-    </p:spTree>
-    <p:extLst>
-      <p:ext uri="{BB962C8B-B14F-4D97-AF65-F5344CB8AC3E}">
-        <p14:creationId xmlns:p14="http://schemas.microsoft.com/office/powerpoint/2010/main" val="895037293"/>
-      </p:ext>
-    </p:extLst>
-  </p:cSld>
-  <p:clrMapOvr>
-    <a:masterClrMapping/>
-  </p:clrMapOvr>
-</p:sld>
-</file>
-
-<file path=ppt/slides/slide64.xml><?xml version="1.0" encoding="utf-8"?>
-<p:sld xmlns:a="http://schemas.openxmlformats.org/drawingml/2006/main" xmlns:r="http://schemas.openxmlformats.org/officeDocument/2006/relationships" xmlns:p="http://schemas.openxmlformats.org/presentationml/2006/main">
-  <p:cSld>
-    <p:spTree>
-      <p:nvGrpSpPr>
-        <p:cNvPr id="1" name=""/>
-        <p:cNvGrpSpPr/>
-        <p:nvPr/>
-      </p:nvGrpSpPr>
-      <p:grpSpPr>
-        <a:xfrm>
-          <a:off x="0" y="0"/>
-          <a:ext cx="0" cy="0"/>
-          <a:chOff x="0" y="0"/>
-          <a:chExt cx="0" cy="0"/>
-        </a:xfrm>
-      </p:grpSpPr>
-      <p:sp>
-        <p:nvSpPr>
-          <p:cNvPr id="3" name="Subtitle 2"/>
-          <p:cNvSpPr>
-            <a:spLocks noGrp="1"/>
-          </p:cNvSpPr>
-          <p:nvPr>
-            <p:ph type="subTitle" idx="1"/>
-          </p:nvPr>
-        </p:nvSpPr>
-        <p:spPr>
-          <a:xfrm>
-            <a:off x="251520" y="764704"/>
-            <a:ext cx="8640960" cy="6480720"/>
-          </a:xfrm>
-        </p:spPr>
-        <p:txBody>
-          <a:bodyPr>
-            <a:noAutofit/>
-          </a:bodyPr>
-          <a:lstStyle/>
-          <a:p>
-            <a:r>
-              <a:rPr lang="en-GB" sz="3600" dirty="0">
-                <a:solidFill>
-                  <a:schemeClr val="bg1"/>
-                </a:solidFill>
-              </a:rPr>
-              <a:t>As long as I’m breathing</a:t>
-            </a:r>
-          </a:p>
-          <a:p>
-            <a:r>
-              <a:rPr lang="en-GB" sz="3600" dirty="0">
-                <a:solidFill>
-                  <a:schemeClr val="bg1"/>
-                </a:solidFill>
-              </a:rPr>
-              <a:t>I’ve got a reason to</a:t>
-            </a:r>
-            <a:br>
-              <a:rPr lang="en-GB" sz="3600" dirty="0">
-                <a:solidFill>
-                  <a:schemeClr val="bg1"/>
-                </a:solidFill>
-              </a:rPr>
-            </a:br>
-            <a:br>
-              <a:rPr lang="en-GB" sz="3600" dirty="0">
-                <a:solidFill>
-                  <a:schemeClr val="bg1"/>
-                </a:solidFill>
-              </a:rPr>
-            </a:br>
-            <a:r>
-              <a:rPr lang="en-GB" sz="3600" dirty="0">
-                <a:solidFill>
-                  <a:schemeClr val="bg1"/>
-                </a:solidFill>
-              </a:rPr>
-              <a:t>Praise the Lord oh my soul</a:t>
-            </a:r>
-          </a:p>
-          <a:p>
-            <a:r>
-              <a:rPr lang="en-GB" sz="3600" dirty="0">
-                <a:solidFill>
-                  <a:schemeClr val="bg1"/>
-                </a:solidFill>
-              </a:rPr>
-              <a:t>Praise the Lord oh my soul</a:t>
-            </a:r>
-          </a:p>
-          <a:p>
-            <a:endParaRPr lang="en-GB" sz="3600" dirty="0">
-              <a:solidFill>
-                <a:schemeClr val="bg1"/>
-              </a:solidFill>
-            </a:endParaRPr>
-          </a:p>
-        </p:txBody>
-      </p:sp>
-      <p:sp>
-        <p:nvSpPr>
-          <p:cNvPr id="4" name="TextBox 3"/>
-          <p:cNvSpPr txBox="1"/>
-          <p:nvPr/>
-        </p:nvSpPr>
-        <p:spPr>
-          <a:xfrm>
-            <a:off x="8316416" y="0"/>
-            <a:ext cx="784189" cy="461665"/>
-          </a:xfrm>
-          <a:prstGeom prst="rect">
-            <a:avLst/>
-          </a:prstGeom>
-          <a:noFill/>
-        </p:spPr>
-        <p:txBody>
-          <a:bodyPr wrap="none" rtlCol="0">
-            <a:spAutoFit/>
-          </a:bodyPr>
-          <a:lstStyle/>
-          <a:p>
-            <a:r>
-              <a:rPr lang="en-GB" sz="2400" b="1" dirty="0">
-                <a:solidFill>
-                  <a:schemeClr val="bg1"/>
-                </a:solidFill>
-              </a:rPr>
-              <a:t>7/12</a:t>
-            </a:r>
-          </a:p>
-        </p:txBody>
-      </p:sp>
-    </p:spTree>
-    <p:extLst>
-      <p:ext uri="{BB962C8B-B14F-4D97-AF65-F5344CB8AC3E}">
-        <p14:creationId xmlns:p14="http://schemas.microsoft.com/office/powerpoint/2010/main" val="3400580476"/>
-      </p:ext>
-    </p:extLst>
-  </p:cSld>
-  <p:clrMapOvr>
-    <a:masterClrMapping/>
-  </p:clrMapOvr>
-</p:sld>
-</file>
-
-<file path=ppt/slides/slide65.xml><?xml version="1.0" encoding="utf-8"?>
-<p:sld xmlns:a="http://schemas.openxmlformats.org/drawingml/2006/main" xmlns:r="http://schemas.openxmlformats.org/officeDocument/2006/relationships" xmlns:p="http://schemas.openxmlformats.org/presentationml/2006/main">
-  <p:cSld>
-    <p:spTree>
-      <p:nvGrpSpPr>
-        <p:cNvPr id="1" name=""/>
-        <p:cNvGrpSpPr/>
-        <p:nvPr/>
-      </p:nvGrpSpPr>
-      <p:grpSpPr>
-        <a:xfrm>
-          <a:off x="0" y="0"/>
-          <a:ext cx="0" cy="0"/>
-          <a:chOff x="0" y="0"/>
-          <a:chExt cx="0" cy="0"/>
-        </a:xfrm>
-      </p:grpSpPr>
-      <p:sp>
-        <p:nvSpPr>
-          <p:cNvPr id="3" name="Subtitle 2"/>
-          <p:cNvSpPr>
-            <a:spLocks noGrp="1"/>
-          </p:cNvSpPr>
-          <p:nvPr>
-            <p:ph type="subTitle" idx="1"/>
-          </p:nvPr>
-        </p:nvSpPr>
-        <p:spPr>
-          <a:xfrm>
-            <a:off x="251520" y="764704"/>
-            <a:ext cx="8640960" cy="6480720"/>
-          </a:xfrm>
-        </p:spPr>
-        <p:txBody>
-          <a:bodyPr>
-            <a:noAutofit/>
-          </a:bodyPr>
-          <a:lstStyle/>
-          <a:p>
-            <a:r>
-              <a:rPr lang="en-GB" sz="3600" dirty="0">
-                <a:solidFill>
-                  <a:schemeClr val="bg1"/>
-                </a:solidFill>
-              </a:rPr>
-              <a:t>I won’t be quiet</a:t>
-            </a:r>
-          </a:p>
-          <a:p>
-            <a:r>
-              <a:rPr lang="en-GB" sz="3600" dirty="0">
-                <a:solidFill>
-                  <a:schemeClr val="bg1"/>
-                </a:solidFill>
-              </a:rPr>
-              <a:t>My God is alive</a:t>
-            </a:r>
-          </a:p>
-          <a:p>
-            <a:r>
-              <a:rPr lang="en-GB" sz="3600" dirty="0">
-                <a:solidFill>
-                  <a:schemeClr val="bg1"/>
-                </a:solidFill>
-              </a:rPr>
-              <a:t>How could I keep it inside</a:t>
-            </a:r>
-          </a:p>
-          <a:p>
-            <a:r>
-              <a:rPr lang="en-GB" sz="3600" dirty="0">
-                <a:solidFill>
-                  <a:schemeClr val="bg1"/>
-                </a:solidFill>
-              </a:rPr>
-              <a:t>Praise the Lord oh my soul</a:t>
-            </a:r>
-          </a:p>
-        </p:txBody>
-      </p:sp>
-      <p:sp>
-        <p:nvSpPr>
-          <p:cNvPr id="4" name="TextBox 3"/>
-          <p:cNvSpPr txBox="1"/>
-          <p:nvPr/>
-        </p:nvSpPr>
-        <p:spPr>
-          <a:xfrm>
-            <a:off x="8316416" y="0"/>
-            <a:ext cx="784189" cy="461665"/>
-          </a:xfrm>
-          <a:prstGeom prst="rect">
-            <a:avLst/>
-          </a:prstGeom>
-          <a:noFill/>
-        </p:spPr>
-        <p:txBody>
-          <a:bodyPr wrap="none" rtlCol="0">
-            <a:spAutoFit/>
-          </a:bodyPr>
-          <a:lstStyle/>
-          <a:p>
-            <a:r>
-              <a:rPr lang="en-GB" sz="2400" b="1" dirty="0">
-                <a:solidFill>
-                  <a:schemeClr val="bg1"/>
-                </a:solidFill>
-              </a:rPr>
-              <a:t>8/12</a:t>
-            </a:r>
-          </a:p>
-        </p:txBody>
-      </p:sp>
-    </p:spTree>
-    <p:extLst>
-      <p:ext uri="{BB962C8B-B14F-4D97-AF65-F5344CB8AC3E}">
-        <p14:creationId xmlns:p14="http://schemas.microsoft.com/office/powerpoint/2010/main" val="4196909741"/>
-      </p:ext>
-    </p:extLst>
-  </p:cSld>
-  <p:clrMapOvr>
-    <a:masterClrMapping/>
-  </p:clrMapOvr>
-</p:sld>
-</file>
-
-<file path=ppt/slides/slide66.xml><?xml version="1.0" encoding="utf-8"?>
-<p:sld xmlns:a="http://schemas.openxmlformats.org/drawingml/2006/main" xmlns:r="http://schemas.openxmlformats.org/officeDocument/2006/relationships" xmlns:p="http://schemas.openxmlformats.org/presentationml/2006/main">
-  <p:cSld>
-    <p:spTree>
-      <p:nvGrpSpPr>
-        <p:cNvPr id="1" name=""/>
-        <p:cNvGrpSpPr/>
-        <p:nvPr/>
-      </p:nvGrpSpPr>
-      <p:grpSpPr>
-        <a:xfrm>
-          <a:off x="0" y="0"/>
-          <a:ext cx="0" cy="0"/>
-          <a:chOff x="0" y="0"/>
-          <a:chExt cx="0" cy="0"/>
-        </a:xfrm>
-      </p:grpSpPr>
-      <p:sp>
-        <p:nvSpPr>
-          <p:cNvPr id="3" name="Subtitle 2"/>
-          <p:cNvSpPr>
-            <a:spLocks noGrp="1"/>
-          </p:cNvSpPr>
-          <p:nvPr>
-            <p:ph type="subTitle" idx="1"/>
-          </p:nvPr>
-        </p:nvSpPr>
-        <p:spPr>
-          <a:xfrm>
-            <a:off x="251520" y="764704"/>
-            <a:ext cx="8640960" cy="6480720"/>
-          </a:xfrm>
-        </p:spPr>
-        <p:txBody>
-          <a:bodyPr>
-            <a:noAutofit/>
-          </a:bodyPr>
-          <a:lstStyle/>
-          <a:p>
-            <a:r>
-              <a:rPr lang="en-GB" sz="3600" dirty="0">
-                <a:solidFill>
-                  <a:schemeClr val="bg1"/>
-                </a:solidFill>
-              </a:rPr>
-              <a:t>I’ll praise </a:t>
-            </a:r>
-            <a:r>
-              <a:rPr lang="en-GB" sz="3600" dirty="0" err="1">
-                <a:solidFill>
-                  <a:schemeClr val="bg1"/>
-                </a:solidFill>
-              </a:rPr>
-              <a:t>'cause</a:t>
-            </a:r>
-            <a:r>
-              <a:rPr lang="en-GB" sz="3600" dirty="0">
-                <a:solidFill>
-                  <a:schemeClr val="bg1"/>
-                </a:solidFill>
-              </a:rPr>
-              <a:t> You’re sovereign</a:t>
-            </a:r>
-          </a:p>
-          <a:p>
-            <a:r>
-              <a:rPr lang="en-GB" sz="3600" dirty="0">
-                <a:solidFill>
-                  <a:schemeClr val="bg1"/>
-                </a:solidFill>
-              </a:rPr>
-              <a:t>Praise </a:t>
-            </a:r>
-            <a:r>
-              <a:rPr lang="en-GB" sz="3600" dirty="0" err="1">
-                <a:solidFill>
-                  <a:schemeClr val="bg1"/>
-                </a:solidFill>
-              </a:rPr>
-              <a:t>'cause</a:t>
-            </a:r>
-            <a:r>
-              <a:rPr lang="en-GB" sz="3600" dirty="0">
-                <a:solidFill>
-                  <a:schemeClr val="bg1"/>
-                </a:solidFill>
-              </a:rPr>
-              <a:t> You reign</a:t>
-            </a:r>
-          </a:p>
-          <a:p>
-            <a:r>
-              <a:rPr lang="en-GB" sz="3600" dirty="0">
-                <a:solidFill>
-                  <a:schemeClr val="bg1"/>
-                </a:solidFill>
-              </a:rPr>
-              <a:t>Praise </a:t>
-            </a:r>
-            <a:r>
-              <a:rPr lang="en-GB" sz="3600" dirty="0" err="1">
-                <a:solidFill>
-                  <a:schemeClr val="bg1"/>
-                </a:solidFill>
-              </a:rPr>
-              <a:t>'cause</a:t>
-            </a:r>
-            <a:r>
-              <a:rPr lang="en-GB" sz="3600" dirty="0">
-                <a:solidFill>
-                  <a:schemeClr val="bg1"/>
-                </a:solidFill>
-              </a:rPr>
-              <a:t> You rose and defeated the grave</a:t>
-            </a:r>
-            <a:br>
-              <a:rPr lang="en-GB" sz="3600" dirty="0">
-                <a:solidFill>
-                  <a:schemeClr val="bg1"/>
-                </a:solidFill>
-              </a:rPr>
-            </a:br>
-            <a:endParaRPr lang="en-GB" sz="3600" dirty="0">
-              <a:solidFill>
-                <a:schemeClr val="bg1"/>
-              </a:solidFill>
-            </a:endParaRPr>
-          </a:p>
-          <a:p>
-            <a:r>
-              <a:rPr lang="en-GB" sz="3600" dirty="0">
-                <a:solidFill>
-                  <a:schemeClr val="bg1"/>
-                </a:solidFill>
-              </a:rPr>
-              <a:t>I’ll praise </a:t>
-            </a:r>
-            <a:r>
-              <a:rPr lang="en-GB" sz="3600" dirty="0" err="1">
-                <a:solidFill>
-                  <a:schemeClr val="bg1"/>
-                </a:solidFill>
-              </a:rPr>
-              <a:t>'cause</a:t>
-            </a:r>
-            <a:r>
-              <a:rPr lang="en-GB" sz="3600" dirty="0">
-                <a:solidFill>
-                  <a:schemeClr val="bg1"/>
-                </a:solidFill>
-              </a:rPr>
-              <a:t> You’re faithful</a:t>
-            </a:r>
-          </a:p>
-          <a:p>
-            <a:r>
-              <a:rPr lang="en-GB" sz="3600" dirty="0">
-                <a:solidFill>
-                  <a:schemeClr val="bg1"/>
-                </a:solidFill>
-              </a:rPr>
-              <a:t>Praise </a:t>
-            </a:r>
-            <a:r>
-              <a:rPr lang="en-GB" sz="3600" dirty="0" err="1">
-                <a:solidFill>
-                  <a:schemeClr val="bg1"/>
-                </a:solidFill>
-              </a:rPr>
-              <a:t>'cause</a:t>
-            </a:r>
-            <a:r>
-              <a:rPr lang="en-GB" sz="3600" dirty="0">
-                <a:solidFill>
-                  <a:schemeClr val="bg1"/>
-                </a:solidFill>
-              </a:rPr>
-              <a:t> You’re true</a:t>
-            </a:r>
-          </a:p>
-          <a:p>
-            <a:r>
-              <a:rPr lang="en-GB" sz="3600" dirty="0">
-                <a:solidFill>
-                  <a:schemeClr val="bg1"/>
-                </a:solidFill>
-              </a:rPr>
-              <a:t>Praise </a:t>
-            </a:r>
-            <a:r>
-              <a:rPr lang="en-GB" sz="3600" dirty="0" err="1">
-                <a:solidFill>
-                  <a:schemeClr val="bg1"/>
-                </a:solidFill>
-              </a:rPr>
-              <a:t>'cause</a:t>
-            </a:r>
-            <a:r>
-              <a:rPr lang="en-GB" sz="3600" dirty="0">
-                <a:solidFill>
-                  <a:schemeClr val="bg1"/>
-                </a:solidFill>
-              </a:rPr>
-              <a:t> there’s nobody greater than You</a:t>
-            </a:r>
-          </a:p>
-        </p:txBody>
-      </p:sp>
-      <p:sp>
-        <p:nvSpPr>
-          <p:cNvPr id="4" name="TextBox 3"/>
-          <p:cNvSpPr txBox="1"/>
-          <p:nvPr/>
-        </p:nvSpPr>
-        <p:spPr>
-          <a:xfrm>
-            <a:off x="8316416" y="0"/>
-            <a:ext cx="784189" cy="461665"/>
-          </a:xfrm>
-          <a:prstGeom prst="rect">
-            <a:avLst/>
-          </a:prstGeom>
-          <a:noFill/>
-        </p:spPr>
-        <p:txBody>
-          <a:bodyPr wrap="none" rtlCol="0">
-            <a:spAutoFit/>
-          </a:bodyPr>
-          <a:lstStyle/>
-          <a:p>
-            <a:r>
-              <a:rPr lang="en-GB" sz="2400" b="1" dirty="0">
-                <a:solidFill>
-                  <a:schemeClr val="bg1"/>
-                </a:solidFill>
-              </a:rPr>
-              <a:t>9/12</a:t>
-            </a:r>
-          </a:p>
-        </p:txBody>
-      </p:sp>
-    </p:spTree>
-    <p:extLst>
-      <p:ext uri="{BB962C8B-B14F-4D97-AF65-F5344CB8AC3E}">
-        <p14:creationId xmlns:p14="http://schemas.microsoft.com/office/powerpoint/2010/main" val="1242579235"/>
-      </p:ext>
-    </p:extLst>
-  </p:cSld>
-  <p:clrMapOvr>
-    <a:masterClrMapping/>
-  </p:clrMapOvr>
-</p:sld>
-</file>
-
-<file path=ppt/slides/slide67.xml><?xml version="1.0" encoding="utf-8"?>
-<p:sld xmlns:a="http://schemas.openxmlformats.org/drawingml/2006/main" xmlns:r="http://schemas.openxmlformats.org/officeDocument/2006/relationships" xmlns:p="http://schemas.openxmlformats.org/presentationml/2006/main">
-  <p:cSld>
-    <p:spTree>
-      <p:nvGrpSpPr>
-        <p:cNvPr id="1" name=""/>
-        <p:cNvGrpSpPr/>
-        <p:nvPr/>
-      </p:nvGrpSpPr>
-      <p:grpSpPr>
-        <a:xfrm>
-          <a:off x="0" y="0"/>
-          <a:ext cx="0" cy="0"/>
-          <a:chOff x="0" y="0"/>
-          <a:chExt cx="0" cy="0"/>
-        </a:xfrm>
-      </p:grpSpPr>
-      <p:sp>
-        <p:nvSpPr>
-          <p:cNvPr id="3" name="Subtitle 2"/>
-          <p:cNvSpPr>
-            <a:spLocks noGrp="1"/>
-          </p:cNvSpPr>
-          <p:nvPr>
-            <p:ph type="subTitle" idx="1"/>
-          </p:nvPr>
-        </p:nvSpPr>
-        <p:spPr>
-          <a:xfrm>
-            <a:off x="251520" y="764704"/>
-            <a:ext cx="8640960" cy="6480720"/>
-          </a:xfrm>
-        </p:spPr>
-        <p:txBody>
-          <a:bodyPr>
-            <a:noAutofit/>
-          </a:bodyPr>
-          <a:lstStyle/>
-          <a:p>
-            <a:r>
-              <a:rPr lang="en-GB" sz="3600" dirty="0">
-                <a:solidFill>
-                  <a:schemeClr val="bg1"/>
-                </a:solidFill>
-              </a:rPr>
-              <a:t>Praise the Lord oh my soul</a:t>
-            </a:r>
-          </a:p>
-          <a:p>
-            <a:r>
-              <a:rPr lang="en-GB" sz="3600" dirty="0">
-                <a:solidFill>
-                  <a:schemeClr val="bg1"/>
-                </a:solidFill>
-              </a:rPr>
-              <a:t>Praise the Lord oh my soul</a:t>
-            </a:r>
-          </a:p>
-          <a:p>
-            <a:r>
-              <a:rPr lang="en-GB" sz="3600" dirty="0">
-                <a:solidFill>
-                  <a:schemeClr val="bg1"/>
-                </a:solidFill>
-              </a:rPr>
-              <a:t>Praise the Lord oh my soul</a:t>
-            </a:r>
-          </a:p>
-          <a:p>
-            <a:r>
-              <a:rPr lang="en-GB" sz="3600" dirty="0">
-                <a:solidFill>
-                  <a:schemeClr val="bg1"/>
-                </a:solidFill>
-              </a:rPr>
-              <a:t>Praise the Lord oh my soul</a:t>
-            </a:r>
-          </a:p>
-          <a:p>
-            <a:r>
-              <a:rPr lang="en-GB" sz="3600" dirty="0">
-                <a:solidFill>
-                  <a:schemeClr val="bg1"/>
-                </a:solidFill>
-              </a:rPr>
-              <a:t>I won’t be quiet</a:t>
-            </a:r>
-          </a:p>
-          <a:p>
-            <a:r>
-              <a:rPr lang="en-GB" sz="3600" dirty="0">
-                <a:solidFill>
-                  <a:schemeClr val="bg1"/>
-                </a:solidFill>
-              </a:rPr>
-              <a:t>My God is alive</a:t>
-            </a:r>
-          </a:p>
-          <a:p>
-            <a:r>
-              <a:rPr lang="en-GB" sz="3600" dirty="0">
-                <a:solidFill>
-                  <a:schemeClr val="bg1"/>
-                </a:solidFill>
-              </a:rPr>
-              <a:t>How could I keep it inside</a:t>
-            </a:r>
-          </a:p>
-        </p:txBody>
-      </p:sp>
-      <p:sp>
-        <p:nvSpPr>
-          <p:cNvPr id="4" name="TextBox 3"/>
-          <p:cNvSpPr txBox="1"/>
-          <p:nvPr/>
-        </p:nvSpPr>
-        <p:spPr>
-          <a:xfrm>
-            <a:off x="8236995" y="0"/>
-            <a:ext cx="939681" cy="461665"/>
-          </a:xfrm>
-          <a:prstGeom prst="rect">
-            <a:avLst/>
-          </a:prstGeom>
-          <a:noFill/>
-        </p:spPr>
-        <p:txBody>
-          <a:bodyPr wrap="none" rtlCol="0">
-            <a:spAutoFit/>
-          </a:bodyPr>
-          <a:lstStyle/>
-          <a:p>
-            <a:r>
-              <a:rPr lang="en-GB" sz="2400" b="1" dirty="0">
-                <a:solidFill>
-                  <a:schemeClr val="bg1"/>
-                </a:solidFill>
-              </a:rPr>
-              <a:t>10/12</a:t>
-            </a:r>
-          </a:p>
-        </p:txBody>
-      </p:sp>
-    </p:spTree>
-    <p:extLst>
-      <p:ext uri="{BB962C8B-B14F-4D97-AF65-F5344CB8AC3E}">
-        <p14:creationId xmlns:p14="http://schemas.microsoft.com/office/powerpoint/2010/main" val="3328611506"/>
-      </p:ext>
-    </p:extLst>
-  </p:cSld>
-  <p:clrMapOvr>
-    <a:masterClrMapping/>
-  </p:clrMapOvr>
-</p:sld>
-</file>
-
-<file path=ppt/slides/slide68.xml><?xml version="1.0" encoding="utf-8"?>
-<p:sld xmlns:a="http://schemas.openxmlformats.org/drawingml/2006/main" xmlns:r="http://schemas.openxmlformats.org/officeDocument/2006/relationships" xmlns:p="http://schemas.openxmlformats.org/presentationml/2006/main">
-  <p:cSld>
-    <p:spTree>
-      <p:nvGrpSpPr>
-        <p:cNvPr id="1" name=""/>
-        <p:cNvGrpSpPr/>
-        <p:nvPr/>
-      </p:nvGrpSpPr>
-      <p:grpSpPr>
-        <a:xfrm>
-          <a:off x="0" y="0"/>
-          <a:ext cx="0" cy="0"/>
-          <a:chOff x="0" y="0"/>
-          <a:chExt cx="0" cy="0"/>
-        </a:xfrm>
-      </p:grpSpPr>
-      <p:sp>
-        <p:nvSpPr>
-          <p:cNvPr id="3" name="Subtitle 2"/>
-          <p:cNvSpPr>
-            <a:spLocks noGrp="1"/>
-          </p:cNvSpPr>
-          <p:nvPr>
-            <p:ph type="subTitle" idx="1"/>
-          </p:nvPr>
-        </p:nvSpPr>
-        <p:spPr>
-          <a:xfrm>
-            <a:off x="251520" y="764704"/>
-            <a:ext cx="8640960" cy="6480720"/>
-          </a:xfrm>
-        </p:spPr>
-        <p:txBody>
-          <a:bodyPr>
-            <a:noAutofit/>
-          </a:bodyPr>
-          <a:lstStyle/>
-          <a:p>
-            <a:r>
-              <a:rPr lang="en-GB" sz="3600" dirty="0">
-                <a:solidFill>
-                  <a:schemeClr val="bg1"/>
-                </a:solidFill>
-              </a:rPr>
-              <a:t>I won’t be quiet</a:t>
-            </a:r>
-          </a:p>
-          <a:p>
-            <a:r>
-              <a:rPr lang="en-GB" sz="3600" dirty="0">
-                <a:solidFill>
-                  <a:schemeClr val="bg1"/>
-                </a:solidFill>
-              </a:rPr>
-              <a:t>My God is alive</a:t>
-            </a:r>
-          </a:p>
-          <a:p>
-            <a:r>
-              <a:rPr lang="en-GB" sz="3600" dirty="0">
-                <a:solidFill>
-                  <a:schemeClr val="bg1"/>
-                </a:solidFill>
-              </a:rPr>
-              <a:t>How could I keep it inside</a:t>
-            </a:r>
-          </a:p>
-          <a:p>
-            <a:r>
-              <a:rPr lang="en-GB" sz="3600" dirty="0">
-                <a:solidFill>
-                  <a:schemeClr val="bg1"/>
-                </a:solidFill>
-              </a:rPr>
-              <a:t>I won’t be quiet</a:t>
-            </a:r>
-          </a:p>
-          <a:p>
-            <a:r>
-              <a:rPr lang="en-GB" sz="3600" dirty="0">
-                <a:solidFill>
-                  <a:schemeClr val="bg1"/>
-                </a:solidFill>
-              </a:rPr>
-              <a:t>My God is alive</a:t>
-            </a:r>
-          </a:p>
-          <a:p>
-            <a:r>
-              <a:rPr lang="en-GB" sz="3600" dirty="0">
-                <a:solidFill>
-                  <a:schemeClr val="bg1"/>
-                </a:solidFill>
-              </a:rPr>
-              <a:t>How could I keep it inside</a:t>
-            </a:r>
-          </a:p>
-          <a:p>
-            <a:r>
-              <a:rPr lang="en-GB" sz="3600" dirty="0">
-                <a:solidFill>
-                  <a:schemeClr val="bg1"/>
-                </a:solidFill>
-              </a:rPr>
-              <a:t>Praise the Lord oh my soul</a:t>
-            </a:r>
-          </a:p>
-        </p:txBody>
-      </p:sp>
-      <p:sp>
-        <p:nvSpPr>
-          <p:cNvPr id="4" name="TextBox 3"/>
-          <p:cNvSpPr txBox="1"/>
-          <p:nvPr/>
-        </p:nvSpPr>
-        <p:spPr>
-          <a:xfrm>
-            <a:off x="8135391" y="0"/>
-            <a:ext cx="1008609" cy="461665"/>
-          </a:xfrm>
-          <a:prstGeom prst="rect">
-            <a:avLst/>
-          </a:prstGeom>
-          <a:noFill/>
-        </p:spPr>
-        <p:txBody>
-          <a:bodyPr wrap="none" rtlCol="0">
-            <a:spAutoFit/>
-          </a:bodyPr>
-          <a:lstStyle/>
-          <a:p>
-            <a:r>
-              <a:rPr lang="en-GB" sz="2400" b="1" dirty="0">
-                <a:solidFill>
-                  <a:schemeClr val="bg1"/>
-                </a:solidFill>
-              </a:rPr>
-              <a:t>1 1/12</a:t>
-            </a:r>
-          </a:p>
-        </p:txBody>
-      </p:sp>
-    </p:spTree>
-    <p:extLst>
-      <p:ext uri="{BB962C8B-B14F-4D97-AF65-F5344CB8AC3E}">
-        <p14:creationId xmlns:p14="http://schemas.microsoft.com/office/powerpoint/2010/main" val="1752219728"/>
-      </p:ext>
-    </p:extLst>
-  </p:cSld>
-  <p:clrMapOvr>
-    <a:masterClrMapping/>
-  </p:clrMapOvr>
-</p:sld>
-</file>
-
-<file path=ppt/slides/slide69.xml><?xml version="1.0" encoding="utf-8"?>
-<p:sld xmlns:a="http://schemas.openxmlformats.org/drawingml/2006/main" xmlns:r="http://schemas.openxmlformats.org/officeDocument/2006/relationships" xmlns:p="http://schemas.openxmlformats.org/presentationml/2006/main">
-  <p:cSld>
-    <p:spTree>
-      <p:nvGrpSpPr>
-        <p:cNvPr id="1" name=""/>
-        <p:cNvGrpSpPr/>
-        <p:nvPr/>
-      </p:nvGrpSpPr>
-      <p:grpSpPr>
-        <a:xfrm>
-          <a:off x="0" y="0"/>
-          <a:ext cx="0" cy="0"/>
-          <a:chOff x="0" y="0"/>
-          <a:chExt cx="0" cy="0"/>
-        </a:xfrm>
-      </p:grpSpPr>
-      <p:sp>
-        <p:nvSpPr>
-          <p:cNvPr id="3" name="Subtitle 2"/>
-          <p:cNvSpPr>
-            <a:spLocks noGrp="1"/>
-          </p:cNvSpPr>
-          <p:nvPr>
-            <p:ph type="subTitle" idx="1"/>
-          </p:nvPr>
-        </p:nvSpPr>
-        <p:spPr>
-          <a:xfrm>
-            <a:off x="251520" y="764704"/>
-            <a:ext cx="8640960" cy="6480720"/>
-          </a:xfrm>
-        </p:spPr>
-        <p:txBody>
-          <a:bodyPr>
-            <a:noAutofit/>
-          </a:bodyPr>
-          <a:lstStyle/>
-          <a:p>
-            <a:r>
-              <a:rPr lang="en-GB" sz="3600" dirty="0">
-                <a:solidFill>
-                  <a:schemeClr val="bg1"/>
-                </a:solidFill>
-              </a:rPr>
-              <a:t>Let everything that has breath</a:t>
-            </a:r>
-          </a:p>
-          <a:p>
-            <a:r>
-              <a:rPr lang="en-GB" sz="3600" dirty="0">
-                <a:solidFill>
-                  <a:schemeClr val="bg1"/>
-                </a:solidFill>
-              </a:rPr>
-              <a:t>Praise the Lord</a:t>
-            </a:r>
-          </a:p>
-          <a:p>
-            <a:r>
-              <a:rPr lang="en-GB" sz="3600" dirty="0">
-                <a:solidFill>
-                  <a:schemeClr val="bg1"/>
-                </a:solidFill>
-              </a:rPr>
-              <a:t>Praise the Lord</a:t>
-            </a:r>
-          </a:p>
-        </p:txBody>
-      </p:sp>
-      <p:sp>
-        <p:nvSpPr>
-          <p:cNvPr id="4" name="TextBox 3"/>
-          <p:cNvSpPr txBox="1"/>
-          <p:nvPr/>
-        </p:nvSpPr>
-        <p:spPr>
-          <a:xfrm>
-            <a:off x="8244408" y="0"/>
-            <a:ext cx="939681" cy="461665"/>
-          </a:xfrm>
-          <a:prstGeom prst="rect">
-            <a:avLst/>
-          </a:prstGeom>
-          <a:noFill/>
-        </p:spPr>
-        <p:txBody>
-          <a:bodyPr wrap="none" rtlCol="0">
-            <a:spAutoFit/>
-          </a:bodyPr>
-          <a:lstStyle/>
-          <a:p>
-            <a:r>
-              <a:rPr lang="en-GB" sz="2400" b="1" dirty="0">
-                <a:solidFill>
-                  <a:schemeClr val="bg1"/>
-                </a:solidFill>
-              </a:rPr>
-              <a:t>12/12</a:t>
-            </a:r>
-          </a:p>
-        </p:txBody>
-      </p:sp>
-    </p:spTree>
-    <p:extLst>
-      <p:ext uri="{BB962C8B-B14F-4D97-AF65-F5344CB8AC3E}">
-        <p14:creationId xmlns:p14="http://schemas.microsoft.com/office/powerpoint/2010/main" val="3105220879"/>
-      </p:ext>
-    </p:extLst>
-  </p:cSld>
-  <p:clrMapOvr>
-    <a:masterClrMapping/>
-  </p:clrMapOvr>
-</p:sld>
-</file>
-
 <file path=ppt/slides/slide7.xml><?xml version="1.0" encoding="utf-8"?>
 <p:sld xmlns:a="http://schemas.openxmlformats.org/drawingml/2006/main" xmlns:r="http://schemas.openxmlformats.org/officeDocument/2006/relationships" xmlns:p="http://schemas.openxmlformats.org/presentationml/2006/main">
   <p:cSld>
@@ -14702,567 +13056,6 @@
     <p:extLst>
       <p:ext uri="{BB962C8B-B14F-4D97-AF65-F5344CB8AC3E}">
         <p14:creationId xmlns:p14="http://schemas.microsoft.com/office/powerpoint/2010/main" val="1756858164"/>
-      </p:ext>
-    </p:extLst>
-  </p:cSld>
-  <p:clrMapOvr>
-    <a:masterClrMapping/>
-  </p:clrMapOvr>
-</p:sld>
-</file>
-
-<file path=ppt/slides/slide70.xml><?xml version="1.0" encoding="utf-8"?>
-<p:sld xmlns:a="http://schemas.openxmlformats.org/drawingml/2006/main" xmlns:r="http://schemas.openxmlformats.org/officeDocument/2006/relationships" xmlns:p="http://schemas.openxmlformats.org/presentationml/2006/main">
-  <p:cSld>
-    <p:spTree>
-      <p:nvGrpSpPr>
-        <p:cNvPr id="1" name="">
-          <a:extLst>
-            <a:ext uri="{FF2B5EF4-FFF2-40B4-BE49-F238E27FC236}">
-              <a16:creationId xmlns:a16="http://schemas.microsoft.com/office/drawing/2014/main" id="{E817E5BD-2125-1602-8408-6B7C49A7F5D3}"/>
-            </a:ext>
-          </a:extLst>
-        </p:cNvPr>
-        <p:cNvGrpSpPr/>
-        <p:nvPr/>
-      </p:nvGrpSpPr>
-      <p:grpSpPr>
-        <a:xfrm>
-          <a:off x="0" y="0"/>
-          <a:ext cx="0" cy="0"/>
-          <a:chOff x="0" y="0"/>
-          <a:chExt cx="0" cy="0"/>
-        </a:xfrm>
-      </p:grpSpPr>
-      <p:sp>
-        <p:nvSpPr>
-          <p:cNvPr id="3" name="Subtitle 2">
-            <a:extLst>
-              <a:ext uri="{FF2B5EF4-FFF2-40B4-BE49-F238E27FC236}">
-                <a16:creationId xmlns:a16="http://schemas.microsoft.com/office/drawing/2014/main" id="{04E3E246-0DAD-2C25-CFA4-502E18F8B9AF}"/>
-              </a:ext>
-            </a:extLst>
-          </p:cNvPr>
-          <p:cNvSpPr>
-            <a:spLocks noGrp="1"/>
-          </p:cNvSpPr>
-          <p:nvPr>
-            <p:ph type="subTitle" idx="1"/>
-          </p:nvPr>
-        </p:nvSpPr>
-        <p:spPr>
-          <a:xfrm>
-            <a:off x="203118" y="692696"/>
-            <a:ext cx="8640960" cy="6480720"/>
-          </a:xfrm>
-        </p:spPr>
-        <p:txBody>
-          <a:bodyPr>
-            <a:noAutofit/>
-          </a:bodyPr>
-          <a:lstStyle/>
-          <a:p>
-            <a:r>
-              <a:rPr lang="en-GB" sz="3600" dirty="0">
-                <a:solidFill>
-                  <a:schemeClr val="bg1"/>
-                </a:solidFill>
-              </a:rPr>
-              <a:t>You picked me up You turned me around</a:t>
-            </a:r>
-          </a:p>
-          <a:p>
-            <a:r>
-              <a:rPr lang="en-GB" sz="3600" dirty="0">
-                <a:solidFill>
-                  <a:schemeClr val="bg1"/>
-                </a:solidFill>
-              </a:rPr>
-              <a:t>And placed my feet on solid ground</a:t>
-            </a:r>
-          </a:p>
-          <a:p>
-            <a:r>
-              <a:rPr lang="en-GB" sz="3600" dirty="0">
-                <a:solidFill>
-                  <a:schemeClr val="bg1"/>
-                </a:solidFill>
-              </a:rPr>
-              <a:t>I thank the Master I thank the Savior</a:t>
-            </a:r>
-          </a:p>
-          <a:p>
-            <a:r>
-              <a:rPr lang="en-GB" sz="3600" dirty="0">
-                <a:solidFill>
-                  <a:schemeClr val="bg1"/>
-                </a:solidFill>
-              </a:rPr>
-              <a:t>Because You healed my heart You changed my name</a:t>
-            </a:r>
-          </a:p>
-          <a:p>
-            <a:r>
-              <a:rPr lang="en-GB" sz="3600" dirty="0">
-                <a:solidFill>
-                  <a:schemeClr val="bg1"/>
-                </a:solidFill>
-              </a:rPr>
-              <a:t>Forever free I'm not the same</a:t>
-            </a:r>
-          </a:p>
-          <a:p>
-            <a:r>
-              <a:rPr lang="en-GB" sz="3600" dirty="0">
-                <a:solidFill>
-                  <a:schemeClr val="bg1"/>
-                </a:solidFill>
-              </a:rPr>
-              <a:t>I thank the Master I thank the Savior </a:t>
-            </a:r>
-            <a:br>
-              <a:rPr lang="en-GB" sz="3600" dirty="0">
-                <a:solidFill>
-                  <a:schemeClr val="bg1"/>
-                </a:solidFill>
-              </a:rPr>
-            </a:br>
-            <a:r>
-              <a:rPr lang="en-GB" sz="3600" dirty="0">
-                <a:solidFill>
-                  <a:schemeClr val="bg1"/>
-                </a:solidFill>
-              </a:rPr>
-              <a:t>I thank God</a:t>
-            </a:r>
-          </a:p>
-          <a:p>
-            <a:endParaRPr lang="en-GB" sz="3600" dirty="0">
-              <a:solidFill>
-                <a:schemeClr val="bg1"/>
-              </a:solidFill>
-            </a:endParaRPr>
-          </a:p>
-        </p:txBody>
-      </p:sp>
-      <p:sp>
-        <p:nvSpPr>
-          <p:cNvPr id="4" name="TextBox 3">
-            <a:extLst>
-              <a:ext uri="{FF2B5EF4-FFF2-40B4-BE49-F238E27FC236}">
-                <a16:creationId xmlns:a16="http://schemas.microsoft.com/office/drawing/2014/main" id="{0E5447DD-4F98-9272-756F-80E83EFECD35}"/>
-              </a:ext>
-            </a:extLst>
-          </p:cNvPr>
-          <p:cNvSpPr txBox="1"/>
-          <p:nvPr/>
-        </p:nvSpPr>
-        <p:spPr>
-          <a:xfrm>
-            <a:off x="8388424" y="0"/>
-            <a:ext cx="628698" cy="461665"/>
-          </a:xfrm>
-          <a:prstGeom prst="rect">
-            <a:avLst/>
-          </a:prstGeom>
-          <a:noFill/>
-        </p:spPr>
-        <p:txBody>
-          <a:bodyPr wrap="none" rtlCol="0">
-            <a:spAutoFit/>
-          </a:bodyPr>
-          <a:lstStyle/>
-          <a:p>
-            <a:r>
-              <a:rPr lang="en-GB" sz="2400" b="1" dirty="0">
-                <a:solidFill>
-                  <a:schemeClr val="bg1"/>
-                </a:solidFill>
-              </a:rPr>
-              <a:t>1/3</a:t>
-            </a:r>
-          </a:p>
-        </p:txBody>
-      </p:sp>
-    </p:spTree>
-    <p:extLst>
-      <p:ext uri="{BB962C8B-B14F-4D97-AF65-F5344CB8AC3E}">
-        <p14:creationId xmlns:p14="http://schemas.microsoft.com/office/powerpoint/2010/main" val="935952192"/>
-      </p:ext>
-    </p:extLst>
-  </p:cSld>
-  <p:clrMapOvr>
-    <a:masterClrMapping/>
-  </p:clrMapOvr>
-</p:sld>
-</file>
-
-<file path=ppt/slides/slide71.xml><?xml version="1.0" encoding="utf-8"?>
-<p:sld xmlns:a="http://schemas.openxmlformats.org/drawingml/2006/main" xmlns:r="http://schemas.openxmlformats.org/officeDocument/2006/relationships" xmlns:p="http://schemas.openxmlformats.org/presentationml/2006/main">
-  <p:cSld>
-    <p:spTree>
-      <p:nvGrpSpPr>
-        <p:cNvPr id="1" name="">
-          <a:extLst>
-            <a:ext uri="{FF2B5EF4-FFF2-40B4-BE49-F238E27FC236}">
-              <a16:creationId xmlns:a16="http://schemas.microsoft.com/office/drawing/2014/main" id="{160FC65F-6319-1DB6-E282-44C4E8ED76AB}"/>
-            </a:ext>
-          </a:extLst>
-        </p:cNvPr>
-        <p:cNvGrpSpPr/>
-        <p:nvPr/>
-      </p:nvGrpSpPr>
-      <p:grpSpPr>
-        <a:xfrm>
-          <a:off x="0" y="0"/>
-          <a:ext cx="0" cy="0"/>
-          <a:chOff x="0" y="0"/>
-          <a:chExt cx="0" cy="0"/>
-        </a:xfrm>
-      </p:grpSpPr>
-      <p:sp>
-        <p:nvSpPr>
-          <p:cNvPr id="3" name="Subtitle 2">
-            <a:extLst>
-              <a:ext uri="{FF2B5EF4-FFF2-40B4-BE49-F238E27FC236}">
-                <a16:creationId xmlns:a16="http://schemas.microsoft.com/office/drawing/2014/main" id="{5196B40A-4576-5E12-B95E-67B87AD662BA}"/>
-              </a:ext>
-            </a:extLst>
-          </p:cNvPr>
-          <p:cNvSpPr>
-            <a:spLocks noGrp="1"/>
-          </p:cNvSpPr>
-          <p:nvPr>
-            <p:ph type="subTitle" idx="1"/>
-          </p:nvPr>
-        </p:nvSpPr>
-        <p:spPr>
-          <a:xfrm>
-            <a:off x="203118" y="692696"/>
-            <a:ext cx="8640960" cy="6480720"/>
-          </a:xfrm>
-        </p:spPr>
-        <p:txBody>
-          <a:bodyPr>
-            <a:noAutofit/>
-          </a:bodyPr>
-          <a:lstStyle/>
-          <a:p>
-            <a:r>
-              <a:rPr lang="en-GB" sz="3600" dirty="0">
-                <a:solidFill>
-                  <a:schemeClr val="bg1"/>
-                </a:solidFill>
-              </a:rPr>
-              <a:t>Hell lost another one </a:t>
-            </a:r>
-          </a:p>
-          <a:p>
-            <a:r>
-              <a:rPr lang="en-GB" sz="3600" dirty="0">
-                <a:solidFill>
-                  <a:schemeClr val="bg1"/>
-                </a:solidFill>
-              </a:rPr>
-              <a:t>I am free I am free I am free</a:t>
-            </a:r>
-          </a:p>
-          <a:p>
-            <a:endParaRPr lang="en-GB" sz="3600" dirty="0">
-              <a:solidFill>
-                <a:schemeClr val="bg1"/>
-              </a:solidFill>
-            </a:endParaRPr>
-          </a:p>
-          <a:p>
-            <a:r>
-              <a:rPr lang="en-GB" sz="3600" dirty="0">
-                <a:solidFill>
-                  <a:schemeClr val="bg1"/>
-                </a:solidFill>
-              </a:rPr>
-              <a:t>(REPEAT)</a:t>
-            </a:r>
-          </a:p>
-          <a:p>
-            <a:endParaRPr lang="en-GB" sz="3600" dirty="0">
-              <a:solidFill>
-                <a:schemeClr val="bg1"/>
-              </a:solidFill>
-            </a:endParaRPr>
-          </a:p>
-          <a:p>
-            <a:r>
-              <a:rPr lang="en-GB" sz="3600" dirty="0">
-                <a:solidFill>
-                  <a:schemeClr val="bg1"/>
-                </a:solidFill>
-              </a:rPr>
-              <a:t>Hell lost another one </a:t>
-            </a:r>
-          </a:p>
-          <a:p>
-            <a:r>
-              <a:rPr lang="en-GB" sz="3600" dirty="0">
-                <a:solidFill>
-                  <a:schemeClr val="bg1"/>
-                </a:solidFill>
-              </a:rPr>
-              <a:t>I am free I am free</a:t>
-            </a:r>
-          </a:p>
-          <a:p>
-            <a:endParaRPr lang="en-GB" sz="3600" dirty="0">
-              <a:solidFill>
-                <a:schemeClr val="bg1"/>
-              </a:solidFill>
-            </a:endParaRPr>
-          </a:p>
-          <a:p>
-            <a:endParaRPr lang="en-GB" sz="3600" dirty="0">
-              <a:solidFill>
-                <a:schemeClr val="bg1"/>
-              </a:solidFill>
-            </a:endParaRPr>
-          </a:p>
-        </p:txBody>
-      </p:sp>
-      <p:sp>
-        <p:nvSpPr>
-          <p:cNvPr id="4" name="TextBox 3">
-            <a:extLst>
-              <a:ext uri="{FF2B5EF4-FFF2-40B4-BE49-F238E27FC236}">
-                <a16:creationId xmlns:a16="http://schemas.microsoft.com/office/drawing/2014/main" id="{40F13681-1347-A03E-CCDC-4AD17D4D0939}"/>
-              </a:ext>
-            </a:extLst>
-          </p:cNvPr>
-          <p:cNvSpPr txBox="1"/>
-          <p:nvPr/>
-        </p:nvSpPr>
-        <p:spPr>
-          <a:xfrm>
-            <a:off x="8316416" y="0"/>
-            <a:ext cx="628698" cy="461665"/>
-          </a:xfrm>
-          <a:prstGeom prst="rect">
-            <a:avLst/>
-          </a:prstGeom>
-          <a:noFill/>
-        </p:spPr>
-        <p:txBody>
-          <a:bodyPr wrap="none" rtlCol="0">
-            <a:spAutoFit/>
-          </a:bodyPr>
-          <a:lstStyle/>
-          <a:p>
-            <a:r>
-              <a:rPr lang="en-GB" sz="2400" b="1" dirty="0">
-                <a:solidFill>
-                  <a:schemeClr val="bg1"/>
-                </a:solidFill>
-              </a:rPr>
-              <a:t>2/3</a:t>
-            </a:r>
-          </a:p>
-        </p:txBody>
-      </p:sp>
-    </p:spTree>
-    <p:extLst>
-      <p:ext uri="{BB962C8B-B14F-4D97-AF65-F5344CB8AC3E}">
-        <p14:creationId xmlns:p14="http://schemas.microsoft.com/office/powerpoint/2010/main" val="3123305088"/>
-      </p:ext>
-    </p:extLst>
-  </p:cSld>
-  <p:clrMapOvr>
-    <a:masterClrMapping/>
-  </p:clrMapOvr>
-</p:sld>
-</file>
-
-<file path=ppt/slides/slide72.xml><?xml version="1.0" encoding="utf-8"?>
-<p:sld xmlns:a="http://schemas.openxmlformats.org/drawingml/2006/main" xmlns:r="http://schemas.openxmlformats.org/officeDocument/2006/relationships" xmlns:p="http://schemas.openxmlformats.org/presentationml/2006/main">
-  <p:cSld>
-    <p:spTree>
-      <p:nvGrpSpPr>
-        <p:cNvPr id="1" name="">
-          <a:extLst>
-            <a:ext uri="{FF2B5EF4-FFF2-40B4-BE49-F238E27FC236}">
-              <a16:creationId xmlns:a16="http://schemas.microsoft.com/office/drawing/2014/main" id="{B230C18D-98C9-AEDA-F90F-C4266ADC1BF6}"/>
-            </a:ext>
-          </a:extLst>
-        </p:cNvPr>
-        <p:cNvGrpSpPr/>
-        <p:nvPr/>
-      </p:nvGrpSpPr>
-      <p:grpSpPr>
-        <a:xfrm>
-          <a:off x="0" y="0"/>
-          <a:ext cx="0" cy="0"/>
-          <a:chOff x="0" y="0"/>
-          <a:chExt cx="0" cy="0"/>
-        </a:xfrm>
-      </p:grpSpPr>
-      <p:sp>
-        <p:nvSpPr>
-          <p:cNvPr id="3" name="Subtitle 2">
-            <a:extLst>
-              <a:ext uri="{FF2B5EF4-FFF2-40B4-BE49-F238E27FC236}">
-                <a16:creationId xmlns:a16="http://schemas.microsoft.com/office/drawing/2014/main" id="{32AE24CE-6ADE-B2DE-EAAD-DCD1859E96D9}"/>
-              </a:ext>
-            </a:extLst>
-          </p:cNvPr>
-          <p:cNvSpPr>
-            <a:spLocks noGrp="1"/>
-          </p:cNvSpPr>
-          <p:nvPr>
-            <p:ph type="subTitle" idx="1"/>
-          </p:nvPr>
-        </p:nvSpPr>
-        <p:spPr>
-          <a:xfrm>
-            <a:off x="203118" y="692696"/>
-            <a:ext cx="8640960" cy="6480720"/>
-          </a:xfrm>
-        </p:spPr>
-        <p:txBody>
-          <a:bodyPr>
-            <a:noAutofit/>
-          </a:bodyPr>
-          <a:lstStyle/>
-          <a:p>
-            <a:r>
-              <a:rPr lang="en-GB" sz="3600" dirty="0">
-                <a:solidFill>
-                  <a:schemeClr val="bg1"/>
-                </a:solidFill>
-              </a:rPr>
-              <a:t>You picked me up You turned me around</a:t>
-            </a:r>
-          </a:p>
-          <a:p>
-            <a:r>
-              <a:rPr lang="en-GB" sz="3600" dirty="0">
-                <a:solidFill>
-                  <a:schemeClr val="bg1"/>
-                </a:solidFill>
-              </a:rPr>
-              <a:t>And placed my feet on solid ground</a:t>
-            </a:r>
-          </a:p>
-          <a:p>
-            <a:r>
-              <a:rPr lang="en-GB" sz="3600" dirty="0">
-                <a:solidFill>
-                  <a:schemeClr val="bg1"/>
-                </a:solidFill>
-              </a:rPr>
-              <a:t>I thank the Master I thank the Savior</a:t>
-            </a:r>
-          </a:p>
-          <a:p>
-            <a:r>
-              <a:rPr lang="en-GB" sz="3600" dirty="0">
-                <a:solidFill>
-                  <a:schemeClr val="bg1"/>
-                </a:solidFill>
-              </a:rPr>
-              <a:t>Because You healed my heart You changed my name</a:t>
-            </a:r>
-          </a:p>
-          <a:p>
-            <a:r>
-              <a:rPr lang="en-GB" sz="3600" dirty="0">
-                <a:solidFill>
-                  <a:schemeClr val="bg1"/>
-                </a:solidFill>
-              </a:rPr>
-              <a:t>Forever free I'm not the same</a:t>
-            </a:r>
-          </a:p>
-          <a:p>
-            <a:r>
-              <a:rPr lang="en-GB" sz="3600" dirty="0">
-                <a:solidFill>
-                  <a:schemeClr val="bg1"/>
-                </a:solidFill>
-              </a:rPr>
-              <a:t>I thank the Master I thank the Savior </a:t>
-            </a:r>
-            <a:br>
-              <a:rPr lang="en-GB" sz="3600" dirty="0">
-                <a:solidFill>
-                  <a:schemeClr val="bg1"/>
-                </a:solidFill>
-              </a:rPr>
-            </a:br>
-            <a:r>
-              <a:rPr lang="en-GB" sz="3600" dirty="0">
-                <a:solidFill>
-                  <a:schemeClr val="bg1"/>
-                </a:solidFill>
-              </a:rPr>
-              <a:t>I thank God</a:t>
-            </a:r>
-          </a:p>
-          <a:p>
-            <a:endParaRPr lang="en-GB" sz="3600" dirty="0">
-              <a:solidFill>
-                <a:schemeClr val="bg1"/>
-              </a:solidFill>
-            </a:endParaRPr>
-          </a:p>
-          <a:p>
-            <a:endParaRPr lang="en-GB" sz="3600" dirty="0">
-              <a:solidFill>
-                <a:schemeClr val="bg1"/>
-              </a:solidFill>
-            </a:endParaRPr>
-          </a:p>
-        </p:txBody>
-      </p:sp>
-      <p:sp>
-        <p:nvSpPr>
-          <p:cNvPr id="4" name="TextBox 3">
-            <a:extLst>
-              <a:ext uri="{FF2B5EF4-FFF2-40B4-BE49-F238E27FC236}">
-                <a16:creationId xmlns:a16="http://schemas.microsoft.com/office/drawing/2014/main" id="{E0FD1BAD-6226-C339-2A9E-473F9BE02B66}"/>
-              </a:ext>
-            </a:extLst>
-          </p:cNvPr>
-          <p:cNvSpPr txBox="1"/>
-          <p:nvPr/>
-        </p:nvSpPr>
-        <p:spPr>
-          <a:xfrm>
-            <a:off x="8388424" y="-3388"/>
-            <a:ext cx="628698" cy="461665"/>
-          </a:xfrm>
-          <a:prstGeom prst="rect">
-            <a:avLst/>
-          </a:prstGeom>
-          <a:noFill/>
-        </p:spPr>
-        <p:txBody>
-          <a:bodyPr wrap="none" rtlCol="0">
-            <a:spAutoFit/>
-          </a:bodyPr>
-          <a:lstStyle/>
-          <a:p>
-            <a:r>
-              <a:rPr lang="en-GB" sz="2400" b="1" dirty="0">
-                <a:solidFill>
-                  <a:schemeClr val="bg1"/>
-                </a:solidFill>
-              </a:rPr>
-              <a:t>3/3</a:t>
-            </a:r>
-          </a:p>
-        </p:txBody>
-      </p:sp>
-    </p:spTree>
-    <p:extLst>
-      <p:ext uri="{BB962C8B-B14F-4D97-AF65-F5344CB8AC3E}">
-        <p14:creationId xmlns:p14="http://schemas.microsoft.com/office/powerpoint/2010/main" val="3530889827"/>
       </p:ext>
     </p:extLst>
   </p:cSld>

--- a/docs/songs_2025-12-31.pptx
+++ b/docs/songs_2025-12-31.pptx
@@ -5,7 +5,7 @@
     <p:sldMasterId id="2147483648" r:id="rId1"/>
   </p:sldMasterIdLst>
   <p:notesMasterIdLst>
-    <p:notesMasterId r:id="rId59"/>
+    <p:notesMasterId r:id="rId63"/>
   </p:notesMasterIdLst>
   <p:sldIdLst>
     <p:sldId id="950" r:id="rId2"/>
@@ -32,39 +32,43 @@
     <p:sldId id="1454" r:id="rId23"/>
     <p:sldId id="1455" r:id="rId24"/>
     <p:sldId id="1457" r:id="rId25"/>
-    <p:sldId id="1456" r:id="rId26"/>
-    <p:sldId id="1469" r:id="rId27"/>
-    <p:sldId id="1423" r:id="rId28"/>
-    <p:sldId id="1424" r:id="rId29"/>
-    <p:sldId id="1425" r:id="rId30"/>
-    <p:sldId id="1426" r:id="rId31"/>
-    <p:sldId id="706" r:id="rId32"/>
-    <p:sldId id="707" r:id="rId33"/>
-    <p:sldId id="708" r:id="rId34"/>
-    <p:sldId id="1458" r:id="rId35"/>
-    <p:sldId id="1430" r:id="rId36"/>
-    <p:sldId id="1459" r:id="rId37"/>
-    <p:sldId id="1460" r:id="rId38"/>
-    <p:sldId id="1461" r:id="rId39"/>
-    <p:sldId id="1462" r:id="rId40"/>
-    <p:sldId id="1463" r:id="rId41"/>
-    <p:sldId id="1464" r:id="rId42"/>
-    <p:sldId id="1468" r:id="rId43"/>
-    <p:sldId id="518" r:id="rId44"/>
-    <p:sldId id="520" r:id="rId45"/>
-    <p:sldId id="521" r:id="rId46"/>
-    <p:sldId id="522" r:id="rId47"/>
-    <p:sldId id="523" r:id="rId48"/>
-    <p:sldId id="525" r:id="rId49"/>
-    <p:sldId id="526" r:id="rId50"/>
-    <p:sldId id="532" r:id="rId51"/>
-    <p:sldId id="527" r:id="rId52"/>
-    <p:sldId id="528" r:id="rId53"/>
-    <p:sldId id="529" r:id="rId54"/>
-    <p:sldId id="530" r:id="rId55"/>
-    <p:sldId id="1465" r:id="rId56"/>
-    <p:sldId id="1467" r:id="rId57"/>
-    <p:sldId id="531" r:id="rId58"/>
+    <p:sldId id="1469" r:id="rId26"/>
+    <p:sldId id="1423" r:id="rId27"/>
+    <p:sldId id="1424" r:id="rId28"/>
+    <p:sldId id="1425" r:id="rId29"/>
+    <p:sldId id="1426" r:id="rId30"/>
+    <p:sldId id="706" r:id="rId31"/>
+    <p:sldId id="1458" r:id="rId32"/>
+    <p:sldId id="708" r:id="rId33"/>
+    <p:sldId id="707" r:id="rId34"/>
+    <p:sldId id="1430" r:id="rId35"/>
+    <p:sldId id="1459" r:id="rId36"/>
+    <p:sldId id="1460" r:id="rId37"/>
+    <p:sldId id="1461" r:id="rId38"/>
+    <p:sldId id="1462" r:id="rId39"/>
+    <p:sldId id="1471" r:id="rId40"/>
+    <p:sldId id="1472" r:id="rId41"/>
+    <p:sldId id="1473" r:id="rId42"/>
+    <p:sldId id="1474" r:id="rId43"/>
+    <p:sldId id="1463" r:id="rId44"/>
+    <p:sldId id="1464" r:id="rId45"/>
+    <p:sldId id="1468" r:id="rId46"/>
+    <p:sldId id="518" r:id="rId47"/>
+    <p:sldId id="520" r:id="rId48"/>
+    <p:sldId id="521" r:id="rId49"/>
+    <p:sldId id="522" r:id="rId50"/>
+    <p:sldId id="523" r:id="rId51"/>
+    <p:sldId id="525" r:id="rId52"/>
+    <p:sldId id="526" r:id="rId53"/>
+    <p:sldId id="532" r:id="rId54"/>
+    <p:sldId id="527" r:id="rId55"/>
+    <p:sldId id="528" r:id="rId56"/>
+    <p:sldId id="529" r:id="rId57"/>
+    <p:sldId id="530" r:id="rId58"/>
+    <p:sldId id="1465" r:id="rId59"/>
+    <p:sldId id="1467" r:id="rId60"/>
+    <p:sldId id="1470" r:id="rId61"/>
+    <p:sldId id="531" r:id="rId62"/>
   </p:sldIdLst>
   <p:sldSz cx="9144000" cy="6858000" type="screen4x3"/>
   <p:notesSz cx="6858000" cy="9144000"/>
@@ -192,21 +196,24 @@
             <p14:sldId id="1454"/>
             <p14:sldId id="1455"/>
             <p14:sldId id="1457"/>
-            <p14:sldId id="1456"/>
             <p14:sldId id="1469"/>
             <p14:sldId id="1423"/>
             <p14:sldId id="1424"/>
             <p14:sldId id="1425"/>
             <p14:sldId id="1426"/>
             <p14:sldId id="706"/>
+            <p14:sldId id="1458"/>
+            <p14:sldId id="708"/>
             <p14:sldId id="707"/>
-            <p14:sldId id="708"/>
-            <p14:sldId id="1458"/>
             <p14:sldId id="1430"/>
             <p14:sldId id="1459"/>
             <p14:sldId id="1460"/>
             <p14:sldId id="1461"/>
             <p14:sldId id="1462"/>
+            <p14:sldId id="1471"/>
+            <p14:sldId id="1472"/>
+            <p14:sldId id="1473"/>
+            <p14:sldId id="1474"/>
             <p14:sldId id="1463"/>
             <p14:sldId id="1464"/>
             <p14:sldId id="1468"/>
@@ -224,6 +231,7 @@
             <p14:sldId id="530"/>
             <p14:sldId id="1465"/>
             <p14:sldId id="1467"/>
+            <p14:sldId id="1470"/>
             <p14:sldId id="531"/>
           </p14:sldIdLst>
         </p14:section>
@@ -332,7 +340,7 @@
           <a:p>
             <a:fld id="{C57EAEFC-A9C7-464E-BE3F-33D4DD72E122}" type="datetimeFigureOut">
               <a:rPr lang="en-GB" smtClean="0"/>
-              <a:t>26/12/2025</a:t>
+              <a:t>30/12/2025</a:t>
             </a:fld>
             <a:endParaRPr lang="en-GB"/>
           </a:p>
@@ -1116,7 +1124,7 @@
             <a:fld id="{26EA1CF3-4A15-4CBF-9A5A-6A56C368BE71}" type="datetimeFigureOut">
               <a:rPr lang="en-GB" smtClean="0"/>
               <a:pPr/>
-              <a:t>26/12/2025</a:t>
+              <a:t>30/12/2025</a:t>
             </a:fld>
             <a:endParaRPr lang="en-GB"/>
           </a:p>
@@ -1281,7 +1289,7 @@
             <a:fld id="{26EA1CF3-4A15-4CBF-9A5A-6A56C368BE71}" type="datetimeFigureOut">
               <a:rPr lang="en-GB" smtClean="0"/>
               <a:pPr/>
-              <a:t>26/12/2025</a:t>
+              <a:t>30/12/2025</a:t>
             </a:fld>
             <a:endParaRPr lang="en-GB"/>
           </a:p>
@@ -1456,7 +1464,7 @@
             <a:fld id="{26EA1CF3-4A15-4CBF-9A5A-6A56C368BE71}" type="datetimeFigureOut">
               <a:rPr lang="en-GB" smtClean="0"/>
               <a:pPr/>
-              <a:t>26/12/2025</a:t>
+              <a:t>30/12/2025</a:t>
             </a:fld>
             <a:endParaRPr lang="en-GB"/>
           </a:p>
@@ -1623,7 +1631,7 @@
             <a:fld id="{26EA1CF3-4A15-4CBF-9A5A-6A56C368BE71}" type="datetimeFigureOut">
               <a:rPr lang="en-GB" smtClean="0"/>
               <a:pPr/>
-              <a:t>26/12/2025</a:t>
+              <a:t>30/12/2025</a:t>
             </a:fld>
             <a:endParaRPr lang="en-GB"/>
           </a:p>
@@ -1865,7 +1873,7 @@
             <a:fld id="{26EA1CF3-4A15-4CBF-9A5A-6A56C368BE71}" type="datetimeFigureOut">
               <a:rPr lang="en-GB" smtClean="0"/>
               <a:pPr/>
-              <a:t>26/12/2025</a:t>
+              <a:t>30/12/2025</a:t>
             </a:fld>
             <a:endParaRPr lang="en-GB"/>
           </a:p>
@@ -2147,7 +2155,7 @@
             <a:fld id="{26EA1CF3-4A15-4CBF-9A5A-6A56C368BE71}" type="datetimeFigureOut">
               <a:rPr lang="en-GB" smtClean="0"/>
               <a:pPr/>
-              <a:t>26/12/2025</a:t>
+              <a:t>30/12/2025</a:t>
             </a:fld>
             <a:endParaRPr lang="en-GB"/>
           </a:p>
@@ -2563,7 +2571,7 @@
             <a:fld id="{26EA1CF3-4A15-4CBF-9A5A-6A56C368BE71}" type="datetimeFigureOut">
               <a:rPr lang="en-GB" smtClean="0"/>
               <a:pPr/>
-              <a:t>26/12/2025</a:t>
+              <a:t>30/12/2025</a:t>
             </a:fld>
             <a:endParaRPr lang="en-GB"/>
           </a:p>
@@ -2677,7 +2685,7 @@
             <a:fld id="{26EA1CF3-4A15-4CBF-9A5A-6A56C368BE71}" type="datetimeFigureOut">
               <a:rPr lang="en-GB" smtClean="0"/>
               <a:pPr/>
-              <a:t>26/12/2025</a:t>
+              <a:t>30/12/2025</a:t>
             </a:fld>
             <a:endParaRPr lang="en-GB"/>
           </a:p>
@@ -2769,7 +2777,7 @@
             <a:fld id="{26EA1CF3-4A15-4CBF-9A5A-6A56C368BE71}" type="datetimeFigureOut">
               <a:rPr lang="en-GB" smtClean="0"/>
               <a:pPr/>
-              <a:t>26/12/2025</a:t>
+              <a:t>30/12/2025</a:t>
             </a:fld>
             <a:endParaRPr lang="en-GB"/>
           </a:p>
@@ -3041,7 +3049,7 @@
             <a:fld id="{26EA1CF3-4A15-4CBF-9A5A-6A56C368BE71}" type="datetimeFigureOut">
               <a:rPr lang="en-GB" smtClean="0"/>
               <a:pPr/>
-              <a:t>26/12/2025</a:t>
+              <a:t>30/12/2025</a:t>
             </a:fld>
             <a:endParaRPr lang="en-GB"/>
           </a:p>
@@ -3293,7 +3301,7 @@
             <a:fld id="{26EA1CF3-4A15-4CBF-9A5A-6A56C368BE71}" type="datetimeFigureOut">
               <a:rPr lang="en-GB" smtClean="0"/>
               <a:pPr/>
-              <a:t>26/12/2025</a:t>
+              <a:t>30/12/2025</a:t>
             </a:fld>
             <a:endParaRPr lang="en-GB"/>
           </a:p>
@@ -3502,7 +3510,7 @@
             <a:fld id="{26EA1CF3-4A15-4CBF-9A5A-6A56C368BE71}" type="datetimeFigureOut">
               <a:rPr lang="en-GB" smtClean="0"/>
               <a:pPr/>
-              <a:t>26/12/2025</a:t>
+              <a:t>30/12/2025</a:t>
             </a:fld>
             <a:endParaRPr lang="en-GB"/>
           </a:p>
@@ -4513,7 +4521,7 @@
                 <a:ea typeface="+mj-ea"/>
                 <a:cs typeface="+mj-cs"/>
               </a:rPr>
-              <a:t>Cross Over New Years Eve</a:t>
+              <a:t>Cross Over - New Year's Eve</a:t>
             </a:r>
             <a:br>
               <a:rPr kumimoji="0" lang="en-US" sz="3200" b="0" i="0" u="none" strike="noStrike" kern="1200" cap="none" spc="0" normalizeH="0" baseline="0" noProof="0" dirty="0">
@@ -7324,7 +7332,7 @@
                   <a:schemeClr val="bg1"/>
                 </a:solidFill>
               </a:rPr>
-              <a:t>1/2</a:t>
+              <a:t>1/1</a:t>
             </a:r>
           </a:p>
         </p:txBody>
@@ -7343,132 +7351,6 @@
 </file>
 
 <file path=ppt/slides/slide25.xml><?xml version="1.0" encoding="utf-8"?>
-<p:sld xmlns:a="http://schemas.openxmlformats.org/drawingml/2006/main" xmlns:r="http://schemas.openxmlformats.org/officeDocument/2006/relationships" xmlns:p="http://schemas.openxmlformats.org/presentationml/2006/main">
-  <p:cSld>
-    <p:spTree>
-      <p:nvGrpSpPr>
-        <p:cNvPr id="1" name=""/>
-        <p:cNvGrpSpPr/>
-        <p:nvPr/>
-      </p:nvGrpSpPr>
-      <p:grpSpPr>
-        <a:xfrm>
-          <a:off x="0" y="0"/>
-          <a:ext cx="0" cy="0"/>
-          <a:chOff x="0" y="0"/>
-          <a:chExt cx="0" cy="0"/>
-        </a:xfrm>
-      </p:grpSpPr>
-      <p:sp>
-        <p:nvSpPr>
-          <p:cNvPr id="3" name="Subtitle 2"/>
-          <p:cNvSpPr>
-            <a:spLocks noGrp="1"/>
-          </p:cNvSpPr>
-          <p:nvPr>
-            <p:ph type="subTitle" idx="1"/>
-          </p:nvPr>
-        </p:nvSpPr>
-        <p:spPr>
-          <a:xfrm>
-            <a:off x="0" y="692696"/>
-            <a:ext cx="8640960" cy="6480720"/>
-          </a:xfrm>
-        </p:spPr>
-        <p:txBody>
-          <a:bodyPr>
-            <a:noAutofit/>
-          </a:bodyPr>
-          <a:lstStyle/>
-          <a:p>
-            <a:r>
-              <a:rPr lang="en-GB" sz="3600" dirty="0">
-                <a:solidFill>
-                  <a:schemeClr val="bg1"/>
-                </a:solidFill>
-              </a:rPr>
-              <a:t>Lord I lift Your name on high</a:t>
-            </a:r>
-          </a:p>
-          <a:p>
-            <a:r>
-              <a:rPr lang="en-GB" sz="3600" dirty="0">
-                <a:solidFill>
-                  <a:schemeClr val="bg1"/>
-                </a:solidFill>
-              </a:rPr>
-              <a:t>Lord I love to sing Your praises</a:t>
-            </a:r>
-          </a:p>
-          <a:p>
-            <a:r>
-              <a:rPr lang="en-GB" sz="3600" dirty="0">
-                <a:solidFill>
-                  <a:schemeClr val="bg1"/>
-                </a:solidFill>
-              </a:rPr>
-              <a:t>I'm so glad You're in my life</a:t>
-            </a:r>
-          </a:p>
-          <a:p>
-            <a:r>
-              <a:rPr lang="en-GB" sz="3600" dirty="0">
-                <a:solidFill>
-                  <a:schemeClr val="bg1"/>
-                </a:solidFill>
-              </a:rPr>
-              <a:t>I'm so glad You came to save us</a:t>
-            </a:r>
-          </a:p>
-        </p:txBody>
-      </p:sp>
-      <p:sp>
-        <p:nvSpPr>
-          <p:cNvPr id="4" name="TextBox 3"/>
-          <p:cNvSpPr txBox="1"/>
-          <p:nvPr/>
-        </p:nvSpPr>
-        <p:spPr>
-          <a:xfrm>
-            <a:off x="8529729" y="0"/>
-            <a:ext cx="628698" cy="461665"/>
-          </a:xfrm>
-          <a:prstGeom prst="rect">
-            <a:avLst/>
-          </a:prstGeom>
-          <a:noFill/>
-        </p:spPr>
-        <p:txBody>
-          <a:bodyPr wrap="none" rtlCol="0">
-            <a:spAutoFit/>
-          </a:bodyPr>
-          <a:lstStyle/>
-          <a:p>
-            <a:r>
-              <a:rPr lang="en-GB" sz="2400" b="1" dirty="0">
-                <a:solidFill>
-                  <a:schemeClr val="bg1"/>
-                </a:solidFill>
-              </a:rPr>
-              <a:t>2/2</a:t>
-            </a:r>
-          </a:p>
-        </p:txBody>
-      </p:sp>
-    </p:spTree>
-    <p:extLst>
-      <p:ext uri="{BB962C8B-B14F-4D97-AF65-F5344CB8AC3E}">
-        <p14:creationId xmlns:p14="http://schemas.microsoft.com/office/powerpoint/2010/main" val="3281651247"/>
-      </p:ext>
-    </p:extLst>
-  </p:cSld>
-  <p:clrMapOvr>
-    <a:masterClrMapping/>
-  </p:clrMapOvr>
-</p:sld>
-</file>
-
-<file path=ppt/slides/slide26.xml><?xml version="1.0" encoding="utf-8"?>
 <p:sld xmlns:a="http://schemas.openxmlformats.org/drawingml/2006/main" xmlns:r="http://schemas.openxmlformats.org/officeDocument/2006/relationships" xmlns:p="http://schemas.openxmlformats.org/presentationml/2006/main">
   <p:cSld>
     <p:spTree>
@@ -7504,6 +7386,154 @@
 </p:sld>
 </file>
 
+<file path=ppt/slides/slide26.xml><?xml version="1.0" encoding="utf-8"?>
+<p:sld xmlns:a="http://schemas.openxmlformats.org/drawingml/2006/main" xmlns:r="http://schemas.openxmlformats.org/officeDocument/2006/relationships" xmlns:p="http://schemas.openxmlformats.org/presentationml/2006/main">
+  <p:cSld>
+    <p:spTree>
+      <p:nvGrpSpPr>
+        <p:cNvPr id="1" name=""/>
+        <p:cNvGrpSpPr/>
+        <p:nvPr/>
+      </p:nvGrpSpPr>
+      <p:grpSpPr>
+        <a:xfrm>
+          <a:off x="0" y="0"/>
+          <a:ext cx="0" cy="0"/>
+          <a:chOff x="0" y="0"/>
+          <a:chExt cx="0" cy="0"/>
+        </a:xfrm>
+      </p:grpSpPr>
+      <p:sp>
+        <p:nvSpPr>
+          <p:cNvPr id="3" name="Subtitle 2"/>
+          <p:cNvSpPr>
+            <a:spLocks noGrp="1"/>
+          </p:cNvSpPr>
+          <p:nvPr>
+            <p:ph type="subTitle" idx="1"/>
+          </p:nvPr>
+        </p:nvSpPr>
+        <p:spPr>
+          <a:xfrm>
+            <a:off x="323528" y="188640"/>
+            <a:ext cx="8640960" cy="6480720"/>
+          </a:xfrm>
+        </p:spPr>
+        <p:txBody>
+          <a:bodyPr>
+            <a:noAutofit/>
+          </a:bodyPr>
+          <a:lstStyle/>
+          <a:p>
+            <a:endParaRPr lang="en-GB" sz="5400" dirty="0">
+              <a:solidFill>
+                <a:schemeClr val="bg1"/>
+              </a:solidFill>
+            </a:endParaRPr>
+          </a:p>
+          <a:p>
+            <a:r>
+              <a:rPr lang="en-GB" sz="6600" dirty="0">
+                <a:solidFill>
+                  <a:srgbClr val="00A3E0"/>
+                </a:solidFill>
+                <a:latin typeface="akagi_probook"/>
+              </a:rPr>
+              <a:t>Yes And Amen</a:t>
+            </a:r>
+          </a:p>
+          <a:p>
+            <a:br>
+              <a:rPr lang="en-GB" sz="1200" dirty="0">
+                <a:solidFill>
+                  <a:schemeClr val="bg1"/>
+                </a:solidFill>
+              </a:rPr>
+            </a:br>
+            <a:r>
+              <a:rPr lang="en-GB" sz="1200" dirty="0">
+                <a:solidFill>
+                  <a:schemeClr val="bg1"/>
+                </a:solidFill>
+              </a:rPr>
+              <a:t>CCLI Song # 7048885</a:t>
+            </a:r>
+          </a:p>
+          <a:p>
+            <a:r>
+              <a:rPr lang="en-GB" sz="1200" dirty="0">
+                <a:solidFill>
+                  <a:schemeClr val="bg1"/>
+                </a:solidFill>
+              </a:rPr>
+              <a:t>Chris McClarney | Nate Moore | Tony Brown</a:t>
+            </a:r>
+          </a:p>
+          <a:p>
+            <a:r>
+              <a:rPr lang="en-GB" sz="1200" dirty="0">
+                <a:solidFill>
+                  <a:schemeClr val="bg1"/>
+                </a:solidFill>
+              </a:rPr>
+              <a:t>© 2016 Thankyou Music Ltd; Bethel Worship Publishing; Mouth Of The River Music; Songs Of Simply Hymns Music; Tony Brown Music Designee</a:t>
+            </a:r>
+          </a:p>
+          <a:p>
+            <a:r>
+              <a:rPr lang="en-GB" sz="1200" dirty="0">
+                <a:solidFill>
+                  <a:schemeClr val="bg1"/>
+                </a:solidFill>
+              </a:rPr>
+              <a:t>For use solely with the </a:t>
+            </a:r>
+            <a:r>
+              <a:rPr lang="en-GB" sz="1200" dirty="0" err="1">
+                <a:solidFill>
+                  <a:schemeClr val="bg1"/>
+                </a:solidFill>
+              </a:rPr>
+              <a:t>SongSelect</a:t>
+            </a:r>
+            <a:r>
+              <a:rPr lang="en-GB" sz="1200" dirty="0">
+                <a:solidFill>
+                  <a:schemeClr val="bg1"/>
+                </a:solidFill>
+              </a:rPr>
+              <a:t>® Terms of Use. All rights reserved. www.ccli.com</a:t>
+            </a:r>
+          </a:p>
+          <a:p>
+            <a:endParaRPr lang="en-GB" sz="1200" dirty="0">
+              <a:solidFill>
+                <a:schemeClr val="bg1"/>
+              </a:solidFill>
+            </a:endParaRPr>
+          </a:p>
+          <a:p>
+            <a:endParaRPr lang="en-GB" sz="1200" dirty="0">
+              <a:solidFill>
+                <a:schemeClr val="bg1"/>
+              </a:solidFill>
+            </a:endParaRPr>
+          </a:p>
+        </p:txBody>
+      </p:sp>
+    </p:spTree>
+    <p:extLst>
+      <p:ext uri="{BB962C8B-B14F-4D97-AF65-F5344CB8AC3E}">
+        <p14:creationId xmlns:p14="http://schemas.microsoft.com/office/powerpoint/2010/main" val="3660983005"/>
+      </p:ext>
+    </p:extLst>
+  </p:cSld>
+  <p:clrMapOvr>
+    <a:masterClrMapping/>
+  </p:clrMapOvr>
+</p:sld>
+</file>
+
 <file path=ppt/slides/slide27.xml><?xml version="1.0" encoding="utf-8"?>
 <p:sld xmlns:a="http://schemas.openxmlformats.org/drawingml/2006/main" xmlns:r="http://schemas.openxmlformats.org/officeDocument/2006/relationships" xmlns:p="http://schemas.openxmlformats.org/presentationml/2006/main">
   <p:cSld>
@@ -7533,154 +7563,6 @@
         </p:nvSpPr>
         <p:spPr>
           <a:xfrm>
-            <a:off x="323528" y="188640"/>
-            <a:ext cx="8640960" cy="6480720"/>
-          </a:xfrm>
-        </p:spPr>
-        <p:txBody>
-          <a:bodyPr>
-            <a:noAutofit/>
-          </a:bodyPr>
-          <a:lstStyle/>
-          <a:p>
-            <a:endParaRPr lang="en-GB" sz="5400" dirty="0">
-              <a:solidFill>
-                <a:schemeClr val="bg1"/>
-              </a:solidFill>
-            </a:endParaRPr>
-          </a:p>
-          <a:p>
-            <a:r>
-              <a:rPr lang="en-GB" sz="6600" dirty="0">
-                <a:solidFill>
-                  <a:srgbClr val="00A3E0"/>
-                </a:solidFill>
-                <a:latin typeface="akagi_probook"/>
-              </a:rPr>
-              <a:t>Yes And Amen</a:t>
-            </a:r>
-          </a:p>
-          <a:p>
-            <a:br>
-              <a:rPr lang="en-GB" sz="1200" dirty="0">
-                <a:solidFill>
-                  <a:schemeClr val="bg1"/>
-                </a:solidFill>
-              </a:rPr>
-            </a:br>
-            <a:r>
-              <a:rPr lang="en-GB" sz="1200" dirty="0">
-                <a:solidFill>
-                  <a:schemeClr val="bg1"/>
-                </a:solidFill>
-              </a:rPr>
-              <a:t>CCLI Song # 7048885</a:t>
-            </a:r>
-          </a:p>
-          <a:p>
-            <a:r>
-              <a:rPr lang="en-GB" sz="1200" dirty="0">
-                <a:solidFill>
-                  <a:schemeClr val="bg1"/>
-                </a:solidFill>
-              </a:rPr>
-              <a:t>Chris McClarney | Nate Moore | Tony Brown</a:t>
-            </a:r>
-          </a:p>
-          <a:p>
-            <a:r>
-              <a:rPr lang="en-GB" sz="1200" dirty="0">
-                <a:solidFill>
-                  <a:schemeClr val="bg1"/>
-                </a:solidFill>
-              </a:rPr>
-              <a:t>© 2016 Thankyou Music Ltd; Bethel Worship Publishing; Mouth Of The River Music; Songs Of Simply Hymns Music; Tony Brown Music Designee</a:t>
-            </a:r>
-          </a:p>
-          <a:p>
-            <a:r>
-              <a:rPr lang="en-GB" sz="1200" dirty="0">
-                <a:solidFill>
-                  <a:schemeClr val="bg1"/>
-                </a:solidFill>
-              </a:rPr>
-              <a:t>For use solely with the </a:t>
-            </a:r>
-            <a:r>
-              <a:rPr lang="en-GB" sz="1200" dirty="0" err="1">
-                <a:solidFill>
-                  <a:schemeClr val="bg1"/>
-                </a:solidFill>
-              </a:rPr>
-              <a:t>SongSelect</a:t>
-            </a:r>
-            <a:r>
-              <a:rPr lang="en-GB" sz="1200" dirty="0">
-                <a:solidFill>
-                  <a:schemeClr val="bg1"/>
-                </a:solidFill>
-              </a:rPr>
-              <a:t>® Terms of Use. All rights reserved. www.ccli.com</a:t>
-            </a:r>
-          </a:p>
-          <a:p>
-            <a:endParaRPr lang="en-GB" sz="1200" dirty="0">
-              <a:solidFill>
-                <a:schemeClr val="bg1"/>
-              </a:solidFill>
-            </a:endParaRPr>
-          </a:p>
-          <a:p>
-            <a:endParaRPr lang="en-GB" sz="1200" dirty="0">
-              <a:solidFill>
-                <a:schemeClr val="bg1"/>
-              </a:solidFill>
-            </a:endParaRPr>
-          </a:p>
-        </p:txBody>
-      </p:sp>
-    </p:spTree>
-    <p:extLst>
-      <p:ext uri="{BB962C8B-B14F-4D97-AF65-F5344CB8AC3E}">
-        <p14:creationId xmlns:p14="http://schemas.microsoft.com/office/powerpoint/2010/main" val="3660983005"/>
-      </p:ext>
-    </p:extLst>
-  </p:cSld>
-  <p:clrMapOvr>
-    <a:masterClrMapping/>
-  </p:clrMapOvr>
-</p:sld>
-</file>
-
-<file path=ppt/slides/slide28.xml><?xml version="1.0" encoding="utf-8"?>
-<p:sld xmlns:a="http://schemas.openxmlformats.org/drawingml/2006/main" xmlns:r="http://schemas.openxmlformats.org/officeDocument/2006/relationships" xmlns:p="http://schemas.openxmlformats.org/presentationml/2006/main">
-  <p:cSld>
-    <p:spTree>
-      <p:nvGrpSpPr>
-        <p:cNvPr id="1" name=""/>
-        <p:cNvGrpSpPr/>
-        <p:nvPr/>
-      </p:nvGrpSpPr>
-      <p:grpSpPr>
-        <a:xfrm>
-          <a:off x="0" y="0"/>
-          <a:ext cx="0" cy="0"/>
-          <a:chOff x="0" y="0"/>
-          <a:chExt cx="0" cy="0"/>
-        </a:xfrm>
-      </p:grpSpPr>
-      <p:sp>
-        <p:nvSpPr>
-          <p:cNvPr id="3" name="Subtitle 2"/>
-          <p:cNvSpPr>
-            <a:spLocks noGrp="1"/>
-          </p:cNvSpPr>
-          <p:nvPr>
-            <p:ph type="subTitle" idx="1"/>
-          </p:nvPr>
-        </p:nvSpPr>
-        <p:spPr>
-          <a:xfrm>
             <a:off x="323528" y="836712"/>
             <a:ext cx="8640960" cy="6480720"/>
           </a:xfrm>
@@ -7788,7 +7670,7 @@
 </p:sld>
 </file>
 
-<file path=ppt/slides/slide29.xml><?xml version="1.0" encoding="utf-8"?>
+<file path=ppt/slides/slide28.xml><?xml version="1.0" encoding="utf-8"?>
 <p:sld xmlns:a="http://schemas.openxmlformats.org/drawingml/2006/main" xmlns:r="http://schemas.openxmlformats.org/officeDocument/2006/relationships" xmlns:p="http://schemas.openxmlformats.org/presentationml/2006/main">
   <p:cSld>
     <p:spTree>
@@ -7933,6 +7815,176 @@
     <p:extLst>
       <p:ext uri="{BB962C8B-B14F-4D97-AF65-F5344CB8AC3E}">
         <p14:creationId xmlns:p14="http://schemas.microsoft.com/office/powerpoint/2010/main" val="3255782134"/>
+      </p:ext>
+    </p:extLst>
+  </p:cSld>
+  <p:clrMapOvr>
+    <a:masterClrMapping/>
+  </p:clrMapOvr>
+</p:sld>
+</file>
+
+<file path=ppt/slides/slide29.xml><?xml version="1.0" encoding="utf-8"?>
+<p:sld xmlns:a="http://schemas.openxmlformats.org/drawingml/2006/main" xmlns:r="http://schemas.openxmlformats.org/officeDocument/2006/relationships" xmlns:p="http://schemas.openxmlformats.org/presentationml/2006/main">
+  <p:cSld>
+    <p:spTree>
+      <p:nvGrpSpPr>
+        <p:cNvPr id="1" name="">
+          <a:extLst>
+            <a:ext uri="{FF2B5EF4-FFF2-40B4-BE49-F238E27FC236}">
+              <a16:creationId xmlns:a16="http://schemas.microsoft.com/office/drawing/2014/main" id="{609A72A0-A2CD-D6DA-914F-8013F5692B50}"/>
+            </a:ext>
+          </a:extLst>
+        </p:cNvPr>
+        <p:cNvGrpSpPr/>
+        <p:nvPr/>
+      </p:nvGrpSpPr>
+      <p:grpSpPr>
+        <a:xfrm>
+          <a:off x="0" y="0"/>
+          <a:ext cx="0" cy="0"/>
+          <a:chOff x="0" y="0"/>
+          <a:chExt cx="0" cy="0"/>
+        </a:xfrm>
+      </p:grpSpPr>
+      <p:sp>
+        <p:nvSpPr>
+          <p:cNvPr id="3" name="Subtitle 2">
+            <a:extLst>
+              <a:ext uri="{FF2B5EF4-FFF2-40B4-BE49-F238E27FC236}">
+                <a16:creationId xmlns:a16="http://schemas.microsoft.com/office/drawing/2014/main" id="{5621DB4A-42E9-FB0F-F6D0-79332A1C2C96}"/>
+              </a:ext>
+            </a:extLst>
+          </p:cNvPr>
+          <p:cNvSpPr>
+            <a:spLocks noGrp="1"/>
+          </p:cNvSpPr>
+          <p:nvPr>
+            <p:ph type="subTitle" idx="1"/>
+          </p:nvPr>
+        </p:nvSpPr>
+        <p:spPr>
+          <a:xfrm>
+            <a:off x="323528" y="836712"/>
+            <a:ext cx="8640960" cy="6480720"/>
+          </a:xfrm>
+        </p:spPr>
+        <p:txBody>
+          <a:bodyPr>
+            <a:noAutofit/>
+          </a:bodyPr>
+          <a:lstStyle/>
+          <a:p>
+            <a:r>
+              <a:rPr lang="en-GB" sz="3600" dirty="0">
+                <a:solidFill>
+                  <a:schemeClr val="bg1"/>
+                </a:solidFill>
+              </a:rPr>
+              <a:t>Beautiful Saviour, You have brought me near</a:t>
+            </a:r>
+          </a:p>
+          <a:p>
+            <a:r>
+              <a:rPr lang="en-GB" sz="3600" dirty="0">
+                <a:solidFill>
+                  <a:schemeClr val="bg1"/>
+                </a:solidFill>
+              </a:rPr>
+              <a:t>You pulled me from the ashes</a:t>
+            </a:r>
+          </a:p>
+          <a:p>
+            <a:r>
+              <a:rPr lang="en-GB" sz="3600" dirty="0">
+                <a:solidFill>
+                  <a:schemeClr val="bg1"/>
+                </a:solidFill>
+              </a:rPr>
+              <a:t>You have broken </a:t>
+            </a:r>
+            <a:r>
+              <a:rPr lang="en-GB" sz="3600" dirty="0" err="1">
+                <a:solidFill>
+                  <a:schemeClr val="bg1"/>
+                </a:solidFill>
+              </a:rPr>
+              <a:t>ev'ry</a:t>
+            </a:r>
+            <a:r>
+              <a:rPr lang="en-GB" sz="3600" dirty="0">
+                <a:solidFill>
+                  <a:schemeClr val="bg1"/>
+                </a:solidFill>
+              </a:rPr>
+              <a:t> curse</a:t>
+            </a:r>
+          </a:p>
+          <a:p>
+            <a:r>
+              <a:rPr lang="en-GB" sz="3600" dirty="0">
+                <a:solidFill>
+                  <a:schemeClr val="bg1"/>
+                </a:solidFill>
+              </a:rPr>
+              <a:t>Blessed Redeemer You have set this captive free</a:t>
+            </a:r>
+          </a:p>
+          <a:p>
+            <a:r>
+              <a:rPr lang="en-GB" sz="3600" dirty="0">
+                <a:solidFill>
+                  <a:schemeClr val="bg1"/>
+                </a:solidFill>
+              </a:rPr>
+              <a:t>Lord I can't help but sing</a:t>
+            </a:r>
+          </a:p>
+        </p:txBody>
+      </p:sp>
+      <p:sp>
+        <p:nvSpPr>
+          <p:cNvPr id="4" name="TextBox 3">
+            <a:extLst>
+              <a:ext uri="{FF2B5EF4-FFF2-40B4-BE49-F238E27FC236}">
+                <a16:creationId xmlns:a16="http://schemas.microsoft.com/office/drawing/2014/main" id="{0507AD81-1058-4AC2-98C3-77A4529543E0}"/>
+              </a:ext>
+            </a:extLst>
+          </p:cNvPr>
+          <p:cNvSpPr txBox="1"/>
+          <p:nvPr/>
+        </p:nvSpPr>
+        <p:spPr>
+          <a:xfrm>
+            <a:off x="8529729" y="0"/>
+            <a:ext cx="628698" cy="461665"/>
+          </a:xfrm>
+          <a:prstGeom prst="rect">
+            <a:avLst/>
+          </a:prstGeom>
+          <a:noFill/>
+        </p:spPr>
+        <p:txBody>
+          <a:bodyPr wrap="none" rtlCol="0">
+            <a:spAutoFit/>
+          </a:bodyPr>
+          <a:lstStyle/>
+          <a:p>
+            <a:r>
+              <a:rPr lang="en-GB" sz="2400" b="1" dirty="0">
+                <a:solidFill>
+                  <a:schemeClr val="bg1"/>
+                </a:solidFill>
+              </a:rPr>
+              <a:t>3/8</a:t>
+            </a:r>
+          </a:p>
+        </p:txBody>
+      </p:sp>
+    </p:spTree>
+    <p:extLst>
+      <p:ext uri="{BB962C8B-B14F-4D97-AF65-F5344CB8AC3E}">
+        <p14:creationId xmlns:p14="http://schemas.microsoft.com/office/powerpoint/2010/main" val="3087643756"/>
       </p:ext>
     </p:extLst>
   </p:cSld>
@@ -8164,7 +8216,7 @@
         <p:cNvPr id="1" name="">
           <a:extLst>
             <a:ext uri="{FF2B5EF4-FFF2-40B4-BE49-F238E27FC236}">
-              <a16:creationId xmlns:a16="http://schemas.microsoft.com/office/drawing/2014/main" id="{609A72A0-A2CD-D6DA-914F-8013F5692B50}"/>
+              <a16:creationId xmlns:a16="http://schemas.microsoft.com/office/drawing/2014/main" id="{1A102137-2F21-6C01-E4AD-CD85B16EA31C}"/>
             </a:ext>
           </a:extLst>
         </p:cNvPr>
@@ -8184,7 +8236,7 @@
           <p:cNvPr id="3" name="Subtitle 2">
             <a:extLst>
               <a:ext uri="{FF2B5EF4-FFF2-40B4-BE49-F238E27FC236}">
-                <a16:creationId xmlns:a16="http://schemas.microsoft.com/office/drawing/2014/main" id="{5621DB4A-42E9-FB0F-F6D0-79332A1C2C96}"/>
+                <a16:creationId xmlns:a16="http://schemas.microsoft.com/office/drawing/2014/main" id="{63567D3B-E7A9-6E37-F822-8A99E230C7D7}"/>
               </a:ext>
             </a:extLst>
           </p:cNvPr>
@@ -8213,63 +8265,47 @@
                   <a:schemeClr val="bg1"/>
                 </a:solidFill>
               </a:rPr>
-              <a:t>Beautiful Saviour, You have brought me near</a:t>
-            </a:r>
-          </a:p>
-          <a:p>
-            <a:r>
-              <a:rPr lang="en-GB" sz="3600" dirty="0">
-                <a:solidFill>
-                  <a:schemeClr val="bg1"/>
-                </a:solidFill>
-              </a:rPr>
-              <a:t>You pulled me from the ashes</a:t>
-            </a:r>
-          </a:p>
-          <a:p>
-            <a:r>
-              <a:rPr lang="en-GB" sz="3600" dirty="0">
-                <a:solidFill>
-                  <a:schemeClr val="bg1"/>
-                </a:solidFill>
-              </a:rPr>
-              <a:t>You have broken </a:t>
-            </a:r>
-            <a:r>
-              <a:rPr lang="en-GB" sz="3600" dirty="0" err="1">
-                <a:solidFill>
-                  <a:schemeClr val="bg1"/>
-                </a:solidFill>
-              </a:rPr>
-              <a:t>ev'ry</a:t>
-            </a:r>
-            <a:r>
-              <a:rPr lang="en-GB" sz="3600" dirty="0">
-                <a:solidFill>
-                  <a:schemeClr val="bg1"/>
-                </a:solidFill>
-              </a:rPr>
-              <a:t> curse</a:t>
-            </a:r>
-          </a:p>
-          <a:p>
-            <a:r>
-              <a:rPr lang="en-GB" sz="3600" dirty="0">
-                <a:solidFill>
-                  <a:schemeClr val="bg1"/>
-                </a:solidFill>
-              </a:rPr>
-              <a:t>Blessed Redeemer You have set this captive free</a:t>
-            </a:r>
-          </a:p>
-          <a:p>
-            <a:r>
-              <a:rPr lang="en-GB" sz="3600" dirty="0">
-                <a:solidFill>
-                  <a:schemeClr val="bg1"/>
-                </a:solidFill>
-              </a:rPr>
-              <a:t>Lord I can't help but sing</a:t>
+              <a:t>Faithful You are</a:t>
+            </a:r>
+          </a:p>
+          <a:p>
+            <a:r>
+              <a:rPr lang="en-GB" sz="3600" dirty="0">
+                <a:solidFill>
+                  <a:schemeClr val="bg1"/>
+                </a:solidFill>
+              </a:rPr>
+              <a:t>Faithful forever You will be</a:t>
+            </a:r>
+          </a:p>
+          <a:p>
+            <a:r>
+              <a:rPr lang="en-GB" sz="3600" dirty="0">
+                <a:solidFill>
+                  <a:schemeClr val="bg1"/>
+                </a:solidFill>
+              </a:rPr>
+              <a:t>Faithful You are</a:t>
+            </a:r>
+          </a:p>
+          <a:p>
+            <a:r>
+              <a:rPr lang="en-GB" sz="3600" dirty="0">
+                <a:solidFill>
+                  <a:schemeClr val="bg1"/>
+                </a:solidFill>
+              </a:rPr>
+              <a:t>All Your promises are Yes and Amen</a:t>
+            </a:r>
+          </a:p>
+          <a:p>
+            <a:r>
+              <a:rPr lang="en-GB" sz="3600" dirty="0">
+                <a:solidFill>
+                  <a:schemeClr val="bg1"/>
+                </a:solidFill>
+              </a:rPr>
+              <a:t>All Your promises are Yes and Amen</a:t>
             </a:r>
           </a:p>
         </p:txBody>
@@ -8279,7 +8315,7 @@
           <p:cNvPr id="4" name="TextBox 3">
             <a:extLst>
               <a:ext uri="{FF2B5EF4-FFF2-40B4-BE49-F238E27FC236}">
-                <a16:creationId xmlns:a16="http://schemas.microsoft.com/office/drawing/2014/main" id="{0507AD81-1058-4AC2-98C3-77A4529543E0}"/>
+                <a16:creationId xmlns:a16="http://schemas.microsoft.com/office/drawing/2014/main" id="{8808726E-0BC9-FA10-87EB-4954FD11556D}"/>
               </a:ext>
             </a:extLst>
           </p:cNvPr>
@@ -8308,7 +8344,7 @@
                   <a:schemeClr val="bg1"/>
                 </a:solidFill>
               </a:rPr>
-              <a:t>3/8</a:t>
+              <a:t>4/8</a:t>
             </a:r>
           </a:p>
         </p:txBody>
@@ -8316,7 +8352,7 @@
     </p:spTree>
     <p:extLst>
       <p:ext uri="{BB962C8B-B14F-4D97-AF65-F5344CB8AC3E}">
-        <p14:creationId xmlns:p14="http://schemas.microsoft.com/office/powerpoint/2010/main" val="3087643756"/>
+        <p14:creationId xmlns:p14="http://schemas.microsoft.com/office/powerpoint/2010/main" val="1134730744"/>
       </p:ext>
     </p:extLst>
   </p:cSld>
@@ -8334,7 +8370,7 @@
         <p:cNvPr id="1" name="">
           <a:extLst>
             <a:ext uri="{FF2B5EF4-FFF2-40B4-BE49-F238E27FC236}">
-              <a16:creationId xmlns:a16="http://schemas.microsoft.com/office/drawing/2014/main" id="{1A102137-2F21-6C01-E4AD-CD85B16EA31C}"/>
+              <a16:creationId xmlns:a16="http://schemas.microsoft.com/office/drawing/2014/main" id="{2AF807EF-68A4-C761-9F69-8AE2B6F0CC19}"/>
             </a:ext>
           </a:extLst>
         </p:cNvPr>
@@ -8354,7 +8390,7 @@
           <p:cNvPr id="3" name="Subtitle 2">
             <a:extLst>
               <a:ext uri="{FF2B5EF4-FFF2-40B4-BE49-F238E27FC236}">
-                <a16:creationId xmlns:a16="http://schemas.microsoft.com/office/drawing/2014/main" id="{63567D3B-E7A9-6E37-F822-8A99E230C7D7}"/>
+                <a16:creationId xmlns:a16="http://schemas.microsoft.com/office/drawing/2014/main" id="{46AFFF28-DE76-0271-0675-71E5402619AC}"/>
               </a:ext>
             </a:extLst>
           </p:cNvPr>
@@ -8383,47 +8419,47 @@
                   <a:schemeClr val="bg1"/>
                 </a:solidFill>
               </a:rPr>
-              <a:t>Faithful You are</a:t>
-            </a:r>
-          </a:p>
-          <a:p>
-            <a:r>
-              <a:rPr lang="en-GB" sz="3600" dirty="0">
-                <a:solidFill>
-                  <a:schemeClr val="bg1"/>
-                </a:solidFill>
-              </a:rPr>
-              <a:t>Faithful forever You will be</a:t>
-            </a:r>
-          </a:p>
-          <a:p>
-            <a:r>
-              <a:rPr lang="en-GB" sz="3600" dirty="0">
-                <a:solidFill>
-                  <a:schemeClr val="bg1"/>
-                </a:solidFill>
-              </a:rPr>
-              <a:t>Faithful You are</a:t>
-            </a:r>
-          </a:p>
-          <a:p>
-            <a:r>
-              <a:rPr lang="en-GB" sz="3600" dirty="0">
-                <a:solidFill>
-                  <a:schemeClr val="bg1"/>
-                </a:solidFill>
-              </a:rPr>
-              <a:t>All Your promises are Yes and Amen</a:t>
-            </a:r>
-          </a:p>
-          <a:p>
-            <a:r>
-              <a:rPr lang="en-GB" sz="3600" dirty="0">
-                <a:solidFill>
-                  <a:schemeClr val="bg1"/>
-                </a:solidFill>
-              </a:rPr>
-              <a:t>All Your promises are Yes and Amen</a:t>
+              <a:t>O Holy Spirit You have changed my life</a:t>
+            </a:r>
+          </a:p>
+          <a:p>
+            <a:r>
+              <a:rPr lang="en-GB" sz="3600" dirty="0">
+                <a:solidFill>
+                  <a:schemeClr val="bg1"/>
+                </a:solidFill>
+              </a:rPr>
+              <a:t>You comfort and direct me </a:t>
+            </a:r>
+          </a:p>
+          <a:p>
+            <a:r>
+              <a:rPr lang="en-GB" sz="3600" dirty="0">
+                <a:solidFill>
+                  <a:schemeClr val="bg1"/>
+                </a:solidFill>
+              </a:rPr>
+              <a:t>You have filled me with love</a:t>
+            </a:r>
+          </a:p>
+          <a:p>
+            <a:r>
+              <a:rPr lang="en-GB" sz="3600" dirty="0">
+                <a:solidFill>
+                  <a:schemeClr val="bg1"/>
+                </a:solidFill>
+              </a:rPr>
+              <a:t>Teacher and defender, you're my guide in time of need</a:t>
+            </a:r>
+          </a:p>
+          <a:p>
+            <a:r>
+              <a:rPr lang="en-GB" sz="3600" dirty="0">
+                <a:solidFill>
+                  <a:schemeClr val="bg1"/>
+                </a:solidFill>
+              </a:rPr>
+              <a:t>Lord I can't help but sing</a:t>
             </a:r>
           </a:p>
         </p:txBody>
@@ -8433,7 +8469,7 @@
           <p:cNvPr id="4" name="TextBox 3">
             <a:extLst>
               <a:ext uri="{FF2B5EF4-FFF2-40B4-BE49-F238E27FC236}">
-                <a16:creationId xmlns:a16="http://schemas.microsoft.com/office/drawing/2014/main" id="{8808726E-0BC9-FA10-87EB-4954FD11556D}"/>
+                <a16:creationId xmlns:a16="http://schemas.microsoft.com/office/drawing/2014/main" id="{2D78B099-3ECA-1425-BA2C-CEBAC0CA961A}"/>
               </a:ext>
             </a:extLst>
           </p:cNvPr>
@@ -8462,7 +8498,7 @@
                   <a:schemeClr val="bg1"/>
                 </a:solidFill>
               </a:rPr>
-              <a:t>4/8</a:t>
+              <a:t>5/8</a:t>
             </a:r>
           </a:p>
         </p:txBody>
@@ -8470,7 +8506,7 @@
     </p:spTree>
     <p:extLst>
       <p:ext uri="{BB962C8B-B14F-4D97-AF65-F5344CB8AC3E}">
-        <p14:creationId xmlns:p14="http://schemas.microsoft.com/office/powerpoint/2010/main" val="1134730744"/>
+        <p14:creationId xmlns:p14="http://schemas.microsoft.com/office/powerpoint/2010/main" val="1102972192"/>
       </p:ext>
     </p:extLst>
   </p:cSld>
@@ -8481,6 +8517,160 @@
 </file>
 
 <file path=ppt/slides/slide32.xml><?xml version="1.0" encoding="utf-8"?>
+<p:sld xmlns:a="http://schemas.openxmlformats.org/drawingml/2006/main" xmlns:r="http://schemas.openxmlformats.org/officeDocument/2006/relationships" xmlns:p="http://schemas.openxmlformats.org/presentationml/2006/main">
+  <p:cSld>
+    <p:spTree>
+      <p:nvGrpSpPr>
+        <p:cNvPr id="1" name="">
+          <a:extLst>
+            <a:ext uri="{FF2B5EF4-FFF2-40B4-BE49-F238E27FC236}">
+              <a16:creationId xmlns:a16="http://schemas.microsoft.com/office/drawing/2014/main" id="{C7F8963D-3F8F-D131-6107-EC73E7C7319D}"/>
+            </a:ext>
+          </a:extLst>
+        </p:cNvPr>
+        <p:cNvGrpSpPr/>
+        <p:nvPr/>
+      </p:nvGrpSpPr>
+      <p:grpSpPr>
+        <a:xfrm>
+          <a:off x="0" y="0"/>
+          <a:ext cx="0" cy="0"/>
+          <a:chOff x="0" y="0"/>
+          <a:chExt cx="0" cy="0"/>
+        </a:xfrm>
+      </p:grpSpPr>
+      <p:sp>
+        <p:nvSpPr>
+          <p:cNvPr id="3" name="Subtitle 2">
+            <a:extLst>
+              <a:ext uri="{FF2B5EF4-FFF2-40B4-BE49-F238E27FC236}">
+                <a16:creationId xmlns:a16="http://schemas.microsoft.com/office/drawing/2014/main" id="{A06D90B2-3E38-74A3-BA1D-FEE7391AA692}"/>
+              </a:ext>
+            </a:extLst>
+          </p:cNvPr>
+          <p:cNvSpPr>
+            <a:spLocks noGrp="1"/>
+          </p:cNvSpPr>
+          <p:nvPr>
+            <p:ph type="subTitle" idx="1"/>
+          </p:nvPr>
+        </p:nvSpPr>
+        <p:spPr>
+          <a:xfrm>
+            <a:off x="323528" y="836712"/>
+            <a:ext cx="8640960" cy="6480720"/>
+          </a:xfrm>
+        </p:spPr>
+        <p:txBody>
+          <a:bodyPr>
+            <a:noAutofit/>
+          </a:bodyPr>
+          <a:lstStyle/>
+          <a:p>
+            <a:r>
+              <a:rPr lang="en-GB" sz="3600" dirty="0">
+                <a:solidFill>
+                  <a:schemeClr val="bg1"/>
+                </a:solidFill>
+              </a:rPr>
+              <a:t>Faithful You are</a:t>
+            </a:r>
+          </a:p>
+          <a:p>
+            <a:r>
+              <a:rPr lang="en-GB" sz="3600" dirty="0">
+                <a:solidFill>
+                  <a:schemeClr val="bg1"/>
+                </a:solidFill>
+              </a:rPr>
+              <a:t>Faithful forever You will be</a:t>
+            </a:r>
+          </a:p>
+          <a:p>
+            <a:r>
+              <a:rPr lang="en-GB" sz="3600" dirty="0">
+                <a:solidFill>
+                  <a:schemeClr val="bg1"/>
+                </a:solidFill>
+              </a:rPr>
+              <a:t>Faithful You are</a:t>
+            </a:r>
+          </a:p>
+          <a:p>
+            <a:r>
+              <a:rPr lang="en-GB" sz="3600" dirty="0">
+                <a:solidFill>
+                  <a:schemeClr val="bg1"/>
+                </a:solidFill>
+              </a:rPr>
+              <a:t>All Your promises are Yes and Amen</a:t>
+            </a:r>
+          </a:p>
+          <a:p>
+            <a:r>
+              <a:rPr lang="en-GB" sz="3600" dirty="0">
+                <a:solidFill>
+                  <a:schemeClr val="bg1"/>
+                </a:solidFill>
+              </a:rPr>
+              <a:t>All Your promises are Yes and Amen</a:t>
+            </a:r>
+          </a:p>
+        </p:txBody>
+      </p:sp>
+      <p:sp>
+        <p:nvSpPr>
+          <p:cNvPr id="4" name="TextBox 3">
+            <a:extLst>
+              <a:ext uri="{FF2B5EF4-FFF2-40B4-BE49-F238E27FC236}">
+                <a16:creationId xmlns:a16="http://schemas.microsoft.com/office/drawing/2014/main" id="{DBFFE31E-63A2-7011-23C4-DD452AE821B2}"/>
+              </a:ext>
+            </a:extLst>
+          </p:cNvPr>
+          <p:cNvSpPr txBox="1"/>
+          <p:nvPr/>
+        </p:nvSpPr>
+        <p:spPr>
+          <a:xfrm>
+            <a:off x="8529729" y="0"/>
+            <a:ext cx="628698" cy="461665"/>
+          </a:xfrm>
+          <a:prstGeom prst="rect">
+            <a:avLst/>
+          </a:prstGeom>
+          <a:noFill/>
+        </p:spPr>
+        <p:txBody>
+          <a:bodyPr wrap="none" rtlCol="0">
+            <a:spAutoFit/>
+          </a:bodyPr>
+          <a:lstStyle/>
+          <a:p>
+            <a:r>
+              <a:rPr lang="en-GB" sz="2400" b="1" dirty="0">
+                <a:solidFill>
+                  <a:schemeClr val="bg1"/>
+                </a:solidFill>
+              </a:rPr>
+              <a:t>6/8</a:t>
+            </a:r>
+          </a:p>
+        </p:txBody>
+      </p:sp>
+    </p:spTree>
+    <p:extLst>
+      <p:ext uri="{BB962C8B-B14F-4D97-AF65-F5344CB8AC3E}">
+        <p14:creationId xmlns:p14="http://schemas.microsoft.com/office/powerpoint/2010/main" val="674596799"/>
+      </p:ext>
+    </p:extLst>
+  </p:cSld>
+  <p:clrMapOvr>
+    <a:masterClrMapping/>
+  </p:clrMapOvr>
+</p:sld>
+</file>
+
+<file path=ppt/slides/slide33.xml><?xml version="1.0" encoding="utf-8"?>
 <p:sld xmlns:a="http://schemas.openxmlformats.org/drawingml/2006/main" xmlns:r="http://schemas.openxmlformats.org/officeDocument/2006/relationships" xmlns:p="http://schemas.openxmlformats.org/presentationml/2006/main">
   <p:cSld>
     <p:spTree>
@@ -8596,7 +8786,7 @@
                   <a:schemeClr val="bg1"/>
                 </a:solidFill>
               </a:rPr>
-              <a:t>5/8</a:t>
+              <a:t>7/8</a:t>
             </a:r>
           </a:p>
         </p:txBody>
@@ -8604,161 +8794,7 @@
     </p:spTree>
     <p:extLst>
       <p:ext uri="{BB962C8B-B14F-4D97-AF65-F5344CB8AC3E}">
-        <p14:creationId xmlns:p14="http://schemas.microsoft.com/office/powerpoint/2010/main" val="2740009088"/>
-      </p:ext>
-    </p:extLst>
-  </p:cSld>
-  <p:clrMapOvr>
-    <a:masterClrMapping/>
-  </p:clrMapOvr>
-</p:sld>
-</file>
-
-<file path=ppt/slides/slide33.xml><?xml version="1.0" encoding="utf-8"?>
-<p:sld xmlns:a="http://schemas.openxmlformats.org/drawingml/2006/main" xmlns:r="http://schemas.openxmlformats.org/officeDocument/2006/relationships" xmlns:p="http://schemas.openxmlformats.org/presentationml/2006/main">
-  <p:cSld>
-    <p:spTree>
-      <p:nvGrpSpPr>
-        <p:cNvPr id="1" name="">
-          <a:extLst>
-            <a:ext uri="{FF2B5EF4-FFF2-40B4-BE49-F238E27FC236}">
-              <a16:creationId xmlns:a16="http://schemas.microsoft.com/office/drawing/2014/main" id="{C7F8963D-3F8F-D131-6107-EC73E7C7319D}"/>
-            </a:ext>
-          </a:extLst>
-        </p:cNvPr>
-        <p:cNvGrpSpPr/>
-        <p:nvPr/>
-      </p:nvGrpSpPr>
-      <p:grpSpPr>
-        <a:xfrm>
-          <a:off x="0" y="0"/>
-          <a:ext cx="0" cy="0"/>
-          <a:chOff x="0" y="0"/>
-          <a:chExt cx="0" cy="0"/>
-        </a:xfrm>
-      </p:grpSpPr>
-      <p:sp>
-        <p:nvSpPr>
-          <p:cNvPr id="3" name="Subtitle 2">
-            <a:extLst>
-              <a:ext uri="{FF2B5EF4-FFF2-40B4-BE49-F238E27FC236}">
-                <a16:creationId xmlns:a16="http://schemas.microsoft.com/office/drawing/2014/main" id="{A06D90B2-3E38-74A3-BA1D-FEE7391AA692}"/>
-              </a:ext>
-            </a:extLst>
-          </p:cNvPr>
-          <p:cNvSpPr>
-            <a:spLocks noGrp="1"/>
-          </p:cNvSpPr>
-          <p:nvPr>
-            <p:ph type="subTitle" idx="1"/>
-          </p:nvPr>
-        </p:nvSpPr>
-        <p:spPr>
-          <a:xfrm>
-            <a:off x="323528" y="836712"/>
-            <a:ext cx="8640960" cy="6480720"/>
-          </a:xfrm>
-        </p:spPr>
-        <p:txBody>
-          <a:bodyPr>
-            <a:noAutofit/>
-          </a:bodyPr>
-          <a:lstStyle/>
-          <a:p>
-            <a:r>
-              <a:rPr lang="en-GB" sz="3600" dirty="0">
-                <a:solidFill>
-                  <a:schemeClr val="bg1"/>
-                </a:solidFill>
-              </a:rPr>
-              <a:t>Faithful You are</a:t>
-            </a:r>
-          </a:p>
-          <a:p>
-            <a:r>
-              <a:rPr lang="en-GB" sz="3600" dirty="0">
-                <a:solidFill>
-                  <a:schemeClr val="bg1"/>
-                </a:solidFill>
-              </a:rPr>
-              <a:t>Faithful forever You will be</a:t>
-            </a:r>
-          </a:p>
-          <a:p>
-            <a:r>
-              <a:rPr lang="en-GB" sz="3600" dirty="0">
-                <a:solidFill>
-                  <a:schemeClr val="bg1"/>
-                </a:solidFill>
-              </a:rPr>
-              <a:t>Faithful You are</a:t>
-            </a:r>
-          </a:p>
-          <a:p>
-            <a:r>
-              <a:rPr lang="en-GB" sz="3600" dirty="0">
-                <a:solidFill>
-                  <a:schemeClr val="bg1"/>
-                </a:solidFill>
-              </a:rPr>
-              <a:t>All Your promises are Yes and Amen</a:t>
-            </a:r>
-          </a:p>
-          <a:p>
-            <a:r>
-              <a:rPr lang="en-GB" sz="3600" dirty="0">
-                <a:solidFill>
-                  <a:schemeClr val="bg1"/>
-                </a:solidFill>
-              </a:rPr>
-              <a:t>All Your promises are Yes and Amen</a:t>
-            </a:r>
-          </a:p>
-        </p:txBody>
-      </p:sp>
-      <p:sp>
-        <p:nvSpPr>
-          <p:cNvPr id="4" name="TextBox 3">
-            <a:extLst>
-              <a:ext uri="{FF2B5EF4-FFF2-40B4-BE49-F238E27FC236}">
-                <a16:creationId xmlns:a16="http://schemas.microsoft.com/office/drawing/2014/main" id="{DBFFE31E-63A2-7011-23C4-DD452AE821B2}"/>
-              </a:ext>
-            </a:extLst>
-          </p:cNvPr>
-          <p:cNvSpPr txBox="1"/>
-          <p:nvPr/>
-        </p:nvSpPr>
-        <p:spPr>
-          <a:xfrm>
-            <a:off x="8529729" y="0"/>
-            <a:ext cx="628698" cy="461665"/>
-          </a:xfrm>
-          <a:prstGeom prst="rect">
-            <a:avLst/>
-          </a:prstGeom>
-          <a:noFill/>
-        </p:spPr>
-        <p:txBody>
-          <a:bodyPr wrap="none" rtlCol="0">
-            <a:spAutoFit/>
-          </a:bodyPr>
-          <a:lstStyle/>
-          <a:p>
-            <a:r>
-              <a:rPr lang="en-GB" sz="2400" b="1" dirty="0">
-                <a:solidFill>
-                  <a:schemeClr val="bg1"/>
-                </a:solidFill>
-              </a:rPr>
-              <a:t>6/8</a:t>
-            </a:r>
-          </a:p>
-        </p:txBody>
-      </p:sp>
-    </p:spTree>
-    <p:extLst>
-      <p:ext uri="{BB962C8B-B14F-4D97-AF65-F5344CB8AC3E}">
-        <p14:creationId xmlns:p14="http://schemas.microsoft.com/office/powerpoint/2010/main" val="1971221820"/>
+        <p14:creationId xmlns:p14="http://schemas.microsoft.com/office/powerpoint/2010/main" val="527544519"/>
       </p:ext>
     </p:extLst>
   </p:cSld>
@@ -8769,160 +8805,6 @@
 </file>
 
 <file path=ppt/slides/slide34.xml><?xml version="1.0" encoding="utf-8"?>
-<p:sld xmlns:a="http://schemas.openxmlformats.org/drawingml/2006/main" xmlns:r="http://schemas.openxmlformats.org/officeDocument/2006/relationships" xmlns:p="http://schemas.openxmlformats.org/presentationml/2006/main">
-  <p:cSld>
-    <p:spTree>
-      <p:nvGrpSpPr>
-        <p:cNvPr id="1" name="">
-          <a:extLst>
-            <a:ext uri="{FF2B5EF4-FFF2-40B4-BE49-F238E27FC236}">
-              <a16:creationId xmlns:a16="http://schemas.microsoft.com/office/drawing/2014/main" id="{2AF807EF-68A4-C761-9F69-8AE2B6F0CC19}"/>
-            </a:ext>
-          </a:extLst>
-        </p:cNvPr>
-        <p:cNvGrpSpPr/>
-        <p:nvPr/>
-      </p:nvGrpSpPr>
-      <p:grpSpPr>
-        <a:xfrm>
-          <a:off x="0" y="0"/>
-          <a:ext cx="0" cy="0"/>
-          <a:chOff x="0" y="0"/>
-          <a:chExt cx="0" cy="0"/>
-        </a:xfrm>
-      </p:grpSpPr>
-      <p:sp>
-        <p:nvSpPr>
-          <p:cNvPr id="3" name="Subtitle 2">
-            <a:extLst>
-              <a:ext uri="{FF2B5EF4-FFF2-40B4-BE49-F238E27FC236}">
-                <a16:creationId xmlns:a16="http://schemas.microsoft.com/office/drawing/2014/main" id="{46AFFF28-DE76-0271-0675-71E5402619AC}"/>
-              </a:ext>
-            </a:extLst>
-          </p:cNvPr>
-          <p:cNvSpPr>
-            <a:spLocks noGrp="1"/>
-          </p:cNvSpPr>
-          <p:nvPr>
-            <p:ph type="subTitle" idx="1"/>
-          </p:nvPr>
-        </p:nvSpPr>
-        <p:spPr>
-          <a:xfrm>
-            <a:off x="323528" y="836712"/>
-            <a:ext cx="8640960" cy="6480720"/>
-          </a:xfrm>
-        </p:spPr>
-        <p:txBody>
-          <a:bodyPr>
-            <a:noAutofit/>
-          </a:bodyPr>
-          <a:lstStyle/>
-          <a:p>
-            <a:r>
-              <a:rPr lang="en-GB" sz="3600" dirty="0">
-                <a:solidFill>
-                  <a:schemeClr val="bg1"/>
-                </a:solidFill>
-              </a:rPr>
-              <a:t>O Holy Spirit You have changed my life</a:t>
-            </a:r>
-          </a:p>
-          <a:p>
-            <a:r>
-              <a:rPr lang="en-GB" sz="3600" dirty="0">
-                <a:solidFill>
-                  <a:schemeClr val="bg1"/>
-                </a:solidFill>
-              </a:rPr>
-              <a:t>You comfort and direct me </a:t>
-            </a:r>
-          </a:p>
-          <a:p>
-            <a:r>
-              <a:rPr lang="en-GB" sz="3600" dirty="0">
-                <a:solidFill>
-                  <a:schemeClr val="bg1"/>
-                </a:solidFill>
-              </a:rPr>
-              <a:t>You have filled me with love</a:t>
-            </a:r>
-          </a:p>
-          <a:p>
-            <a:r>
-              <a:rPr lang="en-GB" sz="3600" dirty="0">
-                <a:solidFill>
-                  <a:schemeClr val="bg1"/>
-                </a:solidFill>
-              </a:rPr>
-              <a:t>Teacher and defender, you're my guide in time of need</a:t>
-            </a:r>
-          </a:p>
-          <a:p>
-            <a:r>
-              <a:rPr lang="en-GB" sz="3600" dirty="0">
-                <a:solidFill>
-                  <a:schemeClr val="bg1"/>
-                </a:solidFill>
-              </a:rPr>
-              <a:t>Lord I can't help but sing</a:t>
-            </a:r>
-          </a:p>
-        </p:txBody>
-      </p:sp>
-      <p:sp>
-        <p:nvSpPr>
-          <p:cNvPr id="4" name="TextBox 3">
-            <a:extLst>
-              <a:ext uri="{FF2B5EF4-FFF2-40B4-BE49-F238E27FC236}">
-                <a16:creationId xmlns:a16="http://schemas.microsoft.com/office/drawing/2014/main" id="{2D78B099-3ECA-1425-BA2C-CEBAC0CA961A}"/>
-              </a:ext>
-            </a:extLst>
-          </p:cNvPr>
-          <p:cNvSpPr txBox="1"/>
-          <p:nvPr/>
-        </p:nvSpPr>
-        <p:spPr>
-          <a:xfrm>
-            <a:off x="8529729" y="0"/>
-            <a:ext cx="628698" cy="461665"/>
-          </a:xfrm>
-          <a:prstGeom prst="rect">
-            <a:avLst/>
-          </a:prstGeom>
-          <a:noFill/>
-        </p:spPr>
-        <p:txBody>
-          <a:bodyPr wrap="none" rtlCol="0">
-            <a:spAutoFit/>
-          </a:bodyPr>
-          <a:lstStyle/>
-          <a:p>
-            <a:r>
-              <a:rPr lang="en-GB" sz="2400" b="1" dirty="0">
-                <a:solidFill>
-                  <a:schemeClr val="bg1"/>
-                </a:solidFill>
-              </a:rPr>
-              <a:t>7/8</a:t>
-            </a:r>
-          </a:p>
-        </p:txBody>
-      </p:sp>
-    </p:spTree>
-    <p:extLst>
-      <p:ext uri="{BB962C8B-B14F-4D97-AF65-F5344CB8AC3E}">
-        <p14:creationId xmlns:p14="http://schemas.microsoft.com/office/powerpoint/2010/main" val="1102972192"/>
-      </p:ext>
-    </p:extLst>
-  </p:cSld>
-  <p:clrMapOvr>
-    <a:masterClrMapping/>
-  </p:clrMapOvr>
-</p:sld>
-</file>
-
-<file path=ppt/slides/slide35.xml><?xml version="1.0" encoding="utf-8"?>
 <p:sld xmlns:a="http://schemas.openxmlformats.org/drawingml/2006/main" xmlns:r="http://schemas.openxmlformats.org/officeDocument/2006/relationships" xmlns:p="http://schemas.openxmlformats.org/presentationml/2006/main">
   <p:cSld>
     <p:spTree>
@@ -9076,7 +8958,7 @@
 </p:sld>
 </file>
 
-<file path=ppt/slides/slide36.xml><?xml version="1.0" encoding="utf-8"?>
+<file path=ppt/slides/slide35.xml><?xml version="1.0" encoding="utf-8"?>
 <p:sld xmlns:a="http://schemas.openxmlformats.org/drawingml/2006/main" xmlns:r="http://schemas.openxmlformats.org/officeDocument/2006/relationships" xmlns:p="http://schemas.openxmlformats.org/presentationml/2006/main">
   <p:cSld>
     <p:spTree>
@@ -9183,7 +9065,7 @@
         <p:spPr>
           <a:xfrm>
             <a:off x="8388424" y="0"/>
-            <a:ext cx="628698" cy="461665"/>
+            <a:ext cx="784189" cy="461665"/>
           </a:xfrm>
           <a:prstGeom prst="rect">
             <a:avLst/>
@@ -9202,7 +9084,7 @@
                   <a:schemeClr val="bg1"/>
                 </a:solidFill>
               </a:rPr>
-              <a:t>1/6</a:t>
+              <a:t>1/10</a:t>
             </a:r>
           </a:p>
         </p:txBody>
@@ -9220,7 +9102,7 @@
 </p:sld>
 </file>
 
-<file path=ppt/slides/slide37.xml><?xml version="1.0" encoding="utf-8"?>
+<file path=ppt/slides/slide36.xml><?xml version="1.0" encoding="utf-8"?>
 <p:sld xmlns:a="http://schemas.openxmlformats.org/drawingml/2006/main" xmlns:r="http://schemas.openxmlformats.org/officeDocument/2006/relationships" xmlns:p="http://schemas.openxmlformats.org/presentationml/2006/main">
   <p:cSld>
     <p:spTree>
@@ -9327,7 +9209,7 @@
         <p:spPr>
           <a:xfrm>
             <a:off x="8316416" y="0"/>
-            <a:ext cx="628698" cy="461665"/>
+            <a:ext cx="784189" cy="461665"/>
           </a:xfrm>
           <a:prstGeom prst="rect">
             <a:avLst/>
@@ -9346,7 +9228,7 @@
                   <a:schemeClr val="bg1"/>
                 </a:solidFill>
               </a:rPr>
-              <a:t>2/6</a:t>
+              <a:t>2/10</a:t>
             </a:r>
           </a:p>
         </p:txBody>
@@ -9364,7 +9246,7 @@
 </p:sld>
 </file>
 
-<file path=ppt/slides/slide38.xml><?xml version="1.0" encoding="utf-8"?>
+<file path=ppt/slides/slide37.xml><?xml version="1.0" encoding="utf-8"?>
 <p:sld xmlns:a="http://schemas.openxmlformats.org/drawingml/2006/main" xmlns:r="http://schemas.openxmlformats.org/officeDocument/2006/relationships" xmlns:p="http://schemas.openxmlformats.org/presentationml/2006/main">
   <p:cSld>
     <p:spTree>
@@ -9487,7 +9369,7 @@
         <p:spPr>
           <a:xfrm>
             <a:off x="8388424" y="-3388"/>
-            <a:ext cx="628698" cy="461665"/>
+            <a:ext cx="784189" cy="461665"/>
           </a:xfrm>
           <a:prstGeom prst="rect">
             <a:avLst/>
@@ -9506,7 +9388,7 @@
                   <a:schemeClr val="bg1"/>
                 </a:solidFill>
               </a:rPr>
-              <a:t>3/6</a:t>
+              <a:t>3/10</a:t>
             </a:r>
           </a:p>
         </p:txBody>
@@ -9524,7 +9406,7 @@
 </p:sld>
 </file>
 
-<file path=ppt/slides/slide39.xml><?xml version="1.0" encoding="utf-8"?>
+<file path=ppt/slides/slide38.xml><?xml version="1.0" encoding="utf-8"?>
 <p:sld xmlns:a="http://schemas.openxmlformats.org/drawingml/2006/main" xmlns:r="http://schemas.openxmlformats.org/officeDocument/2006/relationships" xmlns:p="http://schemas.openxmlformats.org/presentationml/2006/main">
   <p:cSld>
     <p:spTree>
@@ -9685,7 +9567,7 @@
                   <a:schemeClr val="bg1"/>
                 </a:solidFill>
               </a:rPr>
-              <a:t>4/6</a:t>
+              <a:t>4/10</a:t>
             </a:r>
           </a:p>
         </p:txBody>
@@ -9694,6 +9576,150 @@
     <p:extLst>
       <p:ext uri="{BB962C8B-B14F-4D97-AF65-F5344CB8AC3E}">
         <p14:creationId xmlns:p14="http://schemas.microsoft.com/office/powerpoint/2010/main" val="3190937964"/>
+      </p:ext>
+    </p:extLst>
+  </p:cSld>
+  <p:clrMapOvr>
+    <a:masterClrMapping/>
+  </p:clrMapOvr>
+</p:sld>
+</file>
+
+<file path=ppt/slides/slide39.xml><?xml version="1.0" encoding="utf-8"?>
+<p:sld xmlns:a="http://schemas.openxmlformats.org/drawingml/2006/main" xmlns:r="http://schemas.openxmlformats.org/officeDocument/2006/relationships" xmlns:p="http://schemas.openxmlformats.org/presentationml/2006/main">
+  <p:cSld>
+    <p:spTree>
+      <p:nvGrpSpPr>
+        <p:cNvPr id="1" name="">
+          <a:extLst>
+            <a:ext uri="{FF2B5EF4-FFF2-40B4-BE49-F238E27FC236}">
+              <a16:creationId xmlns:a16="http://schemas.microsoft.com/office/drawing/2014/main" id="{505E671B-275D-322A-170D-ABB1434463B2}"/>
+            </a:ext>
+          </a:extLst>
+        </p:cNvPr>
+        <p:cNvGrpSpPr/>
+        <p:nvPr/>
+      </p:nvGrpSpPr>
+      <p:grpSpPr>
+        <a:xfrm>
+          <a:off x="0" y="0"/>
+          <a:ext cx="0" cy="0"/>
+          <a:chOff x="0" y="0"/>
+          <a:chExt cx="0" cy="0"/>
+        </a:xfrm>
+      </p:grpSpPr>
+      <p:sp>
+        <p:nvSpPr>
+          <p:cNvPr id="3" name="Subtitle 2">
+            <a:extLst>
+              <a:ext uri="{FF2B5EF4-FFF2-40B4-BE49-F238E27FC236}">
+                <a16:creationId xmlns:a16="http://schemas.microsoft.com/office/drawing/2014/main" id="{C43595E6-678F-84A9-A5D4-DCA0CC069E9B}"/>
+              </a:ext>
+            </a:extLst>
+          </p:cNvPr>
+          <p:cNvSpPr>
+            <a:spLocks noGrp="1"/>
+          </p:cNvSpPr>
+          <p:nvPr>
+            <p:ph type="subTitle" idx="1"/>
+          </p:nvPr>
+        </p:nvSpPr>
+        <p:spPr>
+          <a:xfrm>
+            <a:off x="203118" y="692696"/>
+            <a:ext cx="8640960" cy="6480720"/>
+          </a:xfrm>
+        </p:spPr>
+        <p:txBody>
+          <a:bodyPr>
+            <a:noAutofit/>
+          </a:bodyPr>
+          <a:lstStyle/>
+          <a:p>
+            <a:r>
+              <a:rPr lang="en-GB" sz="3600" dirty="0">
+                <a:solidFill>
+                  <a:schemeClr val="bg1"/>
+                </a:solidFill>
+              </a:rPr>
+              <a:t>Bless God in the sanctuary</a:t>
+            </a:r>
+          </a:p>
+          <a:p>
+            <a:r>
+              <a:rPr lang="en-GB" sz="3600" dirty="0">
+                <a:solidFill>
+                  <a:schemeClr val="bg1"/>
+                </a:solidFill>
+              </a:rPr>
+              <a:t>Bless God in the fields of plenty</a:t>
+            </a:r>
+          </a:p>
+          <a:p>
+            <a:r>
+              <a:rPr lang="en-GB" sz="3600" dirty="0">
+                <a:solidFill>
+                  <a:schemeClr val="bg1"/>
+                </a:solidFill>
+              </a:rPr>
+              <a:t>Bless God in the darkest valley</a:t>
+            </a:r>
+          </a:p>
+          <a:p>
+            <a:r>
+              <a:rPr lang="en-GB" sz="3600" dirty="0">
+                <a:solidFill>
+                  <a:schemeClr val="bg1"/>
+                </a:solidFill>
+              </a:rPr>
+              <a:t>Every chance I get I bless Your name</a:t>
+            </a:r>
+          </a:p>
+        </p:txBody>
+      </p:sp>
+      <p:sp>
+        <p:nvSpPr>
+          <p:cNvPr id="4" name="TextBox 3">
+            <a:extLst>
+              <a:ext uri="{FF2B5EF4-FFF2-40B4-BE49-F238E27FC236}">
+                <a16:creationId xmlns:a16="http://schemas.microsoft.com/office/drawing/2014/main" id="{A281AC1D-FC81-80C2-185E-7F47A0BB03FD}"/>
+              </a:ext>
+            </a:extLst>
+          </p:cNvPr>
+          <p:cNvSpPr txBox="1"/>
+          <p:nvPr/>
+        </p:nvSpPr>
+        <p:spPr>
+          <a:xfrm>
+            <a:off x="8388424" y="0"/>
+            <a:ext cx="784189" cy="461665"/>
+          </a:xfrm>
+          <a:prstGeom prst="rect">
+            <a:avLst/>
+          </a:prstGeom>
+          <a:noFill/>
+        </p:spPr>
+        <p:txBody>
+          <a:bodyPr wrap="none" rtlCol="0">
+            <a:spAutoFit/>
+          </a:bodyPr>
+          <a:lstStyle/>
+          <a:p>
+            <a:r>
+              <a:rPr lang="en-GB" sz="2400" b="1" dirty="0">
+                <a:solidFill>
+                  <a:schemeClr val="bg1"/>
+                </a:solidFill>
+              </a:rPr>
+              <a:t>5/10</a:t>
+            </a:r>
+          </a:p>
+        </p:txBody>
+      </p:sp>
+    </p:spTree>
+    <p:extLst>
+      <p:ext uri="{BB962C8B-B14F-4D97-AF65-F5344CB8AC3E}">
+        <p14:creationId xmlns:p14="http://schemas.microsoft.com/office/powerpoint/2010/main" val="1087192693"/>
       </p:ext>
     </p:extLst>
   </p:cSld>
@@ -9837,6 +9863,454 @@
         <p:cNvPr id="1" name="">
           <a:extLst>
             <a:ext uri="{FF2B5EF4-FFF2-40B4-BE49-F238E27FC236}">
+              <a16:creationId xmlns:a16="http://schemas.microsoft.com/office/drawing/2014/main" id="{4252C871-4C2F-B610-6803-EF496602DF4E}"/>
+            </a:ext>
+          </a:extLst>
+        </p:cNvPr>
+        <p:cNvGrpSpPr/>
+        <p:nvPr/>
+      </p:nvGrpSpPr>
+      <p:grpSpPr>
+        <a:xfrm>
+          <a:off x="0" y="0"/>
+          <a:ext cx="0" cy="0"/>
+          <a:chOff x="0" y="0"/>
+          <a:chExt cx="0" cy="0"/>
+        </a:xfrm>
+      </p:grpSpPr>
+      <p:sp>
+        <p:nvSpPr>
+          <p:cNvPr id="3" name="Subtitle 2">
+            <a:extLst>
+              <a:ext uri="{FF2B5EF4-FFF2-40B4-BE49-F238E27FC236}">
+                <a16:creationId xmlns:a16="http://schemas.microsoft.com/office/drawing/2014/main" id="{2BF06E07-7E4F-0F3D-1D7A-1BC24277115B}"/>
+              </a:ext>
+            </a:extLst>
+          </p:cNvPr>
+          <p:cNvSpPr>
+            <a:spLocks noGrp="1"/>
+          </p:cNvSpPr>
+          <p:nvPr>
+            <p:ph type="subTitle" idx="1"/>
+          </p:nvPr>
+        </p:nvSpPr>
+        <p:spPr>
+          <a:xfrm>
+            <a:off x="203118" y="692696"/>
+            <a:ext cx="8640960" cy="6480720"/>
+          </a:xfrm>
+        </p:spPr>
+        <p:txBody>
+          <a:bodyPr>
+            <a:noAutofit/>
+          </a:bodyPr>
+          <a:lstStyle/>
+          <a:p>
+            <a:r>
+              <a:rPr lang="en-GB" sz="3600" dirty="0">
+                <a:solidFill>
+                  <a:schemeClr val="bg1"/>
+                </a:solidFill>
+              </a:rPr>
+              <a:t>Bless God when my hands are empty</a:t>
+            </a:r>
+          </a:p>
+          <a:p>
+            <a:r>
+              <a:rPr lang="en-GB" sz="3600" dirty="0">
+                <a:solidFill>
+                  <a:schemeClr val="bg1"/>
+                </a:solidFill>
+              </a:rPr>
+              <a:t>Bless God with a praise that costs me</a:t>
+            </a:r>
+          </a:p>
+          <a:p>
+            <a:r>
+              <a:rPr lang="en-GB" sz="3600" dirty="0">
+                <a:solidFill>
+                  <a:schemeClr val="bg1"/>
+                </a:solidFill>
+              </a:rPr>
+              <a:t>Bless God when nobody’s watching</a:t>
+            </a:r>
+          </a:p>
+          <a:p>
+            <a:r>
+              <a:rPr lang="en-GB" sz="3600" dirty="0">
+                <a:solidFill>
+                  <a:schemeClr val="bg1"/>
+                </a:solidFill>
+              </a:rPr>
+              <a:t>Every chance I get I bless Your name</a:t>
+            </a:r>
+          </a:p>
+        </p:txBody>
+      </p:sp>
+      <p:sp>
+        <p:nvSpPr>
+          <p:cNvPr id="4" name="TextBox 3">
+            <a:extLst>
+              <a:ext uri="{FF2B5EF4-FFF2-40B4-BE49-F238E27FC236}">
+                <a16:creationId xmlns:a16="http://schemas.microsoft.com/office/drawing/2014/main" id="{B4B56796-BE61-2627-E4F7-FC21AFD6D263}"/>
+              </a:ext>
+            </a:extLst>
+          </p:cNvPr>
+          <p:cNvSpPr txBox="1"/>
+          <p:nvPr/>
+        </p:nvSpPr>
+        <p:spPr>
+          <a:xfrm>
+            <a:off x="8316416" y="0"/>
+            <a:ext cx="784189" cy="461665"/>
+          </a:xfrm>
+          <a:prstGeom prst="rect">
+            <a:avLst/>
+          </a:prstGeom>
+          <a:noFill/>
+        </p:spPr>
+        <p:txBody>
+          <a:bodyPr wrap="none" rtlCol="0">
+            <a:spAutoFit/>
+          </a:bodyPr>
+          <a:lstStyle/>
+          <a:p>
+            <a:r>
+              <a:rPr lang="en-GB" sz="2400" b="1" dirty="0">
+                <a:solidFill>
+                  <a:schemeClr val="bg1"/>
+                </a:solidFill>
+              </a:rPr>
+              <a:t>6/10</a:t>
+            </a:r>
+          </a:p>
+        </p:txBody>
+      </p:sp>
+    </p:spTree>
+    <p:extLst>
+      <p:ext uri="{BB962C8B-B14F-4D97-AF65-F5344CB8AC3E}">
+        <p14:creationId xmlns:p14="http://schemas.microsoft.com/office/powerpoint/2010/main" val="3655225517"/>
+      </p:ext>
+    </p:extLst>
+  </p:cSld>
+  <p:clrMapOvr>
+    <a:masterClrMapping/>
+  </p:clrMapOvr>
+</p:sld>
+</file>
+
+<file path=ppt/slides/slide41.xml><?xml version="1.0" encoding="utf-8"?>
+<p:sld xmlns:a="http://schemas.openxmlformats.org/drawingml/2006/main" xmlns:r="http://schemas.openxmlformats.org/officeDocument/2006/relationships" xmlns:p="http://schemas.openxmlformats.org/presentationml/2006/main">
+  <p:cSld>
+    <p:spTree>
+      <p:nvGrpSpPr>
+        <p:cNvPr id="1" name="">
+          <a:extLst>
+            <a:ext uri="{FF2B5EF4-FFF2-40B4-BE49-F238E27FC236}">
+              <a16:creationId xmlns:a16="http://schemas.microsoft.com/office/drawing/2014/main" id="{796E04F0-9DD1-7BA5-A406-267BB6D795DC}"/>
+            </a:ext>
+          </a:extLst>
+        </p:cNvPr>
+        <p:cNvGrpSpPr/>
+        <p:nvPr/>
+      </p:nvGrpSpPr>
+      <p:grpSpPr>
+        <a:xfrm>
+          <a:off x="0" y="0"/>
+          <a:ext cx="0" cy="0"/>
+          <a:chOff x="0" y="0"/>
+          <a:chExt cx="0" cy="0"/>
+        </a:xfrm>
+      </p:grpSpPr>
+      <p:sp>
+        <p:nvSpPr>
+          <p:cNvPr id="3" name="Subtitle 2">
+            <a:extLst>
+              <a:ext uri="{FF2B5EF4-FFF2-40B4-BE49-F238E27FC236}">
+                <a16:creationId xmlns:a16="http://schemas.microsoft.com/office/drawing/2014/main" id="{88279A45-7170-9939-11E6-1915618F1317}"/>
+              </a:ext>
+            </a:extLst>
+          </p:cNvPr>
+          <p:cNvSpPr>
+            <a:spLocks noGrp="1"/>
+          </p:cNvSpPr>
+          <p:nvPr>
+            <p:ph type="subTitle" idx="1"/>
+          </p:nvPr>
+        </p:nvSpPr>
+        <p:spPr>
+          <a:xfrm>
+            <a:off x="203118" y="692696"/>
+            <a:ext cx="8640960" cy="6480720"/>
+          </a:xfrm>
+        </p:spPr>
+        <p:txBody>
+          <a:bodyPr>
+            <a:noAutofit/>
+          </a:bodyPr>
+          <a:lstStyle/>
+          <a:p>
+            <a:r>
+              <a:rPr lang="en-GB" sz="3600" dirty="0">
+                <a:solidFill>
+                  <a:schemeClr val="bg1"/>
+                </a:solidFill>
+              </a:rPr>
+              <a:t>Bless God when the weapon’s forming</a:t>
+            </a:r>
+          </a:p>
+          <a:p>
+            <a:r>
+              <a:rPr lang="en-GB" sz="3600" dirty="0">
+                <a:solidFill>
+                  <a:schemeClr val="bg1"/>
+                </a:solidFill>
+              </a:rPr>
+              <a:t>Bless God when the walls are falling</a:t>
+            </a:r>
+          </a:p>
+          <a:p>
+            <a:r>
+              <a:rPr lang="en-GB" sz="3600" dirty="0">
+                <a:solidFill>
+                  <a:schemeClr val="bg1"/>
+                </a:solidFill>
+              </a:rPr>
+              <a:t>Bless God </a:t>
+            </a:r>
+            <a:r>
+              <a:rPr lang="en-GB" sz="3600" dirty="0" err="1">
+                <a:solidFill>
+                  <a:schemeClr val="bg1"/>
+                </a:solidFill>
+              </a:rPr>
+              <a:t>‘cause</a:t>
+            </a:r>
+            <a:r>
+              <a:rPr lang="en-GB" sz="3600" dirty="0">
+                <a:solidFill>
+                  <a:schemeClr val="bg1"/>
+                </a:solidFill>
+              </a:rPr>
+              <a:t> He goes before me</a:t>
+            </a:r>
+          </a:p>
+          <a:p>
+            <a:r>
+              <a:rPr lang="en-GB" sz="3600" dirty="0">
+                <a:solidFill>
+                  <a:schemeClr val="bg1"/>
+                </a:solidFill>
+              </a:rPr>
+              <a:t>Every chance I get I bless Your name</a:t>
+            </a:r>
+          </a:p>
+        </p:txBody>
+      </p:sp>
+      <p:sp>
+        <p:nvSpPr>
+          <p:cNvPr id="4" name="TextBox 3">
+            <a:extLst>
+              <a:ext uri="{FF2B5EF4-FFF2-40B4-BE49-F238E27FC236}">
+                <a16:creationId xmlns:a16="http://schemas.microsoft.com/office/drawing/2014/main" id="{97034235-D27A-F3E6-6613-0CB0804A8802}"/>
+              </a:ext>
+            </a:extLst>
+          </p:cNvPr>
+          <p:cNvSpPr txBox="1"/>
+          <p:nvPr/>
+        </p:nvSpPr>
+        <p:spPr>
+          <a:xfrm>
+            <a:off x="8388424" y="-3388"/>
+            <a:ext cx="784189" cy="461665"/>
+          </a:xfrm>
+          <a:prstGeom prst="rect">
+            <a:avLst/>
+          </a:prstGeom>
+          <a:noFill/>
+        </p:spPr>
+        <p:txBody>
+          <a:bodyPr wrap="none" rtlCol="0">
+            <a:spAutoFit/>
+          </a:bodyPr>
+          <a:lstStyle/>
+          <a:p>
+            <a:r>
+              <a:rPr lang="en-GB" sz="2400" b="1" dirty="0">
+                <a:solidFill>
+                  <a:schemeClr val="bg1"/>
+                </a:solidFill>
+              </a:rPr>
+              <a:t>7/10</a:t>
+            </a:r>
+          </a:p>
+        </p:txBody>
+      </p:sp>
+    </p:spTree>
+    <p:extLst>
+      <p:ext uri="{BB962C8B-B14F-4D97-AF65-F5344CB8AC3E}">
+        <p14:creationId xmlns:p14="http://schemas.microsoft.com/office/powerpoint/2010/main" val="4239955075"/>
+      </p:ext>
+    </p:extLst>
+  </p:cSld>
+  <p:clrMapOvr>
+    <a:masterClrMapping/>
+  </p:clrMapOvr>
+</p:sld>
+</file>
+
+<file path=ppt/slides/slide42.xml><?xml version="1.0" encoding="utf-8"?>
+<p:sld xmlns:a="http://schemas.openxmlformats.org/drawingml/2006/main" xmlns:r="http://schemas.openxmlformats.org/officeDocument/2006/relationships" xmlns:p="http://schemas.openxmlformats.org/presentationml/2006/main">
+  <p:cSld>
+    <p:spTree>
+      <p:nvGrpSpPr>
+        <p:cNvPr id="1" name="">
+          <a:extLst>
+            <a:ext uri="{FF2B5EF4-FFF2-40B4-BE49-F238E27FC236}">
+              <a16:creationId xmlns:a16="http://schemas.microsoft.com/office/drawing/2014/main" id="{F2525310-4871-8B33-B54C-57D1E051BDAF}"/>
+            </a:ext>
+          </a:extLst>
+        </p:cNvPr>
+        <p:cNvGrpSpPr/>
+        <p:nvPr/>
+      </p:nvGrpSpPr>
+      <p:grpSpPr>
+        <a:xfrm>
+          <a:off x="0" y="0"/>
+          <a:ext cx="0" cy="0"/>
+          <a:chOff x="0" y="0"/>
+          <a:chExt cx="0" cy="0"/>
+        </a:xfrm>
+      </p:grpSpPr>
+      <p:sp>
+        <p:nvSpPr>
+          <p:cNvPr id="3" name="Subtitle 2">
+            <a:extLst>
+              <a:ext uri="{FF2B5EF4-FFF2-40B4-BE49-F238E27FC236}">
+                <a16:creationId xmlns:a16="http://schemas.microsoft.com/office/drawing/2014/main" id="{B10CE98F-FFCF-F56F-CD9C-D17D0EA9D9B4}"/>
+              </a:ext>
+            </a:extLst>
+          </p:cNvPr>
+          <p:cNvSpPr>
+            <a:spLocks noGrp="1"/>
+          </p:cNvSpPr>
+          <p:nvPr>
+            <p:ph type="subTitle" idx="1"/>
+          </p:nvPr>
+        </p:nvSpPr>
+        <p:spPr>
+          <a:xfrm>
+            <a:off x="203118" y="692696"/>
+            <a:ext cx="8640960" cy="6480720"/>
+          </a:xfrm>
+        </p:spPr>
+        <p:txBody>
+          <a:bodyPr>
+            <a:noAutofit/>
+          </a:bodyPr>
+          <a:lstStyle/>
+          <a:p>
+            <a:r>
+              <a:rPr lang="en-GB" sz="3600" dirty="0">
+                <a:solidFill>
+                  <a:schemeClr val="bg1"/>
+                </a:solidFill>
+              </a:rPr>
+              <a:t>Come on and praise the Lord with me</a:t>
+            </a:r>
+          </a:p>
+          <a:p>
+            <a:r>
+              <a:rPr lang="en-GB" sz="3600" dirty="0">
+                <a:solidFill>
+                  <a:schemeClr val="bg1"/>
+                </a:solidFill>
+              </a:rPr>
+              <a:t>Sing if you love His name</a:t>
+            </a:r>
+          </a:p>
+          <a:p>
+            <a:r>
+              <a:rPr lang="en-GB" sz="3600" dirty="0">
+                <a:solidFill>
+                  <a:schemeClr val="bg1"/>
+                </a:solidFill>
+              </a:rPr>
+              <a:t>Come on and lift your voice with me</a:t>
+            </a:r>
+          </a:p>
+          <a:p>
+            <a:r>
+              <a:rPr lang="en-GB" sz="3600" dirty="0">
+                <a:solidFill>
+                  <a:schemeClr val="bg1"/>
+                </a:solidFill>
+              </a:rPr>
+              <a:t>He’s worthy of all our praise</a:t>
+            </a:r>
+          </a:p>
+        </p:txBody>
+      </p:sp>
+      <p:sp>
+        <p:nvSpPr>
+          <p:cNvPr id="4" name="TextBox 3">
+            <a:extLst>
+              <a:ext uri="{FF2B5EF4-FFF2-40B4-BE49-F238E27FC236}">
+                <a16:creationId xmlns:a16="http://schemas.microsoft.com/office/drawing/2014/main" id="{6D9D99B7-5BD9-8CC8-43FD-03C43BF4A9DE}"/>
+              </a:ext>
+            </a:extLst>
+          </p:cNvPr>
+          <p:cNvSpPr txBox="1"/>
+          <p:nvPr/>
+        </p:nvSpPr>
+        <p:spPr>
+          <a:xfrm>
+            <a:off x="8316416" y="-14818"/>
+            <a:ext cx="784189" cy="461665"/>
+          </a:xfrm>
+          <a:prstGeom prst="rect">
+            <a:avLst/>
+          </a:prstGeom>
+          <a:noFill/>
+        </p:spPr>
+        <p:txBody>
+          <a:bodyPr wrap="none" rtlCol="0">
+            <a:spAutoFit/>
+          </a:bodyPr>
+          <a:lstStyle/>
+          <a:p>
+            <a:r>
+              <a:rPr lang="en-GB" sz="2400" b="1" dirty="0">
+                <a:solidFill>
+                  <a:schemeClr val="bg1"/>
+                </a:solidFill>
+              </a:rPr>
+              <a:t>8/10</a:t>
+            </a:r>
+          </a:p>
+        </p:txBody>
+      </p:sp>
+    </p:spTree>
+    <p:extLst>
+      <p:ext uri="{BB962C8B-B14F-4D97-AF65-F5344CB8AC3E}">
+        <p14:creationId xmlns:p14="http://schemas.microsoft.com/office/powerpoint/2010/main" val="1301738229"/>
+      </p:ext>
+    </p:extLst>
+  </p:cSld>
+  <p:clrMapOvr>
+    <a:masterClrMapping/>
+  </p:clrMapOvr>
+</p:sld>
+</file>
+
+<file path=ppt/slides/slide43.xml><?xml version="1.0" encoding="utf-8"?>
+<p:sld xmlns:a="http://schemas.openxmlformats.org/drawingml/2006/main" xmlns:r="http://schemas.openxmlformats.org/officeDocument/2006/relationships" xmlns:p="http://schemas.openxmlformats.org/presentationml/2006/main">
+  <p:cSld>
+    <p:spTree>
+      <p:nvGrpSpPr>
+        <p:cNvPr id="1" name="">
+          <a:extLst>
+            <a:ext uri="{FF2B5EF4-FFF2-40B4-BE49-F238E27FC236}">
               <a16:creationId xmlns:a16="http://schemas.microsoft.com/office/drawing/2014/main" id="{F16750AD-7CEE-59A1-0EB0-8DE0AD5174E6}"/>
             </a:ext>
           </a:extLst>
@@ -9936,7 +10410,7 @@
         <p:spPr>
           <a:xfrm>
             <a:off x="8316416" y="-14818"/>
-            <a:ext cx="628698" cy="461665"/>
+            <a:ext cx="784189" cy="461665"/>
           </a:xfrm>
           <a:prstGeom prst="rect">
             <a:avLst/>
@@ -9955,7 +10429,7 @@
                   <a:schemeClr val="bg1"/>
                 </a:solidFill>
               </a:rPr>
-              <a:t>5/6</a:t>
+              <a:t>9/10</a:t>
             </a:r>
           </a:p>
         </p:txBody>
@@ -9973,7 +10447,7 @@
 </p:sld>
 </file>
 
-<file path=ppt/slides/slide41.xml><?xml version="1.0" encoding="utf-8"?>
+<file path=ppt/slides/slide44.xml><?xml version="1.0" encoding="utf-8"?>
 <p:sld xmlns:a="http://schemas.openxmlformats.org/drawingml/2006/main" xmlns:r="http://schemas.openxmlformats.org/officeDocument/2006/relationships" xmlns:p="http://schemas.openxmlformats.org/presentationml/2006/main">
   <p:cSld>
     <p:spTree>
@@ -10114,7 +10588,7 @@
         <p:spPr>
           <a:xfrm>
             <a:off x="8172400" y="19472"/>
-            <a:ext cx="628698" cy="461665"/>
+            <a:ext cx="939681" cy="461665"/>
           </a:xfrm>
           <a:prstGeom prst="rect">
             <a:avLst/>
@@ -10133,7 +10607,7 @@
                   <a:schemeClr val="bg1"/>
                 </a:solidFill>
               </a:rPr>
-              <a:t>6/6</a:t>
+              <a:t>10/10</a:t>
             </a:r>
           </a:p>
         </p:txBody>
@@ -10151,7 +10625,7 @@
 </p:sld>
 </file>
 
-<file path=ppt/slides/slide42.xml><?xml version="1.0" encoding="utf-8"?>
+<file path=ppt/slides/slide45.xml><?xml version="1.0" encoding="utf-8"?>
 <p:sld xmlns:a="http://schemas.openxmlformats.org/drawingml/2006/main" xmlns:r="http://schemas.openxmlformats.org/officeDocument/2006/relationships" xmlns:p="http://schemas.openxmlformats.org/presentationml/2006/main">
   <p:cSld>
     <p:spTree>
@@ -10181,526 +10655,6 @@
 </p:sld>
 </file>
 
-<file path=ppt/slides/slide43.xml><?xml version="1.0" encoding="utf-8"?>
-<p:sld xmlns:a="http://schemas.openxmlformats.org/drawingml/2006/main" xmlns:r="http://schemas.openxmlformats.org/officeDocument/2006/relationships" xmlns:p="http://schemas.openxmlformats.org/presentationml/2006/main">
-  <p:cSld>
-    <p:spTree>
-      <p:nvGrpSpPr>
-        <p:cNvPr id="1" name=""/>
-        <p:cNvGrpSpPr/>
-        <p:nvPr/>
-      </p:nvGrpSpPr>
-      <p:grpSpPr>
-        <a:xfrm>
-          <a:off x="0" y="0"/>
-          <a:ext cx="0" cy="0"/>
-          <a:chOff x="0" y="0"/>
-          <a:chExt cx="0" cy="0"/>
-        </a:xfrm>
-      </p:grpSpPr>
-      <p:sp>
-        <p:nvSpPr>
-          <p:cNvPr id="3" name="Subtitle 2"/>
-          <p:cNvSpPr>
-            <a:spLocks noGrp="1"/>
-          </p:cNvSpPr>
-          <p:nvPr>
-            <p:ph type="subTitle" idx="1"/>
-          </p:nvPr>
-        </p:nvSpPr>
-        <p:spPr>
-          <a:xfrm>
-            <a:off x="323528" y="188640"/>
-            <a:ext cx="8640960" cy="6480720"/>
-          </a:xfrm>
-        </p:spPr>
-        <p:txBody>
-          <a:bodyPr>
-            <a:noAutofit/>
-          </a:bodyPr>
-          <a:lstStyle/>
-          <a:p>
-            <a:endParaRPr lang="en-GB" sz="5400" dirty="0">
-              <a:solidFill>
-                <a:schemeClr val="bg1"/>
-              </a:solidFill>
-            </a:endParaRPr>
-          </a:p>
-          <a:p>
-            <a:r>
-              <a:rPr lang="en-GB" sz="4400" b="0" i="0" dirty="0">
-                <a:solidFill>
-                  <a:srgbClr val="00A3E0"/>
-                </a:solidFill>
-                <a:effectLst/>
-                <a:latin typeface="akagi_probook"/>
-              </a:rPr>
-              <a:t>Praise</a:t>
-            </a:r>
-          </a:p>
-          <a:p>
-            <a:br>
-              <a:rPr lang="en-GB" sz="1200" dirty="0">
-                <a:solidFill>
-                  <a:schemeClr val="bg1"/>
-                </a:solidFill>
-              </a:rPr>
-            </a:br>
-            <a:r>
-              <a:rPr lang="en-GB" sz="1200" dirty="0">
-                <a:solidFill>
-                  <a:schemeClr val="bg1"/>
-                </a:solidFill>
-              </a:rPr>
-              <a:t>CCLI Song # 7213077</a:t>
-            </a:r>
-          </a:p>
-          <a:p>
-            <a:endParaRPr lang="en-GB" sz="1200" dirty="0">
-              <a:solidFill>
-                <a:schemeClr val="bg1"/>
-              </a:solidFill>
-            </a:endParaRPr>
-          </a:p>
-          <a:p>
-            <a:r>
-              <a:rPr lang="en-GB" sz="1200" dirty="0">
-                <a:solidFill>
-                  <a:schemeClr val="bg1"/>
-                </a:solidFill>
-              </a:rPr>
-              <a:t>© Brandon Lake </a:t>
-            </a:r>
-            <a:r>
-              <a:rPr lang="en-GB" sz="1200" dirty="0" err="1">
-                <a:solidFill>
-                  <a:schemeClr val="bg1"/>
-                </a:solidFill>
-              </a:rPr>
-              <a:t>MusicFor</a:t>
-            </a:r>
-            <a:r>
-              <a:rPr lang="en-GB" sz="1200" dirty="0">
-                <a:solidFill>
-                  <a:schemeClr val="bg1"/>
-                </a:solidFill>
-              </a:rPr>
-              <a:t> Humans </a:t>
-            </a:r>
-            <a:r>
-              <a:rPr lang="en-GB" sz="1200" dirty="0" err="1">
-                <a:solidFill>
-                  <a:schemeClr val="bg1"/>
-                </a:solidFill>
-              </a:rPr>
-              <a:t>PublishingMaverick</a:t>
-            </a:r>
-            <a:r>
-              <a:rPr lang="en-GB" sz="1200" dirty="0">
-                <a:solidFill>
-                  <a:schemeClr val="bg1"/>
-                </a:solidFill>
-              </a:rPr>
-              <a:t> City </a:t>
-            </a:r>
-            <a:r>
-              <a:rPr lang="en-GB" sz="1200" dirty="0" err="1">
-                <a:solidFill>
-                  <a:schemeClr val="bg1"/>
-                </a:solidFill>
-              </a:rPr>
-              <a:t>PublishingCapitol</a:t>
-            </a:r>
-            <a:r>
-              <a:rPr lang="en-GB" sz="1200" dirty="0">
-                <a:solidFill>
-                  <a:schemeClr val="bg1"/>
-                </a:solidFill>
-              </a:rPr>
-              <a:t> CMG </a:t>
-            </a:r>
-            <a:r>
-              <a:rPr lang="en-GB" sz="1200" dirty="0" err="1">
-                <a:solidFill>
-                  <a:schemeClr val="bg1"/>
-                </a:solidFill>
-              </a:rPr>
-              <a:t>GenesisCapitol</a:t>
-            </a:r>
-            <a:r>
-              <a:rPr lang="en-GB" sz="1200" dirty="0">
-                <a:solidFill>
-                  <a:schemeClr val="bg1"/>
-                </a:solidFill>
-              </a:rPr>
-              <a:t> CMG </a:t>
-            </a:r>
-            <a:r>
-              <a:rPr lang="en-GB" sz="1200" dirty="0" err="1">
-                <a:solidFill>
-                  <a:schemeClr val="bg1"/>
-                </a:solidFill>
-              </a:rPr>
-              <a:t>ParagonHousefires</a:t>
-            </a:r>
-            <a:r>
-              <a:rPr lang="en-GB" sz="1200" dirty="0">
-                <a:solidFill>
-                  <a:schemeClr val="bg1"/>
-                </a:solidFill>
-              </a:rPr>
-              <a:t> </a:t>
-            </a:r>
-            <a:r>
-              <a:rPr lang="en-GB" sz="1200" dirty="0" err="1">
-                <a:solidFill>
-                  <a:schemeClr val="bg1"/>
-                </a:solidFill>
-              </a:rPr>
-              <a:t>SoundsWriter's</a:t>
-            </a:r>
-            <a:r>
-              <a:rPr lang="en-GB" sz="1200" dirty="0">
-                <a:solidFill>
-                  <a:schemeClr val="bg1"/>
-                </a:solidFill>
-              </a:rPr>
-              <a:t> Roof </a:t>
-            </a:r>
-            <a:r>
-              <a:rPr lang="en-GB" sz="1200" dirty="0" err="1">
-                <a:solidFill>
-                  <a:schemeClr val="bg1"/>
-                </a:solidFill>
-              </a:rPr>
-              <a:t>PublishingMusic</a:t>
-            </a:r>
-            <a:r>
-              <a:rPr lang="en-GB" sz="1200" dirty="0">
-                <a:solidFill>
-                  <a:schemeClr val="bg1"/>
-                </a:solidFill>
-              </a:rPr>
-              <a:t> by Elevation Worship Publishing</a:t>
-            </a:r>
-          </a:p>
-          <a:p>
-            <a:r>
-              <a:rPr lang="en-GB" sz="1200" dirty="0">
-                <a:solidFill>
-                  <a:schemeClr val="bg1"/>
-                </a:solidFill>
-              </a:rPr>
-              <a:t>For use solely with the </a:t>
-            </a:r>
-            <a:r>
-              <a:rPr lang="en-GB" sz="1200" dirty="0" err="1">
-                <a:solidFill>
-                  <a:schemeClr val="bg1"/>
-                </a:solidFill>
-              </a:rPr>
-              <a:t>SongSelect</a:t>
-            </a:r>
-            <a:r>
-              <a:rPr lang="en-GB" sz="1200" dirty="0">
-                <a:solidFill>
-                  <a:schemeClr val="bg1"/>
-                </a:solidFill>
-              </a:rPr>
-              <a:t>® Terms of Use. All rights reserved. www.ccli.com</a:t>
-            </a:r>
-          </a:p>
-          <a:p>
-            <a:endParaRPr lang="en-GB" sz="1200" dirty="0">
-              <a:solidFill>
-                <a:schemeClr val="bg1"/>
-              </a:solidFill>
-            </a:endParaRPr>
-          </a:p>
-          <a:p>
-            <a:r>
-              <a:rPr lang="en-GB" sz="1200" dirty="0">
-                <a:solidFill>
-                  <a:schemeClr val="bg1"/>
-                </a:solidFill>
-              </a:rPr>
-              <a:t>Note: Reproduction of this sheet music requires a CCLI Music Reproduction Licence. Please report all copies.</a:t>
-            </a:r>
-          </a:p>
-          <a:p>
-            <a:endParaRPr lang="en-GB" sz="1200" dirty="0">
-              <a:solidFill>
-                <a:schemeClr val="bg1"/>
-              </a:solidFill>
-            </a:endParaRPr>
-          </a:p>
-          <a:p>
-            <a:r>
-              <a:rPr lang="en-GB" sz="1200" dirty="0">
-                <a:solidFill>
-                  <a:schemeClr val="bg1"/>
-                </a:solidFill>
-              </a:rPr>
-              <a:t>CCLI Licence No. 33265</a:t>
-            </a:r>
-          </a:p>
-        </p:txBody>
-      </p:sp>
-    </p:spTree>
-    <p:extLst>
-      <p:ext uri="{BB962C8B-B14F-4D97-AF65-F5344CB8AC3E}">
-        <p14:creationId xmlns:p14="http://schemas.microsoft.com/office/powerpoint/2010/main" val="537226675"/>
-      </p:ext>
-    </p:extLst>
-  </p:cSld>
-  <p:clrMapOvr>
-    <a:masterClrMapping/>
-  </p:clrMapOvr>
-</p:sld>
-</file>
-
-<file path=ppt/slides/slide44.xml><?xml version="1.0" encoding="utf-8"?>
-<p:sld xmlns:a="http://schemas.openxmlformats.org/drawingml/2006/main" xmlns:r="http://schemas.openxmlformats.org/officeDocument/2006/relationships" xmlns:p="http://schemas.openxmlformats.org/presentationml/2006/main">
-  <p:cSld>
-    <p:spTree>
-      <p:nvGrpSpPr>
-        <p:cNvPr id="1" name=""/>
-        <p:cNvGrpSpPr/>
-        <p:nvPr/>
-      </p:nvGrpSpPr>
-      <p:grpSpPr>
-        <a:xfrm>
-          <a:off x="0" y="0"/>
-          <a:ext cx="0" cy="0"/>
-          <a:chOff x="0" y="0"/>
-          <a:chExt cx="0" cy="0"/>
-        </a:xfrm>
-      </p:grpSpPr>
-      <p:sp>
-        <p:nvSpPr>
-          <p:cNvPr id="3" name="Subtitle 2"/>
-          <p:cNvSpPr>
-            <a:spLocks noGrp="1"/>
-          </p:cNvSpPr>
-          <p:nvPr>
-            <p:ph type="subTitle" idx="1"/>
-          </p:nvPr>
-        </p:nvSpPr>
-        <p:spPr>
-          <a:xfrm>
-            <a:off x="251520" y="764704"/>
-            <a:ext cx="8640960" cy="6480720"/>
-          </a:xfrm>
-        </p:spPr>
-        <p:txBody>
-          <a:bodyPr>
-            <a:noAutofit/>
-          </a:bodyPr>
-          <a:lstStyle/>
-          <a:p>
-            <a:r>
-              <a:rPr lang="en-GB" sz="3600" dirty="0">
-                <a:solidFill>
-                  <a:schemeClr val="bg1"/>
-                </a:solidFill>
-              </a:rPr>
-              <a:t>Let everything that has breath</a:t>
-            </a:r>
-          </a:p>
-          <a:p>
-            <a:r>
-              <a:rPr lang="en-GB" sz="3600" dirty="0">
-                <a:solidFill>
-                  <a:schemeClr val="bg1"/>
-                </a:solidFill>
-              </a:rPr>
-              <a:t>Praise the Lord</a:t>
-            </a:r>
-          </a:p>
-          <a:p>
-            <a:r>
-              <a:rPr lang="en-GB" sz="3600" dirty="0">
-                <a:solidFill>
-                  <a:schemeClr val="bg1"/>
-                </a:solidFill>
-              </a:rPr>
-              <a:t>Praise the Lord</a:t>
-            </a:r>
-          </a:p>
-        </p:txBody>
-      </p:sp>
-      <p:sp>
-        <p:nvSpPr>
-          <p:cNvPr id="4" name="TextBox 3"/>
-          <p:cNvSpPr txBox="1"/>
-          <p:nvPr/>
-        </p:nvSpPr>
-        <p:spPr>
-          <a:xfrm>
-            <a:off x="8316416" y="0"/>
-            <a:ext cx="784189" cy="461665"/>
-          </a:xfrm>
-          <a:prstGeom prst="rect">
-            <a:avLst/>
-          </a:prstGeom>
-          <a:noFill/>
-        </p:spPr>
-        <p:txBody>
-          <a:bodyPr wrap="none" rtlCol="0">
-            <a:spAutoFit/>
-          </a:bodyPr>
-          <a:lstStyle/>
-          <a:p>
-            <a:r>
-              <a:rPr lang="en-GB" sz="2400" b="1" dirty="0">
-                <a:solidFill>
-                  <a:schemeClr val="bg1"/>
-                </a:solidFill>
-              </a:rPr>
-              <a:t>1/12</a:t>
-            </a:r>
-          </a:p>
-        </p:txBody>
-      </p:sp>
-    </p:spTree>
-    <p:extLst>
-      <p:ext uri="{BB962C8B-B14F-4D97-AF65-F5344CB8AC3E}">
-        <p14:creationId xmlns:p14="http://schemas.microsoft.com/office/powerpoint/2010/main" val="3756528879"/>
-      </p:ext>
-    </p:extLst>
-  </p:cSld>
-  <p:clrMapOvr>
-    <a:masterClrMapping/>
-  </p:clrMapOvr>
-</p:sld>
-</file>
-
-<file path=ppt/slides/slide45.xml><?xml version="1.0" encoding="utf-8"?>
-<p:sld xmlns:a="http://schemas.openxmlformats.org/drawingml/2006/main" xmlns:r="http://schemas.openxmlformats.org/officeDocument/2006/relationships" xmlns:p="http://schemas.openxmlformats.org/presentationml/2006/main">
-  <p:cSld>
-    <p:spTree>
-      <p:nvGrpSpPr>
-        <p:cNvPr id="1" name=""/>
-        <p:cNvGrpSpPr/>
-        <p:nvPr/>
-      </p:nvGrpSpPr>
-      <p:grpSpPr>
-        <a:xfrm>
-          <a:off x="0" y="0"/>
-          <a:ext cx="0" cy="0"/>
-          <a:chOff x="0" y="0"/>
-          <a:chExt cx="0" cy="0"/>
-        </a:xfrm>
-      </p:grpSpPr>
-      <p:sp>
-        <p:nvSpPr>
-          <p:cNvPr id="3" name="Subtitle 2"/>
-          <p:cNvSpPr>
-            <a:spLocks noGrp="1"/>
-          </p:cNvSpPr>
-          <p:nvPr>
-            <p:ph type="subTitle" idx="1"/>
-          </p:nvPr>
-        </p:nvSpPr>
-        <p:spPr>
-          <a:xfrm>
-            <a:off x="251520" y="764704"/>
-            <a:ext cx="8640960" cy="6480720"/>
-          </a:xfrm>
-        </p:spPr>
-        <p:txBody>
-          <a:bodyPr>
-            <a:noAutofit/>
-          </a:bodyPr>
-          <a:lstStyle/>
-          <a:p>
-            <a:r>
-              <a:rPr lang="en-GB" sz="3600" dirty="0">
-                <a:solidFill>
-                  <a:schemeClr val="bg1"/>
-                </a:solidFill>
-              </a:rPr>
-              <a:t>I’ll praise in the valley</a:t>
-            </a:r>
-          </a:p>
-          <a:p>
-            <a:r>
-              <a:rPr lang="en-GB" sz="3600" dirty="0">
-                <a:solidFill>
-                  <a:schemeClr val="bg1"/>
-                </a:solidFill>
-              </a:rPr>
-              <a:t>Praise on the mountain</a:t>
-            </a:r>
-          </a:p>
-          <a:p>
-            <a:r>
-              <a:rPr lang="en-GB" sz="3600" dirty="0">
-                <a:solidFill>
-                  <a:schemeClr val="bg1"/>
-                </a:solidFill>
-              </a:rPr>
-              <a:t>I’ll praise when I’m sure</a:t>
-            </a:r>
-          </a:p>
-          <a:p>
-            <a:r>
-              <a:rPr lang="en-GB" sz="3600" dirty="0">
-                <a:solidFill>
-                  <a:schemeClr val="bg1"/>
-                </a:solidFill>
-              </a:rPr>
-              <a:t>Praise when I’m doubting</a:t>
-            </a:r>
-          </a:p>
-        </p:txBody>
-      </p:sp>
-      <p:sp>
-        <p:nvSpPr>
-          <p:cNvPr id="4" name="TextBox 3"/>
-          <p:cNvSpPr txBox="1"/>
-          <p:nvPr/>
-        </p:nvSpPr>
-        <p:spPr>
-          <a:xfrm>
-            <a:off x="8316416" y="0"/>
-            <a:ext cx="784189" cy="461665"/>
-          </a:xfrm>
-          <a:prstGeom prst="rect">
-            <a:avLst/>
-          </a:prstGeom>
-          <a:noFill/>
-        </p:spPr>
-        <p:txBody>
-          <a:bodyPr wrap="none" rtlCol="0">
-            <a:spAutoFit/>
-          </a:bodyPr>
-          <a:lstStyle/>
-          <a:p>
-            <a:r>
-              <a:rPr lang="en-GB" sz="2400" b="1" dirty="0">
-                <a:solidFill>
-                  <a:schemeClr val="bg1"/>
-                </a:solidFill>
-              </a:rPr>
-              <a:t>2/12</a:t>
-            </a:r>
-          </a:p>
-        </p:txBody>
-      </p:sp>
-    </p:spTree>
-    <p:extLst>
-      <p:ext uri="{BB962C8B-B14F-4D97-AF65-F5344CB8AC3E}">
-        <p14:creationId xmlns:p14="http://schemas.microsoft.com/office/powerpoint/2010/main" val="2400361792"/>
-      </p:ext>
-    </p:extLst>
-  </p:cSld>
-  <p:clrMapOvr>
-    <a:masterClrMapping/>
-  </p:clrMapOvr>
-</p:sld>
-</file>
-
 <file path=ppt/slides/slide46.xml><?xml version="1.0" encoding="utf-8"?>
 <p:sld xmlns:a="http://schemas.openxmlformats.org/drawingml/2006/main" xmlns:r="http://schemas.openxmlformats.org/officeDocument/2006/relationships" xmlns:p="http://schemas.openxmlformats.org/presentationml/2006/main">
   <p:cSld>
@@ -10730,7 +10684,7 @@
         </p:nvSpPr>
         <p:spPr>
           <a:xfrm>
-            <a:off x="251520" y="764704"/>
+            <a:off x="323528" y="188640"/>
             <a:ext cx="8640960" cy="6480720"/>
           </a:xfrm>
         </p:spPr>
@@ -10740,84 +10694,228 @@
           </a:bodyPr>
           <a:lstStyle/>
           <a:p>
-            <a:r>
-              <a:rPr lang="en-GB" sz="3600" dirty="0">
-                <a:solidFill>
-                  <a:schemeClr val="bg1"/>
-                </a:solidFill>
-              </a:rPr>
-              <a:t>I’ll praise when outnumbered</a:t>
-            </a:r>
-          </a:p>
-          <a:p>
-            <a:r>
-              <a:rPr lang="en-GB" sz="3600" dirty="0">
-                <a:solidFill>
-                  <a:schemeClr val="bg1"/>
-                </a:solidFill>
-              </a:rPr>
-              <a:t>Praise when surrounded</a:t>
-            </a:r>
-          </a:p>
-          <a:p>
-            <a:r>
-              <a:rPr lang="en-GB" sz="3600" dirty="0" err="1">
-                <a:solidFill>
-                  <a:schemeClr val="bg1"/>
-                </a:solidFill>
-              </a:rPr>
-              <a:t>'Cause</a:t>
-            </a:r>
-            <a:r>
-              <a:rPr lang="en-GB" sz="3600" dirty="0">
-                <a:solidFill>
-                  <a:schemeClr val="bg1"/>
-                </a:solidFill>
-              </a:rPr>
-              <a:t> praise is the water</a:t>
-            </a:r>
-          </a:p>
-          <a:p>
-            <a:r>
-              <a:rPr lang="en-GB" sz="3600" dirty="0">
-                <a:solidFill>
-                  <a:schemeClr val="bg1"/>
-                </a:solidFill>
-              </a:rPr>
-              <a:t>My enemies drown in</a:t>
-            </a:r>
-          </a:p>
-        </p:txBody>
-      </p:sp>
-      <p:sp>
-        <p:nvSpPr>
-          <p:cNvPr id="4" name="TextBox 3"/>
-          <p:cNvSpPr txBox="1"/>
-          <p:nvPr/>
-        </p:nvSpPr>
-        <p:spPr>
-          <a:xfrm>
-            <a:off x="8316416" y="0"/>
-            <a:ext cx="784189" cy="461665"/>
-          </a:xfrm>
-          <a:prstGeom prst="rect">
-            <a:avLst/>
-          </a:prstGeom>
-          <a:noFill/>
-        </p:spPr>
-        <p:txBody>
-          <a:bodyPr wrap="none" rtlCol="0">
-            <a:spAutoFit/>
-          </a:bodyPr>
-          <a:lstStyle/>
-          <a:p>
-            <a:r>
-              <a:rPr lang="en-GB" sz="2400" b="1" dirty="0">
-                <a:solidFill>
-                  <a:schemeClr val="bg1"/>
-                </a:solidFill>
-              </a:rPr>
-              <a:t>3/12</a:t>
+            <a:endParaRPr lang="en-GB" sz="5400" dirty="0">
+              <a:solidFill>
+                <a:schemeClr val="bg1"/>
+              </a:solidFill>
+            </a:endParaRPr>
+          </a:p>
+          <a:p>
+            <a:r>
+              <a:rPr lang="en-GB" sz="4400" b="0" i="0" dirty="0">
+                <a:solidFill>
+                  <a:srgbClr val="00A3E0"/>
+                </a:solidFill>
+                <a:effectLst/>
+                <a:latin typeface="akagi_probook"/>
+              </a:rPr>
+              <a:t>Praise</a:t>
+            </a:r>
+          </a:p>
+          <a:p>
+            <a:br>
+              <a:rPr lang="en-GB" sz="1200" dirty="0">
+                <a:solidFill>
+                  <a:schemeClr val="bg1"/>
+                </a:solidFill>
+              </a:rPr>
+            </a:br>
+            <a:r>
+              <a:rPr lang="en-GB" sz="1200" dirty="0">
+                <a:solidFill>
+                  <a:schemeClr val="bg1"/>
+                </a:solidFill>
+              </a:rPr>
+              <a:t>CCLI Song # 7213077</a:t>
+            </a:r>
+          </a:p>
+          <a:p>
+            <a:endParaRPr lang="en-GB" sz="1200" dirty="0">
+              <a:solidFill>
+                <a:schemeClr val="bg1"/>
+              </a:solidFill>
+            </a:endParaRPr>
+          </a:p>
+          <a:p>
+            <a:r>
+              <a:rPr lang="en-GB" sz="1200" dirty="0">
+                <a:solidFill>
+                  <a:schemeClr val="bg1"/>
+                </a:solidFill>
+              </a:rPr>
+              <a:t>© Brandon Lake </a:t>
+            </a:r>
+            <a:r>
+              <a:rPr lang="en-GB" sz="1200" dirty="0" err="1">
+                <a:solidFill>
+                  <a:schemeClr val="bg1"/>
+                </a:solidFill>
+              </a:rPr>
+              <a:t>MusicFor</a:t>
+            </a:r>
+            <a:r>
+              <a:rPr lang="en-GB" sz="1200" dirty="0">
+                <a:solidFill>
+                  <a:schemeClr val="bg1"/>
+                </a:solidFill>
+              </a:rPr>
+              <a:t> Humans </a:t>
+            </a:r>
+            <a:r>
+              <a:rPr lang="en-GB" sz="1200" dirty="0" err="1">
+                <a:solidFill>
+                  <a:schemeClr val="bg1"/>
+                </a:solidFill>
+              </a:rPr>
+              <a:t>PublishingMaverick</a:t>
+            </a:r>
+            <a:r>
+              <a:rPr lang="en-GB" sz="1200" dirty="0">
+                <a:solidFill>
+                  <a:schemeClr val="bg1"/>
+                </a:solidFill>
+              </a:rPr>
+              <a:t> City </a:t>
+            </a:r>
+            <a:r>
+              <a:rPr lang="en-GB" sz="1200" dirty="0" err="1">
+                <a:solidFill>
+                  <a:schemeClr val="bg1"/>
+                </a:solidFill>
+              </a:rPr>
+              <a:t>PublishingCapitol</a:t>
+            </a:r>
+            <a:r>
+              <a:rPr lang="en-GB" sz="1200" dirty="0">
+                <a:solidFill>
+                  <a:schemeClr val="bg1"/>
+                </a:solidFill>
+              </a:rPr>
+              <a:t> CMG </a:t>
+            </a:r>
+            <a:r>
+              <a:rPr lang="en-GB" sz="1200" dirty="0" err="1">
+                <a:solidFill>
+                  <a:schemeClr val="bg1"/>
+                </a:solidFill>
+              </a:rPr>
+              <a:t>GenesisCapitol</a:t>
+            </a:r>
+            <a:r>
+              <a:rPr lang="en-GB" sz="1200" dirty="0">
+                <a:solidFill>
+                  <a:schemeClr val="bg1"/>
+                </a:solidFill>
+              </a:rPr>
+              <a:t> CMG </a:t>
+            </a:r>
+            <a:r>
+              <a:rPr lang="en-GB" sz="1200" dirty="0" err="1">
+                <a:solidFill>
+                  <a:schemeClr val="bg1"/>
+                </a:solidFill>
+              </a:rPr>
+              <a:t>ParagonHousefires</a:t>
+            </a:r>
+            <a:r>
+              <a:rPr lang="en-GB" sz="1200" dirty="0">
+                <a:solidFill>
+                  <a:schemeClr val="bg1"/>
+                </a:solidFill>
+              </a:rPr>
+              <a:t> </a:t>
+            </a:r>
+            <a:r>
+              <a:rPr lang="en-GB" sz="1200" dirty="0" err="1">
+                <a:solidFill>
+                  <a:schemeClr val="bg1"/>
+                </a:solidFill>
+              </a:rPr>
+              <a:t>SoundsWriter's</a:t>
+            </a:r>
+            <a:r>
+              <a:rPr lang="en-GB" sz="1200" dirty="0">
+                <a:solidFill>
+                  <a:schemeClr val="bg1"/>
+                </a:solidFill>
+              </a:rPr>
+              <a:t> Roof </a:t>
+            </a:r>
+            <a:r>
+              <a:rPr lang="en-GB" sz="1200" dirty="0" err="1">
+                <a:solidFill>
+                  <a:schemeClr val="bg1"/>
+                </a:solidFill>
+              </a:rPr>
+              <a:t>PublishingMusic</a:t>
+            </a:r>
+            <a:r>
+              <a:rPr lang="en-GB" sz="1200" dirty="0">
+                <a:solidFill>
+                  <a:schemeClr val="bg1"/>
+                </a:solidFill>
+              </a:rPr>
+              <a:t> by Elevation Worship Publishing</a:t>
+            </a:r>
+          </a:p>
+          <a:p>
+            <a:r>
+              <a:rPr lang="en-GB" sz="1200" dirty="0">
+                <a:solidFill>
+                  <a:schemeClr val="bg1"/>
+                </a:solidFill>
+              </a:rPr>
+              <a:t>For use solely with the </a:t>
+            </a:r>
+            <a:r>
+              <a:rPr lang="en-GB" sz="1200" dirty="0" err="1">
+                <a:solidFill>
+                  <a:schemeClr val="bg1"/>
+                </a:solidFill>
+              </a:rPr>
+              <a:t>SongSelect</a:t>
+            </a:r>
+            <a:r>
+              <a:rPr lang="en-GB" sz="1200" dirty="0">
+                <a:solidFill>
+                  <a:schemeClr val="bg1"/>
+                </a:solidFill>
+              </a:rPr>
+              <a:t>® Terms of Use. All rights reserved. www.ccli.com</a:t>
+            </a:r>
+          </a:p>
+          <a:p>
+            <a:endParaRPr lang="en-GB" sz="1200" dirty="0">
+              <a:solidFill>
+                <a:schemeClr val="bg1"/>
+              </a:solidFill>
+            </a:endParaRPr>
+          </a:p>
+          <a:p>
+            <a:r>
+              <a:rPr lang="en-GB" sz="1200" dirty="0">
+                <a:solidFill>
+                  <a:schemeClr val="bg1"/>
+                </a:solidFill>
+              </a:rPr>
+              <a:t>Note: Reproduction of this sheet music requires a CCLI Music Reproduction Licence. Please report all copies.</a:t>
+            </a:r>
+          </a:p>
+          <a:p>
+            <a:endParaRPr lang="en-GB" sz="1200" dirty="0">
+              <a:solidFill>
+                <a:schemeClr val="bg1"/>
+              </a:solidFill>
+            </a:endParaRPr>
+          </a:p>
+          <a:p>
+            <a:r>
+              <a:rPr lang="en-GB" sz="1200" dirty="0">
+                <a:solidFill>
+                  <a:schemeClr val="bg1"/>
+                </a:solidFill>
+              </a:rPr>
+              <a:t>CCLI Licence No. 33265</a:t>
             </a:r>
           </a:p>
         </p:txBody>
@@ -10825,7 +10923,7 @@
     </p:spTree>
     <p:extLst>
       <p:ext uri="{BB962C8B-B14F-4D97-AF65-F5344CB8AC3E}">
-        <p14:creationId xmlns:p14="http://schemas.microsoft.com/office/powerpoint/2010/main" val="2674701609"/>
+        <p14:creationId xmlns:p14="http://schemas.microsoft.com/office/powerpoint/2010/main" val="537226675"/>
       </p:ext>
     </p:extLst>
   </p:cSld>
@@ -10880,57 +10978,28 @@
                   <a:schemeClr val="bg1"/>
                 </a:solidFill>
               </a:rPr>
-              <a:t>As long as I’m breathing</a:t>
-            </a:r>
-          </a:p>
-          <a:p>
-            <a:r>
-              <a:rPr lang="en-GB" sz="3600" dirty="0">
-                <a:solidFill>
-                  <a:schemeClr val="bg1"/>
-                </a:solidFill>
-              </a:rPr>
-              <a:t>I’ve got a reason to</a:t>
-            </a:r>
-            <a:br>
-              <a:rPr lang="en-GB" sz="3600" dirty="0">
-                <a:solidFill>
-                  <a:schemeClr val="bg1"/>
-                </a:solidFill>
-              </a:rPr>
-            </a:br>
-            <a:br>
-              <a:rPr lang="en-GB" sz="3600" dirty="0">
-                <a:solidFill>
-                  <a:schemeClr val="bg1"/>
-                </a:solidFill>
-              </a:rPr>
-            </a:br>
-            <a:r>
-              <a:rPr lang="en-GB" sz="3600" dirty="0">
-                <a:solidFill>
-                  <a:schemeClr val="bg1"/>
-                </a:solidFill>
-              </a:rPr>
-              <a:t>Praise the Lord oh my soul</a:t>
-            </a:r>
-          </a:p>
-          <a:p>
-            <a:r>
-              <a:rPr lang="en-GB" sz="3600" dirty="0">
-                <a:solidFill>
-                  <a:schemeClr val="bg1"/>
-                </a:solidFill>
-              </a:rPr>
-              <a:t>Praise the Lord oh my soul</a:t>
-            </a:r>
-          </a:p>
-          <a:p>
-            <a:endParaRPr lang="en-GB" sz="3600" dirty="0">
-              <a:solidFill>
-                <a:schemeClr val="bg1"/>
-              </a:solidFill>
-            </a:endParaRPr>
+              <a:t>Let everything that has breath</a:t>
+            </a:r>
+          </a:p>
+          <a:p>
+            <a:r>
+              <a:rPr lang="en-GB" sz="3600" dirty="0">
+                <a:solidFill>
+                  <a:schemeClr val="bg1"/>
+                </a:solidFill>
+              </a:rPr>
+              <a:t>Praise the Lord</a:t>
+            </a:r>
+          </a:p>
+          <a:p>
+            <a:r>
+              <a:rPr lang="en-GB" sz="3600" dirty="0">
+                <a:solidFill>
+                  <a:schemeClr val="bg1"/>
+                </a:solidFill>
+              </a:rPr>
+              <a:t>Praise the Lord</a:t>
+            </a:r>
           </a:p>
         </p:txBody>
       </p:sp>
@@ -10962,7 +11031,7 @@
                   <a:schemeClr val="bg1"/>
                 </a:solidFill>
               </a:rPr>
-              <a:t>4/12</a:t>
+              <a:t>1/15</a:t>
             </a:r>
           </a:p>
         </p:txBody>
@@ -10970,7 +11039,7 @@
     </p:spTree>
     <p:extLst>
       <p:ext uri="{BB962C8B-B14F-4D97-AF65-F5344CB8AC3E}">
-        <p14:creationId xmlns:p14="http://schemas.microsoft.com/office/powerpoint/2010/main" val="2636516413"/>
+        <p14:creationId xmlns:p14="http://schemas.microsoft.com/office/powerpoint/2010/main" val="3756528879"/>
       </p:ext>
     </p:extLst>
   </p:cSld>
@@ -11025,53 +11094,37 @@
                   <a:schemeClr val="bg1"/>
                 </a:solidFill>
               </a:rPr>
-              <a:t>I’ll praise when I feel it</a:t>
-            </a:r>
-          </a:p>
-          <a:p>
-            <a:r>
-              <a:rPr lang="en-GB" sz="3600" dirty="0">
-                <a:solidFill>
-                  <a:schemeClr val="bg1"/>
-                </a:solidFill>
-              </a:rPr>
-              <a:t>And I’ll praise when I don’t</a:t>
-            </a:r>
-          </a:p>
-          <a:p>
-            <a:r>
-              <a:rPr lang="en-GB" sz="3600" dirty="0">
-                <a:solidFill>
-                  <a:schemeClr val="bg1"/>
-                </a:solidFill>
-              </a:rPr>
-              <a:t>I’ll praise </a:t>
-            </a:r>
-            <a:r>
-              <a:rPr lang="en-GB" sz="3600" dirty="0" err="1">
-                <a:solidFill>
-                  <a:schemeClr val="bg1"/>
-                </a:solidFill>
-              </a:rPr>
-              <a:t>'cause</a:t>
-            </a:r>
-            <a:r>
-              <a:rPr lang="en-GB" sz="3600" dirty="0">
-                <a:solidFill>
-                  <a:schemeClr val="bg1"/>
-                </a:solidFill>
-              </a:rPr>
-              <a:t> I know</a:t>
-            </a:r>
-          </a:p>
-          <a:p>
-            <a:r>
-              <a:rPr lang="en-GB" sz="3600" dirty="0">
-                <a:solidFill>
-                  <a:schemeClr val="bg1"/>
-                </a:solidFill>
-              </a:rPr>
-              <a:t>You’re still in control</a:t>
+              <a:t>I’ll praise in the valley</a:t>
+            </a:r>
+          </a:p>
+          <a:p>
+            <a:r>
+              <a:rPr lang="en-GB" sz="3600" dirty="0">
+                <a:solidFill>
+                  <a:schemeClr val="bg1"/>
+                </a:solidFill>
+              </a:rPr>
+              <a:t>Praise on the mountain</a:t>
+            </a:r>
+          </a:p>
+          <a:p>
+            <a:r>
+              <a:rPr lang="en-GB" sz="3600" dirty="0">
+                <a:solidFill>
+                  <a:schemeClr val="bg1"/>
+                </a:solidFill>
+              </a:rPr>
+              <a:t>I’ll praise when I’m sure</a:t>
+            </a:r>
+          </a:p>
+          <a:p>
+            <a:r>
+              <a:rPr lang="en-GB" sz="3600" dirty="0">
+                <a:solidFill>
+                  <a:schemeClr val="bg1"/>
+                </a:solidFill>
+              </a:rPr>
+              <a:t>Praise when I’m doubting</a:t>
             </a:r>
           </a:p>
         </p:txBody>
@@ -11104,7 +11157,7 @@
                   <a:schemeClr val="bg1"/>
                 </a:solidFill>
               </a:rPr>
-              <a:t>5/12</a:t>
+              <a:t>2/15</a:t>
             </a:r>
           </a:p>
         </p:txBody>
@@ -11112,7 +11165,7 @@
     </p:spTree>
     <p:extLst>
       <p:ext uri="{BB962C8B-B14F-4D97-AF65-F5344CB8AC3E}">
-        <p14:creationId xmlns:p14="http://schemas.microsoft.com/office/powerpoint/2010/main" val="3127160738"/>
+        <p14:creationId xmlns:p14="http://schemas.microsoft.com/office/powerpoint/2010/main" val="2400361792"/>
       </p:ext>
     </p:extLst>
   </p:cSld>
@@ -11162,6 +11215,26 @@
           <a:lstStyle/>
           <a:p>
             <a:r>
+              <a:rPr lang="en-GB" sz="3600" dirty="0">
+                <a:solidFill>
+                  <a:schemeClr val="bg1"/>
+                </a:solidFill>
+              </a:rPr>
+              <a:t>I’ll praise when outnumbered</a:t>
+            </a:r>
+          </a:p>
+          <a:p>
+            <a:r>
+              <a:rPr lang="en-GB" sz="3600" dirty="0">
+                <a:solidFill>
+                  <a:schemeClr val="bg1"/>
+                </a:solidFill>
+              </a:rPr>
+              <a:t>Praise when surrounded</a:t>
+            </a:r>
+          </a:p>
+          <a:p>
+            <a:r>
               <a:rPr lang="en-GB" sz="3600" dirty="0" err="1">
                 <a:solidFill>
                   <a:schemeClr val="bg1"/>
@@ -11175,37 +11248,17 @@
                   <a:schemeClr val="bg1"/>
                 </a:solidFill>
               </a:rPr>
-              <a:t> my praise is a weapon</a:t>
-            </a:r>
-          </a:p>
-          <a:p>
-            <a:r>
-              <a:rPr lang="en-GB" sz="3600" dirty="0">
-                <a:solidFill>
-                  <a:schemeClr val="bg1"/>
-                </a:solidFill>
-              </a:rPr>
-              <a:t>It’s more than a sound</a:t>
-            </a:r>
-          </a:p>
-          <a:p>
-            <a:r>
-              <a:rPr lang="en-GB" sz="3600" dirty="0">
-                <a:solidFill>
-                  <a:schemeClr val="bg1"/>
-                </a:solidFill>
-              </a:rPr>
-              <a:t>My praise is the shout</a:t>
-            </a:r>
-          </a:p>
-          <a:p>
-            <a:r>
-              <a:rPr lang="en-GB" sz="3600" dirty="0">
-                <a:solidFill>
-                  <a:schemeClr val="bg1"/>
-                </a:solidFill>
-              </a:rPr>
-              <a:t>That brings Jericho down</a:t>
+              <a:t> praise is the water</a:t>
+            </a:r>
+          </a:p>
+          <a:p>
+            <a:r>
+              <a:rPr lang="en-GB" sz="3600" dirty="0">
+                <a:solidFill>
+                  <a:schemeClr val="bg1"/>
+                </a:solidFill>
+              </a:rPr>
+              <a:t>My enemies drown in</a:t>
             </a:r>
           </a:p>
         </p:txBody>
@@ -11238,7 +11291,7 @@
                   <a:schemeClr val="bg1"/>
                 </a:solidFill>
               </a:rPr>
-              <a:t>6/12</a:t>
+              <a:t>3/15</a:t>
             </a:r>
           </a:p>
         </p:txBody>
@@ -11246,7 +11299,7 @@
     </p:spTree>
     <p:extLst>
       <p:ext uri="{BB962C8B-B14F-4D97-AF65-F5344CB8AC3E}">
-        <p14:creationId xmlns:p14="http://schemas.microsoft.com/office/powerpoint/2010/main" val="895037293"/>
+        <p14:creationId xmlns:p14="http://schemas.microsoft.com/office/powerpoint/2010/main" val="2674701609"/>
       </p:ext>
     </p:extLst>
   </p:cSld>
@@ -11527,7 +11580,7 @@
                   <a:schemeClr val="bg1"/>
                 </a:solidFill>
               </a:rPr>
-              <a:t>7/12</a:t>
+              <a:t>4/15</a:t>
             </a:r>
           </a:p>
         </p:txBody>
@@ -11535,7 +11588,7 @@
     </p:spTree>
     <p:extLst>
       <p:ext uri="{BB962C8B-B14F-4D97-AF65-F5344CB8AC3E}">
-        <p14:creationId xmlns:p14="http://schemas.microsoft.com/office/powerpoint/2010/main" val="3400580476"/>
+        <p14:creationId xmlns:p14="http://schemas.microsoft.com/office/powerpoint/2010/main" val="2636516413"/>
       </p:ext>
     </p:extLst>
   </p:cSld>
@@ -11590,37 +11643,53 @@
                   <a:schemeClr val="bg1"/>
                 </a:solidFill>
               </a:rPr>
-              <a:t>I won’t be quiet</a:t>
-            </a:r>
-          </a:p>
-          <a:p>
-            <a:r>
-              <a:rPr lang="en-GB" sz="3600" dirty="0">
-                <a:solidFill>
-                  <a:schemeClr val="bg1"/>
-                </a:solidFill>
-              </a:rPr>
-              <a:t>My God is alive</a:t>
-            </a:r>
-          </a:p>
-          <a:p>
-            <a:r>
-              <a:rPr lang="en-GB" sz="3600" dirty="0">
-                <a:solidFill>
-                  <a:schemeClr val="bg1"/>
-                </a:solidFill>
-              </a:rPr>
-              <a:t>How could I keep it inside</a:t>
-            </a:r>
-          </a:p>
-          <a:p>
-            <a:r>
-              <a:rPr lang="en-GB" sz="3600" dirty="0">
-                <a:solidFill>
-                  <a:schemeClr val="bg1"/>
-                </a:solidFill>
-              </a:rPr>
-              <a:t>Praise the Lord oh my soul</a:t>
+              <a:t>I’ll praise when I feel it</a:t>
+            </a:r>
+          </a:p>
+          <a:p>
+            <a:r>
+              <a:rPr lang="en-GB" sz="3600" dirty="0">
+                <a:solidFill>
+                  <a:schemeClr val="bg1"/>
+                </a:solidFill>
+              </a:rPr>
+              <a:t>And I’ll praise when I don’t</a:t>
+            </a:r>
+          </a:p>
+          <a:p>
+            <a:r>
+              <a:rPr lang="en-GB" sz="3600" dirty="0">
+                <a:solidFill>
+                  <a:schemeClr val="bg1"/>
+                </a:solidFill>
+              </a:rPr>
+              <a:t>I’ll praise </a:t>
+            </a:r>
+            <a:r>
+              <a:rPr lang="en-GB" sz="3600" dirty="0" err="1">
+                <a:solidFill>
+                  <a:schemeClr val="bg1"/>
+                </a:solidFill>
+              </a:rPr>
+              <a:t>'cause</a:t>
+            </a:r>
+            <a:r>
+              <a:rPr lang="en-GB" sz="3600" dirty="0">
+                <a:solidFill>
+                  <a:schemeClr val="bg1"/>
+                </a:solidFill>
+              </a:rPr>
+              <a:t> I know</a:t>
+            </a:r>
+          </a:p>
+          <a:p>
+            <a:r>
+              <a:rPr lang="en-GB" sz="3600" dirty="0">
+                <a:solidFill>
+                  <a:schemeClr val="bg1"/>
+                </a:solidFill>
+              </a:rPr>
+              <a:t>You’re still in control</a:t>
             </a:r>
           </a:p>
         </p:txBody>
@@ -11653,7 +11722,7 @@
                   <a:schemeClr val="bg1"/>
                 </a:solidFill>
               </a:rPr>
-              <a:t>8/12</a:t>
+              <a:t>5/15</a:t>
             </a:r>
           </a:p>
         </p:txBody>
@@ -11661,7 +11730,7 @@
     </p:spTree>
     <p:extLst>
       <p:ext uri="{BB962C8B-B14F-4D97-AF65-F5344CB8AC3E}">
-        <p14:creationId xmlns:p14="http://schemas.microsoft.com/office/powerpoint/2010/main" val="4196909741"/>
+        <p14:creationId xmlns:p14="http://schemas.microsoft.com/office/powerpoint/2010/main" val="3127160738"/>
       </p:ext>
     </p:extLst>
   </p:cSld>
@@ -11711,170 +11780,50 @@
           <a:lstStyle/>
           <a:p>
             <a:r>
-              <a:rPr lang="en-GB" sz="3600" dirty="0">
-                <a:solidFill>
-                  <a:schemeClr val="bg1"/>
-                </a:solidFill>
-              </a:rPr>
-              <a:t>I’ll praise </a:t>
-            </a:r>
-            <a:r>
               <a:rPr lang="en-GB" sz="3600" dirty="0" err="1">
                 <a:solidFill>
                   <a:schemeClr val="bg1"/>
                 </a:solidFill>
               </a:rPr>
-              <a:t>'cause</a:t>
-            </a:r>
-            <a:r>
-              <a:rPr lang="en-GB" sz="3600" dirty="0">
-                <a:solidFill>
-                  <a:schemeClr val="bg1"/>
-                </a:solidFill>
-              </a:rPr>
-              <a:t> You’re sovereign</a:t>
-            </a:r>
-          </a:p>
-          <a:p>
-            <a:r>
-              <a:rPr lang="en-GB" sz="3600" dirty="0">
-                <a:solidFill>
-                  <a:schemeClr val="bg1"/>
-                </a:solidFill>
-              </a:rPr>
-              <a:t>Praise </a:t>
-            </a:r>
-            <a:r>
-              <a:rPr lang="en-GB" sz="3600" dirty="0" err="1">
-                <a:solidFill>
-                  <a:schemeClr val="bg1"/>
-                </a:solidFill>
-              </a:rPr>
-              <a:t>'cause</a:t>
-            </a:r>
-            <a:r>
-              <a:rPr lang="en-GB" sz="3600" dirty="0">
-                <a:solidFill>
-                  <a:schemeClr val="bg1"/>
-                </a:solidFill>
-              </a:rPr>
-              <a:t> You reign</a:t>
-            </a:r>
-          </a:p>
-          <a:p>
-            <a:r>
-              <a:rPr lang="en-GB" sz="3600" dirty="0">
-                <a:solidFill>
-                  <a:schemeClr val="bg1"/>
-                </a:solidFill>
-              </a:rPr>
-              <a:t>Praise </a:t>
-            </a:r>
-            <a:r>
-              <a:rPr lang="en-GB" sz="3600" dirty="0" err="1">
-                <a:solidFill>
-                  <a:schemeClr val="bg1"/>
-                </a:solidFill>
-              </a:rPr>
-              <a:t>'cause</a:t>
-            </a:r>
-            <a:r>
-              <a:rPr lang="en-GB" sz="3600" dirty="0">
-                <a:solidFill>
-                  <a:schemeClr val="bg1"/>
-                </a:solidFill>
-              </a:rPr>
-              <a:t> You rose and defeated the grave</a:t>
-            </a:r>
-            <a:br>
-              <a:rPr lang="en-GB" sz="3600" dirty="0">
-                <a:solidFill>
-                  <a:schemeClr val="bg1"/>
-                </a:solidFill>
-              </a:rPr>
-            </a:br>
-            <a:endParaRPr lang="en-GB" sz="3600" dirty="0">
-              <a:solidFill>
-                <a:schemeClr val="bg1"/>
-              </a:solidFill>
-            </a:endParaRPr>
-          </a:p>
-          <a:p>
-            <a:r>
-              <a:rPr lang="en-GB" sz="3600" dirty="0">
-                <a:solidFill>
-                  <a:schemeClr val="bg1"/>
-                </a:solidFill>
-              </a:rPr>
-              <a:t>I’ll praise </a:t>
-            </a:r>
-            <a:r>
-              <a:rPr lang="en-GB" sz="3600" dirty="0" err="1">
-                <a:solidFill>
-                  <a:schemeClr val="bg1"/>
-                </a:solidFill>
-              </a:rPr>
-              <a:t>'cause</a:t>
-            </a:r>
-            <a:r>
-              <a:rPr lang="en-GB" sz="3600" dirty="0">
-                <a:solidFill>
-                  <a:schemeClr val="bg1"/>
-                </a:solidFill>
-              </a:rPr>
-              <a:t> You’re faithful</a:t>
-            </a:r>
-          </a:p>
-          <a:p>
-            <a:r>
-              <a:rPr lang="en-GB" sz="3600" dirty="0">
-                <a:solidFill>
-                  <a:schemeClr val="bg1"/>
-                </a:solidFill>
-              </a:rPr>
-              <a:t>Praise </a:t>
-            </a:r>
-            <a:r>
-              <a:rPr lang="en-GB" sz="3600" dirty="0" err="1">
-                <a:solidFill>
-                  <a:schemeClr val="bg1"/>
-                </a:solidFill>
-              </a:rPr>
-              <a:t>'cause</a:t>
-            </a:r>
-            <a:r>
-              <a:rPr lang="en-GB" sz="3600" dirty="0">
-                <a:solidFill>
-                  <a:schemeClr val="bg1"/>
-                </a:solidFill>
-              </a:rPr>
-              <a:t> You’re true</a:t>
-            </a:r>
-          </a:p>
-          <a:p>
-            <a:r>
-              <a:rPr lang="en-GB" sz="3600" dirty="0">
-                <a:solidFill>
-                  <a:schemeClr val="bg1"/>
-                </a:solidFill>
-              </a:rPr>
-              <a:t>Praise </a:t>
-            </a:r>
-            <a:r>
-              <a:rPr lang="en-GB" sz="3600" dirty="0" err="1">
-                <a:solidFill>
-                  <a:schemeClr val="bg1"/>
-                </a:solidFill>
-              </a:rPr>
-              <a:t>'cause</a:t>
-            </a:r>
-            <a:r>
-              <a:rPr lang="en-GB" sz="3600" dirty="0">
-                <a:solidFill>
-                  <a:schemeClr val="bg1"/>
-                </a:solidFill>
-              </a:rPr>
-              <a:t> there’s nobody greater than You</a:t>
+              <a:t>'Cause</a:t>
+            </a:r>
+            <a:r>
+              <a:rPr lang="en-GB" sz="3600" dirty="0">
+                <a:solidFill>
+                  <a:schemeClr val="bg1"/>
+                </a:solidFill>
+              </a:rPr>
+              <a:t> my praise is a weapon</a:t>
+            </a:r>
+          </a:p>
+          <a:p>
+            <a:r>
+              <a:rPr lang="en-GB" sz="3600" dirty="0">
+                <a:solidFill>
+                  <a:schemeClr val="bg1"/>
+                </a:solidFill>
+              </a:rPr>
+              <a:t>It’s more than a sound</a:t>
+            </a:r>
+          </a:p>
+          <a:p>
+            <a:r>
+              <a:rPr lang="en-GB" sz="3600" dirty="0">
+                <a:solidFill>
+                  <a:schemeClr val="bg1"/>
+                </a:solidFill>
+              </a:rPr>
+              <a:t>My praise is the shout</a:t>
+            </a:r>
+          </a:p>
+          <a:p>
+            <a:r>
+              <a:rPr lang="en-GB" sz="3600" dirty="0">
+                <a:solidFill>
+                  <a:schemeClr val="bg1"/>
+                </a:solidFill>
+              </a:rPr>
+              <a:t>That brings Jericho down</a:t>
             </a:r>
           </a:p>
         </p:txBody>
@@ -11907,7 +11856,7 @@
                   <a:schemeClr val="bg1"/>
                 </a:solidFill>
               </a:rPr>
-              <a:t>9/12</a:t>
+              <a:t>6/15</a:t>
             </a:r>
           </a:p>
         </p:txBody>
@@ -11915,7 +11864,7 @@
     </p:spTree>
     <p:extLst>
       <p:ext uri="{BB962C8B-B14F-4D97-AF65-F5344CB8AC3E}">
-        <p14:creationId xmlns:p14="http://schemas.microsoft.com/office/powerpoint/2010/main" val="1242579235"/>
+        <p14:creationId xmlns:p14="http://schemas.microsoft.com/office/powerpoint/2010/main" val="895037293"/>
       </p:ext>
     </p:extLst>
   </p:cSld>
@@ -11970,6 +11919,38 @@
                   <a:schemeClr val="bg1"/>
                 </a:solidFill>
               </a:rPr>
+              <a:t>As long as I’m breathing</a:t>
+            </a:r>
+          </a:p>
+          <a:p>
+            <a:r>
+              <a:rPr lang="en-GB" sz="3600" dirty="0">
+                <a:solidFill>
+                  <a:schemeClr val="bg1"/>
+                </a:solidFill>
+              </a:rPr>
+              <a:t>I’ve got a reason to</a:t>
+            </a:r>
+            <a:br>
+              <a:rPr lang="en-GB" sz="3600" dirty="0">
+                <a:solidFill>
+                  <a:schemeClr val="bg1"/>
+                </a:solidFill>
+              </a:rPr>
+            </a:br>
+            <a:br>
+              <a:rPr lang="en-GB" sz="3600" dirty="0">
+                <a:solidFill>
+                  <a:schemeClr val="bg1"/>
+                </a:solidFill>
+              </a:rPr>
+            </a:br>
+            <a:r>
+              <a:rPr lang="en-GB" sz="3600" dirty="0">
+                <a:solidFill>
+                  <a:schemeClr val="bg1"/>
+                </a:solidFill>
+              </a:rPr>
               <a:t>Praise the Lord oh my soul</a:t>
             </a:r>
           </a:p>
@@ -11984,54 +11965,11 @@
             </a:r>
           </a:p>
           <a:p>
-            <a:r>
-              <a:rPr lang="en-GB" sz="3600" dirty="0">
-                <a:solidFill>
-                  <a:schemeClr val="bg1"/>
-                </a:solidFill>
-              </a:rPr>
-              <a:t>Praise the Lord oh my soul</a:t>
-            </a:r>
-          </a:p>
-          <a:p>
-            <a:r>
-              <a:rPr lang="en-GB" sz="3600" dirty="0">
-                <a:solidFill>
-                  <a:schemeClr val="bg1"/>
-                </a:solidFill>
-              </a:rPr>
-              <a:t>Praise the Lord oh my soul</a:t>
-            </a:r>
-          </a:p>
-          <a:p>
-            <a:r>
-              <a:rPr lang="en-GB" sz="3600" dirty="0">
-                <a:solidFill>
-                  <a:schemeClr val="bg1"/>
-                </a:solidFill>
-              </a:rPr>
-              <a:t>I won’t be quiet</a:t>
-            </a:r>
-          </a:p>
-          <a:p>
-            <a:r>
-              <a:rPr lang="en-GB" sz="3600" dirty="0">
-                <a:solidFill>
-                  <a:schemeClr val="bg1"/>
-                </a:solidFill>
-              </a:rPr>
-              <a:t>My God is alive</a:t>
-            </a:r>
-          </a:p>
-          <a:p>
-            <a:r>
-              <a:rPr lang="en-GB" sz="3600" dirty="0">
-                <a:solidFill>
-                  <a:schemeClr val="bg1"/>
-                </a:solidFill>
-              </a:rPr>
-              <a:t>How could I keep it inside</a:t>
-            </a:r>
+            <a:endParaRPr lang="en-GB" sz="3600" dirty="0">
+              <a:solidFill>
+                <a:schemeClr val="bg1"/>
+              </a:solidFill>
+            </a:endParaRPr>
           </a:p>
         </p:txBody>
       </p:sp>
@@ -12043,8 +11981,8 @@
         </p:nvSpPr>
         <p:spPr>
           <a:xfrm>
-            <a:off x="8236995" y="0"/>
-            <a:ext cx="939681" cy="461665"/>
+            <a:off x="8316416" y="0"/>
+            <a:ext cx="784189" cy="461665"/>
           </a:xfrm>
           <a:prstGeom prst="rect">
             <a:avLst/>
@@ -12063,7 +12001,7 @@
                   <a:schemeClr val="bg1"/>
                 </a:solidFill>
               </a:rPr>
-              <a:t>10/12</a:t>
+              <a:t>7/15</a:t>
             </a:r>
           </a:p>
         </p:txBody>
@@ -12071,7 +12009,7 @@
     </p:spTree>
     <p:extLst>
       <p:ext uri="{BB962C8B-B14F-4D97-AF65-F5344CB8AC3E}">
-        <p14:creationId xmlns:p14="http://schemas.microsoft.com/office/powerpoint/2010/main" val="3328611506"/>
+        <p14:creationId xmlns:p14="http://schemas.microsoft.com/office/powerpoint/2010/main" val="3400580476"/>
       </p:ext>
     </p:extLst>
   </p:cSld>
@@ -12156,36 +12094,6 @@
                   <a:schemeClr val="bg1"/>
                 </a:solidFill>
               </a:rPr>
-              <a:t>I won’t be quiet</a:t>
-            </a:r>
-          </a:p>
-          <a:p>
-            <a:r>
-              <a:rPr lang="en-GB" sz="3600" dirty="0">
-                <a:solidFill>
-                  <a:schemeClr val="bg1"/>
-                </a:solidFill>
-              </a:rPr>
-              <a:t>My God is alive</a:t>
-            </a:r>
-          </a:p>
-          <a:p>
-            <a:r>
-              <a:rPr lang="en-GB" sz="3600" dirty="0">
-                <a:solidFill>
-                  <a:schemeClr val="bg1"/>
-                </a:solidFill>
-              </a:rPr>
-              <a:t>How could I keep it inside</a:t>
-            </a:r>
-          </a:p>
-          <a:p>
-            <a:r>
-              <a:rPr lang="en-GB" sz="3600" dirty="0">
-                <a:solidFill>
-                  <a:schemeClr val="bg1"/>
-                </a:solidFill>
-              </a:rPr>
               <a:t>Praise the Lord oh my soul</a:t>
             </a:r>
           </a:p>
@@ -12199,8 +12107,8 @@
         </p:nvSpPr>
         <p:spPr>
           <a:xfrm>
-            <a:off x="8135391" y="0"/>
-            <a:ext cx="1008609" cy="461665"/>
+            <a:off x="8316416" y="0"/>
+            <a:ext cx="784189" cy="461665"/>
           </a:xfrm>
           <a:prstGeom prst="rect">
             <a:avLst/>
@@ -12219,7 +12127,7 @@
                   <a:schemeClr val="bg1"/>
                 </a:solidFill>
               </a:rPr>
-              <a:t>1 1/12</a:t>
+              <a:t>8/15</a:t>
             </a:r>
           </a:p>
         </p:txBody>
@@ -12227,7 +12135,7 @@
     </p:spTree>
     <p:extLst>
       <p:ext uri="{BB962C8B-B14F-4D97-AF65-F5344CB8AC3E}">
-        <p14:creationId xmlns:p14="http://schemas.microsoft.com/office/powerpoint/2010/main" val="1752219728"/>
+        <p14:creationId xmlns:p14="http://schemas.microsoft.com/office/powerpoint/2010/main" val="4196909741"/>
       </p:ext>
     </p:extLst>
   </p:cSld>
@@ -12242,13 +12150,7 @@
   <p:cSld>
     <p:spTree>
       <p:nvGrpSpPr>
-        <p:cNvPr id="1" name="">
-          <a:extLst>
-            <a:ext uri="{FF2B5EF4-FFF2-40B4-BE49-F238E27FC236}">
-              <a16:creationId xmlns:a16="http://schemas.microsoft.com/office/drawing/2014/main" id="{E817E5BD-2125-1602-8408-6B7C49A7F5D3}"/>
-            </a:ext>
-          </a:extLst>
-        </p:cNvPr>
+        <p:cNvPr id="1" name=""/>
         <p:cNvGrpSpPr/>
         <p:nvPr/>
       </p:nvGrpSpPr>
@@ -12262,13 +12164,7 @@
       </p:grpSpPr>
       <p:sp>
         <p:nvSpPr>
-          <p:cNvPr id="3" name="Subtitle 2">
-            <a:extLst>
-              <a:ext uri="{FF2B5EF4-FFF2-40B4-BE49-F238E27FC236}">
-                <a16:creationId xmlns:a16="http://schemas.microsoft.com/office/drawing/2014/main" id="{04E3E246-0DAD-2C25-CFA4-502E18F8B9AF}"/>
-              </a:ext>
-            </a:extLst>
-          </p:cNvPr>
+          <p:cNvPr id="3" name="Subtitle 2"/>
           <p:cNvSpPr>
             <a:spLocks noGrp="1"/>
           </p:cNvSpPr>
@@ -12278,7 +12174,7 @@
         </p:nvSpPr>
         <p:spPr>
           <a:xfrm>
-            <a:off x="203118" y="692696"/>
+            <a:off x="251520" y="764704"/>
             <a:ext cx="8640960" cy="6480720"/>
           </a:xfrm>
         </p:spPr>
@@ -12294,72 +12190,75 @@
                   <a:schemeClr val="bg1"/>
                 </a:solidFill>
               </a:rPr>
-              <a:t>You picked me up You turned me around</a:t>
-            </a:r>
-          </a:p>
-          <a:p>
-            <a:r>
-              <a:rPr lang="en-GB" sz="3600" dirty="0">
-                <a:solidFill>
-                  <a:schemeClr val="bg1"/>
-                </a:solidFill>
-              </a:rPr>
-              <a:t>And placed my feet on solid ground</a:t>
-            </a:r>
-          </a:p>
-          <a:p>
-            <a:r>
-              <a:rPr lang="en-GB" sz="3600" dirty="0">
-                <a:solidFill>
-                  <a:schemeClr val="bg1"/>
-                </a:solidFill>
-              </a:rPr>
-              <a:t>I thank the Master I thank the Savior</a:t>
-            </a:r>
-          </a:p>
-          <a:p>
-            <a:r>
-              <a:rPr lang="en-GB" sz="3600" dirty="0">
-                <a:solidFill>
-                  <a:schemeClr val="bg1"/>
-                </a:solidFill>
-              </a:rPr>
-              <a:t>Because You healed my heart </a:t>
-            </a:r>
-            <a:br>
-              <a:rPr lang="en-GB" sz="3600" dirty="0">
-                <a:solidFill>
-                  <a:schemeClr val="bg1"/>
-                </a:solidFill>
-              </a:rPr>
-            </a:br>
-            <a:r>
-              <a:rPr lang="en-GB" sz="3600" dirty="0">
-                <a:solidFill>
-                  <a:schemeClr val="bg1"/>
-                </a:solidFill>
-              </a:rPr>
-              <a:t>You changed my name</a:t>
-            </a:r>
-          </a:p>
-          <a:p>
-            <a:r>
-              <a:rPr lang="en-GB" sz="3600" dirty="0">
-                <a:solidFill>
-                  <a:schemeClr val="bg1"/>
-                </a:solidFill>
-              </a:rPr>
-              <a:t>Forever free I'm not the same</a:t>
-            </a:r>
-          </a:p>
-          <a:p>
-            <a:r>
-              <a:rPr lang="en-GB" sz="3600" dirty="0">
-                <a:solidFill>
-                  <a:schemeClr val="bg1"/>
-                </a:solidFill>
-              </a:rPr>
-              <a:t>I thank the Master I thank the Savior </a:t>
+              <a:t>I’ll praise </a:t>
+            </a:r>
+            <a:r>
+              <a:rPr lang="en-GB" sz="3600" dirty="0" err="1">
+                <a:solidFill>
+                  <a:schemeClr val="bg1"/>
+                </a:solidFill>
+              </a:rPr>
+              <a:t>'cause</a:t>
+            </a:r>
+            <a:r>
+              <a:rPr lang="en-GB" sz="3600" dirty="0">
+                <a:solidFill>
+                  <a:schemeClr val="bg1"/>
+                </a:solidFill>
+              </a:rPr>
+              <a:t> You’re sovereign</a:t>
+            </a:r>
+          </a:p>
+          <a:p>
+            <a:r>
+              <a:rPr lang="en-GB" sz="3600" dirty="0">
+                <a:solidFill>
+                  <a:schemeClr val="bg1"/>
+                </a:solidFill>
+              </a:rPr>
+              <a:t>Praise </a:t>
+            </a:r>
+            <a:r>
+              <a:rPr lang="en-GB" sz="3600" dirty="0" err="1">
+                <a:solidFill>
+                  <a:schemeClr val="bg1"/>
+                </a:solidFill>
+              </a:rPr>
+              <a:t>'cause</a:t>
+            </a:r>
+            <a:r>
+              <a:rPr lang="en-GB" sz="3600" dirty="0">
+                <a:solidFill>
+                  <a:schemeClr val="bg1"/>
+                </a:solidFill>
+              </a:rPr>
+              <a:t> You reign</a:t>
+            </a:r>
+          </a:p>
+          <a:p>
+            <a:r>
+              <a:rPr lang="en-GB" sz="3600" dirty="0">
+                <a:solidFill>
+                  <a:schemeClr val="bg1"/>
+                </a:solidFill>
+              </a:rPr>
+              <a:t>Praise </a:t>
+            </a:r>
+            <a:r>
+              <a:rPr lang="en-GB" sz="3600" dirty="0" err="1">
+                <a:solidFill>
+                  <a:schemeClr val="bg1"/>
+                </a:solidFill>
+              </a:rPr>
+              <a:t>'cause</a:t>
+            </a:r>
+            <a:r>
+              <a:rPr lang="en-GB" sz="3600" dirty="0">
+                <a:solidFill>
+                  <a:schemeClr val="bg1"/>
+                </a:solidFill>
+              </a:rPr>
+              <a:t> You rose and defeated the grave</a:t>
             </a:r>
             <a:br>
               <a:rPr lang="en-GB" sz="3600" dirty="0">
@@ -12374,24 +12273,96 @@
               </a:solidFill>
             </a:endParaRPr>
           </a:p>
-        </p:txBody>
-      </p:sp>
-      <p:sp>
-        <p:nvSpPr>
-          <p:cNvPr id="4" name="TextBox 3">
-            <a:extLst>
-              <a:ext uri="{FF2B5EF4-FFF2-40B4-BE49-F238E27FC236}">
-                <a16:creationId xmlns:a16="http://schemas.microsoft.com/office/drawing/2014/main" id="{0E5447DD-4F98-9272-756F-80E83EFECD35}"/>
-              </a:ext>
-            </a:extLst>
-          </p:cNvPr>
+          <a:p>
+            <a:r>
+              <a:rPr lang="en-GB" sz="3600" dirty="0">
+                <a:solidFill>
+                  <a:schemeClr val="bg1"/>
+                </a:solidFill>
+              </a:rPr>
+              <a:t>I’ll praise </a:t>
+            </a:r>
+            <a:r>
+              <a:rPr lang="en-GB" sz="3600" dirty="0" err="1">
+                <a:solidFill>
+                  <a:schemeClr val="bg1"/>
+                </a:solidFill>
+              </a:rPr>
+              <a:t>'cause</a:t>
+            </a:r>
+            <a:r>
+              <a:rPr lang="en-GB" sz="3600" dirty="0">
+                <a:solidFill>
+                  <a:schemeClr val="bg1"/>
+                </a:solidFill>
+              </a:rPr>
+              <a:t> You’re faithful</a:t>
+            </a:r>
+          </a:p>
+          <a:p>
+            <a:r>
+              <a:rPr lang="en-GB" sz="3600" dirty="0">
+                <a:solidFill>
+                  <a:schemeClr val="bg1"/>
+                </a:solidFill>
+              </a:rPr>
+              <a:t>Praise </a:t>
+            </a:r>
+            <a:r>
+              <a:rPr lang="en-GB" sz="3600" dirty="0" err="1">
+                <a:solidFill>
+                  <a:schemeClr val="bg1"/>
+                </a:solidFill>
+              </a:rPr>
+              <a:t>'cause</a:t>
+            </a:r>
+            <a:r>
+              <a:rPr lang="en-GB" sz="3600" dirty="0">
+                <a:solidFill>
+                  <a:schemeClr val="bg1"/>
+                </a:solidFill>
+              </a:rPr>
+              <a:t> You’re true</a:t>
+            </a:r>
+          </a:p>
+          <a:p>
+            <a:r>
+              <a:rPr lang="en-GB" sz="3600" dirty="0">
+                <a:solidFill>
+                  <a:schemeClr val="bg1"/>
+                </a:solidFill>
+              </a:rPr>
+              <a:t>Praise </a:t>
+            </a:r>
+            <a:r>
+              <a:rPr lang="en-GB" sz="3600" dirty="0" err="1">
+                <a:solidFill>
+                  <a:schemeClr val="bg1"/>
+                </a:solidFill>
+              </a:rPr>
+              <a:t>'cause</a:t>
+            </a:r>
+            <a:r>
+              <a:rPr lang="en-GB" sz="3600" dirty="0">
+                <a:solidFill>
+                  <a:schemeClr val="bg1"/>
+                </a:solidFill>
+              </a:rPr>
+              <a:t> there’s nobody greater than You</a:t>
+            </a:r>
+          </a:p>
+        </p:txBody>
+      </p:sp>
+      <p:sp>
+        <p:nvSpPr>
+          <p:cNvPr id="4" name="TextBox 3"/>
           <p:cNvSpPr txBox="1"/>
           <p:nvPr/>
         </p:nvSpPr>
         <p:spPr>
           <a:xfrm>
-            <a:off x="8388424" y="0"/>
-            <a:ext cx="628698" cy="461665"/>
+            <a:off x="8316416" y="0"/>
+            <a:ext cx="784189" cy="461665"/>
           </a:xfrm>
           <a:prstGeom prst="rect">
             <a:avLst/>
@@ -12410,7 +12381,7 @@
                   <a:schemeClr val="bg1"/>
                 </a:solidFill>
               </a:rPr>
-              <a:t>1/2</a:t>
+              <a:t>9/15</a:t>
             </a:r>
           </a:p>
         </p:txBody>
@@ -12418,7 +12389,7 @@
     </p:spTree>
     <p:extLst>
       <p:ext uri="{BB962C8B-B14F-4D97-AF65-F5344CB8AC3E}">
-        <p14:creationId xmlns:p14="http://schemas.microsoft.com/office/powerpoint/2010/main" val="935952192"/>
+        <p14:creationId xmlns:p14="http://schemas.microsoft.com/office/powerpoint/2010/main" val="1242579235"/>
       </p:ext>
     </p:extLst>
   </p:cSld>
@@ -12433,13 +12404,7 @@
   <p:cSld>
     <p:spTree>
       <p:nvGrpSpPr>
-        <p:cNvPr id="1" name="">
-          <a:extLst>
-            <a:ext uri="{FF2B5EF4-FFF2-40B4-BE49-F238E27FC236}">
-              <a16:creationId xmlns:a16="http://schemas.microsoft.com/office/drawing/2014/main" id="{B230C18D-98C9-AEDA-F90F-C4266ADC1BF6}"/>
-            </a:ext>
-          </a:extLst>
-        </p:cNvPr>
+        <p:cNvPr id="1" name=""/>
         <p:cNvGrpSpPr/>
         <p:nvPr/>
       </p:nvGrpSpPr>
@@ -12453,13 +12418,7 @@
       </p:grpSpPr>
       <p:sp>
         <p:nvSpPr>
-          <p:cNvPr id="3" name="Subtitle 2">
-            <a:extLst>
-              <a:ext uri="{FF2B5EF4-FFF2-40B4-BE49-F238E27FC236}">
-                <a16:creationId xmlns:a16="http://schemas.microsoft.com/office/drawing/2014/main" id="{32AE24CE-6ADE-B2DE-EAAD-DCD1859E96D9}"/>
-              </a:ext>
-            </a:extLst>
-          </p:cNvPr>
+          <p:cNvPr id="3" name="Subtitle 2"/>
           <p:cNvSpPr>
             <a:spLocks noGrp="1"/>
           </p:cNvSpPr>
@@ -12469,7 +12428,7 @@
         </p:nvSpPr>
         <p:spPr>
           <a:xfrm>
-            <a:off x="203118" y="692696"/>
+            <a:off x="251520" y="764704"/>
             <a:ext cx="8640960" cy="6480720"/>
           </a:xfrm>
         </p:spPr>
@@ -12485,116 +12444,81 @@
                   <a:schemeClr val="bg1"/>
                 </a:solidFill>
               </a:rPr>
-              <a:t>You picked me up You turned me around</a:t>
-            </a:r>
-          </a:p>
-          <a:p>
-            <a:r>
-              <a:rPr lang="en-GB" sz="3600" dirty="0">
-                <a:solidFill>
-                  <a:schemeClr val="bg1"/>
-                </a:solidFill>
-              </a:rPr>
-              <a:t>And placed my feet on solid ground</a:t>
-            </a:r>
-          </a:p>
-          <a:p>
-            <a:r>
-              <a:rPr lang="en-GB" sz="3600" dirty="0">
-                <a:solidFill>
-                  <a:schemeClr val="bg1"/>
-                </a:solidFill>
-              </a:rPr>
-              <a:t>I thank the Master I thank the Savior</a:t>
-            </a:r>
-          </a:p>
-          <a:p>
-            <a:r>
-              <a:rPr lang="en-GB" sz="3600" dirty="0">
-                <a:solidFill>
-                  <a:schemeClr val="bg1"/>
-                </a:solidFill>
-              </a:rPr>
-              <a:t>Because You healed my heart </a:t>
-            </a:r>
-          </a:p>
-          <a:p>
-            <a:r>
-              <a:rPr lang="en-GB" sz="3600" dirty="0">
-                <a:solidFill>
-                  <a:schemeClr val="bg1"/>
-                </a:solidFill>
-              </a:rPr>
-              <a:t>You changed my name</a:t>
-            </a:r>
-          </a:p>
-          <a:p>
-            <a:r>
-              <a:rPr lang="en-GB" sz="3600" dirty="0">
-                <a:solidFill>
-                  <a:schemeClr val="bg1"/>
-                </a:solidFill>
-              </a:rPr>
-              <a:t>Forever free I'm not the same</a:t>
-            </a:r>
-          </a:p>
-          <a:p>
-            <a:r>
-              <a:rPr lang="en-GB" sz="3600" dirty="0">
-                <a:solidFill>
-                  <a:schemeClr val="bg1"/>
-                </a:solidFill>
-              </a:rPr>
-              <a:t>I thank the Master I thank the Savior </a:t>
-            </a:r>
-            <a:br>
-              <a:rPr lang="en-GB" sz="3600" dirty="0">
-                <a:solidFill>
-                  <a:schemeClr val="bg1"/>
-                </a:solidFill>
-              </a:rPr>
-            </a:br>
-            <a:r>
-              <a:rPr lang="en-GB" sz="3600" dirty="0">
-                <a:solidFill>
-                  <a:schemeClr val="bg1"/>
-                </a:solidFill>
-              </a:rPr>
-              <a:t>I thank God</a:t>
-            </a:r>
-          </a:p>
-          <a:p>
-            <a:endParaRPr lang="en-GB" sz="3600" dirty="0">
-              <a:solidFill>
-                <a:schemeClr val="bg1"/>
-              </a:solidFill>
-            </a:endParaRPr>
-          </a:p>
-          <a:p>
-            <a:endParaRPr lang="en-GB" sz="3600" dirty="0">
-              <a:solidFill>
-                <a:schemeClr val="bg1"/>
-              </a:solidFill>
-            </a:endParaRPr>
-          </a:p>
-        </p:txBody>
-      </p:sp>
-      <p:sp>
-        <p:nvSpPr>
-          <p:cNvPr id="4" name="TextBox 3">
-            <a:extLst>
-              <a:ext uri="{FF2B5EF4-FFF2-40B4-BE49-F238E27FC236}">
-                <a16:creationId xmlns:a16="http://schemas.microsoft.com/office/drawing/2014/main" id="{E0FD1BAD-6226-C339-2A9E-473F9BE02B66}"/>
-              </a:ext>
-            </a:extLst>
-          </p:cNvPr>
+              <a:t>Praise the Lord oh my soul</a:t>
+            </a:r>
+          </a:p>
+          <a:p>
+            <a:r>
+              <a:rPr lang="en-GB" sz="3600" dirty="0">
+                <a:solidFill>
+                  <a:schemeClr val="bg1"/>
+                </a:solidFill>
+              </a:rPr>
+              <a:t>Praise the Lord oh my soul</a:t>
+            </a:r>
+          </a:p>
+          <a:p>
+            <a:r>
+              <a:rPr lang="en-GB" sz="3600" dirty="0">
+                <a:solidFill>
+                  <a:schemeClr val="bg1"/>
+                </a:solidFill>
+              </a:rPr>
+              <a:t>Praise the Lord oh my soul</a:t>
+            </a:r>
+          </a:p>
+          <a:p>
+            <a:r>
+              <a:rPr lang="en-GB" sz="3600" dirty="0">
+                <a:solidFill>
+                  <a:schemeClr val="bg1"/>
+                </a:solidFill>
+              </a:rPr>
+              <a:t>Praise the Lord oh my soul</a:t>
+            </a:r>
+          </a:p>
+          <a:p>
+            <a:r>
+              <a:rPr lang="en-GB" sz="3600" dirty="0">
+                <a:solidFill>
+                  <a:schemeClr val="bg1"/>
+                </a:solidFill>
+              </a:rPr>
+              <a:t>I won’t be quiet</a:t>
+            </a:r>
+          </a:p>
+          <a:p>
+            <a:r>
+              <a:rPr lang="en-GB" sz="3600" dirty="0">
+                <a:solidFill>
+                  <a:schemeClr val="bg1"/>
+                </a:solidFill>
+              </a:rPr>
+              <a:t>My God is alive</a:t>
+            </a:r>
+          </a:p>
+          <a:p>
+            <a:r>
+              <a:rPr lang="en-GB" sz="3600" dirty="0">
+                <a:solidFill>
+                  <a:schemeClr val="bg1"/>
+                </a:solidFill>
+              </a:rPr>
+              <a:t>How could I keep it inside</a:t>
+            </a:r>
+          </a:p>
+        </p:txBody>
+      </p:sp>
+      <p:sp>
+        <p:nvSpPr>
+          <p:cNvPr id="4" name="TextBox 3"/>
           <p:cNvSpPr txBox="1"/>
           <p:nvPr/>
         </p:nvSpPr>
         <p:spPr>
           <a:xfrm>
-            <a:off x="8388424" y="-3388"/>
-            <a:ext cx="628698" cy="461665"/>
+            <a:off x="8236995" y="0"/>
+            <a:ext cx="939681" cy="461665"/>
           </a:xfrm>
           <a:prstGeom prst="rect">
             <a:avLst/>
@@ -12613,7 +12537,7 @@
                   <a:schemeClr val="bg1"/>
                 </a:solidFill>
               </a:rPr>
-              <a:t>2/2</a:t>
+              <a:t>10/15</a:t>
             </a:r>
           </a:p>
         </p:txBody>
@@ -12621,7 +12545,7 @@
     </p:spTree>
     <p:extLst>
       <p:ext uri="{BB962C8B-B14F-4D97-AF65-F5344CB8AC3E}">
-        <p14:creationId xmlns:p14="http://schemas.microsoft.com/office/powerpoint/2010/main" val="3530889827"/>
+        <p14:creationId xmlns:p14="http://schemas.microsoft.com/office/powerpoint/2010/main" val="3328611506"/>
       </p:ext>
     </p:extLst>
   </p:cSld>
@@ -12676,27 +12600,67 @@
                   <a:schemeClr val="bg1"/>
                 </a:solidFill>
               </a:rPr>
-              <a:t>Let everything that has breath</a:t>
-            </a:r>
-          </a:p>
-          <a:p>
-            <a:r>
-              <a:rPr lang="en-GB" sz="3600" dirty="0">
-                <a:solidFill>
-                  <a:schemeClr val="bg1"/>
-                </a:solidFill>
-              </a:rPr>
-              <a:t>Praise the Lord</a:t>
-            </a:r>
-          </a:p>
-          <a:p>
-            <a:r>
-              <a:rPr lang="en-GB" sz="3600" dirty="0">
-                <a:solidFill>
-                  <a:schemeClr val="bg1"/>
-                </a:solidFill>
-              </a:rPr>
-              <a:t>Praise the Lord</a:t>
+              <a:t>I won’t be quiet</a:t>
+            </a:r>
+          </a:p>
+          <a:p>
+            <a:r>
+              <a:rPr lang="en-GB" sz="3600" dirty="0">
+                <a:solidFill>
+                  <a:schemeClr val="bg1"/>
+                </a:solidFill>
+              </a:rPr>
+              <a:t>My God is alive</a:t>
+            </a:r>
+          </a:p>
+          <a:p>
+            <a:r>
+              <a:rPr lang="en-GB" sz="3600" dirty="0">
+                <a:solidFill>
+                  <a:schemeClr val="bg1"/>
+                </a:solidFill>
+              </a:rPr>
+              <a:t>How could I keep it inside</a:t>
+            </a:r>
+          </a:p>
+          <a:p>
+            <a:r>
+              <a:rPr lang="en-GB" sz="3600" dirty="0">
+                <a:solidFill>
+                  <a:schemeClr val="bg1"/>
+                </a:solidFill>
+              </a:rPr>
+              <a:t>I won’t be quiet</a:t>
+            </a:r>
+          </a:p>
+          <a:p>
+            <a:r>
+              <a:rPr lang="en-GB" sz="3600" dirty="0">
+                <a:solidFill>
+                  <a:schemeClr val="bg1"/>
+                </a:solidFill>
+              </a:rPr>
+              <a:t>My God is alive</a:t>
+            </a:r>
+          </a:p>
+          <a:p>
+            <a:r>
+              <a:rPr lang="en-GB" sz="3600" dirty="0">
+                <a:solidFill>
+                  <a:schemeClr val="bg1"/>
+                </a:solidFill>
+              </a:rPr>
+              <a:t>How could I keep it inside</a:t>
+            </a:r>
+          </a:p>
+          <a:p>
+            <a:r>
+              <a:rPr lang="en-GB" sz="3600" dirty="0">
+                <a:solidFill>
+                  <a:schemeClr val="bg1"/>
+                </a:solidFill>
+              </a:rPr>
+              <a:t>Praise the Lord oh my soul</a:t>
             </a:r>
           </a:p>
         </p:txBody>
@@ -12709,7 +12673,198 @@
         </p:nvSpPr>
         <p:spPr>
           <a:xfrm>
-            <a:off x="8244408" y="0"/>
+            <a:off x="8135391" y="0"/>
+            <a:ext cx="1008609" cy="461665"/>
+          </a:xfrm>
+          <a:prstGeom prst="rect">
+            <a:avLst/>
+          </a:prstGeom>
+          <a:noFill/>
+        </p:spPr>
+        <p:txBody>
+          <a:bodyPr wrap="none" rtlCol="0">
+            <a:spAutoFit/>
+          </a:bodyPr>
+          <a:lstStyle/>
+          <a:p>
+            <a:r>
+              <a:rPr lang="en-GB" sz="2400" b="1" dirty="0">
+                <a:solidFill>
+                  <a:schemeClr val="bg1"/>
+                </a:solidFill>
+              </a:rPr>
+              <a:t>1 1/15</a:t>
+            </a:r>
+          </a:p>
+        </p:txBody>
+      </p:sp>
+    </p:spTree>
+    <p:extLst>
+      <p:ext uri="{BB962C8B-B14F-4D97-AF65-F5344CB8AC3E}">
+        <p14:creationId xmlns:p14="http://schemas.microsoft.com/office/powerpoint/2010/main" val="1752219728"/>
+      </p:ext>
+    </p:extLst>
+  </p:cSld>
+  <p:clrMapOvr>
+    <a:masterClrMapping/>
+  </p:clrMapOvr>
+</p:sld>
+</file>
+
+<file path=ppt/slides/slide58.xml><?xml version="1.0" encoding="utf-8"?>
+<p:sld xmlns:a="http://schemas.openxmlformats.org/drawingml/2006/main" xmlns:r="http://schemas.openxmlformats.org/officeDocument/2006/relationships" xmlns:p="http://schemas.openxmlformats.org/presentationml/2006/main">
+  <p:cSld>
+    <p:spTree>
+      <p:nvGrpSpPr>
+        <p:cNvPr id="1" name="">
+          <a:extLst>
+            <a:ext uri="{FF2B5EF4-FFF2-40B4-BE49-F238E27FC236}">
+              <a16:creationId xmlns:a16="http://schemas.microsoft.com/office/drawing/2014/main" id="{E817E5BD-2125-1602-8408-6B7C49A7F5D3}"/>
+            </a:ext>
+          </a:extLst>
+        </p:cNvPr>
+        <p:cNvGrpSpPr/>
+        <p:nvPr/>
+      </p:nvGrpSpPr>
+      <p:grpSpPr>
+        <a:xfrm>
+          <a:off x="0" y="0"/>
+          <a:ext cx="0" cy="0"/>
+          <a:chOff x="0" y="0"/>
+          <a:chExt cx="0" cy="0"/>
+        </a:xfrm>
+      </p:grpSpPr>
+      <p:sp>
+        <p:nvSpPr>
+          <p:cNvPr id="3" name="Subtitle 2">
+            <a:extLst>
+              <a:ext uri="{FF2B5EF4-FFF2-40B4-BE49-F238E27FC236}">
+                <a16:creationId xmlns:a16="http://schemas.microsoft.com/office/drawing/2014/main" id="{04E3E246-0DAD-2C25-CFA4-502E18F8B9AF}"/>
+              </a:ext>
+            </a:extLst>
+          </p:cNvPr>
+          <p:cNvSpPr>
+            <a:spLocks noGrp="1"/>
+          </p:cNvSpPr>
+          <p:nvPr>
+            <p:ph type="subTitle" idx="1"/>
+          </p:nvPr>
+        </p:nvSpPr>
+        <p:spPr>
+          <a:xfrm>
+            <a:off x="203118" y="692696"/>
+            <a:ext cx="8640960" cy="6480720"/>
+          </a:xfrm>
+        </p:spPr>
+        <p:txBody>
+          <a:bodyPr>
+            <a:noAutofit/>
+          </a:bodyPr>
+          <a:lstStyle/>
+          <a:p>
+            <a:r>
+              <a:rPr lang="en-GB" sz="3600" dirty="0">
+                <a:solidFill>
+                  <a:schemeClr val="bg1"/>
+                </a:solidFill>
+              </a:rPr>
+              <a:t>You picked me up You turned me around</a:t>
+            </a:r>
+          </a:p>
+          <a:p>
+            <a:r>
+              <a:rPr lang="en-GB" sz="3600" dirty="0">
+                <a:solidFill>
+                  <a:schemeClr val="bg1"/>
+                </a:solidFill>
+              </a:rPr>
+              <a:t>And placed my feet on solid ground</a:t>
+            </a:r>
+          </a:p>
+          <a:p>
+            <a:r>
+              <a:rPr lang="en-GB" sz="3600" dirty="0">
+                <a:solidFill>
+                  <a:schemeClr val="bg1"/>
+                </a:solidFill>
+              </a:rPr>
+              <a:t>I thank the Master I thank the Savior</a:t>
+            </a:r>
+          </a:p>
+          <a:p>
+            <a:r>
+              <a:rPr lang="en-GB" sz="3600" dirty="0">
+                <a:solidFill>
+                  <a:schemeClr val="bg1"/>
+                </a:solidFill>
+              </a:rPr>
+              <a:t>Because You healed my heart </a:t>
+            </a:r>
+            <a:br>
+              <a:rPr lang="en-GB" sz="3600" dirty="0">
+                <a:solidFill>
+                  <a:schemeClr val="bg1"/>
+                </a:solidFill>
+              </a:rPr>
+            </a:br>
+            <a:r>
+              <a:rPr lang="en-GB" sz="3600" dirty="0">
+                <a:solidFill>
+                  <a:schemeClr val="bg1"/>
+                </a:solidFill>
+              </a:rPr>
+              <a:t>You changed my name</a:t>
+            </a:r>
+          </a:p>
+          <a:p>
+            <a:r>
+              <a:rPr lang="en-GB" sz="3600" dirty="0">
+                <a:solidFill>
+                  <a:schemeClr val="bg1"/>
+                </a:solidFill>
+              </a:rPr>
+              <a:t>Forever free I'm not the same</a:t>
+            </a:r>
+          </a:p>
+          <a:p>
+            <a:r>
+              <a:rPr lang="en-GB" sz="3600" dirty="0">
+                <a:solidFill>
+                  <a:schemeClr val="bg1"/>
+                </a:solidFill>
+              </a:rPr>
+              <a:t>I thank the Master I thank the Savior </a:t>
+            </a:r>
+            <a:br>
+              <a:rPr lang="en-GB" sz="3600" dirty="0">
+                <a:solidFill>
+                  <a:schemeClr val="bg1"/>
+                </a:solidFill>
+              </a:rPr>
+            </a:br>
+            <a:endParaRPr lang="en-GB" sz="3600" dirty="0">
+              <a:solidFill>
+                <a:schemeClr val="bg1"/>
+              </a:solidFill>
+            </a:endParaRPr>
+          </a:p>
+        </p:txBody>
+      </p:sp>
+      <p:sp>
+        <p:nvSpPr>
+          <p:cNvPr id="4" name="TextBox 3">
+            <a:extLst>
+              <a:ext uri="{FF2B5EF4-FFF2-40B4-BE49-F238E27FC236}">
+                <a16:creationId xmlns:a16="http://schemas.microsoft.com/office/drawing/2014/main" id="{0E5447DD-4F98-9272-756F-80E83EFECD35}"/>
+              </a:ext>
+            </a:extLst>
+          </p:cNvPr>
+          <p:cNvSpPr txBox="1"/>
+          <p:nvPr/>
+        </p:nvSpPr>
+        <p:spPr>
+          <a:xfrm>
+            <a:off x="8204319" y="-11701"/>
             <a:ext cx="939681" cy="461665"/>
           </a:xfrm>
           <a:prstGeom prst="rect">
@@ -12729,7 +12884,7 @@
                   <a:schemeClr val="bg1"/>
                 </a:solidFill>
               </a:rPr>
-              <a:t>12/12</a:t>
+              <a:t>12/15</a:t>
             </a:r>
           </a:p>
         </p:txBody>
@@ -12737,7 +12892,210 @@
     </p:spTree>
     <p:extLst>
       <p:ext uri="{BB962C8B-B14F-4D97-AF65-F5344CB8AC3E}">
-        <p14:creationId xmlns:p14="http://schemas.microsoft.com/office/powerpoint/2010/main" val="3105220879"/>
+        <p14:creationId xmlns:p14="http://schemas.microsoft.com/office/powerpoint/2010/main" val="935952192"/>
+      </p:ext>
+    </p:extLst>
+  </p:cSld>
+  <p:clrMapOvr>
+    <a:masterClrMapping/>
+  </p:clrMapOvr>
+</p:sld>
+</file>
+
+<file path=ppt/slides/slide59.xml><?xml version="1.0" encoding="utf-8"?>
+<p:sld xmlns:a="http://schemas.openxmlformats.org/drawingml/2006/main" xmlns:r="http://schemas.openxmlformats.org/officeDocument/2006/relationships" xmlns:p="http://schemas.openxmlformats.org/presentationml/2006/main">
+  <p:cSld>
+    <p:spTree>
+      <p:nvGrpSpPr>
+        <p:cNvPr id="1" name="">
+          <a:extLst>
+            <a:ext uri="{FF2B5EF4-FFF2-40B4-BE49-F238E27FC236}">
+              <a16:creationId xmlns:a16="http://schemas.microsoft.com/office/drawing/2014/main" id="{B230C18D-98C9-AEDA-F90F-C4266ADC1BF6}"/>
+            </a:ext>
+          </a:extLst>
+        </p:cNvPr>
+        <p:cNvGrpSpPr/>
+        <p:nvPr/>
+      </p:nvGrpSpPr>
+      <p:grpSpPr>
+        <a:xfrm>
+          <a:off x="0" y="0"/>
+          <a:ext cx="0" cy="0"/>
+          <a:chOff x="0" y="0"/>
+          <a:chExt cx="0" cy="0"/>
+        </a:xfrm>
+      </p:grpSpPr>
+      <p:sp>
+        <p:nvSpPr>
+          <p:cNvPr id="3" name="Subtitle 2">
+            <a:extLst>
+              <a:ext uri="{FF2B5EF4-FFF2-40B4-BE49-F238E27FC236}">
+                <a16:creationId xmlns:a16="http://schemas.microsoft.com/office/drawing/2014/main" id="{32AE24CE-6ADE-B2DE-EAAD-DCD1859E96D9}"/>
+              </a:ext>
+            </a:extLst>
+          </p:cNvPr>
+          <p:cNvSpPr>
+            <a:spLocks noGrp="1"/>
+          </p:cNvSpPr>
+          <p:nvPr>
+            <p:ph type="subTitle" idx="1"/>
+          </p:nvPr>
+        </p:nvSpPr>
+        <p:spPr>
+          <a:xfrm>
+            <a:off x="203118" y="692696"/>
+            <a:ext cx="8640960" cy="6480720"/>
+          </a:xfrm>
+        </p:spPr>
+        <p:txBody>
+          <a:bodyPr>
+            <a:noAutofit/>
+          </a:bodyPr>
+          <a:lstStyle/>
+          <a:p>
+            <a:r>
+              <a:rPr lang="en-GB" sz="3600" dirty="0">
+                <a:solidFill>
+                  <a:schemeClr val="bg1"/>
+                </a:solidFill>
+              </a:rPr>
+              <a:t>You picked me up You turned me around</a:t>
+            </a:r>
+          </a:p>
+          <a:p>
+            <a:r>
+              <a:rPr lang="en-GB" sz="3600" dirty="0">
+                <a:solidFill>
+                  <a:schemeClr val="bg1"/>
+                </a:solidFill>
+              </a:rPr>
+              <a:t>And placed my feet on solid ground</a:t>
+            </a:r>
+          </a:p>
+          <a:p>
+            <a:r>
+              <a:rPr lang="en-GB" sz="3600" dirty="0">
+                <a:solidFill>
+                  <a:schemeClr val="bg1"/>
+                </a:solidFill>
+              </a:rPr>
+              <a:t>I thank the Master I thank the Savior</a:t>
+            </a:r>
+          </a:p>
+          <a:p>
+            <a:r>
+              <a:rPr lang="en-GB" sz="3600" dirty="0">
+                <a:solidFill>
+                  <a:schemeClr val="bg1"/>
+                </a:solidFill>
+              </a:rPr>
+              <a:t>Because You healed my heart </a:t>
+            </a:r>
+          </a:p>
+          <a:p>
+            <a:r>
+              <a:rPr lang="en-GB" sz="3600" dirty="0">
+                <a:solidFill>
+                  <a:schemeClr val="bg1"/>
+                </a:solidFill>
+              </a:rPr>
+              <a:t>You changed my name</a:t>
+            </a:r>
+          </a:p>
+          <a:p>
+            <a:r>
+              <a:rPr lang="en-GB" sz="3600" dirty="0">
+                <a:solidFill>
+                  <a:schemeClr val="bg1"/>
+                </a:solidFill>
+              </a:rPr>
+              <a:t>Forever free I'm not the same</a:t>
+            </a:r>
+          </a:p>
+          <a:p>
+            <a:r>
+              <a:rPr lang="en-GB" sz="3600" dirty="0">
+                <a:solidFill>
+                  <a:schemeClr val="bg1"/>
+                </a:solidFill>
+              </a:rPr>
+              <a:t>I thank the Master I thank the Savior </a:t>
+            </a:r>
+            <a:br>
+              <a:rPr lang="en-GB" sz="3600" dirty="0">
+                <a:solidFill>
+                  <a:schemeClr val="bg1"/>
+                </a:solidFill>
+              </a:rPr>
+            </a:br>
+            <a:r>
+              <a:rPr lang="en-GB" sz="3600" dirty="0">
+                <a:solidFill>
+                  <a:schemeClr val="bg1"/>
+                </a:solidFill>
+              </a:rPr>
+              <a:t>I thank God</a:t>
+            </a:r>
+          </a:p>
+          <a:p>
+            <a:endParaRPr lang="en-GB" sz="3600" dirty="0">
+              <a:solidFill>
+                <a:schemeClr val="bg1"/>
+              </a:solidFill>
+            </a:endParaRPr>
+          </a:p>
+          <a:p>
+            <a:endParaRPr lang="en-GB" sz="3600" dirty="0">
+              <a:solidFill>
+                <a:schemeClr val="bg1"/>
+              </a:solidFill>
+            </a:endParaRPr>
+          </a:p>
+        </p:txBody>
+      </p:sp>
+      <p:sp>
+        <p:nvSpPr>
+          <p:cNvPr id="4" name="TextBox 3">
+            <a:extLst>
+              <a:ext uri="{FF2B5EF4-FFF2-40B4-BE49-F238E27FC236}">
+                <a16:creationId xmlns:a16="http://schemas.microsoft.com/office/drawing/2014/main" id="{E0FD1BAD-6226-C339-2A9E-473F9BE02B66}"/>
+              </a:ext>
+            </a:extLst>
+          </p:cNvPr>
+          <p:cNvSpPr txBox="1"/>
+          <p:nvPr/>
+        </p:nvSpPr>
+        <p:spPr>
+          <a:xfrm>
+            <a:off x="8204319" y="20782"/>
+            <a:ext cx="939681" cy="461665"/>
+          </a:xfrm>
+          <a:prstGeom prst="rect">
+            <a:avLst/>
+          </a:prstGeom>
+          <a:noFill/>
+        </p:spPr>
+        <p:txBody>
+          <a:bodyPr wrap="none" rtlCol="0">
+            <a:spAutoFit/>
+          </a:bodyPr>
+          <a:lstStyle/>
+          <a:p>
+            <a:r>
+              <a:rPr lang="en-GB" sz="2400" b="1" dirty="0">
+                <a:solidFill>
+                  <a:schemeClr val="bg1"/>
+                </a:solidFill>
+              </a:rPr>
+              <a:t>13/15</a:t>
+            </a:r>
+          </a:p>
+        </p:txBody>
+      </p:sp>
+    </p:spTree>
+    <p:extLst>
+      <p:ext uri="{BB962C8B-B14F-4D97-AF65-F5344CB8AC3E}">
+        <p14:creationId xmlns:p14="http://schemas.microsoft.com/office/powerpoint/2010/main" val="3530889827"/>
       </p:ext>
     </p:extLst>
   </p:cSld>
@@ -12912,6 +13270,293 @@
     <p:extLst>
       <p:ext uri="{BB962C8B-B14F-4D97-AF65-F5344CB8AC3E}">
         <p14:creationId xmlns:p14="http://schemas.microsoft.com/office/powerpoint/2010/main" val="1291426002"/>
+      </p:ext>
+    </p:extLst>
+  </p:cSld>
+  <p:clrMapOvr>
+    <a:masterClrMapping/>
+  </p:clrMapOvr>
+</p:sld>
+</file>
+
+<file path=ppt/slides/slide60.xml><?xml version="1.0" encoding="utf-8"?>
+<p:sld xmlns:a="http://schemas.openxmlformats.org/drawingml/2006/main" xmlns:r="http://schemas.openxmlformats.org/officeDocument/2006/relationships" xmlns:p="http://schemas.openxmlformats.org/presentationml/2006/main">
+  <p:cSld>
+    <p:spTree>
+      <p:nvGrpSpPr>
+        <p:cNvPr id="1" name="">
+          <a:extLst>
+            <a:ext uri="{FF2B5EF4-FFF2-40B4-BE49-F238E27FC236}">
+              <a16:creationId xmlns:a16="http://schemas.microsoft.com/office/drawing/2014/main" id="{607B16CD-5CA0-815B-60F7-E0E32CC63B48}"/>
+            </a:ext>
+          </a:extLst>
+        </p:cNvPr>
+        <p:cNvGrpSpPr/>
+        <p:nvPr/>
+      </p:nvGrpSpPr>
+      <p:grpSpPr>
+        <a:xfrm>
+          <a:off x="0" y="0"/>
+          <a:ext cx="0" cy="0"/>
+          <a:chOff x="0" y="0"/>
+          <a:chExt cx="0" cy="0"/>
+        </a:xfrm>
+      </p:grpSpPr>
+      <p:sp>
+        <p:nvSpPr>
+          <p:cNvPr id="3" name="Subtitle 2">
+            <a:extLst>
+              <a:ext uri="{FF2B5EF4-FFF2-40B4-BE49-F238E27FC236}">
+                <a16:creationId xmlns:a16="http://schemas.microsoft.com/office/drawing/2014/main" id="{EDCBAB83-C9A0-2C7F-B0D1-56B2CF1C873C}"/>
+              </a:ext>
+            </a:extLst>
+          </p:cNvPr>
+          <p:cNvSpPr>
+            <a:spLocks noGrp="1"/>
+          </p:cNvSpPr>
+          <p:nvPr>
+            <p:ph type="subTitle" idx="1"/>
+          </p:nvPr>
+        </p:nvSpPr>
+        <p:spPr>
+          <a:xfrm>
+            <a:off x="251520" y="764704"/>
+            <a:ext cx="8640960" cy="6480720"/>
+          </a:xfrm>
+        </p:spPr>
+        <p:txBody>
+          <a:bodyPr>
+            <a:noAutofit/>
+          </a:bodyPr>
+          <a:lstStyle/>
+          <a:p>
+            <a:r>
+              <a:rPr lang="en-GB" sz="3600" dirty="0">
+                <a:solidFill>
+                  <a:schemeClr val="bg1"/>
+                </a:solidFill>
+              </a:rPr>
+              <a:t>Praise the Lord oh my soul</a:t>
+            </a:r>
+          </a:p>
+          <a:p>
+            <a:r>
+              <a:rPr lang="en-GB" sz="3600" dirty="0">
+                <a:solidFill>
+                  <a:schemeClr val="bg1"/>
+                </a:solidFill>
+              </a:rPr>
+              <a:t>Praise the Lord oh my soul</a:t>
+            </a:r>
+          </a:p>
+          <a:p>
+            <a:r>
+              <a:rPr lang="en-GB" sz="3600" dirty="0">
+                <a:solidFill>
+                  <a:schemeClr val="bg1"/>
+                </a:solidFill>
+              </a:rPr>
+              <a:t>I won’t be quiet</a:t>
+            </a:r>
+          </a:p>
+          <a:p>
+            <a:r>
+              <a:rPr lang="en-GB" sz="3600" dirty="0">
+                <a:solidFill>
+                  <a:schemeClr val="bg1"/>
+                </a:solidFill>
+              </a:rPr>
+              <a:t>My God is alive</a:t>
+            </a:r>
+          </a:p>
+          <a:p>
+            <a:r>
+              <a:rPr lang="en-GB" sz="3600" dirty="0">
+                <a:solidFill>
+                  <a:schemeClr val="bg1"/>
+                </a:solidFill>
+              </a:rPr>
+              <a:t>How could I keep it inside</a:t>
+            </a:r>
+          </a:p>
+          <a:p>
+            <a:r>
+              <a:rPr lang="en-GB" sz="3600" dirty="0">
+                <a:solidFill>
+                  <a:schemeClr val="bg1"/>
+                </a:solidFill>
+              </a:rPr>
+              <a:t>Praise the Lord oh my soul</a:t>
+            </a:r>
+          </a:p>
+          <a:p>
+            <a:endParaRPr lang="en-GB" sz="3600" dirty="0">
+              <a:solidFill>
+                <a:schemeClr val="bg1"/>
+              </a:solidFill>
+            </a:endParaRPr>
+          </a:p>
+        </p:txBody>
+      </p:sp>
+      <p:sp>
+        <p:nvSpPr>
+          <p:cNvPr id="4" name="TextBox 3">
+            <a:extLst>
+              <a:ext uri="{FF2B5EF4-FFF2-40B4-BE49-F238E27FC236}">
+                <a16:creationId xmlns:a16="http://schemas.microsoft.com/office/drawing/2014/main" id="{6F5F2CEC-C4DD-B1CB-DD11-E8FE5D956F1B}"/>
+              </a:ext>
+            </a:extLst>
+          </p:cNvPr>
+          <p:cNvSpPr txBox="1"/>
+          <p:nvPr/>
+        </p:nvSpPr>
+        <p:spPr>
+          <a:xfrm>
+            <a:off x="8236995" y="0"/>
+            <a:ext cx="939681" cy="461665"/>
+          </a:xfrm>
+          <a:prstGeom prst="rect">
+            <a:avLst/>
+          </a:prstGeom>
+          <a:noFill/>
+        </p:spPr>
+        <p:txBody>
+          <a:bodyPr wrap="none" rtlCol="0">
+            <a:spAutoFit/>
+          </a:bodyPr>
+          <a:lstStyle/>
+          <a:p>
+            <a:r>
+              <a:rPr lang="en-GB" sz="2400" b="1" dirty="0">
+                <a:solidFill>
+                  <a:schemeClr val="bg1"/>
+                </a:solidFill>
+              </a:rPr>
+              <a:t>14/15</a:t>
+            </a:r>
+          </a:p>
+        </p:txBody>
+      </p:sp>
+    </p:spTree>
+    <p:extLst>
+      <p:ext uri="{BB962C8B-B14F-4D97-AF65-F5344CB8AC3E}">
+        <p14:creationId xmlns:p14="http://schemas.microsoft.com/office/powerpoint/2010/main" val="161908918"/>
+      </p:ext>
+    </p:extLst>
+  </p:cSld>
+  <p:clrMapOvr>
+    <a:masterClrMapping/>
+  </p:clrMapOvr>
+</p:sld>
+</file>
+
+<file path=ppt/slides/slide61.xml><?xml version="1.0" encoding="utf-8"?>
+<p:sld xmlns:a="http://schemas.openxmlformats.org/drawingml/2006/main" xmlns:r="http://schemas.openxmlformats.org/officeDocument/2006/relationships" xmlns:p="http://schemas.openxmlformats.org/presentationml/2006/main">
+  <p:cSld>
+    <p:spTree>
+      <p:nvGrpSpPr>
+        <p:cNvPr id="1" name=""/>
+        <p:cNvGrpSpPr/>
+        <p:nvPr/>
+      </p:nvGrpSpPr>
+      <p:grpSpPr>
+        <a:xfrm>
+          <a:off x="0" y="0"/>
+          <a:ext cx="0" cy="0"/>
+          <a:chOff x="0" y="0"/>
+          <a:chExt cx="0" cy="0"/>
+        </a:xfrm>
+      </p:grpSpPr>
+      <p:sp>
+        <p:nvSpPr>
+          <p:cNvPr id="3" name="Subtitle 2"/>
+          <p:cNvSpPr>
+            <a:spLocks noGrp="1"/>
+          </p:cNvSpPr>
+          <p:nvPr>
+            <p:ph type="subTitle" idx="1"/>
+          </p:nvPr>
+        </p:nvSpPr>
+        <p:spPr>
+          <a:xfrm>
+            <a:off x="251520" y="764704"/>
+            <a:ext cx="8640960" cy="6480720"/>
+          </a:xfrm>
+        </p:spPr>
+        <p:txBody>
+          <a:bodyPr>
+            <a:noAutofit/>
+          </a:bodyPr>
+          <a:lstStyle/>
+          <a:p>
+            <a:r>
+              <a:rPr lang="en-GB" sz="3600" dirty="0">
+                <a:solidFill>
+                  <a:schemeClr val="bg1"/>
+                </a:solidFill>
+              </a:rPr>
+              <a:t>Let everything that has breath</a:t>
+            </a:r>
+          </a:p>
+          <a:p>
+            <a:r>
+              <a:rPr lang="en-GB" sz="3600" dirty="0">
+                <a:solidFill>
+                  <a:schemeClr val="bg1"/>
+                </a:solidFill>
+              </a:rPr>
+              <a:t>Praise the Lord</a:t>
+            </a:r>
+          </a:p>
+          <a:p>
+            <a:r>
+              <a:rPr lang="en-GB" sz="3600" dirty="0">
+                <a:solidFill>
+                  <a:schemeClr val="bg1"/>
+                </a:solidFill>
+              </a:rPr>
+              <a:t>Praise the Lord</a:t>
+            </a:r>
+          </a:p>
+        </p:txBody>
+      </p:sp>
+      <p:sp>
+        <p:nvSpPr>
+          <p:cNvPr id="4" name="TextBox 3"/>
+          <p:cNvSpPr txBox="1"/>
+          <p:nvPr/>
+        </p:nvSpPr>
+        <p:spPr>
+          <a:xfrm>
+            <a:off x="8244408" y="0"/>
+            <a:ext cx="939681" cy="461665"/>
+          </a:xfrm>
+          <a:prstGeom prst="rect">
+            <a:avLst/>
+          </a:prstGeom>
+          <a:noFill/>
+        </p:spPr>
+        <p:txBody>
+          <a:bodyPr wrap="none" rtlCol="0">
+            <a:spAutoFit/>
+          </a:bodyPr>
+          <a:lstStyle/>
+          <a:p>
+            <a:r>
+              <a:rPr lang="en-GB" sz="2400" b="1" dirty="0">
+                <a:solidFill>
+                  <a:schemeClr val="bg1"/>
+                </a:solidFill>
+              </a:rPr>
+              <a:t>15/15</a:t>
+            </a:r>
+          </a:p>
+        </p:txBody>
+      </p:sp>
+    </p:spTree>
+    <p:extLst>
+      <p:ext uri="{BB962C8B-B14F-4D97-AF65-F5344CB8AC3E}">
+        <p14:creationId xmlns:p14="http://schemas.microsoft.com/office/powerpoint/2010/main" val="3105220879"/>
       </p:ext>
     </p:extLst>
   </p:cSld>

--- a/docs/songs_2025-12-31.pptx
+++ b/docs/songs_2025-12-31.pptx
@@ -5,7 +5,7 @@
     <p:sldMasterId id="2147483648" r:id="rId1"/>
   </p:sldMasterIdLst>
   <p:notesMasterIdLst>
-    <p:notesMasterId r:id="rId63"/>
+    <p:notesMasterId r:id="rId76"/>
   </p:notesMasterIdLst>
   <p:sldIdLst>
     <p:sldId id="950" r:id="rId2"/>
@@ -49,8 +49,8 @@
     <p:sldId id="1471" r:id="rId40"/>
     <p:sldId id="1472" r:id="rId41"/>
     <p:sldId id="1473" r:id="rId42"/>
-    <p:sldId id="1474" r:id="rId43"/>
-    <p:sldId id="1463" r:id="rId44"/>
+    <p:sldId id="1475" r:id="rId43"/>
+    <p:sldId id="1474" r:id="rId44"/>
     <p:sldId id="1464" r:id="rId45"/>
     <p:sldId id="1468" r:id="rId46"/>
     <p:sldId id="518" r:id="rId47"/>
@@ -69,6 +69,19 @@
     <p:sldId id="1467" r:id="rId60"/>
     <p:sldId id="1470" r:id="rId61"/>
     <p:sldId id="531" r:id="rId62"/>
+    <p:sldId id="1476" r:id="rId63"/>
+    <p:sldId id="332" r:id="rId64"/>
+    <p:sldId id="454" r:id="rId65"/>
+    <p:sldId id="455" r:id="rId66"/>
+    <p:sldId id="457" r:id="rId67"/>
+    <p:sldId id="456" r:id="rId68"/>
+    <p:sldId id="463" r:id="rId69"/>
+    <p:sldId id="458" r:id="rId70"/>
+    <p:sldId id="459" r:id="rId71"/>
+    <p:sldId id="460" r:id="rId72"/>
+    <p:sldId id="461" r:id="rId73"/>
+    <p:sldId id="462" r:id="rId74"/>
+    <p:sldId id="464" r:id="rId75"/>
   </p:sldIdLst>
   <p:sldSz cx="9144000" cy="6858000" type="screen4x3"/>
   <p:notesSz cx="6858000" cy="9144000"/>
@@ -213,8 +226,8 @@
             <p14:sldId id="1471"/>
             <p14:sldId id="1472"/>
             <p14:sldId id="1473"/>
+            <p14:sldId id="1475"/>
             <p14:sldId id="1474"/>
-            <p14:sldId id="1463"/>
             <p14:sldId id="1464"/>
             <p14:sldId id="1468"/>
             <p14:sldId id="518"/>
@@ -233,6 +246,19 @@
             <p14:sldId id="1467"/>
             <p14:sldId id="1470"/>
             <p14:sldId id="531"/>
+            <p14:sldId id="1476"/>
+            <p14:sldId id="332"/>
+            <p14:sldId id="454"/>
+            <p14:sldId id="455"/>
+            <p14:sldId id="457"/>
+            <p14:sldId id="456"/>
+            <p14:sldId id="463"/>
+            <p14:sldId id="458"/>
+            <p14:sldId id="459"/>
+            <p14:sldId id="460"/>
+            <p14:sldId id="461"/>
+            <p14:sldId id="462"/>
+            <p14:sldId id="464"/>
           </p14:sldIdLst>
         </p14:section>
         <p14:section name="Main Service" id="{4FE2647C-705B-495A-AADF-8CE4EFF28E49}">
@@ -340,7 +366,7 @@
           <a:p>
             <a:fld id="{C57EAEFC-A9C7-464E-BE3F-33D4DD72E122}" type="datetimeFigureOut">
               <a:rPr lang="en-GB" smtClean="0"/>
-              <a:t>30/12/2025</a:t>
+              <a:t>31/12/2025</a:t>
             </a:fld>
             <a:endParaRPr lang="en-GB"/>
           </a:p>
@@ -1124,7 +1150,7 @@
             <a:fld id="{26EA1CF3-4A15-4CBF-9A5A-6A56C368BE71}" type="datetimeFigureOut">
               <a:rPr lang="en-GB" smtClean="0"/>
               <a:pPr/>
-              <a:t>30/12/2025</a:t>
+              <a:t>31/12/2025</a:t>
             </a:fld>
             <a:endParaRPr lang="en-GB"/>
           </a:p>
@@ -1289,7 +1315,7 @@
             <a:fld id="{26EA1CF3-4A15-4CBF-9A5A-6A56C368BE71}" type="datetimeFigureOut">
               <a:rPr lang="en-GB" smtClean="0"/>
               <a:pPr/>
-              <a:t>30/12/2025</a:t>
+              <a:t>31/12/2025</a:t>
             </a:fld>
             <a:endParaRPr lang="en-GB"/>
           </a:p>
@@ -1464,7 +1490,7 @@
             <a:fld id="{26EA1CF3-4A15-4CBF-9A5A-6A56C368BE71}" type="datetimeFigureOut">
               <a:rPr lang="en-GB" smtClean="0"/>
               <a:pPr/>
-              <a:t>30/12/2025</a:t>
+              <a:t>31/12/2025</a:t>
             </a:fld>
             <a:endParaRPr lang="en-GB"/>
           </a:p>
@@ -1631,7 +1657,7 @@
             <a:fld id="{26EA1CF3-4A15-4CBF-9A5A-6A56C368BE71}" type="datetimeFigureOut">
               <a:rPr lang="en-GB" smtClean="0"/>
               <a:pPr/>
-              <a:t>30/12/2025</a:t>
+              <a:t>31/12/2025</a:t>
             </a:fld>
             <a:endParaRPr lang="en-GB"/>
           </a:p>
@@ -1873,7 +1899,7 @@
             <a:fld id="{26EA1CF3-4A15-4CBF-9A5A-6A56C368BE71}" type="datetimeFigureOut">
               <a:rPr lang="en-GB" smtClean="0"/>
               <a:pPr/>
-              <a:t>30/12/2025</a:t>
+              <a:t>31/12/2025</a:t>
             </a:fld>
             <a:endParaRPr lang="en-GB"/>
           </a:p>
@@ -2155,7 +2181,7 @@
             <a:fld id="{26EA1CF3-4A15-4CBF-9A5A-6A56C368BE71}" type="datetimeFigureOut">
               <a:rPr lang="en-GB" smtClean="0"/>
               <a:pPr/>
-              <a:t>30/12/2025</a:t>
+              <a:t>31/12/2025</a:t>
             </a:fld>
             <a:endParaRPr lang="en-GB"/>
           </a:p>
@@ -2571,7 +2597,7 @@
             <a:fld id="{26EA1CF3-4A15-4CBF-9A5A-6A56C368BE71}" type="datetimeFigureOut">
               <a:rPr lang="en-GB" smtClean="0"/>
               <a:pPr/>
-              <a:t>30/12/2025</a:t>
+              <a:t>31/12/2025</a:t>
             </a:fld>
             <a:endParaRPr lang="en-GB"/>
           </a:p>
@@ -2685,7 +2711,7 @@
             <a:fld id="{26EA1CF3-4A15-4CBF-9A5A-6A56C368BE71}" type="datetimeFigureOut">
               <a:rPr lang="en-GB" smtClean="0"/>
               <a:pPr/>
-              <a:t>30/12/2025</a:t>
+              <a:t>31/12/2025</a:t>
             </a:fld>
             <a:endParaRPr lang="en-GB"/>
           </a:p>
@@ -2777,7 +2803,7 @@
             <a:fld id="{26EA1CF3-4A15-4CBF-9A5A-6A56C368BE71}" type="datetimeFigureOut">
               <a:rPr lang="en-GB" smtClean="0"/>
               <a:pPr/>
-              <a:t>30/12/2025</a:t>
+              <a:t>31/12/2025</a:t>
             </a:fld>
             <a:endParaRPr lang="en-GB"/>
           </a:p>
@@ -3049,7 +3075,7 @@
             <a:fld id="{26EA1CF3-4A15-4CBF-9A5A-6A56C368BE71}" type="datetimeFigureOut">
               <a:rPr lang="en-GB" smtClean="0"/>
               <a:pPr/>
-              <a:t>30/12/2025</a:t>
+              <a:t>31/12/2025</a:t>
             </a:fld>
             <a:endParaRPr lang="en-GB"/>
           </a:p>
@@ -3301,7 +3327,7 @@
             <a:fld id="{26EA1CF3-4A15-4CBF-9A5A-6A56C368BE71}" type="datetimeFigureOut">
               <a:rPr lang="en-GB" smtClean="0"/>
               <a:pPr/>
-              <a:t>30/12/2025</a:t>
+              <a:t>31/12/2025</a:t>
             </a:fld>
             <a:endParaRPr lang="en-GB"/>
           </a:p>
@@ -3510,7 +3536,7 @@
             <a:fld id="{26EA1CF3-4A15-4CBF-9A5A-6A56C368BE71}" type="datetimeFigureOut">
               <a:rPr lang="en-GB" smtClean="0"/>
               <a:pPr/>
-              <a:t>30/12/2025</a:t>
+              <a:t>31/12/2025</a:t>
             </a:fld>
             <a:endParaRPr lang="en-GB"/>
           </a:p>
@@ -9515,13 +9541,6 @@
                 </a:solidFill>
               </a:rPr>
             </a:br>
-            <a:endParaRPr lang="en-GB" sz="3600" dirty="0">
-              <a:solidFill>
-                <a:schemeClr val="bg1"/>
-              </a:solidFill>
-            </a:endParaRPr>
-          </a:p>
-          <a:p>
             <a:r>
               <a:rPr lang="en-GB" sz="3600" dirty="0">
                 <a:solidFill>
@@ -9529,6 +9548,16 @@
                 </a:solidFill>
               </a:rPr>
               <a:t>Every chance I get I bless Your name</a:t>
+            </a:r>
+          </a:p>
+          <a:p>
+            <a:r>
+              <a:rPr lang="en-GB" sz="3600" dirty="0">
+                <a:solidFill>
+                  <a:schemeClr val="bg1"/>
+                </a:solidFill>
+              </a:rPr>
+              <a:t>Every chance I get</a:t>
             </a:r>
           </a:p>
         </p:txBody>
@@ -10167,7 +10196,7 @@
         <p:cNvPr id="1" name="">
           <a:extLst>
             <a:ext uri="{FF2B5EF4-FFF2-40B4-BE49-F238E27FC236}">
-              <a16:creationId xmlns:a16="http://schemas.microsoft.com/office/drawing/2014/main" id="{F2525310-4871-8B33-B54C-57D1E051BDAF}"/>
+              <a16:creationId xmlns:a16="http://schemas.microsoft.com/office/drawing/2014/main" id="{3EBCB945-6F02-9F12-B07D-6CD51D16F101}"/>
             </a:ext>
           </a:extLst>
         </p:cNvPr>
@@ -10187,7 +10216,7 @@
           <p:cNvPr id="3" name="Subtitle 2">
             <a:extLst>
               <a:ext uri="{FF2B5EF4-FFF2-40B4-BE49-F238E27FC236}">
-                <a16:creationId xmlns:a16="http://schemas.microsoft.com/office/drawing/2014/main" id="{B10CE98F-FFCF-F56F-CD9C-D17D0EA9D9B4}"/>
+                <a16:creationId xmlns:a16="http://schemas.microsoft.com/office/drawing/2014/main" id="{F7534A78-BBC9-1A97-7851-C2029F421744}"/>
               </a:ext>
             </a:extLst>
           </p:cNvPr>
@@ -10216,37 +10245,75 @@
                   <a:schemeClr val="bg1"/>
                 </a:solidFill>
               </a:rPr>
-              <a:t>Come on and praise the Lord with me</a:t>
-            </a:r>
-          </a:p>
-          <a:p>
-            <a:r>
-              <a:rPr lang="en-GB" sz="3600" dirty="0">
-                <a:solidFill>
-                  <a:schemeClr val="bg1"/>
-                </a:solidFill>
-              </a:rPr>
-              <a:t>Sing if you love His name</a:t>
-            </a:r>
-          </a:p>
-          <a:p>
-            <a:r>
-              <a:rPr lang="en-GB" sz="3600" dirty="0">
-                <a:solidFill>
-                  <a:schemeClr val="bg1"/>
-                </a:solidFill>
-              </a:rPr>
-              <a:t>Come on and lift your voice with me</a:t>
-            </a:r>
-          </a:p>
-          <a:p>
-            <a:r>
-              <a:rPr lang="en-GB" sz="3600" dirty="0">
-                <a:solidFill>
-                  <a:schemeClr val="bg1"/>
-                </a:solidFill>
-              </a:rPr>
-              <a:t>He’s worthy of all our praise</a:t>
+              <a:t>Bless God for He holds the </a:t>
+            </a:r>
+            <a:r>
+              <a:rPr lang="en-GB" sz="3600" dirty="0" err="1">
+                <a:solidFill>
+                  <a:schemeClr val="bg1"/>
+                </a:solidFill>
+              </a:rPr>
+              <a:t>vict’ry</a:t>
+            </a:r>
+            <a:endParaRPr lang="en-GB" sz="3600" dirty="0">
+              <a:solidFill>
+                <a:schemeClr val="bg1"/>
+              </a:solidFill>
+            </a:endParaRPr>
+          </a:p>
+          <a:p>
+            <a:r>
+              <a:rPr lang="en-GB" sz="3600" dirty="0">
+                <a:solidFill>
+                  <a:schemeClr val="bg1"/>
+                </a:solidFill>
+              </a:rPr>
+              <a:t>Bless God for He’s always with me</a:t>
+            </a:r>
+          </a:p>
+          <a:p>
+            <a:r>
+              <a:rPr lang="en-GB" sz="3600" dirty="0">
+                <a:solidFill>
+                  <a:schemeClr val="bg1"/>
+                </a:solidFill>
+              </a:rPr>
+              <a:t>Bless God for He’s always worthy</a:t>
+            </a:r>
+          </a:p>
+          <a:p>
+            <a:r>
+              <a:rPr lang="en-GB" sz="3600" dirty="0">
+                <a:solidFill>
+                  <a:schemeClr val="bg1"/>
+                </a:solidFill>
+              </a:rPr>
+              <a:t>Every chance I get I bless Your name</a:t>
+            </a:r>
+            <a:br>
+              <a:rPr lang="en-GB" sz="3600" dirty="0">
+                <a:solidFill>
+                  <a:schemeClr val="bg1"/>
+                </a:solidFill>
+              </a:rPr>
+            </a:br>
+            <a:r>
+              <a:rPr lang="en-GB" sz="3600" dirty="0">
+                <a:solidFill>
+                  <a:schemeClr val="bg1"/>
+                </a:solidFill>
+              </a:rPr>
+              <a:t>Every chance I get I bless Your name</a:t>
+            </a:r>
+          </a:p>
+          <a:p>
+            <a:r>
+              <a:rPr lang="en-GB" sz="3600" dirty="0">
+                <a:solidFill>
+                  <a:schemeClr val="bg1"/>
+                </a:solidFill>
+              </a:rPr>
+              <a:t>Every chance I get</a:t>
             </a:r>
           </a:p>
         </p:txBody>
@@ -10256,7 +10323,7 @@
           <p:cNvPr id="4" name="TextBox 3">
             <a:extLst>
               <a:ext uri="{FF2B5EF4-FFF2-40B4-BE49-F238E27FC236}">
-                <a16:creationId xmlns:a16="http://schemas.microsoft.com/office/drawing/2014/main" id="{6D9D99B7-5BD9-8CC8-43FD-03C43BF4A9DE}"/>
+                <a16:creationId xmlns:a16="http://schemas.microsoft.com/office/drawing/2014/main" id="{E26C47D7-70F8-4B96-A968-56BA8EC1E9CE}"/>
               </a:ext>
             </a:extLst>
           </p:cNvPr>
@@ -10265,8 +10332,8 @@
         </p:nvSpPr>
         <p:spPr>
           <a:xfrm>
-            <a:off x="8316416" y="-14818"/>
-            <a:ext cx="784189" cy="461665"/>
+            <a:off x="8194495" y="0"/>
+            <a:ext cx="914019" cy="461665"/>
           </a:xfrm>
           <a:prstGeom prst="rect">
             <a:avLst/>
@@ -10274,7 +10341,7 @@
           <a:noFill/>
         </p:spPr>
         <p:txBody>
-          <a:bodyPr wrap="none" rtlCol="0">
+          <a:bodyPr wrap="square" rtlCol="0">
             <a:spAutoFit/>
           </a:bodyPr>
           <a:lstStyle/>
@@ -10293,7 +10360,7 @@
     </p:spTree>
     <p:extLst>
       <p:ext uri="{BB962C8B-B14F-4D97-AF65-F5344CB8AC3E}">
-        <p14:creationId xmlns:p14="http://schemas.microsoft.com/office/powerpoint/2010/main" val="1301738229"/>
+        <p14:creationId xmlns:p14="http://schemas.microsoft.com/office/powerpoint/2010/main" val="17218925"/>
       </p:ext>
     </p:extLst>
   </p:cSld>
@@ -10311,7 +10378,7 @@
         <p:cNvPr id="1" name="">
           <a:extLst>
             <a:ext uri="{FF2B5EF4-FFF2-40B4-BE49-F238E27FC236}">
-              <a16:creationId xmlns:a16="http://schemas.microsoft.com/office/drawing/2014/main" id="{F16750AD-7CEE-59A1-0EB0-8DE0AD5174E6}"/>
+              <a16:creationId xmlns:a16="http://schemas.microsoft.com/office/drawing/2014/main" id="{F2525310-4871-8B33-B54C-57D1E051BDAF}"/>
             </a:ext>
           </a:extLst>
         </p:cNvPr>
@@ -10331,7 +10398,7 @@
           <p:cNvPr id="3" name="Subtitle 2">
             <a:extLst>
               <a:ext uri="{FF2B5EF4-FFF2-40B4-BE49-F238E27FC236}">
-                <a16:creationId xmlns:a16="http://schemas.microsoft.com/office/drawing/2014/main" id="{4FF509A7-119E-C55B-8F57-AB7A39A23D7F}"/>
+                <a16:creationId xmlns:a16="http://schemas.microsoft.com/office/drawing/2014/main" id="{B10CE98F-FFCF-F56F-CD9C-D17D0EA9D9B4}"/>
               </a:ext>
             </a:extLst>
           </p:cNvPr>
@@ -10400,7 +10467,7 @@
           <p:cNvPr id="4" name="TextBox 3">
             <a:extLst>
               <a:ext uri="{FF2B5EF4-FFF2-40B4-BE49-F238E27FC236}">
-                <a16:creationId xmlns:a16="http://schemas.microsoft.com/office/drawing/2014/main" id="{4B962C56-5CB3-0CDD-257D-EE027C825571}"/>
+                <a16:creationId xmlns:a16="http://schemas.microsoft.com/office/drawing/2014/main" id="{6D9D99B7-5BD9-8CC8-43FD-03C43BF4A9DE}"/>
               </a:ext>
             </a:extLst>
           </p:cNvPr>
@@ -10437,7 +10504,7 @@
     </p:spTree>
     <p:extLst>
       <p:ext uri="{BB962C8B-B14F-4D97-AF65-F5344CB8AC3E}">
-        <p14:creationId xmlns:p14="http://schemas.microsoft.com/office/powerpoint/2010/main" val="416306510"/>
+        <p14:creationId xmlns:p14="http://schemas.microsoft.com/office/powerpoint/2010/main" val="1301738229"/>
       </p:ext>
     </p:extLst>
   </p:cSld>
@@ -13566,6 +13633,1068 @@
 </p:sld>
 </file>
 
+<file path=ppt/slides/slide62.xml><?xml version="1.0" encoding="utf-8"?>
+<p:sld xmlns:a="http://schemas.openxmlformats.org/drawingml/2006/main" xmlns:r="http://schemas.openxmlformats.org/officeDocument/2006/relationships" xmlns:p="http://schemas.openxmlformats.org/presentationml/2006/main">
+  <p:cSld>
+    <p:spTree>
+      <p:nvGrpSpPr>
+        <p:cNvPr id="1" name="">
+          <a:extLst>
+            <a:ext uri="{FF2B5EF4-FFF2-40B4-BE49-F238E27FC236}">
+              <a16:creationId xmlns:a16="http://schemas.microsoft.com/office/drawing/2014/main" id="{6B89F442-5FB2-7770-BCD7-22ADC987864B}"/>
+            </a:ext>
+          </a:extLst>
+        </p:cNvPr>
+        <p:cNvGrpSpPr/>
+        <p:nvPr/>
+      </p:nvGrpSpPr>
+      <p:grpSpPr>
+        <a:xfrm>
+          <a:off x="0" y="0"/>
+          <a:ext cx="0" cy="0"/>
+          <a:chOff x="0" y="0"/>
+          <a:chExt cx="0" cy="0"/>
+        </a:xfrm>
+      </p:grpSpPr>
+    </p:spTree>
+    <p:extLst>
+      <p:ext uri="{BB962C8B-B14F-4D97-AF65-F5344CB8AC3E}">
+        <p14:creationId xmlns:p14="http://schemas.microsoft.com/office/powerpoint/2010/main" val="851217212"/>
+      </p:ext>
+    </p:extLst>
+  </p:cSld>
+  <p:clrMapOvr>
+    <a:masterClrMapping/>
+  </p:clrMapOvr>
+</p:sld>
+</file>
+
+<file path=ppt/slides/slide63.xml><?xml version="1.0" encoding="utf-8"?>
+<p:sld xmlns:a="http://schemas.openxmlformats.org/drawingml/2006/main" xmlns:r="http://schemas.openxmlformats.org/officeDocument/2006/relationships" xmlns:p="http://schemas.openxmlformats.org/presentationml/2006/main">
+  <p:cSld>
+    <p:spTree>
+      <p:nvGrpSpPr>
+        <p:cNvPr id="1" name=""/>
+        <p:cNvGrpSpPr/>
+        <p:nvPr/>
+      </p:nvGrpSpPr>
+      <p:grpSpPr>
+        <a:xfrm>
+          <a:off x="0" y="0"/>
+          <a:ext cx="0" cy="0"/>
+          <a:chOff x="0" y="0"/>
+          <a:chExt cx="0" cy="0"/>
+        </a:xfrm>
+      </p:grpSpPr>
+      <p:sp>
+        <p:nvSpPr>
+          <p:cNvPr id="3" name="Subtitle 2"/>
+          <p:cNvSpPr>
+            <a:spLocks noGrp="1"/>
+          </p:cNvSpPr>
+          <p:nvPr>
+            <p:ph type="subTitle" idx="1"/>
+          </p:nvPr>
+        </p:nvSpPr>
+        <p:spPr>
+          <a:xfrm>
+            <a:off x="323528" y="188640"/>
+            <a:ext cx="8640960" cy="6480720"/>
+          </a:xfrm>
+        </p:spPr>
+        <p:txBody>
+          <a:bodyPr>
+            <a:noAutofit/>
+          </a:bodyPr>
+          <a:lstStyle/>
+          <a:p>
+            <a:endParaRPr lang="en-GB" sz="5400" dirty="0">
+              <a:solidFill>
+                <a:schemeClr val="bg1"/>
+              </a:solidFill>
+            </a:endParaRPr>
+          </a:p>
+          <a:p>
+            <a:r>
+              <a:rPr lang="en-GB" sz="6600" b="0" i="0" dirty="0">
+                <a:solidFill>
+                  <a:srgbClr val="00A3E0"/>
+                </a:solidFill>
+                <a:effectLst/>
+                <a:latin typeface="akagi_probook"/>
+              </a:rPr>
+              <a:t>Bless God</a:t>
+            </a:r>
+          </a:p>
+          <a:p>
+            <a:endParaRPr lang="en-GB" sz="1200" dirty="0">
+              <a:solidFill>
+                <a:schemeClr val="bg1"/>
+              </a:solidFill>
+            </a:endParaRPr>
+          </a:p>
+          <a:p>
+            <a:r>
+              <a:rPr lang="en-GB" sz="1200" dirty="0">
+                <a:solidFill>
+                  <a:schemeClr val="bg1"/>
+                </a:solidFill>
+              </a:rPr>
+              <a:t>CCLI Song # 7206380</a:t>
+            </a:r>
+          </a:p>
+          <a:p>
+            <a:r>
+              <a:rPr lang="en-GB" sz="1200" dirty="0">
+                <a:solidFill>
+                  <a:schemeClr val="bg1"/>
+                </a:solidFill>
+              </a:rPr>
+              <a:t>Brandon Lake | Brooke Ligertwood | Cody Carnes</a:t>
+            </a:r>
+          </a:p>
+          <a:p>
+            <a:r>
+              <a:rPr lang="en-GB" sz="1200" dirty="0">
+                <a:solidFill>
+                  <a:schemeClr val="bg1"/>
+                </a:solidFill>
+              </a:rPr>
+              <a:t>© 2023 Brandon Lake Music; Brooke Ligertwood Designee; Capitol CMG Paragon; Writer's Roof Publishing</a:t>
+            </a:r>
+          </a:p>
+          <a:p>
+            <a:r>
+              <a:rPr lang="en-GB" sz="1200" dirty="0">
+                <a:solidFill>
+                  <a:schemeClr val="bg1"/>
+                </a:solidFill>
+              </a:rPr>
+              <a:t>For use solely with the </a:t>
+            </a:r>
+            <a:r>
+              <a:rPr lang="en-GB" sz="1200" dirty="0" err="1">
+                <a:solidFill>
+                  <a:schemeClr val="bg1"/>
+                </a:solidFill>
+              </a:rPr>
+              <a:t>SongSelect</a:t>
+            </a:r>
+            <a:r>
+              <a:rPr lang="en-GB" sz="1200" dirty="0">
+                <a:solidFill>
+                  <a:schemeClr val="bg1"/>
+                </a:solidFill>
+              </a:rPr>
+              <a:t>® Terms of Use. All rights reserved. www.ccli.com</a:t>
+            </a:r>
+          </a:p>
+        </p:txBody>
+      </p:sp>
+    </p:spTree>
+  </p:cSld>
+  <p:clrMapOvr>
+    <a:masterClrMapping/>
+  </p:clrMapOvr>
+</p:sld>
+</file>
+
+<file path=ppt/slides/slide64.xml><?xml version="1.0" encoding="utf-8"?>
+<p:sld xmlns:a="http://schemas.openxmlformats.org/drawingml/2006/main" xmlns:r="http://schemas.openxmlformats.org/officeDocument/2006/relationships" xmlns:p="http://schemas.openxmlformats.org/presentationml/2006/main">
+  <p:cSld>
+    <p:spTree>
+      <p:nvGrpSpPr>
+        <p:cNvPr id="1" name=""/>
+        <p:cNvGrpSpPr/>
+        <p:nvPr/>
+      </p:nvGrpSpPr>
+      <p:grpSpPr>
+        <a:xfrm>
+          <a:off x="0" y="0"/>
+          <a:ext cx="0" cy="0"/>
+          <a:chOff x="0" y="0"/>
+          <a:chExt cx="0" cy="0"/>
+        </a:xfrm>
+      </p:grpSpPr>
+      <p:sp>
+        <p:nvSpPr>
+          <p:cNvPr id="3" name="Subtitle 2"/>
+          <p:cNvSpPr>
+            <a:spLocks noGrp="1"/>
+          </p:cNvSpPr>
+          <p:nvPr>
+            <p:ph type="subTitle" idx="1"/>
+          </p:nvPr>
+        </p:nvSpPr>
+        <p:spPr>
+          <a:xfrm>
+            <a:off x="203118" y="692696"/>
+            <a:ext cx="8640960" cy="6480720"/>
+          </a:xfrm>
+        </p:spPr>
+        <p:txBody>
+          <a:bodyPr>
+            <a:noAutofit/>
+          </a:bodyPr>
+          <a:lstStyle/>
+          <a:p>
+            <a:r>
+              <a:rPr lang="en-GB" sz="3600" dirty="0">
+                <a:solidFill>
+                  <a:schemeClr val="bg1"/>
+                </a:solidFill>
+              </a:rPr>
+              <a:t>Blessed are those who run to Him</a:t>
+            </a:r>
+          </a:p>
+          <a:p>
+            <a:r>
+              <a:rPr lang="en-GB" sz="3600" dirty="0">
+                <a:solidFill>
+                  <a:schemeClr val="bg1"/>
+                </a:solidFill>
+              </a:rPr>
+              <a:t>Who place their hope and confidence in Jesus</a:t>
+            </a:r>
+          </a:p>
+          <a:p>
+            <a:r>
+              <a:rPr lang="en-GB" sz="3600" dirty="0">
+                <a:solidFill>
+                  <a:schemeClr val="bg1"/>
+                </a:solidFill>
+              </a:rPr>
+              <a:t>He won’t forsake them</a:t>
+            </a:r>
+          </a:p>
+          <a:p>
+            <a:r>
+              <a:rPr lang="en-GB" sz="3600" dirty="0">
+                <a:solidFill>
+                  <a:schemeClr val="bg1"/>
+                </a:solidFill>
+              </a:rPr>
+              <a:t>Blessed are those who seek His face</a:t>
+            </a:r>
+          </a:p>
+          <a:p>
+            <a:r>
+              <a:rPr lang="en-GB" sz="3600" dirty="0">
+                <a:solidFill>
+                  <a:schemeClr val="bg1"/>
+                </a:solidFill>
+              </a:rPr>
+              <a:t>Who bend their knee and fix their gaze on Jesus</a:t>
+            </a:r>
+          </a:p>
+          <a:p>
+            <a:r>
+              <a:rPr lang="en-GB" sz="3600" dirty="0">
+                <a:solidFill>
+                  <a:schemeClr val="bg1"/>
+                </a:solidFill>
+              </a:rPr>
+              <a:t>They won’t be shaken</a:t>
+            </a:r>
+          </a:p>
+        </p:txBody>
+      </p:sp>
+      <p:sp>
+        <p:nvSpPr>
+          <p:cNvPr id="4" name="TextBox 3"/>
+          <p:cNvSpPr txBox="1"/>
+          <p:nvPr/>
+        </p:nvSpPr>
+        <p:spPr>
+          <a:xfrm>
+            <a:off x="8396323" y="0"/>
+            <a:ext cx="784189" cy="461665"/>
+          </a:xfrm>
+          <a:prstGeom prst="rect">
+            <a:avLst/>
+          </a:prstGeom>
+          <a:noFill/>
+        </p:spPr>
+        <p:txBody>
+          <a:bodyPr wrap="none" rtlCol="0">
+            <a:spAutoFit/>
+          </a:bodyPr>
+          <a:lstStyle/>
+          <a:p>
+            <a:r>
+              <a:rPr lang="en-GB" sz="2400" b="1" dirty="0">
+                <a:solidFill>
+                  <a:schemeClr val="bg1"/>
+                </a:solidFill>
+              </a:rPr>
+              <a:t>1/11</a:t>
+            </a:r>
+          </a:p>
+        </p:txBody>
+      </p:sp>
+    </p:spTree>
+    <p:extLst>
+      <p:ext uri="{BB962C8B-B14F-4D97-AF65-F5344CB8AC3E}">
+        <p14:creationId xmlns:p14="http://schemas.microsoft.com/office/powerpoint/2010/main" val="663203440"/>
+      </p:ext>
+    </p:extLst>
+  </p:cSld>
+  <p:clrMapOvr>
+    <a:masterClrMapping/>
+  </p:clrMapOvr>
+</p:sld>
+</file>
+
+<file path=ppt/slides/slide65.xml><?xml version="1.0" encoding="utf-8"?>
+<p:sld xmlns:a="http://schemas.openxmlformats.org/drawingml/2006/main" xmlns:r="http://schemas.openxmlformats.org/officeDocument/2006/relationships" xmlns:p="http://schemas.openxmlformats.org/presentationml/2006/main">
+  <p:cSld>
+    <p:spTree>
+      <p:nvGrpSpPr>
+        <p:cNvPr id="1" name="">
+          <a:extLst>
+            <a:ext uri="{FF2B5EF4-FFF2-40B4-BE49-F238E27FC236}">
+              <a16:creationId xmlns:a16="http://schemas.microsoft.com/office/drawing/2014/main" id="{FF728838-C0FA-C339-E16F-5A439F077B0D}"/>
+            </a:ext>
+          </a:extLst>
+        </p:cNvPr>
+        <p:cNvGrpSpPr/>
+        <p:nvPr/>
+      </p:nvGrpSpPr>
+      <p:grpSpPr>
+        <a:xfrm>
+          <a:off x="0" y="0"/>
+          <a:ext cx="0" cy="0"/>
+          <a:chOff x="0" y="0"/>
+          <a:chExt cx="0" cy="0"/>
+        </a:xfrm>
+      </p:grpSpPr>
+      <p:sp>
+        <p:nvSpPr>
+          <p:cNvPr id="3" name="Subtitle 2">
+            <a:extLst>
+              <a:ext uri="{FF2B5EF4-FFF2-40B4-BE49-F238E27FC236}">
+                <a16:creationId xmlns:a16="http://schemas.microsoft.com/office/drawing/2014/main" id="{3ED7BE0D-C14E-5761-2D6B-4757AD653BB3}"/>
+              </a:ext>
+            </a:extLst>
+          </p:cNvPr>
+          <p:cNvSpPr>
+            <a:spLocks noGrp="1"/>
+          </p:cNvSpPr>
+          <p:nvPr>
+            <p:ph type="subTitle" idx="1"/>
+          </p:nvPr>
+        </p:nvSpPr>
+        <p:spPr>
+          <a:xfrm>
+            <a:off x="203118" y="692696"/>
+            <a:ext cx="8640960" cy="6480720"/>
+          </a:xfrm>
+        </p:spPr>
+        <p:txBody>
+          <a:bodyPr>
+            <a:noAutofit/>
+          </a:bodyPr>
+          <a:lstStyle/>
+          <a:p>
+            <a:r>
+              <a:rPr lang="en-GB" sz="3600" dirty="0">
+                <a:solidFill>
+                  <a:schemeClr val="bg1"/>
+                </a:solidFill>
+              </a:rPr>
+              <a:t>Come on and praise the Lord with me</a:t>
+            </a:r>
+          </a:p>
+          <a:p>
+            <a:r>
+              <a:rPr lang="en-GB" sz="3600" dirty="0">
+                <a:solidFill>
+                  <a:schemeClr val="bg1"/>
+                </a:solidFill>
+              </a:rPr>
+              <a:t>Sing if you love His name</a:t>
+            </a:r>
+          </a:p>
+          <a:p>
+            <a:r>
+              <a:rPr lang="en-GB" sz="3600" dirty="0">
+                <a:solidFill>
+                  <a:schemeClr val="bg1"/>
+                </a:solidFill>
+              </a:rPr>
+              <a:t>Come on and lift your voice with me</a:t>
+            </a:r>
+          </a:p>
+          <a:p>
+            <a:r>
+              <a:rPr lang="en-GB" sz="3600" dirty="0">
+                <a:solidFill>
+                  <a:schemeClr val="bg1"/>
+                </a:solidFill>
+              </a:rPr>
+              <a:t>He’s worthy of all our praise</a:t>
+            </a:r>
+          </a:p>
+        </p:txBody>
+      </p:sp>
+      <p:sp>
+        <p:nvSpPr>
+          <p:cNvPr id="4" name="TextBox 3">
+            <a:extLst>
+              <a:ext uri="{FF2B5EF4-FFF2-40B4-BE49-F238E27FC236}">
+                <a16:creationId xmlns:a16="http://schemas.microsoft.com/office/drawing/2014/main" id="{D61770E6-11E5-F766-740C-162EB63DC923}"/>
+              </a:ext>
+            </a:extLst>
+          </p:cNvPr>
+          <p:cNvSpPr txBox="1"/>
+          <p:nvPr/>
+        </p:nvSpPr>
+        <p:spPr>
+          <a:xfrm>
+            <a:off x="8316416" y="0"/>
+            <a:ext cx="784189" cy="461665"/>
+          </a:xfrm>
+          <a:prstGeom prst="rect">
+            <a:avLst/>
+          </a:prstGeom>
+          <a:noFill/>
+        </p:spPr>
+        <p:txBody>
+          <a:bodyPr wrap="none" rtlCol="0">
+            <a:spAutoFit/>
+          </a:bodyPr>
+          <a:lstStyle/>
+          <a:p>
+            <a:r>
+              <a:rPr lang="en-GB" sz="2400" b="1" dirty="0">
+                <a:solidFill>
+                  <a:schemeClr val="bg1"/>
+                </a:solidFill>
+              </a:rPr>
+              <a:t>2/11</a:t>
+            </a:r>
+          </a:p>
+        </p:txBody>
+      </p:sp>
+    </p:spTree>
+    <p:extLst>
+      <p:ext uri="{BB962C8B-B14F-4D97-AF65-F5344CB8AC3E}">
+        <p14:creationId xmlns:p14="http://schemas.microsoft.com/office/powerpoint/2010/main" val="566770482"/>
+      </p:ext>
+    </p:extLst>
+  </p:cSld>
+  <p:clrMapOvr>
+    <a:masterClrMapping/>
+  </p:clrMapOvr>
+</p:sld>
+</file>
+
+<file path=ppt/slides/slide66.xml><?xml version="1.0" encoding="utf-8"?>
+<p:sld xmlns:a="http://schemas.openxmlformats.org/drawingml/2006/main" xmlns:r="http://schemas.openxmlformats.org/officeDocument/2006/relationships" xmlns:p="http://schemas.openxmlformats.org/presentationml/2006/main">
+  <p:cSld>
+    <p:spTree>
+      <p:nvGrpSpPr>
+        <p:cNvPr id="1" name="">
+          <a:extLst>
+            <a:ext uri="{FF2B5EF4-FFF2-40B4-BE49-F238E27FC236}">
+              <a16:creationId xmlns:a16="http://schemas.microsoft.com/office/drawing/2014/main" id="{3E791D09-9D12-9403-DF28-2FE616D1DDA8}"/>
+            </a:ext>
+          </a:extLst>
+        </p:cNvPr>
+        <p:cNvGrpSpPr/>
+        <p:nvPr/>
+      </p:nvGrpSpPr>
+      <p:grpSpPr>
+        <a:xfrm>
+          <a:off x="0" y="0"/>
+          <a:ext cx="0" cy="0"/>
+          <a:chOff x="0" y="0"/>
+          <a:chExt cx="0" cy="0"/>
+        </a:xfrm>
+      </p:grpSpPr>
+      <p:sp>
+        <p:nvSpPr>
+          <p:cNvPr id="3" name="Subtitle 2">
+            <a:extLst>
+              <a:ext uri="{FF2B5EF4-FFF2-40B4-BE49-F238E27FC236}">
+                <a16:creationId xmlns:a16="http://schemas.microsoft.com/office/drawing/2014/main" id="{314DE41F-6BDC-916A-4205-946750AC8C71}"/>
+              </a:ext>
+            </a:extLst>
+          </p:cNvPr>
+          <p:cNvSpPr>
+            <a:spLocks noGrp="1"/>
+          </p:cNvSpPr>
+          <p:nvPr>
+            <p:ph type="subTitle" idx="1"/>
+          </p:nvPr>
+        </p:nvSpPr>
+        <p:spPr>
+          <a:xfrm>
+            <a:off x="203118" y="692696"/>
+            <a:ext cx="8640960" cy="6480720"/>
+          </a:xfrm>
+        </p:spPr>
+        <p:txBody>
+          <a:bodyPr>
+            <a:noAutofit/>
+          </a:bodyPr>
+          <a:lstStyle/>
+          <a:p>
+            <a:r>
+              <a:rPr lang="en-GB" sz="3600" dirty="0">
+                <a:solidFill>
+                  <a:schemeClr val="bg1"/>
+                </a:solidFill>
+              </a:rPr>
+              <a:t>Blessed are those who walk with Him</a:t>
+            </a:r>
+          </a:p>
+          <a:p>
+            <a:r>
+              <a:rPr lang="en-GB" sz="3600" dirty="0">
+                <a:solidFill>
+                  <a:schemeClr val="bg1"/>
+                </a:solidFill>
+              </a:rPr>
+              <a:t>Whose hearts are set on pilgrimage with Jesus</a:t>
+            </a:r>
+          </a:p>
+          <a:p>
+            <a:r>
+              <a:rPr lang="en-GB" sz="3600" dirty="0">
+                <a:solidFill>
+                  <a:schemeClr val="bg1"/>
+                </a:solidFill>
+              </a:rPr>
+              <a:t>They’ll see His glory</a:t>
+            </a:r>
+          </a:p>
+          <a:p>
+            <a:r>
+              <a:rPr lang="en-GB" sz="3600" dirty="0">
+                <a:solidFill>
+                  <a:schemeClr val="bg1"/>
+                </a:solidFill>
+              </a:rPr>
+              <a:t>Blessed are those who die to live</a:t>
+            </a:r>
+          </a:p>
+          <a:p>
+            <a:r>
+              <a:rPr lang="en-GB" sz="3600" dirty="0">
+                <a:solidFill>
+                  <a:schemeClr val="bg1"/>
+                </a:solidFill>
+              </a:rPr>
+              <a:t>Whose joy it is to give it all for Jesus</a:t>
+            </a:r>
+          </a:p>
+          <a:p>
+            <a:r>
+              <a:rPr lang="en-GB" sz="3600" dirty="0">
+                <a:solidFill>
+                  <a:schemeClr val="bg1"/>
+                </a:solidFill>
+              </a:rPr>
+              <a:t>And for Him only</a:t>
+            </a:r>
+          </a:p>
+          <a:p>
+            <a:r>
+              <a:rPr lang="en-GB" sz="3600" dirty="0">
+                <a:solidFill>
+                  <a:schemeClr val="bg1"/>
+                </a:solidFill>
+              </a:rPr>
+              <a:t>Oh Jesus all for Your glory</a:t>
+            </a:r>
+          </a:p>
+        </p:txBody>
+      </p:sp>
+      <p:sp>
+        <p:nvSpPr>
+          <p:cNvPr id="4" name="TextBox 3">
+            <a:extLst>
+              <a:ext uri="{FF2B5EF4-FFF2-40B4-BE49-F238E27FC236}">
+                <a16:creationId xmlns:a16="http://schemas.microsoft.com/office/drawing/2014/main" id="{78932DDC-277B-2BB1-0C21-7244B3A977BF}"/>
+              </a:ext>
+            </a:extLst>
+          </p:cNvPr>
+          <p:cNvSpPr txBox="1"/>
+          <p:nvPr/>
+        </p:nvSpPr>
+        <p:spPr>
+          <a:xfrm>
+            <a:off x="8235898" y="0"/>
+            <a:ext cx="784189" cy="461665"/>
+          </a:xfrm>
+          <a:prstGeom prst="rect">
+            <a:avLst/>
+          </a:prstGeom>
+          <a:noFill/>
+        </p:spPr>
+        <p:txBody>
+          <a:bodyPr wrap="none" rtlCol="0">
+            <a:spAutoFit/>
+          </a:bodyPr>
+          <a:lstStyle/>
+          <a:p>
+            <a:r>
+              <a:rPr lang="en-GB" sz="2400" b="1" dirty="0">
+                <a:solidFill>
+                  <a:schemeClr val="bg1"/>
+                </a:solidFill>
+              </a:rPr>
+              <a:t>3/11</a:t>
+            </a:r>
+          </a:p>
+        </p:txBody>
+      </p:sp>
+    </p:spTree>
+    <p:extLst>
+      <p:ext uri="{BB962C8B-B14F-4D97-AF65-F5344CB8AC3E}">
+        <p14:creationId xmlns:p14="http://schemas.microsoft.com/office/powerpoint/2010/main" val="515809572"/>
+      </p:ext>
+    </p:extLst>
+  </p:cSld>
+  <p:clrMapOvr>
+    <a:masterClrMapping/>
+  </p:clrMapOvr>
+</p:sld>
+</file>
+
+<file path=ppt/slides/slide67.xml><?xml version="1.0" encoding="utf-8"?>
+<p:sld xmlns:a="http://schemas.openxmlformats.org/drawingml/2006/main" xmlns:r="http://schemas.openxmlformats.org/officeDocument/2006/relationships" xmlns:p="http://schemas.openxmlformats.org/presentationml/2006/main">
+  <p:cSld>
+    <p:spTree>
+      <p:nvGrpSpPr>
+        <p:cNvPr id="1" name="">
+          <a:extLst>
+            <a:ext uri="{FF2B5EF4-FFF2-40B4-BE49-F238E27FC236}">
+              <a16:creationId xmlns:a16="http://schemas.microsoft.com/office/drawing/2014/main" id="{A5F22C2C-E618-61BF-ECFE-D59B2753A869}"/>
+            </a:ext>
+          </a:extLst>
+        </p:cNvPr>
+        <p:cNvGrpSpPr/>
+        <p:nvPr/>
+      </p:nvGrpSpPr>
+      <p:grpSpPr>
+        <a:xfrm>
+          <a:off x="0" y="0"/>
+          <a:ext cx="0" cy="0"/>
+          <a:chOff x="0" y="0"/>
+          <a:chExt cx="0" cy="0"/>
+        </a:xfrm>
+      </p:grpSpPr>
+      <p:sp>
+        <p:nvSpPr>
+          <p:cNvPr id="3" name="Subtitle 2">
+            <a:extLst>
+              <a:ext uri="{FF2B5EF4-FFF2-40B4-BE49-F238E27FC236}">
+                <a16:creationId xmlns:a16="http://schemas.microsoft.com/office/drawing/2014/main" id="{D7E489CD-C977-1727-092F-F14A4A904E73}"/>
+              </a:ext>
+            </a:extLst>
+          </p:cNvPr>
+          <p:cNvSpPr>
+            <a:spLocks noGrp="1"/>
+          </p:cNvSpPr>
+          <p:nvPr>
+            <p:ph type="subTitle" idx="1"/>
+          </p:nvPr>
+        </p:nvSpPr>
+        <p:spPr>
+          <a:xfrm>
+            <a:off x="203118" y="692696"/>
+            <a:ext cx="8640960" cy="6480720"/>
+          </a:xfrm>
+        </p:spPr>
+        <p:txBody>
+          <a:bodyPr>
+            <a:noAutofit/>
+          </a:bodyPr>
+          <a:lstStyle/>
+          <a:p>
+            <a:r>
+              <a:rPr lang="en-GB" sz="3600" dirty="0">
+                <a:solidFill>
+                  <a:schemeClr val="bg1"/>
+                </a:solidFill>
+              </a:rPr>
+              <a:t>Come on and praise the Lord with me</a:t>
+            </a:r>
+          </a:p>
+          <a:p>
+            <a:r>
+              <a:rPr lang="en-GB" sz="3600" dirty="0">
+                <a:solidFill>
+                  <a:schemeClr val="bg1"/>
+                </a:solidFill>
+              </a:rPr>
+              <a:t>Sing if you love His name</a:t>
+            </a:r>
+          </a:p>
+          <a:p>
+            <a:r>
+              <a:rPr lang="en-GB" sz="3600" dirty="0">
+                <a:solidFill>
+                  <a:schemeClr val="bg1"/>
+                </a:solidFill>
+              </a:rPr>
+              <a:t>Come on and lift your voice with me</a:t>
+            </a:r>
+          </a:p>
+          <a:p>
+            <a:r>
+              <a:rPr lang="en-GB" sz="3600" dirty="0">
+                <a:solidFill>
+                  <a:schemeClr val="bg1"/>
+                </a:solidFill>
+              </a:rPr>
+              <a:t>He’s worthy of all our praise</a:t>
+            </a:r>
+          </a:p>
+        </p:txBody>
+      </p:sp>
+      <p:sp>
+        <p:nvSpPr>
+          <p:cNvPr id="4" name="TextBox 3">
+            <a:extLst>
+              <a:ext uri="{FF2B5EF4-FFF2-40B4-BE49-F238E27FC236}">
+                <a16:creationId xmlns:a16="http://schemas.microsoft.com/office/drawing/2014/main" id="{F404607E-DCA5-A65C-5199-EDDE102ACFCC}"/>
+              </a:ext>
+            </a:extLst>
+          </p:cNvPr>
+          <p:cNvSpPr txBox="1"/>
+          <p:nvPr/>
+        </p:nvSpPr>
+        <p:spPr>
+          <a:xfrm>
+            <a:off x="8388424" y="24046"/>
+            <a:ext cx="784189" cy="461665"/>
+          </a:xfrm>
+          <a:prstGeom prst="rect">
+            <a:avLst/>
+          </a:prstGeom>
+          <a:noFill/>
+        </p:spPr>
+        <p:txBody>
+          <a:bodyPr wrap="none" rtlCol="0">
+            <a:spAutoFit/>
+          </a:bodyPr>
+          <a:lstStyle/>
+          <a:p>
+            <a:r>
+              <a:rPr lang="en-GB" sz="2400" b="1" dirty="0">
+                <a:solidFill>
+                  <a:schemeClr val="bg1"/>
+                </a:solidFill>
+              </a:rPr>
+              <a:t>4/11</a:t>
+            </a:r>
+          </a:p>
+        </p:txBody>
+      </p:sp>
+    </p:spTree>
+    <p:extLst>
+      <p:ext uri="{BB962C8B-B14F-4D97-AF65-F5344CB8AC3E}">
+        <p14:creationId xmlns:p14="http://schemas.microsoft.com/office/powerpoint/2010/main" val="1751724024"/>
+      </p:ext>
+    </p:extLst>
+  </p:cSld>
+  <p:clrMapOvr>
+    <a:masterClrMapping/>
+  </p:clrMapOvr>
+</p:sld>
+</file>
+
+<file path=ppt/slides/slide68.xml><?xml version="1.0" encoding="utf-8"?>
+<p:sld xmlns:a="http://schemas.openxmlformats.org/drawingml/2006/main" xmlns:r="http://schemas.openxmlformats.org/officeDocument/2006/relationships" xmlns:p="http://schemas.openxmlformats.org/presentationml/2006/main">
+  <p:cSld>
+    <p:spTree>
+      <p:nvGrpSpPr>
+        <p:cNvPr id="1" name="">
+          <a:extLst>
+            <a:ext uri="{FF2B5EF4-FFF2-40B4-BE49-F238E27FC236}">
+              <a16:creationId xmlns:a16="http://schemas.microsoft.com/office/drawing/2014/main" id="{1C635DE3-B274-AD1D-AE88-87F4B67AC80E}"/>
+            </a:ext>
+          </a:extLst>
+        </p:cNvPr>
+        <p:cNvGrpSpPr/>
+        <p:nvPr/>
+      </p:nvGrpSpPr>
+      <p:grpSpPr>
+        <a:xfrm>
+          <a:off x="0" y="0"/>
+          <a:ext cx="0" cy="0"/>
+          <a:chOff x="0" y="0"/>
+          <a:chExt cx="0" cy="0"/>
+        </a:xfrm>
+      </p:grpSpPr>
+      <p:sp>
+        <p:nvSpPr>
+          <p:cNvPr id="3" name="Subtitle 2">
+            <a:extLst>
+              <a:ext uri="{FF2B5EF4-FFF2-40B4-BE49-F238E27FC236}">
+                <a16:creationId xmlns:a16="http://schemas.microsoft.com/office/drawing/2014/main" id="{16D3780D-19B1-910F-F5F8-88D5FE262C89}"/>
+              </a:ext>
+            </a:extLst>
+          </p:cNvPr>
+          <p:cNvSpPr>
+            <a:spLocks noGrp="1"/>
+          </p:cNvSpPr>
+          <p:nvPr>
+            <p:ph type="subTitle" idx="1"/>
+          </p:nvPr>
+        </p:nvSpPr>
+        <p:spPr>
+          <a:xfrm>
+            <a:off x="203118" y="692696"/>
+            <a:ext cx="8640960" cy="6480720"/>
+          </a:xfrm>
+        </p:spPr>
+        <p:txBody>
+          <a:bodyPr>
+            <a:noAutofit/>
+          </a:bodyPr>
+          <a:lstStyle/>
+          <a:p>
+            <a:r>
+              <a:rPr lang="en-GB" sz="3600" dirty="0">
+                <a:solidFill>
+                  <a:schemeClr val="bg1"/>
+                </a:solidFill>
+              </a:rPr>
+              <a:t>Come on and bring your offering</a:t>
+            </a:r>
+          </a:p>
+          <a:p>
+            <a:r>
+              <a:rPr lang="en-GB" sz="3600" dirty="0">
+                <a:solidFill>
+                  <a:schemeClr val="bg1"/>
+                </a:solidFill>
+              </a:rPr>
+              <a:t>Sing if you’ve known His grace</a:t>
+            </a:r>
+          </a:p>
+          <a:p>
+            <a:r>
+              <a:rPr lang="en-GB" sz="3600" dirty="0">
+                <a:solidFill>
+                  <a:schemeClr val="bg1"/>
+                </a:solidFill>
+              </a:rPr>
+              <a:t>Come on and lift up your holy hands</a:t>
+            </a:r>
+          </a:p>
+          <a:p>
+            <a:r>
+              <a:rPr lang="en-GB" sz="3600" dirty="0">
+                <a:solidFill>
+                  <a:schemeClr val="bg1"/>
+                </a:solidFill>
+              </a:rPr>
+              <a:t>He’s worthy of all our praise</a:t>
+            </a:r>
+          </a:p>
+        </p:txBody>
+      </p:sp>
+      <p:sp>
+        <p:nvSpPr>
+          <p:cNvPr id="4" name="TextBox 3">
+            <a:extLst>
+              <a:ext uri="{FF2B5EF4-FFF2-40B4-BE49-F238E27FC236}">
+                <a16:creationId xmlns:a16="http://schemas.microsoft.com/office/drawing/2014/main" id="{39E3C34B-3718-CFCC-62E1-1B6B320144BA}"/>
+              </a:ext>
+            </a:extLst>
+          </p:cNvPr>
+          <p:cNvSpPr txBox="1"/>
+          <p:nvPr/>
+        </p:nvSpPr>
+        <p:spPr>
+          <a:xfrm>
+            <a:off x="8388424" y="0"/>
+            <a:ext cx="784189" cy="461665"/>
+          </a:xfrm>
+          <a:prstGeom prst="rect">
+            <a:avLst/>
+          </a:prstGeom>
+          <a:noFill/>
+        </p:spPr>
+        <p:txBody>
+          <a:bodyPr wrap="none" rtlCol="0">
+            <a:spAutoFit/>
+          </a:bodyPr>
+          <a:lstStyle/>
+          <a:p>
+            <a:r>
+              <a:rPr lang="en-GB" sz="2400" b="1" dirty="0">
+                <a:solidFill>
+                  <a:schemeClr val="bg1"/>
+                </a:solidFill>
+              </a:rPr>
+              <a:t>5/11</a:t>
+            </a:r>
+          </a:p>
+        </p:txBody>
+      </p:sp>
+    </p:spTree>
+    <p:extLst>
+      <p:ext uri="{BB962C8B-B14F-4D97-AF65-F5344CB8AC3E}">
+        <p14:creationId xmlns:p14="http://schemas.microsoft.com/office/powerpoint/2010/main" val="1067192115"/>
+      </p:ext>
+    </p:extLst>
+  </p:cSld>
+  <p:clrMapOvr>
+    <a:masterClrMapping/>
+  </p:clrMapOvr>
+</p:sld>
+</file>
+
+<file path=ppt/slides/slide69.xml><?xml version="1.0" encoding="utf-8"?>
+<p:sld xmlns:a="http://schemas.openxmlformats.org/drawingml/2006/main" xmlns:r="http://schemas.openxmlformats.org/officeDocument/2006/relationships" xmlns:p="http://schemas.openxmlformats.org/presentationml/2006/main">
+  <p:cSld>
+    <p:spTree>
+      <p:nvGrpSpPr>
+        <p:cNvPr id="1" name="">
+          <a:extLst>
+            <a:ext uri="{FF2B5EF4-FFF2-40B4-BE49-F238E27FC236}">
+              <a16:creationId xmlns:a16="http://schemas.microsoft.com/office/drawing/2014/main" id="{E817E5BD-2125-1602-8408-6B7C49A7F5D3}"/>
+            </a:ext>
+          </a:extLst>
+        </p:cNvPr>
+        <p:cNvGrpSpPr/>
+        <p:nvPr/>
+      </p:nvGrpSpPr>
+      <p:grpSpPr>
+        <a:xfrm>
+          <a:off x="0" y="0"/>
+          <a:ext cx="0" cy="0"/>
+          <a:chOff x="0" y="0"/>
+          <a:chExt cx="0" cy="0"/>
+        </a:xfrm>
+      </p:grpSpPr>
+      <p:sp>
+        <p:nvSpPr>
+          <p:cNvPr id="3" name="Subtitle 2">
+            <a:extLst>
+              <a:ext uri="{FF2B5EF4-FFF2-40B4-BE49-F238E27FC236}">
+                <a16:creationId xmlns:a16="http://schemas.microsoft.com/office/drawing/2014/main" id="{04E3E246-0DAD-2C25-CFA4-502E18F8B9AF}"/>
+              </a:ext>
+            </a:extLst>
+          </p:cNvPr>
+          <p:cNvSpPr>
+            <a:spLocks noGrp="1"/>
+          </p:cNvSpPr>
+          <p:nvPr>
+            <p:ph type="subTitle" idx="1"/>
+          </p:nvPr>
+        </p:nvSpPr>
+        <p:spPr>
+          <a:xfrm>
+            <a:off x="203118" y="692696"/>
+            <a:ext cx="8640960" cy="6480720"/>
+          </a:xfrm>
+        </p:spPr>
+        <p:txBody>
+          <a:bodyPr>
+            <a:noAutofit/>
+          </a:bodyPr>
+          <a:lstStyle/>
+          <a:p>
+            <a:r>
+              <a:rPr lang="en-GB" sz="3600" dirty="0">
+                <a:solidFill>
+                  <a:schemeClr val="bg1"/>
+                </a:solidFill>
+              </a:rPr>
+              <a:t>Bless God in the sanctuary</a:t>
+            </a:r>
+          </a:p>
+          <a:p>
+            <a:r>
+              <a:rPr lang="en-GB" sz="3600" dirty="0">
+                <a:solidFill>
+                  <a:schemeClr val="bg1"/>
+                </a:solidFill>
+              </a:rPr>
+              <a:t>Bless God in the fields of plenty</a:t>
+            </a:r>
+          </a:p>
+          <a:p>
+            <a:r>
+              <a:rPr lang="en-GB" sz="3600" dirty="0">
+                <a:solidFill>
+                  <a:schemeClr val="bg1"/>
+                </a:solidFill>
+              </a:rPr>
+              <a:t>Bless God in the darkest valley</a:t>
+            </a:r>
+          </a:p>
+          <a:p>
+            <a:r>
+              <a:rPr lang="en-GB" sz="3600" dirty="0">
+                <a:solidFill>
+                  <a:schemeClr val="bg1"/>
+                </a:solidFill>
+              </a:rPr>
+              <a:t>Every chance I get I bless Your name</a:t>
+            </a:r>
+          </a:p>
+        </p:txBody>
+      </p:sp>
+      <p:sp>
+        <p:nvSpPr>
+          <p:cNvPr id="4" name="TextBox 3">
+            <a:extLst>
+              <a:ext uri="{FF2B5EF4-FFF2-40B4-BE49-F238E27FC236}">
+                <a16:creationId xmlns:a16="http://schemas.microsoft.com/office/drawing/2014/main" id="{0E5447DD-4F98-9272-756F-80E83EFECD35}"/>
+              </a:ext>
+            </a:extLst>
+          </p:cNvPr>
+          <p:cNvSpPr txBox="1"/>
+          <p:nvPr/>
+        </p:nvSpPr>
+        <p:spPr>
+          <a:xfrm>
+            <a:off x="8388424" y="0"/>
+            <a:ext cx="784189" cy="461665"/>
+          </a:xfrm>
+          <a:prstGeom prst="rect">
+            <a:avLst/>
+          </a:prstGeom>
+          <a:noFill/>
+        </p:spPr>
+        <p:txBody>
+          <a:bodyPr wrap="none" rtlCol="0">
+            <a:spAutoFit/>
+          </a:bodyPr>
+          <a:lstStyle/>
+          <a:p>
+            <a:r>
+              <a:rPr lang="en-GB" sz="2400" b="1" dirty="0">
+                <a:solidFill>
+                  <a:schemeClr val="bg1"/>
+                </a:solidFill>
+              </a:rPr>
+              <a:t>6/11</a:t>
+            </a:r>
+          </a:p>
+        </p:txBody>
+      </p:sp>
+    </p:spTree>
+    <p:extLst>
+      <p:ext uri="{BB962C8B-B14F-4D97-AF65-F5344CB8AC3E}">
+        <p14:creationId xmlns:p14="http://schemas.microsoft.com/office/powerpoint/2010/main" val="3664034791"/>
+      </p:ext>
+    </p:extLst>
+  </p:cSld>
+  <p:clrMapOvr>
+    <a:masterClrMapping/>
+  </p:clrMapOvr>
+</p:sld>
+</file>
+
 <file path=ppt/slides/slide7.xml><?xml version="1.0" encoding="utf-8"?>
 <p:sld xmlns:a="http://schemas.openxmlformats.org/drawingml/2006/main" xmlns:r="http://schemas.openxmlformats.org/officeDocument/2006/relationships" xmlns:p="http://schemas.openxmlformats.org/presentationml/2006/main">
   <p:cSld>
@@ -13701,6 +14830,809 @@
     <p:extLst>
       <p:ext uri="{BB962C8B-B14F-4D97-AF65-F5344CB8AC3E}">
         <p14:creationId xmlns:p14="http://schemas.microsoft.com/office/powerpoint/2010/main" val="1756858164"/>
+      </p:ext>
+    </p:extLst>
+  </p:cSld>
+  <p:clrMapOvr>
+    <a:masterClrMapping/>
+  </p:clrMapOvr>
+</p:sld>
+</file>
+
+<file path=ppt/slides/slide70.xml><?xml version="1.0" encoding="utf-8"?>
+<p:sld xmlns:a="http://schemas.openxmlformats.org/drawingml/2006/main" xmlns:r="http://schemas.openxmlformats.org/officeDocument/2006/relationships" xmlns:p="http://schemas.openxmlformats.org/presentationml/2006/main">
+  <p:cSld>
+    <p:spTree>
+      <p:nvGrpSpPr>
+        <p:cNvPr id="1" name="">
+          <a:extLst>
+            <a:ext uri="{FF2B5EF4-FFF2-40B4-BE49-F238E27FC236}">
+              <a16:creationId xmlns:a16="http://schemas.microsoft.com/office/drawing/2014/main" id="{160FC65F-6319-1DB6-E282-44C4E8ED76AB}"/>
+            </a:ext>
+          </a:extLst>
+        </p:cNvPr>
+        <p:cNvGrpSpPr/>
+        <p:nvPr/>
+      </p:nvGrpSpPr>
+      <p:grpSpPr>
+        <a:xfrm>
+          <a:off x="0" y="0"/>
+          <a:ext cx="0" cy="0"/>
+          <a:chOff x="0" y="0"/>
+          <a:chExt cx="0" cy="0"/>
+        </a:xfrm>
+      </p:grpSpPr>
+      <p:sp>
+        <p:nvSpPr>
+          <p:cNvPr id="3" name="Subtitle 2">
+            <a:extLst>
+              <a:ext uri="{FF2B5EF4-FFF2-40B4-BE49-F238E27FC236}">
+                <a16:creationId xmlns:a16="http://schemas.microsoft.com/office/drawing/2014/main" id="{5196B40A-4576-5E12-B95E-67B87AD662BA}"/>
+              </a:ext>
+            </a:extLst>
+          </p:cNvPr>
+          <p:cNvSpPr>
+            <a:spLocks noGrp="1"/>
+          </p:cNvSpPr>
+          <p:nvPr>
+            <p:ph type="subTitle" idx="1"/>
+          </p:nvPr>
+        </p:nvSpPr>
+        <p:spPr>
+          <a:xfrm>
+            <a:off x="203118" y="692696"/>
+            <a:ext cx="8640960" cy="6480720"/>
+          </a:xfrm>
+        </p:spPr>
+        <p:txBody>
+          <a:bodyPr>
+            <a:noAutofit/>
+          </a:bodyPr>
+          <a:lstStyle/>
+          <a:p>
+            <a:r>
+              <a:rPr lang="en-GB" sz="3600" dirty="0">
+                <a:solidFill>
+                  <a:schemeClr val="bg1"/>
+                </a:solidFill>
+              </a:rPr>
+              <a:t>Bless God when my hands are empty</a:t>
+            </a:r>
+          </a:p>
+          <a:p>
+            <a:r>
+              <a:rPr lang="en-GB" sz="3600" dirty="0">
+                <a:solidFill>
+                  <a:schemeClr val="bg1"/>
+                </a:solidFill>
+              </a:rPr>
+              <a:t>Bless God with a praise that costs me</a:t>
+            </a:r>
+          </a:p>
+          <a:p>
+            <a:r>
+              <a:rPr lang="en-GB" sz="3600" dirty="0">
+                <a:solidFill>
+                  <a:schemeClr val="bg1"/>
+                </a:solidFill>
+              </a:rPr>
+              <a:t>Bless God when nobody’s watching</a:t>
+            </a:r>
+          </a:p>
+          <a:p>
+            <a:r>
+              <a:rPr lang="en-GB" sz="3600" dirty="0">
+                <a:solidFill>
+                  <a:schemeClr val="bg1"/>
+                </a:solidFill>
+              </a:rPr>
+              <a:t>Every chance I get I bless Your name</a:t>
+            </a:r>
+          </a:p>
+        </p:txBody>
+      </p:sp>
+      <p:sp>
+        <p:nvSpPr>
+          <p:cNvPr id="4" name="TextBox 3">
+            <a:extLst>
+              <a:ext uri="{FF2B5EF4-FFF2-40B4-BE49-F238E27FC236}">
+                <a16:creationId xmlns:a16="http://schemas.microsoft.com/office/drawing/2014/main" id="{40F13681-1347-A03E-CCDC-4AD17D4D0939}"/>
+              </a:ext>
+            </a:extLst>
+          </p:cNvPr>
+          <p:cNvSpPr txBox="1"/>
+          <p:nvPr/>
+        </p:nvSpPr>
+        <p:spPr>
+          <a:xfrm>
+            <a:off x="8316416" y="0"/>
+            <a:ext cx="784189" cy="461665"/>
+          </a:xfrm>
+          <a:prstGeom prst="rect">
+            <a:avLst/>
+          </a:prstGeom>
+          <a:noFill/>
+        </p:spPr>
+        <p:txBody>
+          <a:bodyPr wrap="none" rtlCol="0">
+            <a:spAutoFit/>
+          </a:bodyPr>
+          <a:lstStyle/>
+          <a:p>
+            <a:r>
+              <a:rPr lang="en-GB" sz="2400" b="1" dirty="0">
+                <a:solidFill>
+                  <a:schemeClr val="bg1"/>
+                </a:solidFill>
+              </a:rPr>
+              <a:t>7/11</a:t>
+            </a:r>
+          </a:p>
+        </p:txBody>
+      </p:sp>
+    </p:spTree>
+    <p:extLst>
+      <p:ext uri="{BB962C8B-B14F-4D97-AF65-F5344CB8AC3E}">
+        <p14:creationId xmlns:p14="http://schemas.microsoft.com/office/powerpoint/2010/main" val="1691035940"/>
+      </p:ext>
+    </p:extLst>
+  </p:cSld>
+  <p:clrMapOvr>
+    <a:masterClrMapping/>
+  </p:clrMapOvr>
+</p:sld>
+</file>
+
+<file path=ppt/slides/slide71.xml><?xml version="1.0" encoding="utf-8"?>
+<p:sld xmlns:a="http://schemas.openxmlformats.org/drawingml/2006/main" xmlns:r="http://schemas.openxmlformats.org/officeDocument/2006/relationships" xmlns:p="http://schemas.openxmlformats.org/presentationml/2006/main">
+  <p:cSld>
+    <p:spTree>
+      <p:nvGrpSpPr>
+        <p:cNvPr id="1" name="">
+          <a:extLst>
+            <a:ext uri="{FF2B5EF4-FFF2-40B4-BE49-F238E27FC236}">
+              <a16:creationId xmlns:a16="http://schemas.microsoft.com/office/drawing/2014/main" id="{B230C18D-98C9-AEDA-F90F-C4266ADC1BF6}"/>
+            </a:ext>
+          </a:extLst>
+        </p:cNvPr>
+        <p:cNvGrpSpPr/>
+        <p:nvPr/>
+      </p:nvGrpSpPr>
+      <p:grpSpPr>
+        <a:xfrm>
+          <a:off x="0" y="0"/>
+          <a:ext cx="0" cy="0"/>
+          <a:chOff x="0" y="0"/>
+          <a:chExt cx="0" cy="0"/>
+        </a:xfrm>
+      </p:grpSpPr>
+      <p:sp>
+        <p:nvSpPr>
+          <p:cNvPr id="3" name="Subtitle 2">
+            <a:extLst>
+              <a:ext uri="{FF2B5EF4-FFF2-40B4-BE49-F238E27FC236}">
+                <a16:creationId xmlns:a16="http://schemas.microsoft.com/office/drawing/2014/main" id="{32AE24CE-6ADE-B2DE-EAAD-DCD1859E96D9}"/>
+              </a:ext>
+            </a:extLst>
+          </p:cNvPr>
+          <p:cNvSpPr>
+            <a:spLocks noGrp="1"/>
+          </p:cNvSpPr>
+          <p:nvPr>
+            <p:ph type="subTitle" idx="1"/>
+          </p:nvPr>
+        </p:nvSpPr>
+        <p:spPr>
+          <a:xfrm>
+            <a:off x="203118" y="692696"/>
+            <a:ext cx="8640960" cy="6480720"/>
+          </a:xfrm>
+        </p:spPr>
+        <p:txBody>
+          <a:bodyPr>
+            <a:noAutofit/>
+          </a:bodyPr>
+          <a:lstStyle/>
+          <a:p>
+            <a:r>
+              <a:rPr lang="en-GB" sz="3600" dirty="0">
+                <a:solidFill>
+                  <a:schemeClr val="bg1"/>
+                </a:solidFill>
+              </a:rPr>
+              <a:t>Bless God when the weapon’s forming</a:t>
+            </a:r>
+          </a:p>
+          <a:p>
+            <a:r>
+              <a:rPr lang="en-GB" sz="3600" dirty="0">
+                <a:solidFill>
+                  <a:schemeClr val="bg1"/>
+                </a:solidFill>
+              </a:rPr>
+              <a:t>Bless God when the walls are falling</a:t>
+            </a:r>
+          </a:p>
+          <a:p>
+            <a:r>
+              <a:rPr lang="en-GB" sz="3600" dirty="0">
+                <a:solidFill>
+                  <a:schemeClr val="bg1"/>
+                </a:solidFill>
+              </a:rPr>
+              <a:t>Bless God </a:t>
+            </a:r>
+            <a:r>
+              <a:rPr lang="en-GB" sz="3600" dirty="0" err="1">
+                <a:solidFill>
+                  <a:schemeClr val="bg1"/>
+                </a:solidFill>
+              </a:rPr>
+              <a:t>‘cause</a:t>
+            </a:r>
+            <a:r>
+              <a:rPr lang="en-GB" sz="3600" dirty="0">
+                <a:solidFill>
+                  <a:schemeClr val="bg1"/>
+                </a:solidFill>
+              </a:rPr>
+              <a:t> He goes before me</a:t>
+            </a:r>
+          </a:p>
+          <a:p>
+            <a:r>
+              <a:rPr lang="en-GB" sz="3600" dirty="0">
+                <a:solidFill>
+                  <a:schemeClr val="bg1"/>
+                </a:solidFill>
+              </a:rPr>
+              <a:t>Every chance I get I bless Your name</a:t>
+            </a:r>
+          </a:p>
+        </p:txBody>
+      </p:sp>
+      <p:sp>
+        <p:nvSpPr>
+          <p:cNvPr id="4" name="TextBox 3">
+            <a:extLst>
+              <a:ext uri="{FF2B5EF4-FFF2-40B4-BE49-F238E27FC236}">
+                <a16:creationId xmlns:a16="http://schemas.microsoft.com/office/drawing/2014/main" id="{E0FD1BAD-6226-C339-2A9E-473F9BE02B66}"/>
+              </a:ext>
+            </a:extLst>
+          </p:cNvPr>
+          <p:cNvSpPr txBox="1"/>
+          <p:nvPr/>
+        </p:nvSpPr>
+        <p:spPr>
+          <a:xfrm>
+            <a:off x="8388424" y="-3388"/>
+            <a:ext cx="784189" cy="461665"/>
+          </a:xfrm>
+          <a:prstGeom prst="rect">
+            <a:avLst/>
+          </a:prstGeom>
+          <a:noFill/>
+        </p:spPr>
+        <p:txBody>
+          <a:bodyPr wrap="none" rtlCol="0">
+            <a:spAutoFit/>
+          </a:bodyPr>
+          <a:lstStyle/>
+          <a:p>
+            <a:r>
+              <a:rPr lang="en-GB" sz="2400" b="1" dirty="0">
+                <a:solidFill>
+                  <a:schemeClr val="bg1"/>
+                </a:solidFill>
+              </a:rPr>
+              <a:t>8/11</a:t>
+            </a:r>
+          </a:p>
+        </p:txBody>
+      </p:sp>
+    </p:spTree>
+    <p:extLst>
+      <p:ext uri="{BB962C8B-B14F-4D97-AF65-F5344CB8AC3E}">
+        <p14:creationId xmlns:p14="http://schemas.microsoft.com/office/powerpoint/2010/main" val="4003699584"/>
+      </p:ext>
+    </p:extLst>
+  </p:cSld>
+  <p:clrMapOvr>
+    <a:masterClrMapping/>
+  </p:clrMapOvr>
+</p:sld>
+</file>
+
+<file path=ppt/slides/slide72.xml><?xml version="1.0" encoding="utf-8"?>
+<p:sld xmlns:a="http://schemas.openxmlformats.org/drawingml/2006/main" xmlns:r="http://schemas.openxmlformats.org/officeDocument/2006/relationships" xmlns:p="http://schemas.openxmlformats.org/presentationml/2006/main">
+  <p:cSld>
+    <p:spTree>
+      <p:nvGrpSpPr>
+        <p:cNvPr id="1" name="">
+          <a:extLst>
+            <a:ext uri="{FF2B5EF4-FFF2-40B4-BE49-F238E27FC236}">
+              <a16:creationId xmlns:a16="http://schemas.microsoft.com/office/drawing/2014/main" id="{3EC6869D-6CAD-9EF3-01FD-12974F768ED7}"/>
+            </a:ext>
+          </a:extLst>
+        </p:cNvPr>
+        <p:cNvGrpSpPr/>
+        <p:nvPr/>
+      </p:nvGrpSpPr>
+      <p:grpSpPr>
+        <a:xfrm>
+          <a:off x="0" y="0"/>
+          <a:ext cx="0" cy="0"/>
+          <a:chOff x="0" y="0"/>
+          <a:chExt cx="0" cy="0"/>
+        </a:xfrm>
+      </p:grpSpPr>
+      <p:sp>
+        <p:nvSpPr>
+          <p:cNvPr id="3" name="Subtitle 2">
+            <a:extLst>
+              <a:ext uri="{FF2B5EF4-FFF2-40B4-BE49-F238E27FC236}">
+                <a16:creationId xmlns:a16="http://schemas.microsoft.com/office/drawing/2014/main" id="{B754CEE4-344C-B59C-C736-F69525F02682}"/>
+              </a:ext>
+            </a:extLst>
+          </p:cNvPr>
+          <p:cNvSpPr>
+            <a:spLocks noGrp="1"/>
+          </p:cNvSpPr>
+          <p:nvPr>
+            <p:ph type="subTitle" idx="1"/>
+          </p:nvPr>
+        </p:nvSpPr>
+        <p:spPr>
+          <a:xfrm>
+            <a:off x="203118" y="692696"/>
+            <a:ext cx="8640960" cy="6480720"/>
+          </a:xfrm>
+        </p:spPr>
+        <p:txBody>
+          <a:bodyPr>
+            <a:noAutofit/>
+          </a:bodyPr>
+          <a:lstStyle/>
+          <a:p>
+            <a:r>
+              <a:rPr lang="en-GB" sz="3600" dirty="0">
+                <a:solidFill>
+                  <a:schemeClr val="bg1"/>
+                </a:solidFill>
+              </a:rPr>
+              <a:t>Bless God for He holds the </a:t>
+            </a:r>
+            <a:r>
+              <a:rPr lang="en-GB" sz="3600" dirty="0" err="1">
+                <a:solidFill>
+                  <a:schemeClr val="bg1"/>
+                </a:solidFill>
+              </a:rPr>
+              <a:t>vict’ry</a:t>
+            </a:r>
+            <a:endParaRPr lang="en-GB" sz="3600" dirty="0">
+              <a:solidFill>
+                <a:schemeClr val="bg1"/>
+              </a:solidFill>
+            </a:endParaRPr>
+          </a:p>
+          <a:p>
+            <a:r>
+              <a:rPr lang="en-GB" sz="3600" dirty="0">
+                <a:solidFill>
+                  <a:schemeClr val="bg1"/>
+                </a:solidFill>
+              </a:rPr>
+              <a:t>Bless God for He’s always with me</a:t>
+            </a:r>
+          </a:p>
+          <a:p>
+            <a:r>
+              <a:rPr lang="en-GB" sz="3600" dirty="0">
+                <a:solidFill>
+                  <a:schemeClr val="bg1"/>
+                </a:solidFill>
+              </a:rPr>
+              <a:t>Bless God for He’s always worthy</a:t>
+            </a:r>
+          </a:p>
+          <a:p>
+            <a:r>
+              <a:rPr lang="en-GB" sz="3600" dirty="0">
+                <a:solidFill>
+                  <a:schemeClr val="bg1"/>
+                </a:solidFill>
+              </a:rPr>
+              <a:t>Every chance I get I bless Your name</a:t>
+            </a:r>
+            <a:br>
+              <a:rPr lang="en-GB" sz="3600" dirty="0">
+                <a:solidFill>
+                  <a:schemeClr val="bg1"/>
+                </a:solidFill>
+              </a:rPr>
+            </a:br>
+            <a:r>
+              <a:rPr lang="en-GB" sz="3600" dirty="0">
+                <a:solidFill>
+                  <a:schemeClr val="bg1"/>
+                </a:solidFill>
+              </a:rPr>
+              <a:t>Every chance I get I bless Your name</a:t>
+            </a:r>
+          </a:p>
+          <a:p>
+            <a:r>
+              <a:rPr lang="en-GB" sz="3600" dirty="0">
+                <a:solidFill>
+                  <a:schemeClr val="bg1"/>
+                </a:solidFill>
+              </a:rPr>
+              <a:t>Every chance I get</a:t>
+            </a:r>
+          </a:p>
+        </p:txBody>
+      </p:sp>
+      <p:sp>
+        <p:nvSpPr>
+          <p:cNvPr id="4" name="TextBox 3">
+            <a:extLst>
+              <a:ext uri="{FF2B5EF4-FFF2-40B4-BE49-F238E27FC236}">
+                <a16:creationId xmlns:a16="http://schemas.microsoft.com/office/drawing/2014/main" id="{373F334A-8846-181A-4AE4-F9CC335A2A80}"/>
+              </a:ext>
+            </a:extLst>
+          </p:cNvPr>
+          <p:cNvSpPr txBox="1"/>
+          <p:nvPr/>
+        </p:nvSpPr>
+        <p:spPr>
+          <a:xfrm>
+            <a:off x="8194495" y="0"/>
+            <a:ext cx="914019" cy="461665"/>
+          </a:xfrm>
+          <a:prstGeom prst="rect">
+            <a:avLst/>
+          </a:prstGeom>
+          <a:noFill/>
+        </p:spPr>
+        <p:txBody>
+          <a:bodyPr wrap="square" rtlCol="0">
+            <a:spAutoFit/>
+          </a:bodyPr>
+          <a:lstStyle/>
+          <a:p>
+            <a:r>
+              <a:rPr lang="en-GB" sz="2400" b="1" dirty="0">
+                <a:solidFill>
+                  <a:schemeClr val="bg1"/>
+                </a:solidFill>
+              </a:rPr>
+              <a:t>9/11</a:t>
+            </a:r>
+          </a:p>
+        </p:txBody>
+      </p:sp>
+    </p:spTree>
+    <p:extLst>
+      <p:ext uri="{BB962C8B-B14F-4D97-AF65-F5344CB8AC3E}">
+        <p14:creationId xmlns:p14="http://schemas.microsoft.com/office/powerpoint/2010/main" val="1831830777"/>
+      </p:ext>
+    </p:extLst>
+  </p:cSld>
+  <p:clrMapOvr>
+    <a:masterClrMapping/>
+  </p:clrMapOvr>
+</p:sld>
+</file>
+
+<file path=ppt/slides/slide73.xml><?xml version="1.0" encoding="utf-8"?>
+<p:sld xmlns:a="http://schemas.openxmlformats.org/drawingml/2006/main" xmlns:r="http://schemas.openxmlformats.org/officeDocument/2006/relationships" xmlns:p="http://schemas.openxmlformats.org/presentationml/2006/main">
+  <p:cSld>
+    <p:spTree>
+      <p:nvGrpSpPr>
+        <p:cNvPr id="1" name="">
+          <a:extLst>
+            <a:ext uri="{FF2B5EF4-FFF2-40B4-BE49-F238E27FC236}">
+              <a16:creationId xmlns:a16="http://schemas.microsoft.com/office/drawing/2014/main" id="{F16750AD-7CEE-59A1-0EB0-8DE0AD5174E6}"/>
+            </a:ext>
+          </a:extLst>
+        </p:cNvPr>
+        <p:cNvGrpSpPr/>
+        <p:nvPr/>
+      </p:nvGrpSpPr>
+      <p:grpSpPr>
+        <a:xfrm>
+          <a:off x="0" y="0"/>
+          <a:ext cx="0" cy="0"/>
+          <a:chOff x="0" y="0"/>
+          <a:chExt cx="0" cy="0"/>
+        </a:xfrm>
+      </p:grpSpPr>
+      <p:sp>
+        <p:nvSpPr>
+          <p:cNvPr id="3" name="Subtitle 2">
+            <a:extLst>
+              <a:ext uri="{FF2B5EF4-FFF2-40B4-BE49-F238E27FC236}">
+                <a16:creationId xmlns:a16="http://schemas.microsoft.com/office/drawing/2014/main" id="{4FF509A7-119E-C55B-8F57-AB7A39A23D7F}"/>
+              </a:ext>
+            </a:extLst>
+          </p:cNvPr>
+          <p:cNvSpPr>
+            <a:spLocks noGrp="1"/>
+          </p:cNvSpPr>
+          <p:nvPr>
+            <p:ph type="subTitle" idx="1"/>
+          </p:nvPr>
+        </p:nvSpPr>
+        <p:spPr>
+          <a:xfrm>
+            <a:off x="203118" y="692696"/>
+            <a:ext cx="8640960" cy="6480720"/>
+          </a:xfrm>
+        </p:spPr>
+        <p:txBody>
+          <a:bodyPr>
+            <a:noAutofit/>
+          </a:bodyPr>
+          <a:lstStyle/>
+          <a:p>
+            <a:r>
+              <a:rPr lang="en-GB" sz="3600" dirty="0">
+                <a:solidFill>
+                  <a:schemeClr val="bg1"/>
+                </a:solidFill>
+              </a:rPr>
+              <a:t>Come on and praise the Lord with me</a:t>
+            </a:r>
+          </a:p>
+          <a:p>
+            <a:r>
+              <a:rPr lang="en-GB" sz="3600" dirty="0">
+                <a:solidFill>
+                  <a:schemeClr val="bg1"/>
+                </a:solidFill>
+              </a:rPr>
+              <a:t>Sing if you love His name</a:t>
+            </a:r>
+          </a:p>
+          <a:p>
+            <a:r>
+              <a:rPr lang="en-GB" sz="3600" dirty="0">
+                <a:solidFill>
+                  <a:schemeClr val="bg1"/>
+                </a:solidFill>
+              </a:rPr>
+              <a:t>Come on and lift your voice with me</a:t>
+            </a:r>
+          </a:p>
+          <a:p>
+            <a:r>
+              <a:rPr lang="en-GB" sz="3600" dirty="0">
+                <a:solidFill>
+                  <a:schemeClr val="bg1"/>
+                </a:solidFill>
+              </a:rPr>
+              <a:t>He’s worthy of all our praise</a:t>
+            </a:r>
+          </a:p>
+        </p:txBody>
+      </p:sp>
+      <p:sp>
+        <p:nvSpPr>
+          <p:cNvPr id="4" name="TextBox 3">
+            <a:extLst>
+              <a:ext uri="{FF2B5EF4-FFF2-40B4-BE49-F238E27FC236}">
+                <a16:creationId xmlns:a16="http://schemas.microsoft.com/office/drawing/2014/main" id="{4B962C56-5CB3-0CDD-257D-EE027C825571}"/>
+              </a:ext>
+            </a:extLst>
+          </p:cNvPr>
+          <p:cNvSpPr txBox="1"/>
+          <p:nvPr/>
+        </p:nvSpPr>
+        <p:spPr>
+          <a:xfrm>
+            <a:off x="8316416" y="-14818"/>
+            <a:ext cx="939681" cy="461665"/>
+          </a:xfrm>
+          <a:prstGeom prst="rect">
+            <a:avLst/>
+          </a:prstGeom>
+          <a:noFill/>
+        </p:spPr>
+        <p:txBody>
+          <a:bodyPr wrap="none" rtlCol="0">
+            <a:spAutoFit/>
+          </a:bodyPr>
+          <a:lstStyle/>
+          <a:p>
+            <a:r>
+              <a:rPr lang="en-GB" sz="2400" b="1" dirty="0">
+                <a:solidFill>
+                  <a:schemeClr val="bg1"/>
+                </a:solidFill>
+              </a:rPr>
+              <a:t>10/11</a:t>
+            </a:r>
+          </a:p>
+        </p:txBody>
+      </p:sp>
+    </p:spTree>
+    <p:extLst>
+      <p:ext uri="{BB962C8B-B14F-4D97-AF65-F5344CB8AC3E}">
+        <p14:creationId xmlns:p14="http://schemas.microsoft.com/office/powerpoint/2010/main" val="436668353"/>
+      </p:ext>
+    </p:extLst>
+  </p:cSld>
+  <p:clrMapOvr>
+    <a:masterClrMapping/>
+  </p:clrMapOvr>
+</p:sld>
+</file>
+
+<file path=ppt/slides/slide74.xml><?xml version="1.0" encoding="utf-8"?>
+<p:sld xmlns:a="http://schemas.openxmlformats.org/drawingml/2006/main" xmlns:r="http://schemas.openxmlformats.org/officeDocument/2006/relationships" xmlns:p="http://schemas.openxmlformats.org/presentationml/2006/main">
+  <p:cSld>
+    <p:spTree>
+      <p:nvGrpSpPr>
+        <p:cNvPr id="1" name="">
+          <a:extLst>
+            <a:ext uri="{FF2B5EF4-FFF2-40B4-BE49-F238E27FC236}">
+              <a16:creationId xmlns:a16="http://schemas.microsoft.com/office/drawing/2014/main" id="{A836C53B-89CB-7F86-910D-C415B9216E53}"/>
+            </a:ext>
+          </a:extLst>
+        </p:cNvPr>
+        <p:cNvGrpSpPr/>
+        <p:nvPr/>
+      </p:nvGrpSpPr>
+      <p:grpSpPr>
+        <a:xfrm>
+          <a:off x="0" y="0"/>
+          <a:ext cx="0" cy="0"/>
+          <a:chOff x="0" y="0"/>
+          <a:chExt cx="0" cy="0"/>
+        </a:xfrm>
+      </p:grpSpPr>
+      <p:sp>
+        <p:nvSpPr>
+          <p:cNvPr id="3" name="Subtitle 2">
+            <a:extLst>
+              <a:ext uri="{FF2B5EF4-FFF2-40B4-BE49-F238E27FC236}">
+                <a16:creationId xmlns:a16="http://schemas.microsoft.com/office/drawing/2014/main" id="{2D72D447-60A1-09D4-6F36-219D95EACD81}"/>
+              </a:ext>
+            </a:extLst>
+          </p:cNvPr>
+          <p:cNvSpPr>
+            <a:spLocks noGrp="1"/>
+          </p:cNvSpPr>
+          <p:nvPr>
+            <p:ph type="subTitle" idx="1"/>
+          </p:nvPr>
+        </p:nvSpPr>
+        <p:spPr>
+          <a:xfrm>
+            <a:off x="203118" y="692696"/>
+            <a:ext cx="8640960" cy="6480720"/>
+          </a:xfrm>
+        </p:spPr>
+        <p:txBody>
+          <a:bodyPr>
+            <a:noAutofit/>
+          </a:bodyPr>
+          <a:lstStyle/>
+          <a:p>
+            <a:r>
+              <a:rPr lang="en-GB" sz="3600" dirty="0">
+                <a:solidFill>
+                  <a:schemeClr val="bg1"/>
+                </a:solidFill>
+              </a:rPr>
+              <a:t>Come on and bring your offering</a:t>
+            </a:r>
+          </a:p>
+          <a:p>
+            <a:r>
+              <a:rPr lang="en-GB" sz="3600" dirty="0">
+                <a:solidFill>
+                  <a:schemeClr val="bg1"/>
+                </a:solidFill>
+              </a:rPr>
+              <a:t>Sing if you’ve known His grace</a:t>
+            </a:r>
+          </a:p>
+          <a:p>
+            <a:r>
+              <a:rPr lang="en-GB" sz="3600" dirty="0">
+                <a:solidFill>
+                  <a:schemeClr val="bg1"/>
+                </a:solidFill>
+              </a:rPr>
+              <a:t>Come on and lift up your holy hands</a:t>
+            </a:r>
+          </a:p>
+          <a:p>
+            <a:r>
+              <a:rPr lang="en-GB" sz="3600" dirty="0">
+                <a:solidFill>
+                  <a:schemeClr val="bg1"/>
+                </a:solidFill>
+              </a:rPr>
+              <a:t>He’s worthy of all our praise</a:t>
+            </a:r>
+            <a:br>
+              <a:rPr lang="en-GB" sz="3600" dirty="0">
+                <a:solidFill>
+                  <a:schemeClr val="bg1"/>
+                </a:solidFill>
+              </a:rPr>
+            </a:br>
+            <a:br>
+              <a:rPr lang="en-GB" sz="3600" dirty="0">
+                <a:solidFill>
+                  <a:schemeClr val="bg1"/>
+                </a:solidFill>
+              </a:rPr>
+            </a:br>
+            <a:r>
+              <a:rPr lang="en-GB" sz="3600" dirty="0">
+                <a:solidFill>
+                  <a:schemeClr val="bg1"/>
+                </a:solidFill>
+              </a:rPr>
+              <a:t>He’s worthy of all our praise</a:t>
+            </a:r>
+          </a:p>
+          <a:p>
+            <a:endParaRPr lang="en-GB" sz="3600" dirty="0">
+              <a:solidFill>
+                <a:schemeClr val="bg1"/>
+              </a:solidFill>
+            </a:endParaRPr>
+          </a:p>
+        </p:txBody>
+      </p:sp>
+      <p:sp>
+        <p:nvSpPr>
+          <p:cNvPr id="4" name="TextBox 3">
+            <a:extLst>
+              <a:ext uri="{FF2B5EF4-FFF2-40B4-BE49-F238E27FC236}">
+                <a16:creationId xmlns:a16="http://schemas.microsoft.com/office/drawing/2014/main" id="{570D5EB7-C08C-4F9A-5954-6BC8445A9047}"/>
+              </a:ext>
+            </a:extLst>
+          </p:cNvPr>
+          <p:cNvSpPr txBox="1"/>
+          <p:nvPr/>
+        </p:nvSpPr>
+        <p:spPr>
+          <a:xfrm>
+            <a:off x="8172400" y="19472"/>
+            <a:ext cx="939681" cy="461665"/>
+          </a:xfrm>
+          <a:prstGeom prst="rect">
+            <a:avLst/>
+          </a:prstGeom>
+          <a:noFill/>
+        </p:spPr>
+        <p:txBody>
+          <a:bodyPr wrap="none" rtlCol="0">
+            <a:spAutoFit/>
+          </a:bodyPr>
+          <a:lstStyle/>
+          <a:p>
+            <a:r>
+              <a:rPr lang="en-GB" sz="2400" b="1" dirty="0">
+                <a:solidFill>
+                  <a:schemeClr val="bg1"/>
+                </a:solidFill>
+              </a:rPr>
+              <a:t>11/11</a:t>
+            </a:r>
+          </a:p>
+        </p:txBody>
+      </p:sp>
+    </p:spTree>
+    <p:extLst>
+      <p:ext uri="{BB962C8B-B14F-4D97-AF65-F5344CB8AC3E}">
+        <p14:creationId xmlns:p14="http://schemas.microsoft.com/office/powerpoint/2010/main" val="2985507449"/>
       </p:ext>
     </p:extLst>
   </p:cSld>
